--- a/Docs/Presentations/Slides/#3.pptx
+++ b/Docs/Presentations/Slides/#3.pptx
@@ -4,8 +4,11 @@
   <p:sldMasterIdLst>
     <p:sldMasterId id="2147483648" r:id="rId1"/>
   </p:sldMasterIdLst>
+  <p:notesMasterIdLst>
+    <p:notesMasterId r:id="rId3"/>
+  </p:notesMasterIdLst>
   <p:sldIdLst>
-    <p:sldId id="256" r:id="rId2"/>
+    <p:sldId id="257" r:id="rId2"/>
   </p:sldIdLst>
   <p:sldSz cx="12192000" cy="6858000"/>
   <p:notesSz cx="6858000" cy="9144000"/>
@@ -104,7 +107,446 @@
       </a:defRPr>
     </a:lvl9pPr>
   </p:defaultTextStyle>
+  <p:extLst>
+    <p:ext uri="{EFAFB233-063F-42B5-8137-9DF3F51BA10A}">
+      <p15:sldGuideLst xmlns:p15="http://schemas.microsoft.com/office/powerpoint/2012/main"/>
+    </p:ext>
+  </p:extLst>
 </p:presentation>
+</file>
+
+<file path=ppt/notesMasters/notesMaster1.xml><?xml version="1.0" encoding="utf-8"?>
+<p:notesMaster xmlns:a="http://schemas.openxmlformats.org/drawingml/2006/main" xmlns:r="http://schemas.openxmlformats.org/officeDocument/2006/relationships" xmlns:p="http://schemas.openxmlformats.org/presentationml/2006/main">
+  <p:cSld>
+    <p:bg>
+      <p:bgRef idx="1001">
+        <a:schemeClr val="bg1"/>
+      </p:bgRef>
+    </p:bg>
+    <p:spTree>
+      <p:nvGrpSpPr>
+        <p:cNvPr id="1" name=""/>
+        <p:cNvGrpSpPr/>
+        <p:nvPr/>
+      </p:nvGrpSpPr>
+      <p:grpSpPr>
+        <a:xfrm>
+          <a:off x="0" y="0"/>
+          <a:ext cx="0" cy="0"/>
+          <a:chOff x="0" y="0"/>
+          <a:chExt cx="0" cy="0"/>
+        </a:xfrm>
+      </p:grpSpPr>
+      <p:sp>
+        <p:nvSpPr>
+          <p:cNvPr id="2" name="Header Placeholder 1"/>
+          <p:cNvSpPr>
+            <a:spLocks noGrp="1"/>
+          </p:cNvSpPr>
+          <p:nvPr>
+            <p:ph type="hdr" sz="quarter"/>
+          </p:nvPr>
+        </p:nvSpPr>
+        <p:spPr>
+          <a:xfrm>
+            <a:off x="0" y="0"/>
+            <a:ext cx="2971800" cy="458788"/>
+          </a:xfrm>
+          <a:prstGeom prst="rect">
+            <a:avLst/>
+          </a:prstGeom>
+        </p:spPr>
+        <p:txBody>
+          <a:bodyPr vert="horz" lIns="91440" tIns="45720" rIns="91440" bIns="45720" rtlCol="0"/>
+          <a:lstStyle>
+            <a:lvl1pPr algn="l">
+              <a:defRPr sz="1200"/>
+            </a:lvl1pPr>
+          </a:lstStyle>
+          <a:p>
+            <a:endParaRPr lang="en-US"/>
+          </a:p>
+        </p:txBody>
+      </p:sp>
+      <p:sp>
+        <p:nvSpPr>
+          <p:cNvPr id="3" name="Date Placeholder 2"/>
+          <p:cNvSpPr>
+            <a:spLocks noGrp="1"/>
+          </p:cNvSpPr>
+          <p:nvPr>
+            <p:ph type="dt" idx="1"/>
+          </p:nvPr>
+        </p:nvSpPr>
+        <p:spPr>
+          <a:xfrm>
+            <a:off x="3884613" y="0"/>
+            <a:ext cx="2971800" cy="458788"/>
+          </a:xfrm>
+          <a:prstGeom prst="rect">
+            <a:avLst/>
+          </a:prstGeom>
+        </p:spPr>
+        <p:txBody>
+          <a:bodyPr vert="horz" lIns="91440" tIns="45720" rIns="91440" bIns="45720" rtlCol="0"/>
+          <a:lstStyle>
+            <a:lvl1pPr algn="r">
+              <a:defRPr sz="1200"/>
+            </a:lvl1pPr>
+          </a:lstStyle>
+          <a:p>
+            <a:fld id="{413CF01D-1BB9-40CB-B7A4-F6A76947D581}" type="datetimeFigureOut">
+              <a:rPr lang="en-US" smtClean="0"/>
+              <a:t>6/5/2017</a:t>
+            </a:fld>
+            <a:endParaRPr lang="en-US"/>
+          </a:p>
+        </p:txBody>
+      </p:sp>
+      <p:sp>
+        <p:nvSpPr>
+          <p:cNvPr id="4" name="Slide Image Placeholder 3"/>
+          <p:cNvSpPr>
+            <a:spLocks noGrp="1" noRot="1" noChangeAspect="1"/>
+          </p:cNvSpPr>
+          <p:nvPr>
+            <p:ph type="sldImg" idx="2"/>
+          </p:nvPr>
+        </p:nvSpPr>
+        <p:spPr>
+          <a:xfrm>
+            <a:off x="685800" y="1143000"/>
+            <a:ext cx="5486400" cy="3086100"/>
+          </a:xfrm>
+          <a:prstGeom prst="rect">
+            <a:avLst/>
+          </a:prstGeom>
+          <a:noFill/>
+          <a:ln w="12700">
+            <a:solidFill>
+              <a:prstClr val="black"/>
+            </a:solidFill>
+          </a:ln>
+        </p:spPr>
+        <p:txBody>
+          <a:bodyPr vert="horz" lIns="91440" tIns="45720" rIns="91440" bIns="45720" rtlCol="0" anchor="ctr"/>
+          <a:lstStyle/>
+          <a:p>
+            <a:endParaRPr lang="en-US"/>
+          </a:p>
+        </p:txBody>
+      </p:sp>
+      <p:sp>
+        <p:nvSpPr>
+          <p:cNvPr id="5" name="Notes Placeholder 4"/>
+          <p:cNvSpPr>
+            <a:spLocks noGrp="1"/>
+          </p:cNvSpPr>
+          <p:nvPr>
+            <p:ph type="body" sz="quarter" idx="3"/>
+          </p:nvPr>
+        </p:nvSpPr>
+        <p:spPr>
+          <a:xfrm>
+            <a:off x="685800" y="4400550"/>
+            <a:ext cx="5486400" cy="3600450"/>
+          </a:xfrm>
+          <a:prstGeom prst="rect">
+            <a:avLst/>
+          </a:prstGeom>
+        </p:spPr>
+        <p:txBody>
+          <a:bodyPr vert="horz" lIns="91440" tIns="45720" rIns="91440" bIns="45720" rtlCol="0"/>
+          <a:lstStyle/>
+          <a:p>
+            <a:pPr lvl="0"/>
+            <a:r>
+              <a:rPr lang="en-US" smtClean="0"/>
+              <a:t>Edit Master text styles</a:t>
+            </a:r>
+          </a:p>
+          <a:p>
+            <a:pPr lvl="1"/>
+            <a:r>
+              <a:rPr lang="en-US" smtClean="0"/>
+              <a:t>Second level</a:t>
+            </a:r>
+          </a:p>
+          <a:p>
+            <a:pPr lvl="2"/>
+            <a:r>
+              <a:rPr lang="en-US" smtClean="0"/>
+              <a:t>Third level</a:t>
+            </a:r>
+          </a:p>
+          <a:p>
+            <a:pPr lvl="3"/>
+            <a:r>
+              <a:rPr lang="en-US" smtClean="0"/>
+              <a:t>Fourth level</a:t>
+            </a:r>
+          </a:p>
+          <a:p>
+            <a:pPr lvl="4"/>
+            <a:r>
+              <a:rPr lang="en-US" smtClean="0"/>
+              <a:t>Fifth level</a:t>
+            </a:r>
+            <a:endParaRPr lang="en-US"/>
+          </a:p>
+        </p:txBody>
+      </p:sp>
+      <p:sp>
+        <p:nvSpPr>
+          <p:cNvPr id="6" name="Footer Placeholder 5"/>
+          <p:cNvSpPr>
+            <a:spLocks noGrp="1"/>
+          </p:cNvSpPr>
+          <p:nvPr>
+            <p:ph type="ftr" sz="quarter" idx="4"/>
+          </p:nvPr>
+        </p:nvSpPr>
+        <p:spPr>
+          <a:xfrm>
+            <a:off x="0" y="8685213"/>
+            <a:ext cx="2971800" cy="458787"/>
+          </a:xfrm>
+          <a:prstGeom prst="rect">
+            <a:avLst/>
+          </a:prstGeom>
+        </p:spPr>
+        <p:txBody>
+          <a:bodyPr vert="horz" lIns="91440" tIns="45720" rIns="91440" bIns="45720" rtlCol="0" anchor="b"/>
+          <a:lstStyle>
+            <a:lvl1pPr algn="l">
+              <a:defRPr sz="1200"/>
+            </a:lvl1pPr>
+          </a:lstStyle>
+          <a:p>
+            <a:endParaRPr lang="en-US"/>
+          </a:p>
+        </p:txBody>
+      </p:sp>
+      <p:sp>
+        <p:nvSpPr>
+          <p:cNvPr id="7" name="Slide Number Placeholder 6"/>
+          <p:cNvSpPr>
+            <a:spLocks noGrp="1"/>
+          </p:cNvSpPr>
+          <p:nvPr>
+            <p:ph type="sldNum" sz="quarter" idx="5"/>
+          </p:nvPr>
+        </p:nvSpPr>
+        <p:spPr>
+          <a:xfrm>
+            <a:off x="3884613" y="8685213"/>
+            <a:ext cx="2971800" cy="458787"/>
+          </a:xfrm>
+          <a:prstGeom prst="rect">
+            <a:avLst/>
+          </a:prstGeom>
+        </p:spPr>
+        <p:txBody>
+          <a:bodyPr vert="horz" lIns="91440" tIns="45720" rIns="91440" bIns="45720" rtlCol="0" anchor="b"/>
+          <a:lstStyle>
+            <a:lvl1pPr algn="r">
+              <a:defRPr sz="1200"/>
+            </a:lvl1pPr>
+          </a:lstStyle>
+          <a:p>
+            <a:fld id="{1717C9F0-675B-419A-B280-9E077A0EB0F6}" type="slidenum">
+              <a:rPr lang="en-US" smtClean="0"/>
+              <a:t>‹#›</a:t>
+            </a:fld>
+            <a:endParaRPr lang="en-US"/>
+          </a:p>
+        </p:txBody>
+      </p:sp>
+    </p:spTree>
+    <p:extLst>
+      <p:ext uri="{BB962C8B-B14F-4D97-AF65-F5344CB8AC3E}">
+        <p14:creationId xmlns:p14="http://schemas.microsoft.com/office/powerpoint/2010/main" val="696287497"/>
+      </p:ext>
+    </p:extLst>
+  </p:cSld>
+  <p:clrMap bg1="lt1" tx1="dk1" bg2="lt2" tx2="dk2" accent1="accent1" accent2="accent2" accent3="accent3" accent4="accent4" accent5="accent5" accent6="accent6" hlink="hlink" folHlink="folHlink"/>
+  <p:notesStyle>
+    <a:lvl1pPr marL="0" algn="l" defTabSz="914400" rtl="0" eaLnBrk="1" latinLnBrk="0" hangingPunct="1">
+      <a:defRPr sz="1200" kern="1200">
+        <a:solidFill>
+          <a:schemeClr val="tx1"/>
+        </a:solidFill>
+        <a:latin typeface="+mn-lt"/>
+        <a:ea typeface="+mn-ea"/>
+        <a:cs typeface="+mn-cs"/>
+      </a:defRPr>
+    </a:lvl1pPr>
+    <a:lvl2pPr marL="457200" algn="l" defTabSz="914400" rtl="0" eaLnBrk="1" latinLnBrk="0" hangingPunct="1">
+      <a:defRPr sz="1200" kern="1200">
+        <a:solidFill>
+          <a:schemeClr val="tx1"/>
+        </a:solidFill>
+        <a:latin typeface="+mn-lt"/>
+        <a:ea typeface="+mn-ea"/>
+        <a:cs typeface="+mn-cs"/>
+      </a:defRPr>
+    </a:lvl2pPr>
+    <a:lvl3pPr marL="914400" algn="l" defTabSz="914400" rtl="0" eaLnBrk="1" latinLnBrk="0" hangingPunct="1">
+      <a:defRPr sz="1200" kern="1200">
+        <a:solidFill>
+          <a:schemeClr val="tx1"/>
+        </a:solidFill>
+        <a:latin typeface="+mn-lt"/>
+        <a:ea typeface="+mn-ea"/>
+        <a:cs typeface="+mn-cs"/>
+      </a:defRPr>
+    </a:lvl3pPr>
+    <a:lvl4pPr marL="1371600" algn="l" defTabSz="914400" rtl="0" eaLnBrk="1" latinLnBrk="0" hangingPunct="1">
+      <a:defRPr sz="1200" kern="1200">
+        <a:solidFill>
+          <a:schemeClr val="tx1"/>
+        </a:solidFill>
+        <a:latin typeface="+mn-lt"/>
+        <a:ea typeface="+mn-ea"/>
+        <a:cs typeface="+mn-cs"/>
+      </a:defRPr>
+    </a:lvl4pPr>
+    <a:lvl5pPr marL="1828800" algn="l" defTabSz="914400" rtl="0" eaLnBrk="1" latinLnBrk="0" hangingPunct="1">
+      <a:defRPr sz="1200" kern="1200">
+        <a:solidFill>
+          <a:schemeClr val="tx1"/>
+        </a:solidFill>
+        <a:latin typeface="+mn-lt"/>
+        <a:ea typeface="+mn-ea"/>
+        <a:cs typeface="+mn-cs"/>
+      </a:defRPr>
+    </a:lvl5pPr>
+    <a:lvl6pPr marL="2286000" algn="l" defTabSz="914400" rtl="0" eaLnBrk="1" latinLnBrk="0" hangingPunct="1">
+      <a:defRPr sz="1200" kern="1200">
+        <a:solidFill>
+          <a:schemeClr val="tx1"/>
+        </a:solidFill>
+        <a:latin typeface="+mn-lt"/>
+        <a:ea typeface="+mn-ea"/>
+        <a:cs typeface="+mn-cs"/>
+      </a:defRPr>
+    </a:lvl6pPr>
+    <a:lvl7pPr marL="2743200" algn="l" defTabSz="914400" rtl="0" eaLnBrk="1" latinLnBrk="0" hangingPunct="1">
+      <a:defRPr sz="1200" kern="1200">
+        <a:solidFill>
+          <a:schemeClr val="tx1"/>
+        </a:solidFill>
+        <a:latin typeface="+mn-lt"/>
+        <a:ea typeface="+mn-ea"/>
+        <a:cs typeface="+mn-cs"/>
+      </a:defRPr>
+    </a:lvl7pPr>
+    <a:lvl8pPr marL="3200400" algn="l" defTabSz="914400" rtl="0" eaLnBrk="1" latinLnBrk="0" hangingPunct="1">
+      <a:defRPr sz="1200" kern="1200">
+        <a:solidFill>
+          <a:schemeClr val="tx1"/>
+        </a:solidFill>
+        <a:latin typeface="+mn-lt"/>
+        <a:ea typeface="+mn-ea"/>
+        <a:cs typeface="+mn-cs"/>
+      </a:defRPr>
+    </a:lvl8pPr>
+    <a:lvl9pPr marL="3657600" algn="l" defTabSz="914400" rtl="0" eaLnBrk="1" latinLnBrk="0" hangingPunct="1">
+      <a:defRPr sz="1200" kern="1200">
+        <a:solidFill>
+          <a:schemeClr val="tx1"/>
+        </a:solidFill>
+        <a:latin typeface="+mn-lt"/>
+        <a:ea typeface="+mn-ea"/>
+        <a:cs typeface="+mn-cs"/>
+      </a:defRPr>
+    </a:lvl9pPr>
+  </p:notesStyle>
+</p:notesMaster>
+</file>
+
+<file path=ppt/notesSlides/notesSlide1.xml><?xml version="1.0" encoding="utf-8"?>
+<p:notes xmlns:a="http://schemas.openxmlformats.org/drawingml/2006/main" xmlns:r="http://schemas.openxmlformats.org/officeDocument/2006/relationships" xmlns:p="http://schemas.openxmlformats.org/presentationml/2006/main">
+  <p:cSld>
+    <p:spTree>
+      <p:nvGrpSpPr>
+        <p:cNvPr id="1" name=""/>
+        <p:cNvGrpSpPr/>
+        <p:nvPr/>
+      </p:nvGrpSpPr>
+      <p:grpSpPr>
+        <a:xfrm>
+          <a:off x="0" y="0"/>
+          <a:ext cx="0" cy="0"/>
+          <a:chOff x="0" y="0"/>
+          <a:chExt cx="0" cy="0"/>
+        </a:xfrm>
+      </p:grpSpPr>
+      <p:sp>
+        <p:nvSpPr>
+          <p:cNvPr id="2" name="Slide Image Placeholder 1"/>
+          <p:cNvSpPr>
+            <a:spLocks noGrp="1" noRot="1" noChangeAspect="1"/>
+          </p:cNvSpPr>
+          <p:nvPr>
+            <p:ph type="sldImg"/>
+          </p:nvPr>
+        </p:nvSpPr>
+        <p:spPr/>
+      </p:sp>
+      <p:sp>
+        <p:nvSpPr>
+          <p:cNvPr id="3" name="Notes Placeholder 2"/>
+          <p:cNvSpPr>
+            <a:spLocks noGrp="1"/>
+          </p:cNvSpPr>
+          <p:nvPr>
+            <p:ph type="body" idx="1"/>
+          </p:nvPr>
+        </p:nvSpPr>
+        <p:spPr/>
+        <p:txBody>
+          <a:bodyPr/>
+          <a:lstStyle/>
+          <a:p>
+            <a:endParaRPr lang="en-US"/>
+          </a:p>
+        </p:txBody>
+      </p:sp>
+      <p:sp>
+        <p:nvSpPr>
+          <p:cNvPr id="4" name="Slide Number Placeholder 3"/>
+          <p:cNvSpPr>
+            <a:spLocks noGrp="1"/>
+          </p:cNvSpPr>
+          <p:nvPr>
+            <p:ph type="sldNum" sz="quarter" idx="10"/>
+          </p:nvPr>
+        </p:nvSpPr>
+        <p:spPr/>
+        <p:txBody>
+          <a:bodyPr/>
+          <a:lstStyle/>
+          <a:p>
+            <a:fld id="{41270EAE-2722-4055-9DC6-0148D79BD176}" type="slidenum">
+              <a:rPr lang="en-US" smtClean="0"/>
+              <a:t>1</a:t>
+            </a:fld>
+            <a:endParaRPr lang="en-US"/>
+          </a:p>
+        </p:txBody>
+      </p:sp>
+    </p:spTree>
+    <p:extLst>
+      <p:ext uri="{BB962C8B-B14F-4D97-AF65-F5344CB8AC3E}">
+        <p14:creationId xmlns:p14="http://schemas.microsoft.com/office/powerpoint/2010/main" val="1401302476"/>
+      </p:ext>
+    </p:extLst>
+  </p:cSld>
+  <p:clrMapOvr>
+    <a:masterClrMapping/>
+  </p:clrMapOvr>
+</p:notes>
 </file>
 
 <file path=ppt/slideLayouts/slideLayout1.xml><?xml version="1.0" encoding="utf-8"?>
@@ -2966,52 +3408,89 @@
       </p:grpSpPr>
       <p:sp>
         <p:nvSpPr>
-          <p:cNvPr id="2" name="Title 1"/>
-          <p:cNvSpPr>
-            <a:spLocks noGrp="1"/>
-          </p:cNvSpPr>
-          <p:nvPr>
-            <p:ph type="ctrTitle"/>
-          </p:nvPr>
-        </p:nvSpPr>
-        <p:spPr/>
-        <p:txBody>
-          <a:bodyPr/>
-          <a:lstStyle/>
-          <a:p>
-            <a:endParaRPr lang="en-US"/>
-          </a:p>
-        </p:txBody>
-      </p:sp>
-      <p:sp>
-        <p:nvSpPr>
-          <p:cNvPr id="3" name="Subtitle 2"/>
-          <p:cNvSpPr>
-            <a:spLocks noGrp="1"/>
-          </p:cNvSpPr>
-          <p:nvPr>
-            <p:ph type="subTitle" idx="1"/>
-          </p:nvPr>
-        </p:nvSpPr>
-        <p:spPr/>
-        <p:txBody>
-          <a:bodyPr/>
-          <a:lstStyle/>
-          <a:p>
-            <a:endParaRPr lang="en-US"/>
+          <p:cNvPr id="4" name="Slide Number Placeholder 3"/>
+          <p:cNvSpPr>
+            <a:spLocks noGrp="1"/>
+          </p:cNvSpPr>
+          <p:nvPr>
+            <p:ph type="sldNum" sz="quarter" idx="12"/>
+          </p:nvPr>
+        </p:nvSpPr>
+        <p:spPr>
+          <a:xfrm>
+            <a:off x="9306059" y="6438513"/>
+            <a:ext cx="2743200" cy="365125"/>
+          </a:xfrm>
+        </p:spPr>
+        <p:txBody>
+          <a:bodyPr/>
+          <a:lstStyle/>
+          <a:p>
+            <a:fld id="{27225834-A5F4-4780-A9FC-586FB30F9BB0}" type="slidenum">
+              <a:rPr lang="en-US" smtClean="0">
+                <a:latin typeface="Garamond" panose="02020404030301010803" pitchFamily="18" charset="0"/>
+              </a:rPr>
+              <a:t>1</a:t>
+            </a:fld>
+            <a:endParaRPr lang="en-US" dirty="0">
+              <a:latin typeface="Garamond" panose="02020404030301010803" pitchFamily="18" charset="0"/>
+            </a:endParaRPr>
+          </a:p>
+        </p:txBody>
+      </p:sp>
+      <p:sp>
+        <p:nvSpPr>
+          <p:cNvPr id="19" name="TextBox 18"/>
+          <p:cNvSpPr txBox="1"/>
+          <p:nvPr/>
+        </p:nvSpPr>
+        <p:spPr>
+          <a:xfrm>
+            <a:off x="128788" y="6482577"/>
+            <a:ext cx="4201920" cy="276999"/>
+          </a:xfrm>
+          <a:prstGeom prst="rect">
+            <a:avLst/>
+          </a:prstGeom>
+          <a:noFill/>
+        </p:spPr>
+        <p:txBody>
+          <a:bodyPr wrap="none" rtlCol="0">
+            <a:spAutoFit/>
+          </a:bodyPr>
+          <a:lstStyle/>
+          <a:p>
+            <a:r>
+              <a:rPr lang="en-US" sz="1200" dirty="0" smtClean="0">
+                <a:latin typeface="Garamond" panose="02020404030301010803" pitchFamily="18" charset="0"/>
+                <a:cs typeface="Times New Roman" panose="02020603050405020304" pitchFamily="18" charset="0"/>
+              </a:rPr>
+              <a:t>Portland State Aerospace Society | Electric Propellant Feed System</a:t>
+            </a:r>
+            <a:endParaRPr lang="en-US" sz="1200" dirty="0">
+              <a:latin typeface="Garamond" panose="02020404030301010803" pitchFamily="18" charset="0"/>
+              <a:cs typeface="Times New Roman" panose="02020603050405020304" pitchFamily="18" charset="0"/>
+            </a:endParaRPr>
           </a:p>
         </p:txBody>
       </p:sp>
     </p:spTree>
     <p:extLst>
       <p:ext uri="{BB962C8B-B14F-4D97-AF65-F5344CB8AC3E}">
-        <p14:creationId xmlns:p14="http://schemas.microsoft.com/office/powerpoint/2010/main" val="2830473325"/>
+        <p14:creationId xmlns:p14="http://schemas.microsoft.com/office/powerpoint/2010/main" val="3439416205"/>
       </p:ext>
     </p:extLst>
   </p:cSld>
   <p:clrMapOvr>
     <a:masterClrMapping/>
   </p:clrMapOvr>
+  <p:timing>
+    <p:tnLst>
+      <p:par>
+        <p:cTn id="1" dur="indefinite" restart="never" nodeType="tmRoot"/>
+      </p:par>
+    </p:tnLst>
+  </p:timing>
 </p:sld>
 </file>
 
@@ -3274,4 +3753,265 @@
     </a:ext>
   </a:extLst>
 </a:theme>
+</file>
+
+<file path=ppt/theme/theme2.xml><?xml version="1.0" encoding="utf-8"?>
+<a:theme xmlns:a="http://schemas.openxmlformats.org/drawingml/2006/main" name="Office Theme">
+  <a:themeElements>
+    <a:clrScheme name="Office">
+      <a:dk1>
+        <a:sysClr val="windowText" lastClr="000000"/>
+      </a:dk1>
+      <a:lt1>
+        <a:sysClr val="window" lastClr="FFFFFF"/>
+      </a:lt1>
+      <a:dk2>
+        <a:srgbClr val="44546A"/>
+      </a:dk2>
+      <a:lt2>
+        <a:srgbClr val="E7E6E6"/>
+      </a:lt2>
+      <a:accent1>
+        <a:srgbClr val="5B9BD5"/>
+      </a:accent1>
+      <a:accent2>
+        <a:srgbClr val="ED7D31"/>
+      </a:accent2>
+      <a:accent3>
+        <a:srgbClr val="A5A5A5"/>
+      </a:accent3>
+      <a:accent4>
+        <a:srgbClr val="FFC000"/>
+      </a:accent4>
+      <a:accent5>
+        <a:srgbClr val="4472C4"/>
+      </a:accent5>
+      <a:accent6>
+        <a:srgbClr val="70AD47"/>
+      </a:accent6>
+      <a:hlink>
+        <a:srgbClr val="0563C1"/>
+      </a:hlink>
+      <a:folHlink>
+        <a:srgbClr val="954F72"/>
+      </a:folHlink>
+    </a:clrScheme>
+    <a:fontScheme name="Office">
+      <a:majorFont>
+        <a:latin typeface="Calibri Light" panose="020F0302020204030204"/>
+        <a:ea typeface=""/>
+        <a:cs typeface=""/>
+        <a:font script="Jpan" typeface="游ゴシック Light"/>
+        <a:font script="Hang" typeface="맑은 고딕"/>
+        <a:font script="Hans" typeface="等线 Light"/>
+        <a:font script="Hant" typeface="新細明體"/>
+        <a:font script="Arab" typeface="Times New Roman"/>
+        <a:font script="Hebr" typeface="Times New Roman"/>
+        <a:font script="Thai" typeface="Angsana New"/>
+        <a:font script="Ethi" typeface="Nyala"/>
+        <a:font script="Beng" typeface="Vrinda"/>
+        <a:font script="Gujr" typeface="Shruti"/>
+        <a:font script="Khmr" typeface="MoolBoran"/>
+        <a:font script="Knda" typeface="Tunga"/>
+        <a:font script="Guru" typeface="Raavi"/>
+        <a:font script="Cans" typeface="Euphemia"/>
+        <a:font script="Cher" typeface="Plantagenet Cherokee"/>
+        <a:font script="Yiii" typeface="Microsoft Yi Baiti"/>
+        <a:font script="Tibt" typeface="Microsoft Himalaya"/>
+        <a:font script="Thaa" typeface="MV Boli"/>
+        <a:font script="Deva" typeface="Mangal"/>
+        <a:font script="Telu" typeface="Gautami"/>
+        <a:font script="Taml" typeface="Latha"/>
+        <a:font script="Syrc" typeface="Estrangelo Edessa"/>
+        <a:font script="Orya" typeface="Kalinga"/>
+        <a:font script="Mlym" typeface="Kartika"/>
+        <a:font script="Laoo" typeface="DokChampa"/>
+        <a:font script="Sinh" typeface="Iskoola Pota"/>
+        <a:font script="Mong" typeface="Mongolian Baiti"/>
+        <a:font script="Viet" typeface="Times New Roman"/>
+        <a:font script="Uigh" typeface="Microsoft Uighur"/>
+        <a:font script="Geor" typeface="Sylfaen"/>
+      </a:majorFont>
+      <a:minorFont>
+        <a:latin typeface="Calibri" panose="020F0502020204030204"/>
+        <a:ea typeface=""/>
+        <a:cs typeface=""/>
+        <a:font script="Jpan" typeface="游ゴシック"/>
+        <a:font script="Hang" typeface="맑은 고딕"/>
+        <a:font script="Hans" typeface="等线"/>
+        <a:font script="Hant" typeface="新細明體"/>
+        <a:font script="Arab" typeface="Arial"/>
+        <a:font script="Hebr" typeface="Arial"/>
+        <a:font script="Thai" typeface="Cordia New"/>
+        <a:font script="Ethi" typeface="Nyala"/>
+        <a:font script="Beng" typeface="Vrinda"/>
+        <a:font script="Gujr" typeface="Shruti"/>
+        <a:font script="Khmr" typeface="DaunPenh"/>
+        <a:font script="Knda" typeface="Tunga"/>
+        <a:font script="Guru" typeface="Raavi"/>
+        <a:font script="Cans" typeface="Euphemia"/>
+        <a:font script="Cher" typeface="Plantagenet Cherokee"/>
+        <a:font script="Yiii" typeface="Microsoft Yi Baiti"/>
+        <a:font script="Tibt" typeface="Microsoft Himalaya"/>
+        <a:font script="Thaa" typeface="MV Boli"/>
+        <a:font script="Deva" typeface="Mangal"/>
+        <a:font script="Telu" typeface="Gautami"/>
+        <a:font script="Taml" typeface="Latha"/>
+        <a:font script="Syrc" typeface="Estrangelo Edessa"/>
+        <a:font script="Orya" typeface="Kalinga"/>
+        <a:font script="Mlym" typeface="Kartika"/>
+        <a:font script="Laoo" typeface="DokChampa"/>
+        <a:font script="Sinh" typeface="Iskoola Pota"/>
+        <a:font script="Mong" typeface="Mongolian Baiti"/>
+        <a:font script="Viet" typeface="Arial"/>
+        <a:font script="Uigh" typeface="Microsoft Uighur"/>
+        <a:font script="Geor" typeface="Sylfaen"/>
+      </a:minorFont>
+    </a:fontScheme>
+    <a:fmtScheme name="Office">
+      <a:fillStyleLst>
+        <a:solidFill>
+          <a:schemeClr val="phClr"/>
+        </a:solidFill>
+        <a:gradFill rotWithShape="1">
+          <a:gsLst>
+            <a:gs pos="0">
+              <a:schemeClr val="phClr">
+                <a:lumMod val="110000"/>
+                <a:satMod val="105000"/>
+                <a:tint val="67000"/>
+              </a:schemeClr>
+            </a:gs>
+            <a:gs pos="50000">
+              <a:schemeClr val="phClr">
+                <a:lumMod val="105000"/>
+                <a:satMod val="103000"/>
+                <a:tint val="73000"/>
+              </a:schemeClr>
+            </a:gs>
+            <a:gs pos="100000">
+              <a:schemeClr val="phClr">
+                <a:lumMod val="105000"/>
+                <a:satMod val="109000"/>
+                <a:tint val="81000"/>
+              </a:schemeClr>
+            </a:gs>
+          </a:gsLst>
+          <a:lin ang="5400000" scaled="0"/>
+        </a:gradFill>
+        <a:gradFill rotWithShape="1">
+          <a:gsLst>
+            <a:gs pos="0">
+              <a:schemeClr val="phClr">
+                <a:satMod val="103000"/>
+                <a:lumMod val="102000"/>
+                <a:tint val="94000"/>
+              </a:schemeClr>
+            </a:gs>
+            <a:gs pos="50000">
+              <a:schemeClr val="phClr">
+                <a:satMod val="110000"/>
+                <a:lumMod val="100000"/>
+                <a:shade val="100000"/>
+              </a:schemeClr>
+            </a:gs>
+            <a:gs pos="100000">
+              <a:schemeClr val="phClr">
+                <a:lumMod val="99000"/>
+                <a:satMod val="120000"/>
+                <a:shade val="78000"/>
+              </a:schemeClr>
+            </a:gs>
+          </a:gsLst>
+          <a:lin ang="5400000" scaled="0"/>
+        </a:gradFill>
+      </a:fillStyleLst>
+      <a:lnStyleLst>
+        <a:ln w="6350" cap="flat" cmpd="sng" algn="ctr">
+          <a:solidFill>
+            <a:schemeClr val="phClr"/>
+          </a:solidFill>
+          <a:prstDash val="solid"/>
+          <a:miter lim="800000"/>
+        </a:ln>
+        <a:ln w="12700" cap="flat" cmpd="sng" algn="ctr">
+          <a:solidFill>
+            <a:schemeClr val="phClr"/>
+          </a:solidFill>
+          <a:prstDash val="solid"/>
+          <a:miter lim="800000"/>
+        </a:ln>
+        <a:ln w="19050" cap="flat" cmpd="sng" algn="ctr">
+          <a:solidFill>
+            <a:schemeClr val="phClr"/>
+          </a:solidFill>
+          <a:prstDash val="solid"/>
+          <a:miter lim="800000"/>
+        </a:ln>
+      </a:lnStyleLst>
+      <a:effectStyleLst>
+        <a:effectStyle>
+          <a:effectLst/>
+        </a:effectStyle>
+        <a:effectStyle>
+          <a:effectLst/>
+        </a:effectStyle>
+        <a:effectStyle>
+          <a:effectLst>
+            <a:outerShdw blurRad="57150" dist="19050" dir="5400000" algn="ctr" rotWithShape="0">
+              <a:srgbClr val="000000">
+                <a:alpha val="63000"/>
+              </a:srgbClr>
+            </a:outerShdw>
+          </a:effectLst>
+        </a:effectStyle>
+      </a:effectStyleLst>
+      <a:bgFillStyleLst>
+        <a:solidFill>
+          <a:schemeClr val="phClr"/>
+        </a:solidFill>
+        <a:solidFill>
+          <a:schemeClr val="phClr">
+            <a:tint val="95000"/>
+            <a:satMod val="170000"/>
+          </a:schemeClr>
+        </a:solidFill>
+        <a:gradFill rotWithShape="1">
+          <a:gsLst>
+            <a:gs pos="0">
+              <a:schemeClr val="phClr">
+                <a:tint val="93000"/>
+                <a:satMod val="150000"/>
+                <a:shade val="98000"/>
+                <a:lumMod val="102000"/>
+              </a:schemeClr>
+            </a:gs>
+            <a:gs pos="50000">
+              <a:schemeClr val="phClr">
+                <a:tint val="98000"/>
+                <a:satMod val="130000"/>
+                <a:shade val="90000"/>
+                <a:lumMod val="103000"/>
+              </a:schemeClr>
+            </a:gs>
+            <a:gs pos="100000">
+              <a:schemeClr val="phClr">
+                <a:shade val="63000"/>
+                <a:satMod val="120000"/>
+              </a:schemeClr>
+            </a:gs>
+          </a:gsLst>
+          <a:lin ang="5400000" scaled="0"/>
+        </a:gradFill>
+      </a:bgFillStyleLst>
+    </a:fmtScheme>
+  </a:themeElements>
+  <a:objectDefaults/>
+  <a:extraClrSchemeLst/>
+  <a:extLst>
+    <a:ext uri="{05A4C25C-085E-4340-85A3-A5531E510DB2}">
+      <thm15:themeFamily xmlns:thm15="http://schemas.microsoft.com/office/thememl/2012/main" name="Office Theme" id="{62F939B6-93AF-4DB8-9C6B-D6C7DFDC589F}" vid="{4A3C46E8-61CC-4603-A589-7422A47A8E4A}"/>
+    </a:ext>
+  </a:extLst>
+</a:theme>
 </file>
--- a/Docs/Presentations/Slides/#3.pptx
+++ b/Docs/Presentations/Slides/#3.pptx
@@ -3474,6 +3474,30 @@
           </a:p>
         </p:txBody>
       </p:sp>
+      <p:pic>
+        <p:nvPicPr>
+          <p:cNvPr id="3" name="Picture 2"/>
+          <p:cNvPicPr>
+            <a:picLocks noChangeAspect="1"/>
+          </p:cNvPicPr>
+          <p:nvPr/>
+        </p:nvPicPr>
+        <p:blipFill>
+          <a:blip r:embed="rId3"/>
+          <a:stretch>
+            <a:fillRect/>
+          </a:stretch>
+        </p:blipFill>
+        <p:spPr>
+          <a:xfrm>
+            <a:off x="1442435" y="146198"/>
+            <a:ext cx="8899300" cy="6292315"/>
+          </a:xfrm>
+          <a:prstGeom prst="rect">
+            <a:avLst/>
+          </a:prstGeom>
+        </p:spPr>
+      </p:pic>
     </p:spTree>
     <p:extLst>
       <p:ext uri="{BB962C8B-B14F-4D97-AF65-F5344CB8AC3E}">

--- a/Docs/Presentations/Slides/#3.pptx
+++ b/Docs/Presentations/Slides/#3.pptx
@@ -5,10 +5,12 @@
     <p:sldMasterId id="2147483648" r:id="rId1"/>
   </p:sldMasterIdLst>
   <p:notesMasterIdLst>
-    <p:notesMasterId r:id="rId3"/>
+    <p:notesMasterId r:id="rId5"/>
   </p:notesMasterIdLst>
   <p:sldIdLst>
     <p:sldId id="257" r:id="rId2"/>
+    <p:sldId id="258" r:id="rId3"/>
+    <p:sldId id="259" r:id="rId4"/>
   </p:sldIdLst>
   <p:sldSz cx="12192000" cy="6858000"/>
   <p:notesSz cx="6858000" cy="9144000"/>
@@ -540,6 +542,174 @@
     <p:extLst>
       <p:ext uri="{BB962C8B-B14F-4D97-AF65-F5344CB8AC3E}">
         <p14:creationId xmlns:p14="http://schemas.microsoft.com/office/powerpoint/2010/main" val="1401302476"/>
+      </p:ext>
+    </p:extLst>
+  </p:cSld>
+  <p:clrMapOvr>
+    <a:masterClrMapping/>
+  </p:clrMapOvr>
+</p:notes>
+</file>
+
+<file path=ppt/notesSlides/notesSlide2.xml><?xml version="1.0" encoding="utf-8"?>
+<p:notes xmlns:a="http://schemas.openxmlformats.org/drawingml/2006/main" xmlns:r="http://schemas.openxmlformats.org/officeDocument/2006/relationships" xmlns:p="http://schemas.openxmlformats.org/presentationml/2006/main">
+  <p:cSld>
+    <p:spTree>
+      <p:nvGrpSpPr>
+        <p:cNvPr id="1" name=""/>
+        <p:cNvGrpSpPr/>
+        <p:nvPr/>
+      </p:nvGrpSpPr>
+      <p:grpSpPr>
+        <a:xfrm>
+          <a:off x="0" y="0"/>
+          <a:ext cx="0" cy="0"/>
+          <a:chOff x="0" y="0"/>
+          <a:chExt cx="0" cy="0"/>
+        </a:xfrm>
+      </p:grpSpPr>
+      <p:sp>
+        <p:nvSpPr>
+          <p:cNvPr id="2" name="Slide Image Placeholder 1"/>
+          <p:cNvSpPr>
+            <a:spLocks noGrp="1" noRot="1" noChangeAspect="1"/>
+          </p:cNvSpPr>
+          <p:nvPr>
+            <p:ph type="sldImg"/>
+          </p:nvPr>
+        </p:nvSpPr>
+        <p:spPr/>
+      </p:sp>
+      <p:sp>
+        <p:nvSpPr>
+          <p:cNvPr id="3" name="Notes Placeholder 2"/>
+          <p:cNvSpPr>
+            <a:spLocks noGrp="1"/>
+          </p:cNvSpPr>
+          <p:nvPr>
+            <p:ph type="body" idx="1"/>
+          </p:nvPr>
+        </p:nvSpPr>
+        <p:spPr/>
+        <p:txBody>
+          <a:bodyPr/>
+          <a:lstStyle/>
+          <a:p>
+            <a:endParaRPr lang="en-US"/>
+          </a:p>
+        </p:txBody>
+      </p:sp>
+      <p:sp>
+        <p:nvSpPr>
+          <p:cNvPr id="4" name="Slide Number Placeholder 3"/>
+          <p:cNvSpPr>
+            <a:spLocks noGrp="1"/>
+          </p:cNvSpPr>
+          <p:nvPr>
+            <p:ph type="sldNum" sz="quarter" idx="10"/>
+          </p:nvPr>
+        </p:nvSpPr>
+        <p:spPr/>
+        <p:txBody>
+          <a:bodyPr/>
+          <a:lstStyle/>
+          <a:p>
+            <a:fld id="{41270EAE-2722-4055-9DC6-0148D79BD176}" type="slidenum">
+              <a:rPr lang="en-US" smtClean="0"/>
+              <a:t>2</a:t>
+            </a:fld>
+            <a:endParaRPr lang="en-US"/>
+          </a:p>
+        </p:txBody>
+      </p:sp>
+    </p:spTree>
+    <p:extLst>
+      <p:ext uri="{BB962C8B-B14F-4D97-AF65-F5344CB8AC3E}">
+        <p14:creationId xmlns:p14="http://schemas.microsoft.com/office/powerpoint/2010/main" val="4140788430"/>
+      </p:ext>
+    </p:extLst>
+  </p:cSld>
+  <p:clrMapOvr>
+    <a:masterClrMapping/>
+  </p:clrMapOvr>
+</p:notes>
+</file>
+
+<file path=ppt/notesSlides/notesSlide3.xml><?xml version="1.0" encoding="utf-8"?>
+<p:notes xmlns:a="http://schemas.openxmlformats.org/drawingml/2006/main" xmlns:r="http://schemas.openxmlformats.org/officeDocument/2006/relationships" xmlns:p="http://schemas.openxmlformats.org/presentationml/2006/main">
+  <p:cSld>
+    <p:spTree>
+      <p:nvGrpSpPr>
+        <p:cNvPr id="1" name=""/>
+        <p:cNvGrpSpPr/>
+        <p:nvPr/>
+      </p:nvGrpSpPr>
+      <p:grpSpPr>
+        <a:xfrm>
+          <a:off x="0" y="0"/>
+          <a:ext cx="0" cy="0"/>
+          <a:chOff x="0" y="0"/>
+          <a:chExt cx="0" cy="0"/>
+        </a:xfrm>
+      </p:grpSpPr>
+      <p:sp>
+        <p:nvSpPr>
+          <p:cNvPr id="2" name="Slide Image Placeholder 1"/>
+          <p:cNvSpPr>
+            <a:spLocks noGrp="1" noRot="1" noChangeAspect="1"/>
+          </p:cNvSpPr>
+          <p:nvPr>
+            <p:ph type="sldImg"/>
+          </p:nvPr>
+        </p:nvSpPr>
+        <p:spPr/>
+      </p:sp>
+      <p:sp>
+        <p:nvSpPr>
+          <p:cNvPr id="3" name="Notes Placeholder 2"/>
+          <p:cNvSpPr>
+            <a:spLocks noGrp="1"/>
+          </p:cNvSpPr>
+          <p:nvPr>
+            <p:ph type="body" idx="1"/>
+          </p:nvPr>
+        </p:nvSpPr>
+        <p:spPr/>
+        <p:txBody>
+          <a:bodyPr/>
+          <a:lstStyle/>
+          <a:p>
+            <a:endParaRPr lang="en-US"/>
+          </a:p>
+        </p:txBody>
+      </p:sp>
+      <p:sp>
+        <p:nvSpPr>
+          <p:cNvPr id="4" name="Slide Number Placeholder 3"/>
+          <p:cNvSpPr>
+            <a:spLocks noGrp="1"/>
+          </p:cNvSpPr>
+          <p:nvPr>
+            <p:ph type="sldNum" sz="quarter" idx="10"/>
+          </p:nvPr>
+        </p:nvSpPr>
+        <p:spPr/>
+        <p:txBody>
+          <a:bodyPr/>
+          <a:lstStyle/>
+          <a:p>
+            <a:fld id="{41270EAE-2722-4055-9DC6-0148D79BD176}" type="slidenum">
+              <a:rPr lang="en-US" smtClean="0"/>
+              <a:t>3</a:t>
+            </a:fld>
+            <a:endParaRPr lang="en-US"/>
+          </a:p>
+        </p:txBody>
+      </p:sp>
+    </p:spTree>
+    <p:extLst>
+      <p:ext uri="{BB962C8B-B14F-4D97-AF65-F5344CB8AC3E}">
+        <p14:creationId xmlns:p14="http://schemas.microsoft.com/office/powerpoint/2010/main" val="966130170"/>
       </p:ext>
     </p:extLst>
   </p:cSld>
@@ -3502,6 +3672,1419 @@
     <p:extLst>
       <p:ext uri="{BB962C8B-B14F-4D97-AF65-F5344CB8AC3E}">
         <p14:creationId xmlns:p14="http://schemas.microsoft.com/office/powerpoint/2010/main" val="3439416205"/>
+      </p:ext>
+    </p:extLst>
+  </p:cSld>
+  <p:clrMapOvr>
+    <a:masterClrMapping/>
+  </p:clrMapOvr>
+  <p:timing>
+    <p:tnLst>
+      <p:par>
+        <p:cTn id="1" dur="indefinite" restart="never" nodeType="tmRoot"/>
+      </p:par>
+    </p:tnLst>
+  </p:timing>
+</p:sld>
+</file>
+
+<file path=ppt/slides/slide2.xml><?xml version="1.0" encoding="utf-8"?>
+<p:sld xmlns:a="http://schemas.openxmlformats.org/drawingml/2006/main" xmlns:r="http://schemas.openxmlformats.org/officeDocument/2006/relationships" xmlns:p="http://schemas.openxmlformats.org/presentationml/2006/main">
+  <p:cSld>
+    <p:spTree>
+      <p:nvGrpSpPr>
+        <p:cNvPr id="1" name=""/>
+        <p:cNvGrpSpPr/>
+        <p:nvPr/>
+      </p:nvGrpSpPr>
+      <p:grpSpPr>
+        <a:xfrm>
+          <a:off x="0" y="0"/>
+          <a:ext cx="0" cy="0"/>
+          <a:chOff x="0" y="0"/>
+          <a:chExt cx="0" cy="0"/>
+        </a:xfrm>
+      </p:grpSpPr>
+      <p:sp>
+        <p:nvSpPr>
+          <p:cNvPr id="4" name="Slide Number Placeholder 3"/>
+          <p:cNvSpPr>
+            <a:spLocks noGrp="1"/>
+          </p:cNvSpPr>
+          <p:nvPr>
+            <p:ph type="sldNum" sz="quarter" idx="12"/>
+          </p:nvPr>
+        </p:nvSpPr>
+        <p:spPr>
+          <a:xfrm>
+            <a:off x="9306059" y="6438513"/>
+            <a:ext cx="2743200" cy="365125"/>
+          </a:xfrm>
+        </p:spPr>
+        <p:txBody>
+          <a:bodyPr/>
+          <a:lstStyle/>
+          <a:p>
+            <a:fld id="{27225834-A5F4-4780-A9FC-586FB30F9BB0}" type="slidenum">
+              <a:rPr lang="en-US" smtClean="0">
+                <a:latin typeface="Garamond" panose="02020404030301010803" pitchFamily="18" charset="0"/>
+              </a:rPr>
+              <a:t>2</a:t>
+            </a:fld>
+            <a:endParaRPr lang="en-US" dirty="0">
+              <a:latin typeface="Garamond" panose="02020404030301010803" pitchFamily="18" charset="0"/>
+            </a:endParaRPr>
+          </a:p>
+        </p:txBody>
+      </p:sp>
+      <p:pic>
+        <p:nvPicPr>
+          <p:cNvPr id="6" name="Picture 5"/>
+          <p:cNvPicPr>
+            <a:picLocks noChangeAspect="1"/>
+          </p:cNvPicPr>
+          <p:nvPr/>
+        </p:nvPicPr>
+        <p:blipFill>
+          <a:blip r:embed="rId3"/>
+          <a:stretch>
+            <a:fillRect/>
+          </a:stretch>
+        </p:blipFill>
+        <p:spPr>
+          <a:xfrm>
+            <a:off x="4545134" y="2642043"/>
+            <a:ext cx="2874993" cy="391615"/>
+          </a:xfrm>
+          <a:prstGeom prst="rect">
+            <a:avLst/>
+          </a:prstGeom>
+        </p:spPr>
+      </p:pic>
+      <p:pic>
+        <p:nvPicPr>
+          <p:cNvPr id="7" name="Picture 6"/>
+          <p:cNvPicPr>
+            <a:picLocks noChangeAspect="1"/>
+          </p:cNvPicPr>
+          <p:nvPr/>
+        </p:nvPicPr>
+        <p:blipFill>
+          <a:blip r:embed="rId4"/>
+          <a:stretch>
+            <a:fillRect/>
+          </a:stretch>
+        </p:blipFill>
+        <p:spPr>
+          <a:xfrm>
+            <a:off x="4505113" y="1223716"/>
+            <a:ext cx="2955034" cy="554070"/>
+          </a:xfrm>
+          <a:prstGeom prst="rect">
+            <a:avLst/>
+          </a:prstGeom>
+        </p:spPr>
+      </p:pic>
+      <p:pic>
+        <p:nvPicPr>
+          <p:cNvPr id="9" name="Picture 8"/>
+          <p:cNvPicPr>
+            <a:picLocks noChangeAspect="1"/>
+          </p:cNvPicPr>
+          <p:nvPr/>
+        </p:nvPicPr>
+        <p:blipFill>
+          <a:blip r:embed="rId5"/>
+          <a:stretch>
+            <a:fillRect/>
+          </a:stretch>
+        </p:blipFill>
+        <p:spPr>
+          <a:xfrm rot="5400000">
+            <a:off x="5930858" y="3789454"/>
+            <a:ext cx="2090985" cy="450808"/>
+          </a:xfrm>
+          <a:prstGeom prst="rect">
+            <a:avLst/>
+          </a:prstGeom>
+        </p:spPr>
+      </p:pic>
+      <p:pic>
+        <p:nvPicPr>
+          <p:cNvPr id="11" name="Picture 10"/>
+          <p:cNvPicPr>
+            <a:picLocks noChangeAspect="1"/>
+          </p:cNvPicPr>
+          <p:nvPr/>
+        </p:nvPicPr>
+        <p:blipFill>
+          <a:blip r:embed="rId6"/>
+          <a:stretch>
+            <a:fillRect/>
+          </a:stretch>
+        </p:blipFill>
+        <p:spPr>
+          <a:xfrm>
+            <a:off x="4505114" y="3088669"/>
+            <a:ext cx="1762784" cy="536643"/>
+          </a:xfrm>
+          <a:prstGeom prst="rect">
+            <a:avLst/>
+          </a:prstGeom>
+        </p:spPr>
+      </p:pic>
+      <p:pic>
+        <p:nvPicPr>
+          <p:cNvPr id="12" name="Picture 11"/>
+          <p:cNvPicPr>
+            <a:picLocks noChangeAspect="1"/>
+          </p:cNvPicPr>
+          <p:nvPr/>
+        </p:nvPicPr>
+        <p:blipFill>
+          <a:blip r:embed="rId7"/>
+          <a:stretch>
+            <a:fillRect/>
+          </a:stretch>
+        </p:blipFill>
+        <p:spPr>
+          <a:xfrm rot="8423804">
+            <a:off x="5886777" y="1741379"/>
+            <a:ext cx="743843" cy="379669"/>
+          </a:xfrm>
+          <a:prstGeom prst="rect">
+            <a:avLst/>
+          </a:prstGeom>
+        </p:spPr>
+      </p:pic>
+      <p:pic>
+        <p:nvPicPr>
+          <p:cNvPr id="15" name="Picture 14"/>
+          <p:cNvPicPr>
+            <a:picLocks noChangeAspect="1"/>
+          </p:cNvPicPr>
+          <p:nvPr/>
+        </p:nvPicPr>
+        <p:blipFill>
+          <a:blip r:embed="rId8"/>
+          <a:stretch>
+            <a:fillRect/>
+          </a:stretch>
+        </p:blipFill>
+        <p:spPr>
+          <a:xfrm>
+            <a:off x="4523580" y="1773117"/>
+            <a:ext cx="1640889" cy="412678"/>
+          </a:xfrm>
+          <a:prstGeom prst="rect">
+            <a:avLst/>
+          </a:prstGeom>
+        </p:spPr>
+      </p:pic>
+      <p:pic>
+        <p:nvPicPr>
+          <p:cNvPr id="16" name="Picture 15"/>
+          <p:cNvPicPr>
+            <a:picLocks noChangeAspect="1"/>
+          </p:cNvPicPr>
+          <p:nvPr/>
+        </p:nvPicPr>
+        <p:blipFill>
+          <a:blip r:embed="rId9"/>
+          <a:stretch>
+            <a:fillRect/>
+          </a:stretch>
+        </p:blipFill>
+        <p:spPr>
+          <a:xfrm>
+            <a:off x="4588700" y="2074224"/>
+            <a:ext cx="1225102" cy="385590"/>
+          </a:xfrm>
+          <a:prstGeom prst="rect">
+            <a:avLst/>
+          </a:prstGeom>
+        </p:spPr>
+      </p:pic>
+      <p:pic>
+        <p:nvPicPr>
+          <p:cNvPr id="14" name="Picture 13"/>
+          <p:cNvPicPr>
+            <a:picLocks noChangeAspect="1"/>
+          </p:cNvPicPr>
+          <p:nvPr/>
+        </p:nvPicPr>
+        <p:blipFill>
+          <a:blip r:embed="rId10"/>
+          <a:stretch>
+            <a:fillRect/>
+          </a:stretch>
+        </p:blipFill>
+        <p:spPr>
+          <a:xfrm>
+            <a:off x="6017353" y="4039783"/>
+            <a:ext cx="1309131" cy="456879"/>
+          </a:xfrm>
+          <a:prstGeom prst="rect">
+            <a:avLst/>
+          </a:prstGeom>
+        </p:spPr>
+      </p:pic>
+      <p:pic>
+        <p:nvPicPr>
+          <p:cNvPr id="17" name="Picture 16"/>
+          <p:cNvPicPr>
+            <a:picLocks noChangeAspect="1"/>
+          </p:cNvPicPr>
+          <p:nvPr/>
+        </p:nvPicPr>
+        <p:blipFill>
+          <a:blip r:embed="rId11"/>
+          <a:stretch>
+            <a:fillRect/>
+          </a:stretch>
+        </p:blipFill>
+        <p:spPr>
+          <a:xfrm>
+            <a:off x="5413244" y="4945681"/>
+            <a:ext cx="1551234" cy="593683"/>
+          </a:xfrm>
+          <a:prstGeom prst="rect">
+            <a:avLst/>
+          </a:prstGeom>
+        </p:spPr>
+      </p:pic>
+      <p:pic>
+        <p:nvPicPr>
+          <p:cNvPr id="18" name="Picture 17"/>
+          <p:cNvPicPr>
+            <a:picLocks noChangeAspect="1"/>
+          </p:cNvPicPr>
+          <p:nvPr/>
+        </p:nvPicPr>
+        <p:blipFill>
+          <a:blip r:embed="rId12"/>
+          <a:stretch>
+            <a:fillRect/>
+          </a:stretch>
+        </p:blipFill>
+        <p:spPr>
+          <a:xfrm rot="19439869">
+            <a:off x="4670634" y="4478339"/>
+            <a:ext cx="1396631" cy="1105160"/>
+          </a:xfrm>
+          <a:prstGeom prst="rect">
+            <a:avLst/>
+          </a:prstGeom>
+        </p:spPr>
+      </p:pic>
+      <p:pic>
+        <p:nvPicPr>
+          <p:cNvPr id="20" name="Picture 19"/>
+          <p:cNvPicPr>
+            <a:picLocks noChangeAspect="1"/>
+          </p:cNvPicPr>
+          <p:nvPr/>
+        </p:nvPicPr>
+        <p:blipFill>
+          <a:blip r:embed="rId13"/>
+          <a:stretch>
+            <a:fillRect/>
+          </a:stretch>
+        </p:blipFill>
+        <p:spPr>
+          <a:xfrm>
+            <a:off x="6098398" y="3097733"/>
+            <a:ext cx="645187" cy="412203"/>
+          </a:xfrm>
+          <a:prstGeom prst="rect">
+            <a:avLst/>
+          </a:prstGeom>
+        </p:spPr>
+      </p:pic>
+      <p:pic>
+        <p:nvPicPr>
+          <p:cNvPr id="21" name="Picture 20"/>
+          <p:cNvPicPr>
+            <a:picLocks noChangeAspect="1"/>
+          </p:cNvPicPr>
+          <p:nvPr/>
+        </p:nvPicPr>
+        <p:blipFill>
+          <a:blip r:embed="rId14"/>
+          <a:stretch>
+            <a:fillRect/>
+          </a:stretch>
+        </p:blipFill>
+        <p:spPr>
+          <a:xfrm rot="221686">
+            <a:off x="4542966" y="5379507"/>
+            <a:ext cx="2858156" cy="479064"/>
+          </a:xfrm>
+          <a:prstGeom prst="rect">
+            <a:avLst/>
+          </a:prstGeom>
+        </p:spPr>
+      </p:pic>
+      <p:pic>
+        <p:nvPicPr>
+          <p:cNvPr id="22" name="Picture 21"/>
+          <p:cNvPicPr>
+            <a:picLocks noChangeAspect="1"/>
+          </p:cNvPicPr>
+          <p:nvPr/>
+        </p:nvPicPr>
+        <p:blipFill>
+          <a:blip r:embed="rId13"/>
+          <a:stretch>
+            <a:fillRect/>
+          </a:stretch>
+        </p:blipFill>
+        <p:spPr>
+          <a:xfrm rot="8918386">
+            <a:off x="5415233" y="4454787"/>
+            <a:ext cx="645187" cy="412203"/>
+          </a:xfrm>
+          <a:prstGeom prst="rect">
+            <a:avLst/>
+          </a:prstGeom>
+        </p:spPr>
+      </p:pic>
+      <p:pic>
+        <p:nvPicPr>
+          <p:cNvPr id="23" name="Picture 22"/>
+          <p:cNvPicPr>
+            <a:picLocks noChangeAspect="1"/>
+          </p:cNvPicPr>
+          <p:nvPr/>
+        </p:nvPicPr>
+        <p:blipFill>
+          <a:blip r:embed="rId4"/>
+          <a:stretch>
+            <a:fillRect/>
+          </a:stretch>
+        </p:blipFill>
+        <p:spPr>
+          <a:xfrm>
+            <a:off x="4545134" y="5778671"/>
+            <a:ext cx="2915013" cy="659841"/>
+          </a:xfrm>
+          <a:prstGeom prst="rect">
+            <a:avLst/>
+          </a:prstGeom>
+        </p:spPr>
+      </p:pic>
+      <p:pic>
+        <p:nvPicPr>
+          <p:cNvPr id="24" name="Picture 23"/>
+          <p:cNvPicPr>
+            <a:picLocks noChangeAspect="1"/>
+          </p:cNvPicPr>
+          <p:nvPr/>
+        </p:nvPicPr>
+        <p:blipFill>
+          <a:blip r:embed="rId8"/>
+          <a:stretch>
+            <a:fillRect/>
+          </a:stretch>
+        </p:blipFill>
+        <p:spPr>
+          <a:xfrm rot="8556920">
+            <a:off x="4394738" y="3961434"/>
+            <a:ext cx="928239" cy="233451"/>
+          </a:xfrm>
+          <a:prstGeom prst="rect">
+            <a:avLst/>
+          </a:prstGeom>
+        </p:spPr>
+      </p:pic>
+      <p:pic>
+        <p:nvPicPr>
+          <p:cNvPr id="25" name="Picture 24"/>
+          <p:cNvPicPr>
+            <a:picLocks noChangeAspect="1"/>
+          </p:cNvPicPr>
+          <p:nvPr/>
+        </p:nvPicPr>
+        <p:blipFill>
+          <a:blip r:embed="rId15"/>
+          <a:stretch>
+            <a:fillRect/>
+          </a:stretch>
+        </p:blipFill>
+        <p:spPr>
+          <a:xfrm>
+            <a:off x="9123679" y="3956089"/>
+            <a:ext cx="2774335" cy="1495892"/>
+          </a:xfrm>
+          <a:prstGeom prst="rect">
+            <a:avLst/>
+          </a:prstGeom>
+        </p:spPr>
+      </p:pic>
+      <p:pic>
+        <p:nvPicPr>
+          <p:cNvPr id="26" name="Picture 25"/>
+          <p:cNvPicPr>
+            <a:picLocks noChangeAspect="1"/>
+          </p:cNvPicPr>
+          <p:nvPr/>
+        </p:nvPicPr>
+        <p:blipFill>
+          <a:blip r:embed="rId16"/>
+          <a:stretch>
+            <a:fillRect/>
+          </a:stretch>
+        </p:blipFill>
+        <p:spPr>
+          <a:xfrm>
+            <a:off x="9123678" y="2779392"/>
+            <a:ext cx="2834087" cy="1090849"/>
+          </a:xfrm>
+          <a:prstGeom prst="rect">
+            <a:avLst/>
+          </a:prstGeom>
+        </p:spPr>
+      </p:pic>
+      <p:pic>
+        <p:nvPicPr>
+          <p:cNvPr id="27" name="Picture 26"/>
+          <p:cNvPicPr>
+            <a:picLocks noChangeAspect="1"/>
+          </p:cNvPicPr>
+          <p:nvPr/>
+        </p:nvPicPr>
+        <p:blipFill>
+          <a:blip r:embed="rId17"/>
+          <a:stretch>
+            <a:fillRect/>
+          </a:stretch>
+        </p:blipFill>
+        <p:spPr>
+          <a:xfrm>
+            <a:off x="9113116" y="1278245"/>
+            <a:ext cx="2784898" cy="1346034"/>
+          </a:xfrm>
+          <a:prstGeom prst="rect">
+            <a:avLst/>
+          </a:prstGeom>
+        </p:spPr>
+      </p:pic>
+      <p:sp>
+        <p:nvSpPr>
+          <p:cNvPr id="37" name="TextBox 36"/>
+          <p:cNvSpPr txBox="1"/>
+          <p:nvPr/>
+        </p:nvSpPr>
+        <p:spPr>
+          <a:xfrm>
+            <a:off x="452980" y="225567"/>
+            <a:ext cx="2923711" cy="830997"/>
+          </a:xfrm>
+          <a:prstGeom prst="rect">
+            <a:avLst/>
+          </a:prstGeom>
+          <a:noFill/>
+        </p:spPr>
+        <p:txBody>
+          <a:bodyPr wrap="square" rtlCol="0">
+            <a:spAutoFit/>
+          </a:bodyPr>
+          <a:lstStyle/>
+          <a:p>
+            <a:r>
+              <a:rPr lang="en-US" sz="2400" b="1" dirty="0" smtClean="0">
+                <a:solidFill>
+                  <a:srgbClr val="C00000"/>
+                </a:solidFill>
+                <a:latin typeface="Garamond" panose="02020404030301010803" pitchFamily="18" charset="0"/>
+              </a:rPr>
+              <a:t>Open-ended literature review</a:t>
+            </a:r>
+            <a:endParaRPr lang="en-US" sz="2400" b="1" dirty="0">
+              <a:solidFill>
+                <a:srgbClr val="C00000"/>
+              </a:solidFill>
+              <a:latin typeface="Garamond" panose="02020404030301010803" pitchFamily="18" charset="0"/>
+            </a:endParaRPr>
+          </a:p>
+        </p:txBody>
+      </p:sp>
+      <p:pic>
+        <p:nvPicPr>
+          <p:cNvPr id="13" name="Picture 12"/>
+          <p:cNvPicPr>
+            <a:picLocks noChangeAspect="1"/>
+          </p:cNvPicPr>
+          <p:nvPr/>
+        </p:nvPicPr>
+        <p:blipFill>
+          <a:blip r:embed="rId14"/>
+          <a:stretch>
+            <a:fillRect/>
+          </a:stretch>
+        </p:blipFill>
+        <p:spPr>
+          <a:xfrm rot="972278">
+            <a:off x="4524372" y="4659442"/>
+            <a:ext cx="2741669" cy="507445"/>
+          </a:xfrm>
+          <a:prstGeom prst="rect">
+            <a:avLst/>
+          </a:prstGeom>
+        </p:spPr>
+      </p:pic>
+      <p:pic>
+        <p:nvPicPr>
+          <p:cNvPr id="5" name="Picture 4"/>
+          <p:cNvPicPr>
+            <a:picLocks noChangeAspect="1"/>
+          </p:cNvPicPr>
+          <p:nvPr/>
+        </p:nvPicPr>
+        <p:blipFill>
+          <a:blip r:embed="rId9"/>
+          <a:stretch>
+            <a:fillRect/>
+          </a:stretch>
+        </p:blipFill>
+        <p:spPr>
+          <a:xfrm>
+            <a:off x="4945152" y="3522306"/>
+            <a:ext cx="1726766" cy="543484"/>
+          </a:xfrm>
+          <a:prstGeom prst="rect">
+            <a:avLst/>
+          </a:prstGeom>
+        </p:spPr>
+      </p:pic>
+      <p:pic>
+        <p:nvPicPr>
+          <p:cNvPr id="2" name="Picture 1"/>
+          <p:cNvPicPr>
+            <a:picLocks noChangeAspect="1"/>
+          </p:cNvPicPr>
+          <p:nvPr/>
+        </p:nvPicPr>
+        <p:blipFill>
+          <a:blip r:embed="rId18"/>
+          <a:stretch>
+            <a:fillRect/>
+          </a:stretch>
+        </p:blipFill>
+        <p:spPr>
+          <a:xfrm rot="19969950">
+            <a:off x="6283774" y="1916521"/>
+            <a:ext cx="1058946" cy="328786"/>
+          </a:xfrm>
+          <a:prstGeom prst="rect">
+            <a:avLst/>
+          </a:prstGeom>
+        </p:spPr>
+      </p:pic>
+      <p:pic>
+        <p:nvPicPr>
+          <p:cNvPr id="8" name="Picture 7"/>
+          <p:cNvPicPr>
+            <a:picLocks noChangeAspect="1"/>
+          </p:cNvPicPr>
+          <p:nvPr/>
+        </p:nvPicPr>
+        <p:blipFill>
+          <a:blip r:embed="rId8"/>
+          <a:stretch>
+            <a:fillRect/>
+          </a:stretch>
+        </p:blipFill>
+        <p:spPr>
+          <a:xfrm>
+            <a:off x="5509871" y="2371109"/>
+            <a:ext cx="1395940" cy="351074"/>
+          </a:xfrm>
+          <a:prstGeom prst="rect">
+            <a:avLst/>
+          </a:prstGeom>
+        </p:spPr>
+      </p:pic>
+      <p:pic>
+        <p:nvPicPr>
+          <p:cNvPr id="40" name="Picture 39"/>
+          <p:cNvPicPr>
+            <a:picLocks noChangeAspect="1"/>
+          </p:cNvPicPr>
+          <p:nvPr/>
+        </p:nvPicPr>
+        <p:blipFill>
+          <a:blip r:embed="rId19"/>
+          <a:stretch>
+            <a:fillRect/>
+          </a:stretch>
+        </p:blipFill>
+        <p:spPr>
+          <a:xfrm>
+            <a:off x="173595" y="1284109"/>
+            <a:ext cx="3007597" cy="1334306"/>
+          </a:xfrm>
+          <a:prstGeom prst="rect">
+            <a:avLst/>
+          </a:prstGeom>
+        </p:spPr>
+      </p:pic>
+      <p:pic>
+        <p:nvPicPr>
+          <p:cNvPr id="41" name="Picture 40"/>
+          <p:cNvPicPr>
+            <a:picLocks noChangeAspect="1"/>
+          </p:cNvPicPr>
+          <p:nvPr/>
+        </p:nvPicPr>
+        <p:blipFill>
+          <a:blip r:embed="rId20"/>
+          <a:stretch>
+            <a:fillRect/>
+          </a:stretch>
+        </p:blipFill>
+        <p:spPr>
+          <a:xfrm>
+            <a:off x="210142" y="3935532"/>
+            <a:ext cx="3058136" cy="1201020"/>
+          </a:xfrm>
+          <a:prstGeom prst="rect">
+            <a:avLst/>
+          </a:prstGeom>
+        </p:spPr>
+      </p:pic>
+      <p:pic>
+        <p:nvPicPr>
+          <p:cNvPr id="42" name="Picture 41"/>
+          <p:cNvPicPr>
+            <a:picLocks noChangeAspect="1"/>
+          </p:cNvPicPr>
+          <p:nvPr/>
+        </p:nvPicPr>
+        <p:blipFill>
+          <a:blip r:embed="rId21"/>
+          <a:stretch>
+            <a:fillRect/>
+          </a:stretch>
+        </p:blipFill>
+        <p:spPr>
+          <a:xfrm>
+            <a:off x="205453" y="2649906"/>
+            <a:ext cx="3015578" cy="419100"/>
+          </a:xfrm>
+          <a:prstGeom prst="rect">
+            <a:avLst/>
+          </a:prstGeom>
+        </p:spPr>
+      </p:pic>
+      <p:pic>
+        <p:nvPicPr>
+          <p:cNvPr id="43" name="Picture 42"/>
+          <p:cNvPicPr>
+            <a:picLocks noChangeAspect="1"/>
+          </p:cNvPicPr>
+          <p:nvPr/>
+        </p:nvPicPr>
+        <p:blipFill>
+          <a:blip r:embed="rId22"/>
+          <a:stretch>
+            <a:fillRect/>
+          </a:stretch>
+        </p:blipFill>
+        <p:spPr>
+          <a:xfrm>
+            <a:off x="137059" y="3125907"/>
+            <a:ext cx="2619375" cy="809625"/>
+          </a:xfrm>
+          <a:prstGeom prst="rect">
+            <a:avLst/>
+          </a:prstGeom>
+        </p:spPr>
+      </p:pic>
+      <p:pic>
+        <p:nvPicPr>
+          <p:cNvPr id="44" name="Picture 43"/>
+          <p:cNvPicPr>
+            <a:picLocks noChangeAspect="1"/>
+          </p:cNvPicPr>
+          <p:nvPr/>
+        </p:nvPicPr>
+        <p:blipFill>
+          <a:blip r:embed="rId23"/>
+          <a:stretch>
+            <a:fillRect/>
+          </a:stretch>
+        </p:blipFill>
+        <p:spPr>
+          <a:xfrm>
+            <a:off x="127371" y="5242523"/>
+            <a:ext cx="3093660" cy="1072566"/>
+          </a:xfrm>
+          <a:prstGeom prst="rect">
+            <a:avLst/>
+          </a:prstGeom>
+        </p:spPr>
+      </p:pic>
+      <p:pic>
+        <p:nvPicPr>
+          <p:cNvPr id="45" name="Picture 44"/>
+          <p:cNvPicPr>
+            <a:picLocks noChangeAspect="1"/>
+          </p:cNvPicPr>
+          <p:nvPr/>
+        </p:nvPicPr>
+        <p:blipFill>
+          <a:blip r:embed="rId24"/>
+          <a:stretch>
+            <a:fillRect/>
+          </a:stretch>
+        </p:blipFill>
+        <p:spPr>
+          <a:xfrm>
+            <a:off x="10553700" y="5520203"/>
+            <a:ext cx="1344314" cy="792650"/>
+          </a:xfrm>
+          <a:prstGeom prst="rect">
+            <a:avLst/>
+          </a:prstGeom>
+        </p:spPr>
+      </p:pic>
+      <p:pic>
+        <p:nvPicPr>
+          <p:cNvPr id="46" name="Picture 45"/>
+          <p:cNvPicPr>
+            <a:picLocks noChangeAspect="1"/>
+          </p:cNvPicPr>
+          <p:nvPr/>
+        </p:nvPicPr>
+        <p:blipFill>
+          <a:blip r:embed="rId25"/>
+          <a:stretch>
+            <a:fillRect/>
+          </a:stretch>
+        </p:blipFill>
+        <p:spPr>
+          <a:xfrm>
+            <a:off x="9146517" y="5520202"/>
+            <a:ext cx="1255633" cy="792651"/>
+          </a:xfrm>
+          <a:prstGeom prst="rect">
+            <a:avLst/>
+          </a:prstGeom>
+        </p:spPr>
+      </p:pic>
+      <p:sp>
+        <p:nvSpPr>
+          <p:cNvPr id="47" name="TextBox 46"/>
+          <p:cNvSpPr txBox="1"/>
+          <p:nvPr/>
+        </p:nvSpPr>
+        <p:spPr>
+          <a:xfrm>
+            <a:off x="4945152" y="225567"/>
+            <a:ext cx="3094685" cy="461665"/>
+          </a:xfrm>
+          <a:prstGeom prst="rect">
+            <a:avLst/>
+          </a:prstGeom>
+          <a:noFill/>
+        </p:spPr>
+        <p:txBody>
+          <a:bodyPr wrap="square" rtlCol="0">
+            <a:spAutoFit/>
+          </a:bodyPr>
+          <a:lstStyle/>
+          <a:p>
+            <a:r>
+              <a:rPr lang="en-US" sz="2400" b="1" dirty="0" smtClean="0">
+                <a:solidFill>
+                  <a:srgbClr val="C00000"/>
+                </a:solidFill>
+                <a:latin typeface="Garamond" panose="02020404030301010803" pitchFamily="18" charset="0"/>
+              </a:rPr>
+              <a:t>Puzzle break</a:t>
+            </a:r>
+            <a:endParaRPr lang="en-US" sz="2400" b="1" dirty="0">
+              <a:solidFill>
+                <a:srgbClr val="C00000"/>
+              </a:solidFill>
+              <a:latin typeface="Garamond" panose="02020404030301010803" pitchFamily="18" charset="0"/>
+            </a:endParaRPr>
+          </a:p>
+        </p:txBody>
+      </p:sp>
+      <p:sp>
+        <p:nvSpPr>
+          <p:cNvPr id="48" name="TextBox 47"/>
+          <p:cNvSpPr txBox="1"/>
+          <p:nvPr/>
+        </p:nvSpPr>
+        <p:spPr>
+          <a:xfrm>
+            <a:off x="9078865" y="226999"/>
+            <a:ext cx="2923711" cy="461665"/>
+          </a:xfrm>
+          <a:prstGeom prst="rect">
+            <a:avLst/>
+          </a:prstGeom>
+          <a:noFill/>
+        </p:spPr>
+        <p:txBody>
+          <a:bodyPr wrap="square" rtlCol="0">
+            <a:spAutoFit/>
+          </a:bodyPr>
+          <a:lstStyle/>
+          <a:p>
+            <a:r>
+              <a:rPr lang="en-US" sz="2400" b="1" dirty="0" smtClean="0">
+                <a:solidFill>
+                  <a:srgbClr val="C00000"/>
+                </a:solidFill>
+                <a:latin typeface="Garamond" panose="02020404030301010803" pitchFamily="18" charset="0"/>
+              </a:rPr>
+              <a:t>Scientific computing</a:t>
+            </a:r>
+          </a:p>
+        </p:txBody>
+      </p:sp>
+      <p:sp>
+        <p:nvSpPr>
+          <p:cNvPr id="49" name="Oval 48"/>
+          <p:cNvSpPr/>
+          <p:nvPr/>
+        </p:nvSpPr>
+        <p:spPr>
+          <a:xfrm>
+            <a:off x="8982447" y="3828989"/>
+            <a:ext cx="2915567" cy="1691214"/>
+          </a:xfrm>
+          <a:prstGeom prst="ellipse">
+            <a:avLst/>
+          </a:prstGeom>
+          <a:noFill/>
+          <a:ln w="57150">
+            <a:solidFill>
+              <a:srgbClr val="C00000">
+                <a:alpha val="63000"/>
+              </a:srgbClr>
+            </a:solidFill>
+          </a:ln>
+        </p:spPr>
+        <p:style>
+          <a:lnRef idx="2">
+            <a:schemeClr val="accent1">
+              <a:shade val="50000"/>
+            </a:schemeClr>
+          </a:lnRef>
+          <a:fillRef idx="1">
+            <a:schemeClr val="accent1"/>
+          </a:fillRef>
+          <a:effectRef idx="0">
+            <a:schemeClr val="accent1"/>
+          </a:effectRef>
+          <a:fontRef idx="minor">
+            <a:schemeClr val="lt1"/>
+          </a:fontRef>
+        </p:style>
+        <p:txBody>
+          <a:bodyPr rtlCol="0" anchor="ctr"/>
+          <a:lstStyle/>
+          <a:p>
+            <a:pPr algn="ctr"/>
+            <a:endParaRPr lang="en-US"/>
+          </a:p>
+        </p:txBody>
+      </p:sp>
+      <p:sp>
+        <p:nvSpPr>
+          <p:cNvPr id="53" name="TextBox 52"/>
+          <p:cNvSpPr txBox="1"/>
+          <p:nvPr/>
+        </p:nvSpPr>
+        <p:spPr>
+          <a:xfrm>
+            <a:off x="7343425" y="3159807"/>
+            <a:ext cx="2037254" cy="584775"/>
+          </a:xfrm>
+          <a:prstGeom prst="rect">
+            <a:avLst/>
+          </a:prstGeom>
+          <a:noFill/>
+        </p:spPr>
+        <p:txBody>
+          <a:bodyPr wrap="square" rtlCol="0">
+            <a:spAutoFit/>
+          </a:bodyPr>
+          <a:lstStyle/>
+          <a:p>
+            <a:r>
+              <a:rPr lang="en-US" sz="1600" b="1" dirty="0" smtClean="0">
+                <a:solidFill>
+                  <a:srgbClr val="C00000"/>
+                </a:solidFill>
+                <a:latin typeface="Garamond" panose="02020404030301010803" pitchFamily="18" charset="0"/>
+              </a:rPr>
+              <a:t>We make some guesses too</a:t>
+            </a:r>
+            <a:endParaRPr lang="en-US" sz="1600" b="1" dirty="0">
+              <a:solidFill>
+                <a:srgbClr val="C00000"/>
+              </a:solidFill>
+              <a:latin typeface="Garamond" panose="02020404030301010803" pitchFamily="18" charset="0"/>
+            </a:endParaRPr>
+          </a:p>
+        </p:txBody>
+      </p:sp>
+      <p:cxnSp>
+        <p:nvCxnSpPr>
+          <p:cNvPr id="55" name="Curved Connector 54"/>
+          <p:cNvCxnSpPr>
+            <a:endCxn id="49" idx="2"/>
+          </p:cNvCxnSpPr>
+          <p:nvPr/>
+        </p:nvCxnSpPr>
+        <p:spPr>
+          <a:xfrm rot="16200000" flipH="1">
+            <a:off x="8118758" y="3810907"/>
+            <a:ext cx="894788" cy="832590"/>
+          </a:xfrm>
+          <a:prstGeom prst="curvedConnector2">
+            <a:avLst/>
+          </a:prstGeom>
+          <a:ln w="28575">
+            <a:solidFill>
+              <a:srgbClr val="C00000">
+                <a:alpha val="54000"/>
+              </a:srgbClr>
+            </a:solidFill>
+            <a:tailEnd type="triangle"/>
+          </a:ln>
+        </p:spPr>
+        <p:style>
+          <a:lnRef idx="1">
+            <a:schemeClr val="accent1"/>
+          </a:lnRef>
+          <a:fillRef idx="0">
+            <a:schemeClr val="accent1"/>
+          </a:fillRef>
+          <a:effectRef idx="0">
+            <a:schemeClr val="accent1"/>
+          </a:effectRef>
+          <a:fontRef idx="minor">
+            <a:schemeClr val="tx1"/>
+          </a:fontRef>
+        </p:style>
+      </p:cxnSp>
+    </p:spTree>
+    <p:extLst>
+      <p:ext uri="{BB962C8B-B14F-4D97-AF65-F5344CB8AC3E}">
+        <p14:creationId xmlns:p14="http://schemas.microsoft.com/office/powerpoint/2010/main" val="2440035995"/>
+      </p:ext>
+    </p:extLst>
+  </p:cSld>
+  <p:clrMapOvr>
+    <a:masterClrMapping/>
+  </p:clrMapOvr>
+  <p:timing>
+    <p:tnLst>
+      <p:par>
+        <p:cTn id="1" dur="indefinite" restart="never" nodeType="tmRoot"/>
+      </p:par>
+    </p:tnLst>
+  </p:timing>
+</p:sld>
+</file>
+
+<file path=ppt/slides/slide3.xml><?xml version="1.0" encoding="utf-8"?>
+<p:sld xmlns:a="http://schemas.openxmlformats.org/drawingml/2006/main" xmlns:r="http://schemas.openxmlformats.org/officeDocument/2006/relationships" xmlns:p="http://schemas.openxmlformats.org/presentationml/2006/main">
+  <p:cSld>
+    <p:spTree>
+      <p:nvGrpSpPr>
+        <p:cNvPr id="1" name=""/>
+        <p:cNvGrpSpPr/>
+        <p:nvPr/>
+      </p:nvGrpSpPr>
+      <p:grpSpPr>
+        <a:xfrm>
+          <a:off x="0" y="0"/>
+          <a:ext cx="0" cy="0"/>
+          <a:chOff x="0" y="0"/>
+          <a:chExt cx="0" cy="0"/>
+        </a:xfrm>
+      </p:grpSpPr>
+      <p:pic>
+        <p:nvPicPr>
+          <p:cNvPr id="18" name="Picture 17"/>
+          <p:cNvPicPr>
+            <a:picLocks noChangeAspect="1"/>
+          </p:cNvPicPr>
+          <p:nvPr/>
+        </p:nvPicPr>
+        <p:blipFill>
+          <a:blip r:embed="rId3"/>
+          <a:stretch>
+            <a:fillRect/>
+          </a:stretch>
+        </p:blipFill>
+        <p:spPr>
+          <a:xfrm>
+            <a:off x="309789" y="4076804"/>
+            <a:ext cx="3775565" cy="2065744"/>
+          </a:xfrm>
+          <a:prstGeom prst="rect">
+            <a:avLst/>
+          </a:prstGeom>
+        </p:spPr>
+      </p:pic>
+      <p:sp>
+        <p:nvSpPr>
+          <p:cNvPr id="4" name="Slide Number Placeholder 3"/>
+          <p:cNvSpPr>
+            <a:spLocks noGrp="1"/>
+          </p:cNvSpPr>
+          <p:nvPr>
+            <p:ph type="sldNum" sz="quarter" idx="12"/>
+          </p:nvPr>
+        </p:nvSpPr>
+        <p:spPr>
+          <a:xfrm>
+            <a:off x="9306059" y="6438513"/>
+            <a:ext cx="2743200" cy="365125"/>
+          </a:xfrm>
+        </p:spPr>
+        <p:txBody>
+          <a:bodyPr/>
+          <a:lstStyle/>
+          <a:p>
+            <a:fld id="{27225834-A5F4-4780-A9FC-586FB30F9BB0}" type="slidenum">
+              <a:rPr lang="en-US" smtClean="0">
+                <a:latin typeface="Garamond" panose="02020404030301010803" pitchFamily="18" charset="0"/>
+              </a:rPr>
+              <a:t>3</a:t>
+            </a:fld>
+            <a:endParaRPr lang="en-US" dirty="0">
+              <a:latin typeface="Garamond" panose="02020404030301010803" pitchFamily="18" charset="0"/>
+            </a:endParaRPr>
+          </a:p>
+        </p:txBody>
+      </p:sp>
+      <p:pic>
+        <p:nvPicPr>
+          <p:cNvPr id="5" name="Picture 4"/>
+          <p:cNvPicPr>
+            <a:picLocks noChangeAspect="1"/>
+          </p:cNvPicPr>
+          <p:nvPr/>
+        </p:nvPicPr>
+        <p:blipFill>
+          <a:blip r:embed="rId4"/>
+          <a:stretch>
+            <a:fillRect/>
+          </a:stretch>
+        </p:blipFill>
+        <p:spPr>
+          <a:xfrm>
+            <a:off x="5204376" y="1271950"/>
+            <a:ext cx="2051500" cy="1735086"/>
+          </a:xfrm>
+          <a:prstGeom prst="rect">
+            <a:avLst/>
+          </a:prstGeom>
+        </p:spPr>
+      </p:pic>
+      <p:pic>
+        <p:nvPicPr>
+          <p:cNvPr id="6" name="Picture 5"/>
+          <p:cNvPicPr>
+            <a:picLocks noChangeAspect="1"/>
+          </p:cNvPicPr>
+          <p:nvPr/>
+        </p:nvPicPr>
+        <p:blipFill>
+          <a:blip r:embed="rId5"/>
+          <a:stretch>
+            <a:fillRect/>
+          </a:stretch>
+        </p:blipFill>
+        <p:spPr>
+          <a:xfrm>
+            <a:off x="5202978" y="3124316"/>
+            <a:ext cx="2052897" cy="1699442"/>
+          </a:xfrm>
+          <a:prstGeom prst="rect">
+            <a:avLst/>
+          </a:prstGeom>
+        </p:spPr>
+      </p:pic>
+      <p:pic>
+        <p:nvPicPr>
+          <p:cNvPr id="7" name="Picture 6"/>
+          <p:cNvPicPr>
+            <a:picLocks noChangeAspect="1"/>
+          </p:cNvPicPr>
+          <p:nvPr/>
+        </p:nvPicPr>
+        <p:blipFill>
+          <a:blip r:embed="rId6"/>
+          <a:stretch>
+            <a:fillRect/>
+          </a:stretch>
+        </p:blipFill>
+        <p:spPr>
+          <a:xfrm>
+            <a:off x="5266046" y="4941038"/>
+            <a:ext cx="1926760" cy="1793877"/>
+          </a:xfrm>
+          <a:prstGeom prst="rect">
+            <a:avLst/>
+          </a:prstGeom>
+        </p:spPr>
+      </p:pic>
+      <p:pic>
+        <p:nvPicPr>
+          <p:cNvPr id="8" name="Picture 7"/>
+          <p:cNvPicPr>
+            <a:picLocks noChangeAspect="1"/>
+          </p:cNvPicPr>
+          <p:nvPr/>
+        </p:nvPicPr>
+        <p:blipFill rotWithShape="1">
+          <a:blip r:embed="rId7" cstate="print">
+            <a:extLst>
+              <a:ext uri="{28A0092B-C50C-407E-A947-70E740481C1C}">
+                <a14:useLocalDpi xmlns:a14="http://schemas.microsoft.com/office/drawing/2010/main" val="0"/>
+              </a:ext>
+            </a:extLst>
+          </a:blip>
+          <a:srcRect l="8617" t="3576" r="10153" b="5191"/>
+          <a:stretch/>
+        </p:blipFill>
+        <p:spPr>
+          <a:xfrm>
+            <a:off x="9086545" y="1271950"/>
+            <a:ext cx="1371905" cy="5135113"/>
+          </a:xfrm>
+          <a:prstGeom prst="rect">
+            <a:avLst/>
+          </a:prstGeom>
+        </p:spPr>
+      </p:pic>
+      <p:pic>
+        <p:nvPicPr>
+          <p:cNvPr id="2" name="Picture 1"/>
+          <p:cNvPicPr>
+            <a:picLocks noChangeAspect="1"/>
+          </p:cNvPicPr>
+          <p:nvPr/>
+        </p:nvPicPr>
+        <p:blipFill rotWithShape="1">
+          <a:blip r:embed="rId8"/>
+          <a:srcRect t="1" b="1952"/>
+          <a:stretch/>
+        </p:blipFill>
+        <p:spPr>
+          <a:xfrm>
+            <a:off x="309789" y="1363044"/>
+            <a:ext cx="3491176" cy="2391992"/>
+          </a:xfrm>
+          <a:prstGeom prst="rect">
+            <a:avLst/>
+          </a:prstGeom>
+        </p:spPr>
+      </p:pic>
+      <p:sp>
+        <p:nvSpPr>
+          <p:cNvPr id="13" name="Oval 12"/>
+          <p:cNvSpPr/>
+          <p:nvPr/>
+        </p:nvSpPr>
+        <p:spPr>
+          <a:xfrm>
+            <a:off x="2352601" y="4452303"/>
+            <a:ext cx="827102" cy="534074"/>
+          </a:xfrm>
+          <a:prstGeom prst="ellipse">
+            <a:avLst/>
+          </a:prstGeom>
+          <a:noFill/>
+          <a:ln>
+            <a:solidFill>
+              <a:srgbClr val="C00000"/>
+            </a:solidFill>
+          </a:ln>
+        </p:spPr>
+        <p:style>
+          <a:lnRef idx="2">
+            <a:schemeClr val="accent1">
+              <a:shade val="50000"/>
+            </a:schemeClr>
+          </a:lnRef>
+          <a:fillRef idx="1">
+            <a:schemeClr val="accent1"/>
+          </a:fillRef>
+          <a:effectRef idx="0">
+            <a:schemeClr val="accent1"/>
+          </a:effectRef>
+          <a:fontRef idx="minor">
+            <a:schemeClr val="lt1"/>
+          </a:fontRef>
+        </p:style>
+        <p:txBody>
+          <a:bodyPr rtlCol="0" anchor="ctr"/>
+          <a:lstStyle/>
+          <a:p>
+            <a:pPr algn="ctr"/>
+            <a:endParaRPr lang="en-US"/>
+          </a:p>
+        </p:txBody>
+      </p:sp>
+      <p:cxnSp>
+        <p:nvCxnSpPr>
+          <p:cNvPr id="15" name="Curved Connector 14"/>
+          <p:cNvCxnSpPr/>
+          <p:nvPr/>
+        </p:nvCxnSpPr>
+        <p:spPr>
+          <a:xfrm>
+            <a:off x="2055377" y="4143122"/>
+            <a:ext cx="388418" cy="381442"/>
+          </a:xfrm>
+          <a:prstGeom prst="curvedConnector3">
+            <a:avLst/>
+          </a:prstGeom>
+          <a:ln>
+            <a:solidFill>
+              <a:srgbClr val="C00000"/>
+            </a:solidFill>
+            <a:tailEnd type="triangle"/>
+          </a:ln>
+        </p:spPr>
+        <p:style>
+          <a:lnRef idx="1">
+            <a:schemeClr val="accent1"/>
+          </a:lnRef>
+          <a:fillRef idx="0">
+            <a:schemeClr val="accent1"/>
+          </a:fillRef>
+          <a:effectRef idx="0">
+            <a:schemeClr val="accent1"/>
+          </a:effectRef>
+          <a:fontRef idx="minor">
+            <a:schemeClr val="tx1"/>
+          </a:fontRef>
+        </p:style>
+      </p:cxnSp>
+      <p:sp>
+        <p:nvSpPr>
+          <p:cNvPr id="21" name="TextBox 20"/>
+          <p:cNvSpPr txBox="1"/>
+          <p:nvPr/>
+        </p:nvSpPr>
+        <p:spPr>
+          <a:xfrm>
+            <a:off x="812006" y="355235"/>
+            <a:ext cx="2923711" cy="461665"/>
+          </a:xfrm>
+          <a:prstGeom prst="rect">
+            <a:avLst/>
+          </a:prstGeom>
+          <a:noFill/>
+        </p:spPr>
+        <p:txBody>
+          <a:bodyPr wrap="square" rtlCol="0">
+            <a:spAutoFit/>
+          </a:bodyPr>
+          <a:lstStyle/>
+          <a:p>
+            <a:r>
+              <a:rPr lang="en-US" sz="2400" b="1" dirty="0" smtClean="0">
+                <a:solidFill>
+                  <a:srgbClr val="C00000"/>
+                </a:solidFill>
+                <a:latin typeface="Garamond" panose="02020404030301010803" pitchFamily="18" charset="0"/>
+              </a:rPr>
+              <a:t>Map out predictions</a:t>
+            </a:r>
+          </a:p>
+        </p:txBody>
+      </p:sp>
+      <p:sp>
+        <p:nvSpPr>
+          <p:cNvPr id="23" name="TextBox 22"/>
+          <p:cNvSpPr txBox="1"/>
+          <p:nvPr/>
+        </p:nvSpPr>
+        <p:spPr>
+          <a:xfrm>
+            <a:off x="1087517" y="3941938"/>
+            <a:ext cx="2923711" cy="276999"/>
+          </a:xfrm>
+          <a:prstGeom prst="rect">
+            <a:avLst/>
+          </a:prstGeom>
+          <a:noFill/>
+        </p:spPr>
+        <p:txBody>
+          <a:bodyPr wrap="square" rtlCol="0">
+            <a:spAutoFit/>
+          </a:bodyPr>
+          <a:lstStyle/>
+          <a:p>
+            <a:r>
+              <a:rPr lang="en-US" sz="1200" b="1" dirty="0" smtClean="0">
+                <a:solidFill>
+                  <a:srgbClr val="C00000"/>
+                </a:solidFill>
+                <a:latin typeface="Garamond" panose="02020404030301010803" pitchFamily="18" charset="0"/>
+              </a:rPr>
+              <a:t>You are here</a:t>
+            </a:r>
+          </a:p>
+        </p:txBody>
+      </p:sp>
+      <p:sp>
+        <p:nvSpPr>
+          <p:cNvPr id="28" name="Rectangle 27"/>
+          <p:cNvSpPr/>
+          <p:nvPr/>
+        </p:nvSpPr>
+        <p:spPr>
+          <a:xfrm>
+            <a:off x="4856389" y="355235"/>
+            <a:ext cx="2900153" cy="461665"/>
+          </a:xfrm>
+          <a:prstGeom prst="rect">
+            <a:avLst/>
+          </a:prstGeom>
+        </p:spPr>
+        <p:txBody>
+          <a:bodyPr wrap="none">
+            <a:spAutoFit/>
+          </a:bodyPr>
+          <a:lstStyle/>
+          <a:p>
+            <a:r>
+              <a:rPr lang="en-US" sz="2400" b="1" dirty="0" smtClean="0">
+                <a:solidFill>
+                  <a:srgbClr val="C00000"/>
+                </a:solidFill>
+                <a:latin typeface="Garamond" panose="02020404030301010803" pitchFamily="18" charset="0"/>
+              </a:rPr>
+              <a:t>Play with the design </a:t>
+            </a:r>
+            <a:endParaRPr lang="en-US" sz="2400" b="1" dirty="0">
+              <a:solidFill>
+                <a:srgbClr val="C00000"/>
+              </a:solidFill>
+              <a:latin typeface="Garamond" panose="02020404030301010803" pitchFamily="18" charset="0"/>
+            </a:endParaRPr>
+          </a:p>
+        </p:txBody>
+      </p:sp>
+    </p:spTree>
+    <p:extLst>
+      <p:ext uri="{BB962C8B-B14F-4D97-AF65-F5344CB8AC3E}">
+        <p14:creationId xmlns:p14="http://schemas.microsoft.com/office/powerpoint/2010/main" val="3172674398"/>
       </p:ext>
     </p:extLst>
   </p:cSld>

--- a/Docs/Presentations/Slides/#3.pptx
+++ b/Docs/Presentations/Slides/#3.pptx
@@ -36,7 +36,7 @@
       </p:grpSpPr>
       <p:sp>
         <p:nvSpPr>
-          <p:cNvPr id="41" name="PlaceHolder 1"/>
+          <p:cNvPr id="38" name="PlaceHolder 1"/>
           <p:cNvSpPr>
             <a:spLocks noGrp="1"/>
           </p:cNvSpPr>
@@ -86,7 +86,7 @@
       </p:sp>
       <p:sp>
         <p:nvSpPr>
-          <p:cNvPr id="42" name="PlaceHolder 2"/>
+          <p:cNvPr id="39" name="PlaceHolder 2"/>
           <p:cNvSpPr>
             <a:spLocks noGrp="1"/>
           </p:cNvSpPr>
@@ -136,7 +136,7 @@
       </p:sp>
       <p:sp>
         <p:nvSpPr>
-          <p:cNvPr id="43" name="PlaceHolder 3"/>
+          <p:cNvPr id="40" name="PlaceHolder 3"/>
           <p:cNvSpPr>
             <a:spLocks noGrp="1"/>
           </p:cNvSpPr>
@@ -187,7 +187,7 @@
       </p:sp>
       <p:sp>
         <p:nvSpPr>
-          <p:cNvPr id="44" name="PlaceHolder 4"/>
+          <p:cNvPr id="41" name="PlaceHolder 4"/>
           <p:cNvSpPr>
             <a:spLocks noGrp="1"/>
           </p:cNvSpPr>
@@ -237,7 +237,7 @@
       </p:sp>
       <p:sp>
         <p:nvSpPr>
-          <p:cNvPr id="45" name="PlaceHolder 5"/>
+          <p:cNvPr id="42" name="PlaceHolder 5"/>
           <p:cNvSpPr>
             <a:spLocks noGrp="1"/>
           </p:cNvSpPr>
@@ -258,7 +258,7 @@
           <a:bodyPr lIns="0" rIns="0" tIns="0" bIns="0" anchor="b"/>
           <a:p>
             <a:pPr algn="r"/>
-            <a:fld id="{AD611A44-E707-457B-903B-2F53B22A0C1C}" type="slidenum">
+            <a:fld id="{FB2F0804-3858-40C2-BA42-8AC797B5C0D2}" type="slidenum">
               <a:rPr b="0" lang="en-US" sz="1400" spc="-1" strike="noStrike">
                 <a:solidFill>
                   <a:srgbClr val="000000"/>
@@ -311,7 +311,7 @@
       </p:grpSpPr>
       <p:sp>
         <p:nvSpPr>
-          <p:cNvPr id="98" name="PlaceHolder 1"/>
+          <p:cNvPr id="95" name="PlaceHolder 1"/>
           <p:cNvSpPr>
             <a:spLocks noGrp="1"/>
           </p:cNvSpPr>
@@ -322,14 +322,14 @@
         <p:spPr>
           <a:xfrm>
             <a:off x="685800" y="4400640"/>
-            <a:ext cx="5486040" cy="3600000"/>
-          </a:xfrm>
-          <a:prstGeom prst="rect">
-            <a:avLst/>
-          </a:prstGeom>
-        </p:spPr>
-        <p:txBody>
-          <a:bodyPr/>
+            <a:ext cx="5485680" cy="3599640"/>
+          </a:xfrm>
+          <a:prstGeom prst="rect">
+            <a:avLst/>
+          </a:prstGeom>
+        </p:spPr>
+        <p:txBody>
+          <a:bodyPr lIns="0" rIns="0" tIns="0" bIns="0"/>
           <a:p>
             <a:endParaRPr b="0" lang="en-US" sz="2000" spc="-1" strike="noStrike">
               <a:solidFill>
@@ -347,14 +347,14 @@
       </p:sp>
       <p:sp>
         <p:nvSpPr>
-          <p:cNvPr id="99" name="TextShape 2"/>
-          <p:cNvSpPr txBox="1"/>
+          <p:cNvPr id="96" name="CustomShape 2"/>
+          <p:cNvSpPr/>
           <p:nvPr/>
         </p:nvSpPr>
         <p:spPr>
           <a:xfrm>
             <a:off x="3884760" y="8685360"/>
-            <a:ext cx="2971440" cy="458280"/>
+            <a:ext cx="2971080" cy="457920"/>
           </a:xfrm>
           <a:prstGeom prst="rect">
             <a:avLst/>
@@ -364,15 +364,21 @@
             <a:noFill/>
           </a:ln>
         </p:spPr>
-        <p:txBody>
-          <a:bodyPr anchor="b"/>
+        <p:style>
+          <a:lnRef idx="0"/>
+          <a:fillRef idx="0"/>
+          <a:effectRef idx="0"/>
+          <a:fontRef idx="minor"/>
+        </p:style>
+        <p:txBody>
+          <a:bodyPr lIns="90000" rIns="90000" tIns="45000" bIns="45000" anchor="b"/>
           <a:p>
             <a:pPr algn="r">
               <a:lnSpc>
                 <a:spcPct val="100000"/>
               </a:lnSpc>
             </a:pPr>
-            <a:fld id="{029CDD1B-B01D-4A0C-8EE9-A713D4C5B8E3}" type="slidenum">
+            <a:fld id="{5989C4AB-8C6E-4DB7-99E1-699619741AB8}" type="slidenum">
               <a:rPr b="0" lang="en-US" sz="1200" spc="-1" strike="noStrike">
                 <a:solidFill>
                   <a:srgbClr val="000000"/>
@@ -396,7 +402,7 @@
                   <a:srgbClr val="ffffff"/>
                 </a:solidFill>
               </a:uFill>
-              <a:latin typeface="Times New Roman"/>
+              <a:latin typeface="Arial"/>
             </a:endParaRPr>
           </a:p>
         </p:txBody>
@@ -425,7 +431,7 @@
       </p:grpSpPr>
       <p:sp>
         <p:nvSpPr>
-          <p:cNvPr id="100" name="PlaceHolder 1"/>
+          <p:cNvPr id="97" name="PlaceHolder 1"/>
           <p:cNvSpPr>
             <a:spLocks noGrp="1"/>
           </p:cNvSpPr>
@@ -436,14 +442,14 @@
         <p:spPr>
           <a:xfrm>
             <a:off x="685800" y="4400640"/>
-            <a:ext cx="5486040" cy="3600000"/>
-          </a:xfrm>
-          <a:prstGeom prst="rect">
-            <a:avLst/>
-          </a:prstGeom>
-        </p:spPr>
-        <p:txBody>
-          <a:bodyPr/>
+            <a:ext cx="5485680" cy="3599640"/>
+          </a:xfrm>
+          <a:prstGeom prst="rect">
+            <a:avLst/>
+          </a:prstGeom>
+        </p:spPr>
+        <p:txBody>
+          <a:bodyPr lIns="0" rIns="0" tIns="0" bIns="0"/>
           <a:p>
             <a:endParaRPr b="0" lang="en-US" sz="2000" spc="-1" strike="noStrike">
               <a:solidFill>
@@ -461,14 +467,14 @@
       </p:sp>
       <p:sp>
         <p:nvSpPr>
-          <p:cNvPr id="101" name="TextShape 2"/>
-          <p:cNvSpPr txBox="1"/>
+          <p:cNvPr id="98" name="CustomShape 2"/>
+          <p:cNvSpPr/>
           <p:nvPr/>
         </p:nvSpPr>
         <p:spPr>
           <a:xfrm>
             <a:off x="3884760" y="8685360"/>
-            <a:ext cx="2971440" cy="458280"/>
+            <a:ext cx="2971080" cy="457920"/>
           </a:xfrm>
           <a:prstGeom prst="rect">
             <a:avLst/>
@@ -478,15 +484,21 @@
             <a:noFill/>
           </a:ln>
         </p:spPr>
-        <p:txBody>
-          <a:bodyPr anchor="b"/>
+        <p:style>
+          <a:lnRef idx="0"/>
+          <a:fillRef idx="0"/>
+          <a:effectRef idx="0"/>
+          <a:fontRef idx="minor"/>
+        </p:style>
+        <p:txBody>
+          <a:bodyPr lIns="90000" rIns="90000" tIns="45000" bIns="45000" anchor="b"/>
           <a:p>
             <a:pPr algn="r">
               <a:lnSpc>
                 <a:spcPct val="100000"/>
               </a:lnSpc>
             </a:pPr>
-            <a:fld id="{D1DD164C-82BF-4B34-8233-12E9DE6BDBC3}" type="slidenum">
+            <a:fld id="{531AE78E-7D7F-4CEB-857D-1D9C1981E2DB}" type="slidenum">
               <a:rPr b="0" lang="en-US" sz="1200" spc="-1" strike="noStrike">
                 <a:solidFill>
                   <a:srgbClr val="000000"/>
@@ -510,7 +522,7 @@
                   <a:srgbClr val="ffffff"/>
                 </a:solidFill>
               </a:uFill>
-              <a:latin typeface="Times New Roman"/>
+              <a:latin typeface="Arial"/>
             </a:endParaRPr>
           </a:p>
         </p:txBody>
@@ -539,7 +551,7 @@
       </p:grpSpPr>
       <p:sp>
         <p:nvSpPr>
-          <p:cNvPr id="102" name="PlaceHolder 1"/>
+          <p:cNvPr id="99" name="PlaceHolder 1"/>
           <p:cNvSpPr>
             <a:spLocks noGrp="1"/>
           </p:cNvSpPr>
@@ -550,14 +562,14 @@
         <p:spPr>
           <a:xfrm>
             <a:off x="685800" y="4400640"/>
-            <a:ext cx="5486040" cy="3600000"/>
-          </a:xfrm>
-          <a:prstGeom prst="rect">
-            <a:avLst/>
-          </a:prstGeom>
-        </p:spPr>
-        <p:txBody>
-          <a:bodyPr/>
+            <a:ext cx="5485680" cy="3599640"/>
+          </a:xfrm>
+          <a:prstGeom prst="rect">
+            <a:avLst/>
+          </a:prstGeom>
+        </p:spPr>
+        <p:txBody>
+          <a:bodyPr lIns="0" rIns="0" tIns="0" bIns="0"/>
           <a:p>
             <a:endParaRPr b="0" lang="en-US" sz="2000" spc="-1" strike="noStrike">
               <a:solidFill>
@@ -575,14 +587,14 @@
       </p:sp>
       <p:sp>
         <p:nvSpPr>
-          <p:cNvPr id="103" name="TextShape 2"/>
-          <p:cNvSpPr txBox="1"/>
+          <p:cNvPr id="100" name="CustomShape 2"/>
+          <p:cNvSpPr/>
           <p:nvPr/>
         </p:nvSpPr>
         <p:spPr>
           <a:xfrm>
             <a:off x="3884760" y="8685360"/>
-            <a:ext cx="2971440" cy="458280"/>
+            <a:ext cx="2971080" cy="457920"/>
           </a:xfrm>
           <a:prstGeom prst="rect">
             <a:avLst/>
@@ -592,15 +604,21 @@
             <a:noFill/>
           </a:ln>
         </p:spPr>
-        <p:txBody>
-          <a:bodyPr anchor="b"/>
+        <p:style>
+          <a:lnRef idx="0"/>
+          <a:fillRef idx="0"/>
+          <a:effectRef idx="0"/>
+          <a:fontRef idx="minor"/>
+        </p:style>
+        <p:txBody>
+          <a:bodyPr lIns="90000" rIns="90000" tIns="45000" bIns="45000" anchor="b"/>
           <a:p>
             <a:pPr algn="r">
               <a:lnSpc>
                 <a:spcPct val="100000"/>
               </a:lnSpc>
             </a:pPr>
-            <a:fld id="{AC658EA5-DAE3-4497-A1FD-6AFD82802531}" type="slidenum">
+            <a:fld id="{9F24E545-DE24-4547-80B6-70D21174A4FA}" type="slidenum">
               <a:rPr b="0" lang="en-US" sz="1200" spc="-1" strike="noStrike">
                 <a:solidFill>
                   <a:srgbClr val="000000"/>
@@ -624,7 +642,7 @@
                   <a:srgbClr val="ffffff"/>
                 </a:solidFill>
               </a:uFill>
-              <a:latin typeface="Times New Roman"/>
+              <a:latin typeface="Arial"/>
             </a:endParaRPr>
           </a:p>
         </p:txBody>
@@ -675,7 +693,7 @@
       </p:grpSpPr>
       <p:sp>
         <p:nvSpPr>
-          <p:cNvPr id="26" name="PlaceHolder 1"/>
+          <p:cNvPr id="23" name="PlaceHolder 1"/>
           <p:cNvSpPr>
             <a:spLocks noGrp="1"/>
           </p:cNvSpPr>
@@ -686,7 +704,7 @@
         <p:spPr>
           <a:xfrm>
             <a:off x="1523880" y="1122480"/>
-            <a:ext cx="9143640" cy="2387160"/>
+            <a:ext cx="9143280" cy="2386800"/>
           </a:xfrm>
           <a:prstGeom prst="rect">
             <a:avLst/>
@@ -695,23 +713,24 @@
         <p:txBody>
           <a:bodyPr lIns="0" rIns="0" tIns="0" bIns="0" anchor="ctr"/>
           <a:p>
-            <a:endParaRPr b="0" lang="en-US" sz="1800" spc="-1" strike="noStrike">
-              <a:solidFill>
-                <a:srgbClr val="000000"/>
-              </a:solidFill>
-              <a:uFill>
-                <a:solidFill>
-                  <a:srgbClr val="ffffff"/>
-                </a:solidFill>
-              </a:uFill>
-              <a:latin typeface="Calibri"/>
-            </a:endParaRPr>
-          </a:p>
-        </p:txBody>
-      </p:sp>
-      <p:sp>
-        <p:nvSpPr>
-          <p:cNvPr id="27" name="PlaceHolder 2"/>
+            <a:pPr algn="ctr"/>
+            <a:endParaRPr b="0" lang="en-US" sz="4400" spc="-1" strike="noStrike">
+              <a:solidFill>
+                <a:srgbClr val="000000"/>
+              </a:solidFill>
+              <a:uFill>
+                <a:solidFill>
+                  <a:srgbClr val="ffffff"/>
+                </a:solidFill>
+              </a:uFill>
+              <a:latin typeface="Arial"/>
+            </a:endParaRPr>
+          </a:p>
+        </p:txBody>
+      </p:sp>
+      <p:sp>
+        <p:nvSpPr>
+          <p:cNvPr id="24" name="PlaceHolder 2"/>
           <p:cNvSpPr>
             <a:spLocks noGrp="1"/>
           </p:cNvSpPr>
@@ -733,23 +752,23 @@
             <a:normAutofit/>
           </a:bodyPr>
           <a:p>
-            <a:endParaRPr b="0" lang="en-US" sz="2800" spc="-1" strike="noStrike">
-              <a:solidFill>
-                <a:srgbClr val="000000"/>
-              </a:solidFill>
-              <a:uFill>
-                <a:solidFill>
-                  <a:srgbClr val="ffffff"/>
-                </a:solidFill>
-              </a:uFill>
-              <a:latin typeface="Calibri"/>
-            </a:endParaRPr>
-          </a:p>
-        </p:txBody>
-      </p:sp>
-      <p:sp>
-        <p:nvSpPr>
-          <p:cNvPr id="28" name="PlaceHolder 3"/>
+            <a:endParaRPr b="0" lang="en-US" sz="3200" spc="-1" strike="noStrike">
+              <a:solidFill>
+                <a:srgbClr val="000000"/>
+              </a:solidFill>
+              <a:uFill>
+                <a:solidFill>
+                  <a:srgbClr val="ffffff"/>
+                </a:solidFill>
+              </a:uFill>
+              <a:latin typeface="Arial"/>
+            </a:endParaRPr>
+          </a:p>
+        </p:txBody>
+      </p:sp>
+      <p:sp>
+        <p:nvSpPr>
+          <p:cNvPr id="25" name="PlaceHolder 3"/>
           <p:cNvSpPr>
             <a:spLocks noGrp="1"/>
           </p:cNvSpPr>
@@ -771,16 +790,16 @@
             <a:normAutofit/>
           </a:bodyPr>
           <a:p>
-            <a:endParaRPr b="0" lang="en-US" sz="2800" spc="-1" strike="noStrike">
-              <a:solidFill>
-                <a:srgbClr val="000000"/>
-              </a:solidFill>
-              <a:uFill>
-                <a:solidFill>
-                  <a:srgbClr val="ffffff"/>
-                </a:solidFill>
-              </a:uFill>
-              <a:latin typeface="Calibri"/>
+            <a:endParaRPr b="0" lang="en-US" sz="3200" spc="-1" strike="noStrike">
+              <a:solidFill>
+                <a:srgbClr val="000000"/>
+              </a:solidFill>
+              <a:uFill>
+                <a:solidFill>
+                  <a:srgbClr val="ffffff"/>
+                </a:solidFill>
+              </a:uFill>
+              <a:latin typeface="Arial"/>
             </a:endParaRPr>
           </a:p>
         </p:txBody>
@@ -809,7 +828,7 @@
       </p:grpSpPr>
       <p:sp>
         <p:nvSpPr>
-          <p:cNvPr id="29" name="PlaceHolder 1"/>
+          <p:cNvPr id="26" name="PlaceHolder 1"/>
           <p:cNvSpPr>
             <a:spLocks noGrp="1"/>
           </p:cNvSpPr>
@@ -820,7 +839,7 @@
         <p:spPr>
           <a:xfrm>
             <a:off x="1523880" y="1122480"/>
-            <a:ext cx="9143640" cy="2387160"/>
+            <a:ext cx="9143280" cy="2386800"/>
           </a:xfrm>
           <a:prstGeom prst="rect">
             <a:avLst/>
@@ -829,23 +848,24 @@
         <p:txBody>
           <a:bodyPr lIns="0" rIns="0" tIns="0" bIns="0" anchor="ctr"/>
           <a:p>
-            <a:endParaRPr b="0" lang="en-US" sz="1800" spc="-1" strike="noStrike">
-              <a:solidFill>
-                <a:srgbClr val="000000"/>
-              </a:solidFill>
-              <a:uFill>
-                <a:solidFill>
-                  <a:srgbClr val="ffffff"/>
-                </a:solidFill>
-              </a:uFill>
-              <a:latin typeface="Calibri"/>
-            </a:endParaRPr>
-          </a:p>
-        </p:txBody>
-      </p:sp>
-      <p:sp>
-        <p:nvSpPr>
-          <p:cNvPr id="30" name="PlaceHolder 2"/>
+            <a:pPr algn="ctr"/>
+            <a:endParaRPr b="0" lang="en-US" sz="4400" spc="-1" strike="noStrike">
+              <a:solidFill>
+                <a:srgbClr val="000000"/>
+              </a:solidFill>
+              <a:uFill>
+                <a:solidFill>
+                  <a:srgbClr val="ffffff"/>
+                </a:solidFill>
+              </a:uFill>
+              <a:latin typeface="Arial"/>
+            </a:endParaRPr>
+          </a:p>
+        </p:txBody>
+      </p:sp>
+      <p:sp>
+        <p:nvSpPr>
+          <p:cNvPr id="27" name="PlaceHolder 2"/>
           <p:cNvSpPr>
             <a:spLocks noGrp="1"/>
           </p:cNvSpPr>
@@ -867,23 +887,23 @@
             <a:normAutofit/>
           </a:bodyPr>
           <a:p>
-            <a:endParaRPr b="0" lang="en-US" sz="2800" spc="-1" strike="noStrike">
-              <a:solidFill>
-                <a:srgbClr val="000000"/>
-              </a:solidFill>
-              <a:uFill>
-                <a:solidFill>
-                  <a:srgbClr val="ffffff"/>
-                </a:solidFill>
-              </a:uFill>
-              <a:latin typeface="Calibri"/>
-            </a:endParaRPr>
-          </a:p>
-        </p:txBody>
-      </p:sp>
-      <p:sp>
-        <p:nvSpPr>
-          <p:cNvPr id="31" name="PlaceHolder 3"/>
+            <a:endParaRPr b="0" lang="en-US" sz="3200" spc="-1" strike="noStrike">
+              <a:solidFill>
+                <a:srgbClr val="000000"/>
+              </a:solidFill>
+              <a:uFill>
+                <a:solidFill>
+                  <a:srgbClr val="ffffff"/>
+                </a:solidFill>
+              </a:uFill>
+              <a:latin typeface="Arial"/>
+            </a:endParaRPr>
+          </a:p>
+        </p:txBody>
+      </p:sp>
+      <p:sp>
+        <p:nvSpPr>
+          <p:cNvPr id="28" name="PlaceHolder 3"/>
           <p:cNvSpPr>
             <a:spLocks noGrp="1"/>
           </p:cNvSpPr>
@@ -905,23 +925,23 @@
             <a:normAutofit/>
           </a:bodyPr>
           <a:p>
-            <a:endParaRPr b="0" lang="en-US" sz="2800" spc="-1" strike="noStrike">
-              <a:solidFill>
-                <a:srgbClr val="000000"/>
-              </a:solidFill>
-              <a:uFill>
-                <a:solidFill>
-                  <a:srgbClr val="ffffff"/>
-                </a:solidFill>
-              </a:uFill>
-              <a:latin typeface="Calibri"/>
-            </a:endParaRPr>
-          </a:p>
-        </p:txBody>
-      </p:sp>
-      <p:sp>
-        <p:nvSpPr>
-          <p:cNvPr id="32" name="PlaceHolder 4"/>
+            <a:endParaRPr b="0" lang="en-US" sz="3200" spc="-1" strike="noStrike">
+              <a:solidFill>
+                <a:srgbClr val="000000"/>
+              </a:solidFill>
+              <a:uFill>
+                <a:solidFill>
+                  <a:srgbClr val="ffffff"/>
+                </a:solidFill>
+              </a:uFill>
+              <a:latin typeface="Arial"/>
+            </a:endParaRPr>
+          </a:p>
+        </p:txBody>
+      </p:sp>
+      <p:sp>
+        <p:nvSpPr>
+          <p:cNvPr id="29" name="PlaceHolder 4"/>
           <p:cNvSpPr>
             <a:spLocks noGrp="1"/>
           </p:cNvSpPr>
@@ -943,23 +963,23 @@
             <a:normAutofit/>
           </a:bodyPr>
           <a:p>
-            <a:endParaRPr b="0" lang="en-US" sz="2800" spc="-1" strike="noStrike">
-              <a:solidFill>
-                <a:srgbClr val="000000"/>
-              </a:solidFill>
-              <a:uFill>
-                <a:solidFill>
-                  <a:srgbClr val="ffffff"/>
-                </a:solidFill>
-              </a:uFill>
-              <a:latin typeface="Calibri"/>
-            </a:endParaRPr>
-          </a:p>
-        </p:txBody>
-      </p:sp>
-      <p:sp>
-        <p:nvSpPr>
-          <p:cNvPr id="33" name="PlaceHolder 5"/>
+            <a:endParaRPr b="0" lang="en-US" sz="3200" spc="-1" strike="noStrike">
+              <a:solidFill>
+                <a:srgbClr val="000000"/>
+              </a:solidFill>
+              <a:uFill>
+                <a:solidFill>
+                  <a:srgbClr val="ffffff"/>
+                </a:solidFill>
+              </a:uFill>
+              <a:latin typeface="Arial"/>
+            </a:endParaRPr>
+          </a:p>
+        </p:txBody>
+      </p:sp>
+      <p:sp>
+        <p:nvSpPr>
+          <p:cNvPr id="30" name="PlaceHolder 5"/>
           <p:cNvSpPr>
             <a:spLocks noGrp="1"/>
           </p:cNvSpPr>
@@ -981,16 +1001,16 @@
             <a:normAutofit/>
           </a:bodyPr>
           <a:p>
-            <a:endParaRPr b="0" lang="en-US" sz="2800" spc="-1" strike="noStrike">
-              <a:solidFill>
-                <a:srgbClr val="000000"/>
-              </a:solidFill>
-              <a:uFill>
-                <a:solidFill>
-                  <a:srgbClr val="ffffff"/>
-                </a:solidFill>
-              </a:uFill>
-              <a:latin typeface="Calibri"/>
+            <a:endParaRPr b="0" lang="en-US" sz="3200" spc="-1" strike="noStrike">
+              <a:solidFill>
+                <a:srgbClr val="000000"/>
+              </a:solidFill>
+              <a:uFill>
+                <a:solidFill>
+                  <a:srgbClr val="ffffff"/>
+                </a:solidFill>
+              </a:uFill>
+              <a:latin typeface="Arial"/>
             </a:endParaRPr>
           </a:p>
         </p:txBody>
@@ -1019,7 +1039,7 @@
       </p:grpSpPr>
       <p:sp>
         <p:nvSpPr>
-          <p:cNvPr id="34" name="PlaceHolder 1"/>
+          <p:cNvPr id="31" name="PlaceHolder 1"/>
           <p:cNvSpPr>
             <a:spLocks noGrp="1"/>
           </p:cNvSpPr>
@@ -1030,7 +1050,7 @@
         <p:spPr>
           <a:xfrm>
             <a:off x="1523880" y="1122480"/>
-            <a:ext cx="9143640" cy="2387160"/>
+            <a:ext cx="9143280" cy="2386800"/>
           </a:xfrm>
           <a:prstGeom prst="rect">
             <a:avLst/>
@@ -1039,23 +1059,24 @@
         <p:txBody>
           <a:bodyPr lIns="0" rIns="0" tIns="0" bIns="0" anchor="ctr"/>
           <a:p>
-            <a:endParaRPr b="0" lang="en-US" sz="1800" spc="-1" strike="noStrike">
-              <a:solidFill>
-                <a:srgbClr val="000000"/>
-              </a:solidFill>
-              <a:uFill>
-                <a:solidFill>
-                  <a:srgbClr val="ffffff"/>
-                </a:solidFill>
-              </a:uFill>
-              <a:latin typeface="Calibri"/>
-            </a:endParaRPr>
-          </a:p>
-        </p:txBody>
-      </p:sp>
-      <p:sp>
-        <p:nvSpPr>
-          <p:cNvPr id="35" name="PlaceHolder 2"/>
+            <a:pPr algn="ctr"/>
+            <a:endParaRPr b="0" lang="en-US" sz="4400" spc="-1" strike="noStrike">
+              <a:solidFill>
+                <a:srgbClr val="000000"/>
+              </a:solidFill>
+              <a:uFill>
+                <a:solidFill>
+                  <a:srgbClr val="ffffff"/>
+                </a:solidFill>
+              </a:uFill>
+              <a:latin typeface="Arial"/>
+            </a:endParaRPr>
+          </a:p>
+        </p:txBody>
+      </p:sp>
+      <p:sp>
+        <p:nvSpPr>
+          <p:cNvPr id="32" name="PlaceHolder 2"/>
           <p:cNvSpPr>
             <a:spLocks noGrp="1"/>
           </p:cNvSpPr>
@@ -1077,23 +1098,23 @@
             <a:normAutofit/>
           </a:bodyPr>
           <a:p>
-            <a:endParaRPr b="0" lang="en-US" sz="2800" spc="-1" strike="noStrike">
-              <a:solidFill>
-                <a:srgbClr val="000000"/>
-              </a:solidFill>
-              <a:uFill>
-                <a:solidFill>
-                  <a:srgbClr val="ffffff"/>
-                </a:solidFill>
-              </a:uFill>
-              <a:latin typeface="Calibri"/>
-            </a:endParaRPr>
-          </a:p>
-        </p:txBody>
-      </p:sp>
-      <p:sp>
-        <p:nvSpPr>
-          <p:cNvPr id="36" name="PlaceHolder 3"/>
+            <a:endParaRPr b="0" lang="en-US" sz="3200" spc="-1" strike="noStrike">
+              <a:solidFill>
+                <a:srgbClr val="000000"/>
+              </a:solidFill>
+              <a:uFill>
+                <a:solidFill>
+                  <a:srgbClr val="ffffff"/>
+                </a:solidFill>
+              </a:uFill>
+              <a:latin typeface="Arial"/>
+            </a:endParaRPr>
+          </a:p>
+        </p:txBody>
+      </p:sp>
+      <p:sp>
+        <p:nvSpPr>
+          <p:cNvPr id="33" name="PlaceHolder 3"/>
           <p:cNvSpPr>
             <a:spLocks noGrp="1"/>
           </p:cNvSpPr>
@@ -1115,23 +1136,23 @@
             <a:normAutofit/>
           </a:bodyPr>
           <a:p>
-            <a:endParaRPr b="0" lang="en-US" sz="2800" spc="-1" strike="noStrike">
-              <a:solidFill>
-                <a:srgbClr val="000000"/>
-              </a:solidFill>
-              <a:uFill>
-                <a:solidFill>
-                  <a:srgbClr val="ffffff"/>
-                </a:solidFill>
-              </a:uFill>
-              <a:latin typeface="Calibri"/>
-            </a:endParaRPr>
-          </a:p>
-        </p:txBody>
-      </p:sp>
-      <p:sp>
-        <p:nvSpPr>
-          <p:cNvPr id="37" name="PlaceHolder 4"/>
+            <a:endParaRPr b="0" lang="en-US" sz="3200" spc="-1" strike="noStrike">
+              <a:solidFill>
+                <a:srgbClr val="000000"/>
+              </a:solidFill>
+              <a:uFill>
+                <a:solidFill>
+                  <a:srgbClr val="ffffff"/>
+                </a:solidFill>
+              </a:uFill>
+              <a:latin typeface="Arial"/>
+            </a:endParaRPr>
+          </a:p>
+        </p:txBody>
+      </p:sp>
+      <p:sp>
+        <p:nvSpPr>
+          <p:cNvPr id="34" name="PlaceHolder 4"/>
           <p:cNvSpPr>
             <a:spLocks noGrp="1"/>
           </p:cNvSpPr>
@@ -1153,23 +1174,23 @@
             <a:normAutofit/>
           </a:bodyPr>
           <a:p>
-            <a:endParaRPr b="0" lang="en-US" sz="2800" spc="-1" strike="noStrike">
-              <a:solidFill>
-                <a:srgbClr val="000000"/>
-              </a:solidFill>
-              <a:uFill>
-                <a:solidFill>
-                  <a:srgbClr val="ffffff"/>
-                </a:solidFill>
-              </a:uFill>
-              <a:latin typeface="Calibri"/>
-            </a:endParaRPr>
-          </a:p>
-        </p:txBody>
-      </p:sp>
-      <p:sp>
-        <p:nvSpPr>
-          <p:cNvPr id="38" name="PlaceHolder 5"/>
+            <a:endParaRPr b="0" lang="en-US" sz="3200" spc="-1" strike="noStrike">
+              <a:solidFill>
+                <a:srgbClr val="000000"/>
+              </a:solidFill>
+              <a:uFill>
+                <a:solidFill>
+                  <a:srgbClr val="ffffff"/>
+                </a:solidFill>
+              </a:uFill>
+              <a:latin typeface="Arial"/>
+            </a:endParaRPr>
+          </a:p>
+        </p:txBody>
+      </p:sp>
+      <p:sp>
+        <p:nvSpPr>
+          <p:cNvPr id="35" name="PlaceHolder 5"/>
           <p:cNvSpPr>
             <a:spLocks noGrp="1"/>
           </p:cNvSpPr>
@@ -1191,23 +1212,23 @@
             <a:normAutofit/>
           </a:bodyPr>
           <a:p>
-            <a:endParaRPr b="0" lang="en-US" sz="2800" spc="-1" strike="noStrike">
-              <a:solidFill>
-                <a:srgbClr val="000000"/>
-              </a:solidFill>
-              <a:uFill>
-                <a:solidFill>
-                  <a:srgbClr val="ffffff"/>
-                </a:solidFill>
-              </a:uFill>
-              <a:latin typeface="Calibri"/>
-            </a:endParaRPr>
-          </a:p>
-        </p:txBody>
-      </p:sp>
-      <p:sp>
-        <p:nvSpPr>
-          <p:cNvPr id="39" name="PlaceHolder 6"/>
+            <a:endParaRPr b="0" lang="en-US" sz="3200" spc="-1" strike="noStrike">
+              <a:solidFill>
+                <a:srgbClr val="000000"/>
+              </a:solidFill>
+              <a:uFill>
+                <a:solidFill>
+                  <a:srgbClr val="ffffff"/>
+                </a:solidFill>
+              </a:uFill>
+              <a:latin typeface="Arial"/>
+            </a:endParaRPr>
+          </a:p>
+        </p:txBody>
+      </p:sp>
+      <p:sp>
+        <p:nvSpPr>
+          <p:cNvPr id="36" name="PlaceHolder 6"/>
           <p:cNvSpPr>
             <a:spLocks noGrp="1"/>
           </p:cNvSpPr>
@@ -1229,23 +1250,23 @@
             <a:normAutofit/>
           </a:bodyPr>
           <a:p>
-            <a:endParaRPr b="0" lang="en-US" sz="2800" spc="-1" strike="noStrike">
-              <a:solidFill>
-                <a:srgbClr val="000000"/>
-              </a:solidFill>
-              <a:uFill>
-                <a:solidFill>
-                  <a:srgbClr val="ffffff"/>
-                </a:solidFill>
-              </a:uFill>
-              <a:latin typeface="Calibri"/>
-            </a:endParaRPr>
-          </a:p>
-        </p:txBody>
-      </p:sp>
-      <p:sp>
-        <p:nvSpPr>
-          <p:cNvPr id="40" name="PlaceHolder 7"/>
+            <a:endParaRPr b="0" lang="en-US" sz="3200" spc="-1" strike="noStrike">
+              <a:solidFill>
+                <a:srgbClr val="000000"/>
+              </a:solidFill>
+              <a:uFill>
+                <a:solidFill>
+                  <a:srgbClr val="ffffff"/>
+                </a:solidFill>
+              </a:uFill>
+              <a:latin typeface="Arial"/>
+            </a:endParaRPr>
+          </a:p>
+        </p:txBody>
+      </p:sp>
+      <p:sp>
+        <p:nvSpPr>
+          <p:cNvPr id="37" name="PlaceHolder 7"/>
           <p:cNvSpPr>
             <a:spLocks noGrp="1"/>
           </p:cNvSpPr>
@@ -1267,16 +1288,16 @@
             <a:normAutofit/>
           </a:bodyPr>
           <a:p>
-            <a:endParaRPr b="0" lang="en-US" sz="2800" spc="-1" strike="noStrike">
-              <a:solidFill>
-                <a:srgbClr val="000000"/>
-              </a:solidFill>
-              <a:uFill>
-                <a:solidFill>
-                  <a:srgbClr val="ffffff"/>
-                </a:solidFill>
-              </a:uFill>
-              <a:latin typeface="Calibri"/>
+            <a:endParaRPr b="0" lang="en-US" sz="3200" spc="-1" strike="noStrike">
+              <a:solidFill>
+                <a:srgbClr val="000000"/>
+              </a:solidFill>
+              <a:uFill>
+                <a:solidFill>
+                  <a:srgbClr val="ffffff"/>
+                </a:solidFill>
+              </a:uFill>
+              <a:latin typeface="Arial"/>
             </a:endParaRPr>
           </a:p>
         </p:txBody>
@@ -1305,7 +1326,7 @@
       </p:grpSpPr>
       <p:sp>
         <p:nvSpPr>
-          <p:cNvPr id="5" name="PlaceHolder 1"/>
+          <p:cNvPr id="2" name="PlaceHolder 1"/>
           <p:cNvSpPr>
             <a:spLocks noGrp="1"/>
           </p:cNvSpPr>
@@ -1316,7 +1337,7 @@
         <p:spPr>
           <a:xfrm>
             <a:off x="1523880" y="1122480"/>
-            <a:ext cx="9143640" cy="2387160"/>
+            <a:ext cx="9143280" cy="2386800"/>
           </a:xfrm>
           <a:prstGeom prst="rect">
             <a:avLst/>
@@ -1325,23 +1346,24 @@
         <p:txBody>
           <a:bodyPr lIns="0" rIns="0" tIns="0" bIns="0" anchor="ctr"/>
           <a:p>
-            <a:endParaRPr b="0" lang="en-US" sz="1800" spc="-1" strike="noStrike">
-              <a:solidFill>
-                <a:srgbClr val="000000"/>
-              </a:solidFill>
-              <a:uFill>
-                <a:solidFill>
-                  <a:srgbClr val="ffffff"/>
-                </a:solidFill>
-              </a:uFill>
-              <a:latin typeface="Calibri"/>
-            </a:endParaRPr>
-          </a:p>
-        </p:txBody>
-      </p:sp>
-      <p:sp>
-        <p:nvSpPr>
-          <p:cNvPr id="6" name="PlaceHolder 2"/>
+            <a:pPr algn="ctr"/>
+            <a:endParaRPr b="0" lang="en-US" sz="4400" spc="-1" strike="noStrike">
+              <a:solidFill>
+                <a:srgbClr val="000000"/>
+              </a:solidFill>
+              <a:uFill>
+                <a:solidFill>
+                  <a:srgbClr val="ffffff"/>
+                </a:solidFill>
+              </a:uFill>
+              <a:latin typeface="Arial"/>
+            </a:endParaRPr>
+          </a:p>
+        </p:txBody>
+      </p:sp>
+      <p:sp>
+        <p:nvSpPr>
+          <p:cNvPr id="3" name="PlaceHolder 2"/>
           <p:cNvSpPr>
             <a:spLocks noGrp="1"/>
           </p:cNvSpPr>
@@ -1400,7 +1422,7 @@
       </p:grpSpPr>
       <p:sp>
         <p:nvSpPr>
-          <p:cNvPr id="7" name="PlaceHolder 1"/>
+          <p:cNvPr id="4" name="PlaceHolder 1"/>
           <p:cNvSpPr>
             <a:spLocks noGrp="1"/>
           </p:cNvSpPr>
@@ -1411,7 +1433,7 @@
         <p:spPr>
           <a:xfrm>
             <a:off x="1523880" y="1122480"/>
-            <a:ext cx="9143640" cy="2387160"/>
+            <a:ext cx="9143280" cy="2386800"/>
           </a:xfrm>
           <a:prstGeom prst="rect">
             <a:avLst/>
@@ -1420,23 +1442,24 @@
         <p:txBody>
           <a:bodyPr lIns="0" rIns="0" tIns="0" bIns="0" anchor="ctr"/>
           <a:p>
-            <a:endParaRPr b="0" lang="en-US" sz="1800" spc="-1" strike="noStrike">
-              <a:solidFill>
-                <a:srgbClr val="000000"/>
-              </a:solidFill>
-              <a:uFill>
-                <a:solidFill>
-                  <a:srgbClr val="ffffff"/>
-                </a:solidFill>
-              </a:uFill>
-              <a:latin typeface="Calibri"/>
-            </a:endParaRPr>
-          </a:p>
-        </p:txBody>
-      </p:sp>
-      <p:sp>
-        <p:nvSpPr>
-          <p:cNvPr id="8" name="PlaceHolder 2"/>
+            <a:pPr algn="ctr"/>
+            <a:endParaRPr b="0" lang="en-US" sz="4400" spc="-1" strike="noStrike">
+              <a:solidFill>
+                <a:srgbClr val="000000"/>
+              </a:solidFill>
+              <a:uFill>
+                <a:solidFill>
+                  <a:srgbClr val="ffffff"/>
+                </a:solidFill>
+              </a:uFill>
+              <a:latin typeface="Arial"/>
+            </a:endParaRPr>
+          </a:p>
+        </p:txBody>
+      </p:sp>
+      <p:sp>
+        <p:nvSpPr>
+          <p:cNvPr id="5" name="PlaceHolder 2"/>
           <p:cNvSpPr>
             <a:spLocks noGrp="1"/>
           </p:cNvSpPr>
@@ -1458,16 +1481,16 @@
             <a:normAutofit/>
           </a:bodyPr>
           <a:p>
-            <a:endParaRPr b="0" lang="en-US" sz="2800" spc="-1" strike="noStrike">
-              <a:solidFill>
-                <a:srgbClr val="000000"/>
-              </a:solidFill>
-              <a:uFill>
-                <a:solidFill>
-                  <a:srgbClr val="ffffff"/>
-                </a:solidFill>
-              </a:uFill>
-              <a:latin typeface="Calibri"/>
+            <a:endParaRPr b="0" lang="en-US" sz="3200" spc="-1" strike="noStrike">
+              <a:solidFill>
+                <a:srgbClr val="000000"/>
+              </a:solidFill>
+              <a:uFill>
+                <a:solidFill>
+                  <a:srgbClr val="ffffff"/>
+                </a:solidFill>
+              </a:uFill>
+              <a:latin typeface="Arial"/>
             </a:endParaRPr>
           </a:p>
         </p:txBody>
@@ -1496,7 +1519,7 @@
       </p:grpSpPr>
       <p:sp>
         <p:nvSpPr>
-          <p:cNvPr id="9" name="PlaceHolder 1"/>
+          <p:cNvPr id="6" name="PlaceHolder 1"/>
           <p:cNvSpPr>
             <a:spLocks noGrp="1"/>
           </p:cNvSpPr>
@@ -1507,7 +1530,7 @@
         <p:spPr>
           <a:xfrm>
             <a:off x="1523880" y="1122480"/>
-            <a:ext cx="9143640" cy="2387160"/>
+            <a:ext cx="9143280" cy="2386800"/>
           </a:xfrm>
           <a:prstGeom prst="rect">
             <a:avLst/>
@@ -1516,23 +1539,24 @@
         <p:txBody>
           <a:bodyPr lIns="0" rIns="0" tIns="0" bIns="0" anchor="ctr"/>
           <a:p>
-            <a:endParaRPr b="0" lang="en-US" sz="1800" spc="-1" strike="noStrike">
-              <a:solidFill>
-                <a:srgbClr val="000000"/>
-              </a:solidFill>
-              <a:uFill>
-                <a:solidFill>
-                  <a:srgbClr val="ffffff"/>
-                </a:solidFill>
-              </a:uFill>
-              <a:latin typeface="Calibri"/>
-            </a:endParaRPr>
-          </a:p>
-        </p:txBody>
-      </p:sp>
-      <p:sp>
-        <p:nvSpPr>
-          <p:cNvPr id="10" name="PlaceHolder 2"/>
+            <a:pPr algn="ctr"/>
+            <a:endParaRPr b="0" lang="en-US" sz="4400" spc="-1" strike="noStrike">
+              <a:solidFill>
+                <a:srgbClr val="000000"/>
+              </a:solidFill>
+              <a:uFill>
+                <a:solidFill>
+                  <a:srgbClr val="ffffff"/>
+                </a:solidFill>
+              </a:uFill>
+              <a:latin typeface="Arial"/>
+            </a:endParaRPr>
+          </a:p>
+        </p:txBody>
+      </p:sp>
+      <p:sp>
+        <p:nvSpPr>
+          <p:cNvPr id="7" name="PlaceHolder 2"/>
           <p:cNvSpPr>
             <a:spLocks noGrp="1"/>
           </p:cNvSpPr>
@@ -1554,23 +1578,23 @@
             <a:normAutofit/>
           </a:bodyPr>
           <a:p>
-            <a:endParaRPr b="0" lang="en-US" sz="2800" spc="-1" strike="noStrike">
-              <a:solidFill>
-                <a:srgbClr val="000000"/>
-              </a:solidFill>
-              <a:uFill>
-                <a:solidFill>
-                  <a:srgbClr val="ffffff"/>
-                </a:solidFill>
-              </a:uFill>
-              <a:latin typeface="Calibri"/>
-            </a:endParaRPr>
-          </a:p>
-        </p:txBody>
-      </p:sp>
-      <p:sp>
-        <p:nvSpPr>
-          <p:cNvPr id="11" name="PlaceHolder 3"/>
+            <a:endParaRPr b="0" lang="en-US" sz="3200" spc="-1" strike="noStrike">
+              <a:solidFill>
+                <a:srgbClr val="000000"/>
+              </a:solidFill>
+              <a:uFill>
+                <a:solidFill>
+                  <a:srgbClr val="ffffff"/>
+                </a:solidFill>
+              </a:uFill>
+              <a:latin typeface="Arial"/>
+            </a:endParaRPr>
+          </a:p>
+        </p:txBody>
+      </p:sp>
+      <p:sp>
+        <p:nvSpPr>
+          <p:cNvPr id="8" name="PlaceHolder 3"/>
           <p:cNvSpPr>
             <a:spLocks noGrp="1"/>
           </p:cNvSpPr>
@@ -1592,16 +1616,16 @@
             <a:normAutofit/>
           </a:bodyPr>
           <a:p>
-            <a:endParaRPr b="0" lang="en-US" sz="2800" spc="-1" strike="noStrike">
-              <a:solidFill>
-                <a:srgbClr val="000000"/>
-              </a:solidFill>
-              <a:uFill>
-                <a:solidFill>
-                  <a:srgbClr val="ffffff"/>
-                </a:solidFill>
-              </a:uFill>
-              <a:latin typeface="Calibri"/>
+            <a:endParaRPr b="0" lang="en-US" sz="3200" spc="-1" strike="noStrike">
+              <a:solidFill>
+                <a:srgbClr val="000000"/>
+              </a:solidFill>
+              <a:uFill>
+                <a:solidFill>
+                  <a:srgbClr val="ffffff"/>
+                </a:solidFill>
+              </a:uFill>
+              <a:latin typeface="Arial"/>
             </a:endParaRPr>
           </a:p>
         </p:txBody>
@@ -1630,7 +1654,7 @@
       </p:grpSpPr>
       <p:sp>
         <p:nvSpPr>
-          <p:cNvPr id="12" name="PlaceHolder 1"/>
+          <p:cNvPr id="9" name="PlaceHolder 1"/>
           <p:cNvSpPr>
             <a:spLocks noGrp="1"/>
           </p:cNvSpPr>
@@ -1641,7 +1665,7 @@
         <p:spPr>
           <a:xfrm>
             <a:off x="1523880" y="1122480"/>
-            <a:ext cx="9143640" cy="2387160"/>
+            <a:ext cx="9143280" cy="2386800"/>
           </a:xfrm>
           <a:prstGeom prst="rect">
             <a:avLst/>
@@ -1650,16 +1674,17 @@
         <p:txBody>
           <a:bodyPr lIns="0" rIns="0" tIns="0" bIns="0" anchor="ctr"/>
           <a:p>
-            <a:endParaRPr b="0" lang="en-US" sz="1800" spc="-1" strike="noStrike">
-              <a:solidFill>
-                <a:srgbClr val="000000"/>
-              </a:solidFill>
-              <a:uFill>
-                <a:solidFill>
-                  <a:srgbClr val="ffffff"/>
-                </a:solidFill>
-              </a:uFill>
-              <a:latin typeface="Calibri"/>
+            <a:pPr algn="ctr"/>
+            <a:endParaRPr b="0" lang="en-US" sz="4400" spc="-1" strike="noStrike">
+              <a:solidFill>
+                <a:srgbClr val="000000"/>
+              </a:solidFill>
+              <a:uFill>
+                <a:solidFill>
+                  <a:srgbClr val="ffffff"/>
+                </a:solidFill>
+              </a:uFill>
+              <a:latin typeface="Arial"/>
             </a:endParaRPr>
           </a:p>
         </p:txBody>
@@ -1688,7 +1713,7 @@
       </p:grpSpPr>
       <p:sp>
         <p:nvSpPr>
-          <p:cNvPr id="13" name="PlaceHolder 1"/>
+          <p:cNvPr id="10" name="PlaceHolder 1"/>
           <p:cNvSpPr>
             <a:spLocks noGrp="1"/>
           </p:cNvSpPr>
@@ -1699,7 +1724,7 @@
         <p:spPr>
           <a:xfrm>
             <a:off x="1523880" y="1122480"/>
-            <a:ext cx="9143640" cy="11066760"/>
+            <a:ext cx="9143280" cy="11064960"/>
           </a:xfrm>
           <a:prstGeom prst="rect">
             <a:avLst/>
@@ -1747,7 +1772,7 @@
       </p:grpSpPr>
       <p:sp>
         <p:nvSpPr>
-          <p:cNvPr id="14" name="PlaceHolder 1"/>
+          <p:cNvPr id="11" name="PlaceHolder 1"/>
           <p:cNvSpPr>
             <a:spLocks noGrp="1"/>
           </p:cNvSpPr>
@@ -1758,7 +1783,7 @@
         <p:spPr>
           <a:xfrm>
             <a:off x="1523880" y="1122480"/>
-            <a:ext cx="9143640" cy="2387160"/>
+            <a:ext cx="9143280" cy="2386800"/>
           </a:xfrm>
           <a:prstGeom prst="rect">
             <a:avLst/>
@@ -1767,23 +1792,24 @@
         <p:txBody>
           <a:bodyPr lIns="0" rIns="0" tIns="0" bIns="0" anchor="ctr"/>
           <a:p>
-            <a:endParaRPr b="0" lang="en-US" sz="1800" spc="-1" strike="noStrike">
-              <a:solidFill>
-                <a:srgbClr val="000000"/>
-              </a:solidFill>
-              <a:uFill>
-                <a:solidFill>
-                  <a:srgbClr val="ffffff"/>
-                </a:solidFill>
-              </a:uFill>
-              <a:latin typeface="Calibri"/>
-            </a:endParaRPr>
-          </a:p>
-        </p:txBody>
-      </p:sp>
-      <p:sp>
-        <p:nvSpPr>
-          <p:cNvPr id="15" name="PlaceHolder 2"/>
+            <a:pPr algn="ctr"/>
+            <a:endParaRPr b="0" lang="en-US" sz="4400" spc="-1" strike="noStrike">
+              <a:solidFill>
+                <a:srgbClr val="000000"/>
+              </a:solidFill>
+              <a:uFill>
+                <a:solidFill>
+                  <a:srgbClr val="ffffff"/>
+                </a:solidFill>
+              </a:uFill>
+              <a:latin typeface="Arial"/>
+            </a:endParaRPr>
+          </a:p>
+        </p:txBody>
+      </p:sp>
+      <p:sp>
+        <p:nvSpPr>
+          <p:cNvPr id="12" name="PlaceHolder 2"/>
           <p:cNvSpPr>
             <a:spLocks noGrp="1"/>
           </p:cNvSpPr>
@@ -1805,23 +1831,23 @@
             <a:normAutofit/>
           </a:bodyPr>
           <a:p>
-            <a:endParaRPr b="0" lang="en-US" sz="2800" spc="-1" strike="noStrike">
-              <a:solidFill>
-                <a:srgbClr val="000000"/>
-              </a:solidFill>
-              <a:uFill>
-                <a:solidFill>
-                  <a:srgbClr val="ffffff"/>
-                </a:solidFill>
-              </a:uFill>
-              <a:latin typeface="Calibri"/>
-            </a:endParaRPr>
-          </a:p>
-        </p:txBody>
-      </p:sp>
-      <p:sp>
-        <p:nvSpPr>
-          <p:cNvPr id="16" name="PlaceHolder 3"/>
+            <a:endParaRPr b="0" lang="en-US" sz="3200" spc="-1" strike="noStrike">
+              <a:solidFill>
+                <a:srgbClr val="000000"/>
+              </a:solidFill>
+              <a:uFill>
+                <a:solidFill>
+                  <a:srgbClr val="ffffff"/>
+                </a:solidFill>
+              </a:uFill>
+              <a:latin typeface="Arial"/>
+            </a:endParaRPr>
+          </a:p>
+        </p:txBody>
+      </p:sp>
+      <p:sp>
+        <p:nvSpPr>
+          <p:cNvPr id="13" name="PlaceHolder 3"/>
           <p:cNvSpPr>
             <a:spLocks noGrp="1"/>
           </p:cNvSpPr>
@@ -1843,23 +1869,23 @@
             <a:normAutofit/>
           </a:bodyPr>
           <a:p>
-            <a:endParaRPr b="0" lang="en-US" sz="2800" spc="-1" strike="noStrike">
-              <a:solidFill>
-                <a:srgbClr val="000000"/>
-              </a:solidFill>
-              <a:uFill>
-                <a:solidFill>
-                  <a:srgbClr val="ffffff"/>
-                </a:solidFill>
-              </a:uFill>
-              <a:latin typeface="Calibri"/>
-            </a:endParaRPr>
-          </a:p>
-        </p:txBody>
-      </p:sp>
-      <p:sp>
-        <p:nvSpPr>
-          <p:cNvPr id="17" name="PlaceHolder 4"/>
+            <a:endParaRPr b="0" lang="en-US" sz="3200" spc="-1" strike="noStrike">
+              <a:solidFill>
+                <a:srgbClr val="000000"/>
+              </a:solidFill>
+              <a:uFill>
+                <a:solidFill>
+                  <a:srgbClr val="ffffff"/>
+                </a:solidFill>
+              </a:uFill>
+              <a:latin typeface="Arial"/>
+            </a:endParaRPr>
+          </a:p>
+        </p:txBody>
+      </p:sp>
+      <p:sp>
+        <p:nvSpPr>
+          <p:cNvPr id="14" name="PlaceHolder 4"/>
           <p:cNvSpPr>
             <a:spLocks noGrp="1"/>
           </p:cNvSpPr>
@@ -1881,16 +1907,16 @@
             <a:normAutofit/>
           </a:bodyPr>
           <a:p>
-            <a:endParaRPr b="0" lang="en-US" sz="2800" spc="-1" strike="noStrike">
-              <a:solidFill>
-                <a:srgbClr val="000000"/>
-              </a:solidFill>
-              <a:uFill>
-                <a:solidFill>
-                  <a:srgbClr val="ffffff"/>
-                </a:solidFill>
-              </a:uFill>
-              <a:latin typeface="Calibri"/>
+            <a:endParaRPr b="0" lang="en-US" sz="3200" spc="-1" strike="noStrike">
+              <a:solidFill>
+                <a:srgbClr val="000000"/>
+              </a:solidFill>
+              <a:uFill>
+                <a:solidFill>
+                  <a:srgbClr val="ffffff"/>
+                </a:solidFill>
+              </a:uFill>
+              <a:latin typeface="Arial"/>
             </a:endParaRPr>
           </a:p>
         </p:txBody>
@@ -1919,7 +1945,7 @@
       </p:grpSpPr>
       <p:sp>
         <p:nvSpPr>
-          <p:cNvPr id="18" name="PlaceHolder 1"/>
+          <p:cNvPr id="15" name="PlaceHolder 1"/>
           <p:cNvSpPr>
             <a:spLocks noGrp="1"/>
           </p:cNvSpPr>
@@ -1930,7 +1956,7 @@
         <p:spPr>
           <a:xfrm>
             <a:off x="1523880" y="1122480"/>
-            <a:ext cx="9143640" cy="2387160"/>
+            <a:ext cx="9143280" cy="2386800"/>
           </a:xfrm>
           <a:prstGeom prst="rect">
             <a:avLst/>
@@ -1939,23 +1965,24 @@
         <p:txBody>
           <a:bodyPr lIns="0" rIns="0" tIns="0" bIns="0" anchor="ctr"/>
           <a:p>
-            <a:endParaRPr b="0" lang="en-US" sz="1800" spc="-1" strike="noStrike">
-              <a:solidFill>
-                <a:srgbClr val="000000"/>
-              </a:solidFill>
-              <a:uFill>
-                <a:solidFill>
-                  <a:srgbClr val="ffffff"/>
-                </a:solidFill>
-              </a:uFill>
-              <a:latin typeface="Calibri"/>
-            </a:endParaRPr>
-          </a:p>
-        </p:txBody>
-      </p:sp>
-      <p:sp>
-        <p:nvSpPr>
-          <p:cNvPr id="19" name="PlaceHolder 2"/>
+            <a:pPr algn="ctr"/>
+            <a:endParaRPr b="0" lang="en-US" sz="4400" spc="-1" strike="noStrike">
+              <a:solidFill>
+                <a:srgbClr val="000000"/>
+              </a:solidFill>
+              <a:uFill>
+                <a:solidFill>
+                  <a:srgbClr val="ffffff"/>
+                </a:solidFill>
+              </a:uFill>
+              <a:latin typeface="Arial"/>
+            </a:endParaRPr>
+          </a:p>
+        </p:txBody>
+      </p:sp>
+      <p:sp>
+        <p:nvSpPr>
+          <p:cNvPr id="16" name="PlaceHolder 2"/>
           <p:cNvSpPr>
             <a:spLocks noGrp="1"/>
           </p:cNvSpPr>
@@ -1977,23 +2004,23 @@
             <a:normAutofit/>
           </a:bodyPr>
           <a:p>
-            <a:endParaRPr b="0" lang="en-US" sz="2800" spc="-1" strike="noStrike">
-              <a:solidFill>
-                <a:srgbClr val="000000"/>
-              </a:solidFill>
-              <a:uFill>
-                <a:solidFill>
-                  <a:srgbClr val="ffffff"/>
-                </a:solidFill>
-              </a:uFill>
-              <a:latin typeface="Calibri"/>
-            </a:endParaRPr>
-          </a:p>
-        </p:txBody>
-      </p:sp>
-      <p:sp>
-        <p:nvSpPr>
-          <p:cNvPr id="20" name="PlaceHolder 3"/>
+            <a:endParaRPr b="0" lang="en-US" sz="3200" spc="-1" strike="noStrike">
+              <a:solidFill>
+                <a:srgbClr val="000000"/>
+              </a:solidFill>
+              <a:uFill>
+                <a:solidFill>
+                  <a:srgbClr val="ffffff"/>
+                </a:solidFill>
+              </a:uFill>
+              <a:latin typeface="Arial"/>
+            </a:endParaRPr>
+          </a:p>
+        </p:txBody>
+      </p:sp>
+      <p:sp>
+        <p:nvSpPr>
+          <p:cNvPr id="17" name="PlaceHolder 3"/>
           <p:cNvSpPr>
             <a:spLocks noGrp="1"/>
           </p:cNvSpPr>
@@ -2015,23 +2042,23 @@
             <a:normAutofit/>
           </a:bodyPr>
           <a:p>
-            <a:endParaRPr b="0" lang="en-US" sz="2800" spc="-1" strike="noStrike">
-              <a:solidFill>
-                <a:srgbClr val="000000"/>
-              </a:solidFill>
-              <a:uFill>
-                <a:solidFill>
-                  <a:srgbClr val="ffffff"/>
-                </a:solidFill>
-              </a:uFill>
-              <a:latin typeface="Calibri"/>
-            </a:endParaRPr>
-          </a:p>
-        </p:txBody>
-      </p:sp>
-      <p:sp>
-        <p:nvSpPr>
-          <p:cNvPr id="21" name="PlaceHolder 4"/>
+            <a:endParaRPr b="0" lang="en-US" sz="3200" spc="-1" strike="noStrike">
+              <a:solidFill>
+                <a:srgbClr val="000000"/>
+              </a:solidFill>
+              <a:uFill>
+                <a:solidFill>
+                  <a:srgbClr val="ffffff"/>
+                </a:solidFill>
+              </a:uFill>
+              <a:latin typeface="Arial"/>
+            </a:endParaRPr>
+          </a:p>
+        </p:txBody>
+      </p:sp>
+      <p:sp>
+        <p:nvSpPr>
+          <p:cNvPr id="18" name="PlaceHolder 4"/>
           <p:cNvSpPr>
             <a:spLocks noGrp="1"/>
           </p:cNvSpPr>
@@ -2053,16 +2080,16 @@
             <a:normAutofit/>
           </a:bodyPr>
           <a:p>
-            <a:endParaRPr b="0" lang="en-US" sz="2800" spc="-1" strike="noStrike">
-              <a:solidFill>
-                <a:srgbClr val="000000"/>
-              </a:solidFill>
-              <a:uFill>
-                <a:solidFill>
-                  <a:srgbClr val="ffffff"/>
-                </a:solidFill>
-              </a:uFill>
-              <a:latin typeface="Calibri"/>
+            <a:endParaRPr b="0" lang="en-US" sz="3200" spc="-1" strike="noStrike">
+              <a:solidFill>
+                <a:srgbClr val="000000"/>
+              </a:solidFill>
+              <a:uFill>
+                <a:solidFill>
+                  <a:srgbClr val="ffffff"/>
+                </a:solidFill>
+              </a:uFill>
+              <a:latin typeface="Arial"/>
             </a:endParaRPr>
           </a:p>
         </p:txBody>
@@ -2091,7 +2118,7 @@
       </p:grpSpPr>
       <p:sp>
         <p:nvSpPr>
-          <p:cNvPr id="22" name="PlaceHolder 1"/>
+          <p:cNvPr id="19" name="PlaceHolder 1"/>
           <p:cNvSpPr>
             <a:spLocks noGrp="1"/>
           </p:cNvSpPr>
@@ -2102,7 +2129,7 @@
         <p:spPr>
           <a:xfrm>
             <a:off x="1523880" y="1122480"/>
-            <a:ext cx="9143640" cy="2387160"/>
+            <a:ext cx="9143280" cy="2386800"/>
           </a:xfrm>
           <a:prstGeom prst="rect">
             <a:avLst/>
@@ -2111,23 +2138,24 @@
         <p:txBody>
           <a:bodyPr lIns="0" rIns="0" tIns="0" bIns="0" anchor="ctr"/>
           <a:p>
-            <a:endParaRPr b="0" lang="en-US" sz="1800" spc="-1" strike="noStrike">
-              <a:solidFill>
-                <a:srgbClr val="000000"/>
-              </a:solidFill>
-              <a:uFill>
-                <a:solidFill>
-                  <a:srgbClr val="ffffff"/>
-                </a:solidFill>
-              </a:uFill>
-              <a:latin typeface="Calibri"/>
-            </a:endParaRPr>
-          </a:p>
-        </p:txBody>
-      </p:sp>
-      <p:sp>
-        <p:nvSpPr>
-          <p:cNvPr id="23" name="PlaceHolder 2"/>
+            <a:pPr algn="ctr"/>
+            <a:endParaRPr b="0" lang="en-US" sz="4400" spc="-1" strike="noStrike">
+              <a:solidFill>
+                <a:srgbClr val="000000"/>
+              </a:solidFill>
+              <a:uFill>
+                <a:solidFill>
+                  <a:srgbClr val="ffffff"/>
+                </a:solidFill>
+              </a:uFill>
+              <a:latin typeface="Arial"/>
+            </a:endParaRPr>
+          </a:p>
+        </p:txBody>
+      </p:sp>
+      <p:sp>
+        <p:nvSpPr>
+          <p:cNvPr id="20" name="PlaceHolder 2"/>
           <p:cNvSpPr>
             <a:spLocks noGrp="1"/>
           </p:cNvSpPr>
@@ -2149,23 +2177,23 @@
             <a:normAutofit/>
           </a:bodyPr>
           <a:p>
-            <a:endParaRPr b="0" lang="en-US" sz="2800" spc="-1" strike="noStrike">
-              <a:solidFill>
-                <a:srgbClr val="000000"/>
-              </a:solidFill>
-              <a:uFill>
-                <a:solidFill>
-                  <a:srgbClr val="ffffff"/>
-                </a:solidFill>
-              </a:uFill>
-              <a:latin typeface="Calibri"/>
-            </a:endParaRPr>
-          </a:p>
-        </p:txBody>
-      </p:sp>
-      <p:sp>
-        <p:nvSpPr>
-          <p:cNvPr id="24" name="PlaceHolder 3"/>
+            <a:endParaRPr b="0" lang="en-US" sz="3200" spc="-1" strike="noStrike">
+              <a:solidFill>
+                <a:srgbClr val="000000"/>
+              </a:solidFill>
+              <a:uFill>
+                <a:solidFill>
+                  <a:srgbClr val="ffffff"/>
+                </a:solidFill>
+              </a:uFill>
+              <a:latin typeface="Arial"/>
+            </a:endParaRPr>
+          </a:p>
+        </p:txBody>
+      </p:sp>
+      <p:sp>
+        <p:nvSpPr>
+          <p:cNvPr id="21" name="PlaceHolder 3"/>
           <p:cNvSpPr>
             <a:spLocks noGrp="1"/>
           </p:cNvSpPr>
@@ -2187,23 +2215,23 @@
             <a:normAutofit/>
           </a:bodyPr>
           <a:p>
-            <a:endParaRPr b="0" lang="en-US" sz="2800" spc="-1" strike="noStrike">
-              <a:solidFill>
-                <a:srgbClr val="000000"/>
-              </a:solidFill>
-              <a:uFill>
-                <a:solidFill>
-                  <a:srgbClr val="ffffff"/>
-                </a:solidFill>
-              </a:uFill>
-              <a:latin typeface="Calibri"/>
-            </a:endParaRPr>
-          </a:p>
-        </p:txBody>
-      </p:sp>
-      <p:sp>
-        <p:nvSpPr>
-          <p:cNvPr id="25" name="PlaceHolder 4"/>
+            <a:endParaRPr b="0" lang="en-US" sz="3200" spc="-1" strike="noStrike">
+              <a:solidFill>
+                <a:srgbClr val="000000"/>
+              </a:solidFill>
+              <a:uFill>
+                <a:solidFill>
+                  <a:srgbClr val="ffffff"/>
+                </a:solidFill>
+              </a:uFill>
+              <a:latin typeface="Arial"/>
+            </a:endParaRPr>
+          </a:p>
+        </p:txBody>
+      </p:sp>
+      <p:sp>
+        <p:nvSpPr>
+          <p:cNvPr id="22" name="PlaceHolder 4"/>
           <p:cNvSpPr>
             <a:spLocks noGrp="1"/>
           </p:cNvSpPr>
@@ -2225,16 +2253,16 @@
             <a:normAutofit/>
           </a:bodyPr>
           <a:p>
-            <a:endParaRPr b="0" lang="en-US" sz="2800" spc="-1" strike="noStrike">
-              <a:solidFill>
-                <a:srgbClr val="000000"/>
-              </a:solidFill>
-              <a:uFill>
-                <a:solidFill>
-                  <a:srgbClr val="ffffff"/>
-                </a:solidFill>
-              </a:uFill>
-              <a:latin typeface="Calibri"/>
+            <a:endParaRPr b="0" lang="en-US" sz="3200" spc="-1" strike="noStrike">
+              <a:solidFill>
+                <a:srgbClr val="000000"/>
+              </a:solidFill>
+              <a:uFill>
+                <a:solidFill>
+                  <a:srgbClr val="ffffff"/>
+                </a:solidFill>
+              </a:uFill>
+              <a:latin typeface="Arial"/>
             </a:endParaRPr>
           </a:p>
         </p:txBody>
@@ -2281,22 +2309,17 @@
         <p:spPr>
           <a:xfrm>
             <a:off x="1523880" y="1122480"/>
-            <a:ext cx="9143640" cy="2387160"/>
-          </a:xfrm>
-          <a:prstGeom prst="rect">
-            <a:avLst/>
-          </a:prstGeom>
-        </p:spPr>
-        <p:txBody>
-          <a:bodyPr anchor="b"/>
-          <a:p>
-            <a:pPr algn="ctr">
-              <a:lnSpc>
-                <a:spcPct val="100000"/>
-              </a:lnSpc>
-            </a:pPr>
+            <a:ext cx="9143280" cy="2386800"/>
+          </a:xfrm>
+          <a:prstGeom prst="rect">
+            <a:avLst/>
+          </a:prstGeom>
+        </p:spPr>
+        <p:txBody>
+          <a:bodyPr lIns="0" rIns="0" tIns="0" bIns="0" anchor="ctr"/>
+          <a:p>
             <a:r>
-              <a:rPr b="0" lang="en-US" sz="6000" spc="-1" strike="noStrike">
+              <a:rPr b="0" lang="en-US" sz="1800" spc="-1" strike="noStrike">
                 <a:solidFill>
                   <a:srgbClr val="000000"/>
                 </a:solidFill>
@@ -2305,20 +2328,20 @@
                     <a:srgbClr val="ffffff"/>
                   </a:solidFill>
                 </a:uFill>
-                <a:latin typeface="Calibri Light"/>
+                <a:latin typeface="Arial"/>
               </a:rPr>
-              <a:t>Click to edit Master title style</a:t>
+              <a:t>Click to edit the title text format</a:t>
             </a:r>
-            <a:endParaRPr b="0" lang="en-US" sz="6000" spc="-1" strike="noStrike">
-              <a:solidFill>
-                <a:srgbClr val="000000"/>
-              </a:solidFill>
-              <a:uFill>
-                <a:solidFill>
-                  <a:srgbClr val="ffffff"/>
-                </a:solidFill>
-              </a:uFill>
-              <a:latin typeface="Calibri"/>
+            <a:endParaRPr b="0" lang="en-US" sz="1800" spc="-1" strike="noStrike">
+              <a:solidFill>
+                <a:srgbClr val="000000"/>
+              </a:solidFill>
+              <a:uFill>
+                <a:solidFill>
+                  <a:srgbClr val="ffffff"/>
+                </a:solidFill>
+              </a:uFill>
+              <a:latin typeface="Arial"/>
             </a:endParaRPr>
           </a:p>
         </p:txBody>
@@ -2326,152 +2349,6 @@
       <p:sp>
         <p:nvSpPr>
           <p:cNvPr id="1" name="PlaceHolder 2"/>
-          <p:cNvSpPr>
-            <a:spLocks noGrp="1"/>
-          </p:cNvSpPr>
-          <p:nvPr>
-            <p:ph type="dt"/>
-          </p:nvPr>
-        </p:nvSpPr>
-        <p:spPr>
-          <a:xfrm>
-            <a:off x="838080" y="6356520"/>
-            <a:ext cx="2742840" cy="364680"/>
-          </a:xfrm>
-          <a:prstGeom prst="rect">
-            <a:avLst/>
-          </a:prstGeom>
-        </p:spPr>
-        <p:txBody>
-          <a:bodyPr anchor="ctr"/>
-          <a:p>
-            <a:pPr>
-              <a:lnSpc>
-                <a:spcPct val="100000"/>
-              </a:lnSpc>
-            </a:pPr>
-            <a:fld id="{0F87D043-88CA-4128-95E9-6AB8DD07635D}" type="datetime">
-              <a:rPr b="0" lang="en-US" sz="1200" spc="-1" strike="noStrike">
-                <a:solidFill>
-                  <a:srgbClr val="8b8b8b"/>
-                </a:solidFill>
-                <a:uFill>
-                  <a:solidFill>
-                    <a:srgbClr val="ffffff"/>
-                  </a:solidFill>
-                </a:uFill>
-                <a:latin typeface="Calibri"/>
-              </a:rPr>
-              <a:t>6/6/17</a:t>
-            </a:fld>
-            <a:endParaRPr b="0" lang="en-US" sz="1200" spc="-1" strike="noStrike">
-              <a:solidFill>
-                <a:srgbClr val="000000"/>
-              </a:solidFill>
-              <a:uFill>
-                <a:solidFill>
-                  <a:srgbClr val="ffffff"/>
-                </a:solidFill>
-              </a:uFill>
-              <a:latin typeface="Times New Roman"/>
-            </a:endParaRPr>
-          </a:p>
-        </p:txBody>
-      </p:sp>
-      <p:sp>
-        <p:nvSpPr>
-          <p:cNvPr id="2" name="PlaceHolder 3"/>
-          <p:cNvSpPr>
-            <a:spLocks noGrp="1"/>
-          </p:cNvSpPr>
-          <p:nvPr>
-            <p:ph type="ftr"/>
-          </p:nvPr>
-        </p:nvSpPr>
-        <p:spPr>
-          <a:xfrm>
-            <a:off x="4038480" y="6356520"/>
-            <a:ext cx="4114440" cy="364680"/>
-          </a:xfrm>
-          <a:prstGeom prst="rect">
-            <a:avLst/>
-          </a:prstGeom>
-        </p:spPr>
-        <p:txBody>
-          <a:bodyPr anchor="ctr"/>
-          <a:p>
-            <a:endParaRPr b="0" lang="en-US" sz="2400" spc="-1" strike="noStrike">
-              <a:solidFill>
-                <a:srgbClr val="000000"/>
-              </a:solidFill>
-              <a:uFill>
-                <a:solidFill>
-                  <a:srgbClr val="ffffff"/>
-                </a:solidFill>
-              </a:uFill>
-              <a:latin typeface="Times New Roman"/>
-            </a:endParaRPr>
-          </a:p>
-        </p:txBody>
-      </p:sp>
-      <p:sp>
-        <p:nvSpPr>
-          <p:cNvPr id="3" name="PlaceHolder 4"/>
-          <p:cNvSpPr>
-            <a:spLocks noGrp="1"/>
-          </p:cNvSpPr>
-          <p:nvPr>
-            <p:ph type="sldNum"/>
-          </p:nvPr>
-        </p:nvSpPr>
-        <p:spPr>
-          <a:xfrm>
-            <a:off x="8610480" y="6356520"/>
-            <a:ext cx="2742840" cy="364680"/>
-          </a:xfrm>
-          <a:prstGeom prst="rect">
-            <a:avLst/>
-          </a:prstGeom>
-        </p:spPr>
-        <p:txBody>
-          <a:bodyPr anchor="ctr"/>
-          <a:p>
-            <a:pPr algn="r">
-              <a:lnSpc>
-                <a:spcPct val="100000"/>
-              </a:lnSpc>
-            </a:pPr>
-            <a:fld id="{338B94A9-EE1E-4CE9-A0B3-7DD3AFB3FB25}" type="slidenum">
-              <a:rPr b="0" lang="en-US" sz="1200" spc="-1" strike="noStrike">
-                <a:solidFill>
-                  <a:srgbClr val="8b8b8b"/>
-                </a:solidFill>
-                <a:uFill>
-                  <a:solidFill>
-                    <a:srgbClr val="ffffff"/>
-                  </a:solidFill>
-                </a:uFill>
-                <a:latin typeface="Calibri"/>
-              </a:rPr>
-              <a:t>3</a:t>
-            </a:fld>
-            <a:endParaRPr b="0" lang="en-US" sz="1200" spc="-1" strike="noStrike">
-              <a:solidFill>
-                <a:srgbClr val="000000"/>
-              </a:solidFill>
-              <a:uFill>
-                <a:solidFill>
-                  <a:srgbClr val="ffffff"/>
-                </a:solidFill>
-              </a:uFill>
-              <a:latin typeface="Times New Roman"/>
-            </a:endParaRPr>
-          </a:p>
-        </p:txBody>
-      </p:sp>
-      <p:sp>
-        <p:nvSpPr>
-          <p:cNvPr id="4" name="PlaceHolder 5"/>
           <p:cNvSpPr>
             <a:spLocks noGrp="1"/>
           </p:cNvSpPr>
@@ -2505,7 +2382,7 @@
               <a:buChar char=""/>
             </a:pPr>
             <a:r>
-              <a:rPr b="0" lang="en-US" sz="2800" spc="-1" strike="noStrike">
+              <a:rPr b="0" lang="en-US" sz="3200" spc="-1" strike="noStrike">
                 <a:solidFill>
                   <a:srgbClr val="000000"/>
                 </a:solidFill>
@@ -2514,26 +2391,102 @@
                     <a:srgbClr val="ffffff"/>
                   </a:solidFill>
                 </a:uFill>
-                <a:latin typeface="Calibri"/>
+                <a:latin typeface="Arial"/>
               </a:rPr>
               <a:t>Click to edit the outline text format</a:t>
             </a:r>
-            <a:endParaRPr b="0" lang="en-US" sz="2800" spc="-1" strike="noStrike">
-              <a:solidFill>
-                <a:srgbClr val="000000"/>
-              </a:solidFill>
-              <a:uFill>
-                <a:solidFill>
-                  <a:srgbClr val="ffffff"/>
-                </a:solidFill>
-              </a:uFill>
-              <a:latin typeface="Calibri"/>
+            <a:endParaRPr b="0" lang="en-US" sz="3200" spc="-1" strike="noStrike">
+              <a:solidFill>
+                <a:srgbClr val="000000"/>
+              </a:solidFill>
+              <a:uFill>
+                <a:solidFill>
+                  <a:srgbClr val="ffffff"/>
+                </a:solidFill>
+              </a:uFill>
+              <a:latin typeface="Arial"/>
             </a:endParaRPr>
           </a:p>
           <a:p>
             <a:pPr lvl="1" marL="864000" indent="-324000">
               <a:spcBef>
                 <a:spcPts val="1134"/>
+              </a:spcBef>
+              <a:buClr>
+                <a:srgbClr val="000000"/>
+              </a:buClr>
+              <a:buSzPct val="75000"/>
+              <a:buFont typeface="Symbol" charset="2"/>
+              <a:buChar char=""/>
+            </a:pPr>
+            <a:r>
+              <a:rPr b="0" lang="en-US" sz="2800" spc="-1" strike="noStrike">
+                <a:solidFill>
+                  <a:srgbClr val="000000"/>
+                </a:solidFill>
+                <a:uFill>
+                  <a:solidFill>
+                    <a:srgbClr val="ffffff"/>
+                  </a:solidFill>
+                </a:uFill>
+                <a:latin typeface="Arial"/>
+              </a:rPr>
+              <a:t>Second Outline Level</a:t>
+            </a:r>
+            <a:endParaRPr b="0" lang="en-US" sz="2800" spc="-1" strike="noStrike">
+              <a:solidFill>
+                <a:srgbClr val="000000"/>
+              </a:solidFill>
+              <a:uFill>
+                <a:solidFill>
+                  <a:srgbClr val="ffffff"/>
+                </a:solidFill>
+              </a:uFill>
+              <a:latin typeface="Arial"/>
+            </a:endParaRPr>
+          </a:p>
+          <a:p>
+            <a:pPr lvl="2" marL="1296000" indent="-288000">
+              <a:spcBef>
+                <a:spcPts val="850"/>
+              </a:spcBef>
+              <a:buClr>
+                <a:srgbClr val="000000"/>
+              </a:buClr>
+              <a:buSzPct val="45000"/>
+              <a:buFont typeface="Wingdings" charset="2"/>
+              <a:buChar char=""/>
+            </a:pPr>
+            <a:r>
+              <a:rPr b="0" lang="en-US" sz="2400" spc="-1" strike="noStrike">
+                <a:solidFill>
+                  <a:srgbClr val="000000"/>
+                </a:solidFill>
+                <a:uFill>
+                  <a:solidFill>
+                    <a:srgbClr val="ffffff"/>
+                  </a:solidFill>
+                </a:uFill>
+                <a:latin typeface="Arial"/>
+              </a:rPr>
+              <a:t>Third Outline Level</a:t>
+            </a:r>
+            <a:endParaRPr b="0" lang="en-US" sz="2400" spc="-1" strike="noStrike">
+              <a:solidFill>
+                <a:srgbClr val="000000"/>
+              </a:solidFill>
+              <a:uFill>
+                <a:solidFill>
+                  <a:srgbClr val="ffffff"/>
+                </a:solidFill>
+              </a:uFill>
+              <a:latin typeface="Arial"/>
+            </a:endParaRPr>
+          </a:p>
+          <a:p>
+            <a:pPr lvl="3" marL="1728000" indent="-216000">
+              <a:spcBef>
+                <a:spcPts val="567"/>
               </a:spcBef>
               <a:buClr>
                 <a:srgbClr val="000000"/>
@@ -2552,96 +2505,20 @@
                     <a:srgbClr val="ffffff"/>
                   </a:solidFill>
                 </a:uFill>
-                <a:latin typeface="Calibri"/>
-              </a:rPr>
-              <a:t>Second Outline Level</a:t>
-            </a:r>
-            <a:endParaRPr b="0" lang="en-US" sz="2000" spc="-1" strike="noStrike">
-              <a:solidFill>
-                <a:srgbClr val="000000"/>
-              </a:solidFill>
-              <a:uFill>
-                <a:solidFill>
-                  <a:srgbClr val="ffffff"/>
-                </a:solidFill>
-              </a:uFill>
-              <a:latin typeface="Calibri"/>
-            </a:endParaRPr>
-          </a:p>
-          <a:p>
-            <a:pPr lvl="2" marL="1296000" indent="-288000">
-              <a:spcBef>
-                <a:spcPts val="850"/>
-              </a:spcBef>
-              <a:buClr>
-                <a:srgbClr val="000000"/>
-              </a:buClr>
-              <a:buSzPct val="45000"/>
-              <a:buFont typeface="Wingdings" charset="2"/>
-              <a:buChar char=""/>
-            </a:pPr>
-            <a:r>
-              <a:rPr b="0" lang="en-US" sz="1800" spc="-1" strike="noStrike">
-                <a:solidFill>
-                  <a:srgbClr val="000000"/>
-                </a:solidFill>
-                <a:uFill>
-                  <a:solidFill>
-                    <a:srgbClr val="ffffff"/>
-                  </a:solidFill>
-                </a:uFill>
-                <a:latin typeface="Calibri"/>
-              </a:rPr>
-              <a:t>Third Outline Level</a:t>
-            </a:r>
-            <a:endParaRPr b="0" lang="en-US" sz="1800" spc="-1" strike="noStrike">
-              <a:solidFill>
-                <a:srgbClr val="000000"/>
-              </a:solidFill>
-              <a:uFill>
-                <a:solidFill>
-                  <a:srgbClr val="ffffff"/>
-                </a:solidFill>
-              </a:uFill>
-              <a:latin typeface="Calibri"/>
-            </a:endParaRPr>
-          </a:p>
-          <a:p>
-            <a:pPr lvl="3" marL="1728000" indent="-216000">
-              <a:spcBef>
-                <a:spcPts val="567"/>
-              </a:spcBef>
-              <a:buClr>
-                <a:srgbClr val="000000"/>
-              </a:buClr>
-              <a:buSzPct val="75000"/>
-              <a:buFont typeface="Symbol" charset="2"/>
-              <a:buChar char=""/>
-            </a:pPr>
-            <a:r>
-              <a:rPr b="0" lang="en-US" sz="1800" spc="-1" strike="noStrike">
-                <a:solidFill>
-                  <a:srgbClr val="000000"/>
-                </a:solidFill>
-                <a:uFill>
-                  <a:solidFill>
-                    <a:srgbClr val="ffffff"/>
-                  </a:solidFill>
-                </a:uFill>
-                <a:latin typeface="Calibri"/>
+                <a:latin typeface="Arial"/>
               </a:rPr>
               <a:t>Fourth Outline Level</a:t>
             </a:r>
-            <a:endParaRPr b="0" lang="en-US" sz="1800" spc="-1" strike="noStrike">
-              <a:solidFill>
-                <a:srgbClr val="000000"/>
-              </a:solidFill>
-              <a:uFill>
-                <a:solidFill>
-                  <a:srgbClr val="ffffff"/>
-                </a:solidFill>
-              </a:uFill>
-              <a:latin typeface="Calibri"/>
+            <a:endParaRPr b="0" lang="en-US" sz="2000" spc="-1" strike="noStrike">
+              <a:solidFill>
+                <a:srgbClr val="000000"/>
+              </a:solidFill>
+              <a:uFill>
+                <a:solidFill>
+                  <a:srgbClr val="ffffff"/>
+                </a:solidFill>
+              </a:uFill>
+              <a:latin typeface="Arial"/>
             </a:endParaRPr>
           </a:p>
           <a:p>
@@ -2666,7 +2543,7 @@
                     <a:srgbClr val="ffffff"/>
                   </a:solidFill>
                 </a:uFill>
-                <a:latin typeface="Calibri"/>
+                <a:latin typeface="Arial"/>
               </a:rPr>
               <a:t>Fifth Outline Level</a:t>
             </a:r>
@@ -2679,7 +2556,7 @@
                   <a:srgbClr val="ffffff"/>
                 </a:solidFill>
               </a:uFill>
-              <a:latin typeface="Calibri"/>
+              <a:latin typeface="Arial"/>
             </a:endParaRPr>
           </a:p>
           <a:p>
@@ -2704,7 +2581,7 @@
                     <a:srgbClr val="ffffff"/>
                   </a:solidFill>
                 </a:uFill>
-                <a:latin typeface="Calibri"/>
+                <a:latin typeface="Arial"/>
               </a:rPr>
               <a:t>Sixth Outline Level</a:t>
             </a:r>
@@ -2717,7 +2594,7 @@
                   <a:srgbClr val="ffffff"/>
                 </a:solidFill>
               </a:uFill>
-              <a:latin typeface="Calibri"/>
+              <a:latin typeface="Arial"/>
             </a:endParaRPr>
           </a:p>
           <a:p>
@@ -2742,7 +2619,7 @@
                     <a:srgbClr val="ffffff"/>
                   </a:solidFill>
                 </a:uFill>
-                <a:latin typeface="Calibri"/>
+                <a:latin typeface="Arial"/>
               </a:rPr>
               <a:t>Seventh Outline Level</a:t>
             </a:r>
@@ -2755,7 +2632,7 @@
                   <a:srgbClr val="ffffff"/>
                 </a:solidFill>
               </a:uFill>
-              <a:latin typeface="Calibri"/>
+              <a:latin typeface="Arial"/>
             </a:endParaRPr>
           </a:p>
         </p:txBody>
@@ -2799,14 +2676,14 @@
       </p:grpSpPr>
       <p:sp>
         <p:nvSpPr>
-          <p:cNvPr id="46" name="TextShape 1"/>
-          <p:cNvSpPr txBox="1"/>
+          <p:cNvPr id="43" name="CustomShape 1"/>
+          <p:cNvSpPr/>
           <p:nvPr/>
         </p:nvSpPr>
         <p:spPr>
           <a:xfrm>
             <a:off x="9306000" y="6438600"/>
-            <a:ext cx="2742840" cy="364680"/>
+            <a:ext cx="2742480" cy="364320"/>
           </a:xfrm>
           <a:prstGeom prst="rect">
             <a:avLst/>
@@ -2816,15 +2693,21 @@
             <a:noFill/>
           </a:ln>
         </p:spPr>
-        <p:txBody>
-          <a:bodyPr anchor="ctr"/>
+        <p:style>
+          <a:lnRef idx="0"/>
+          <a:fillRef idx="0"/>
+          <a:effectRef idx="0"/>
+          <a:fontRef idx="minor"/>
+        </p:style>
+        <p:txBody>
+          <a:bodyPr lIns="90000" rIns="90000" tIns="45000" bIns="45000" anchor="ctr"/>
           <a:p>
             <a:pPr algn="r">
               <a:lnSpc>
                 <a:spcPct val="100000"/>
               </a:lnSpc>
             </a:pPr>
-            <a:fld id="{2F9A4212-FA2E-475D-84A6-692A5537C2E7}" type="slidenum">
+            <a:fld id="{9B4A21BD-205A-4B67-A892-3A45B1867CCE}" type="slidenum">
               <a:rPr b="0" lang="en-US" sz="1200" spc="-1" strike="noStrike">
                 <a:solidFill>
                   <a:srgbClr val="8b8b8b"/>
@@ -2847,21 +2730,21 @@
                   <a:srgbClr val="ffffff"/>
                 </a:solidFill>
               </a:uFill>
-              <a:latin typeface="Times New Roman"/>
-            </a:endParaRPr>
-          </a:p>
-        </p:txBody>
-      </p:sp>
-      <p:sp>
-        <p:nvSpPr>
-          <p:cNvPr id="47" name="CustomShape 2"/>
+              <a:latin typeface="Arial"/>
+            </a:endParaRPr>
+          </a:p>
+        </p:txBody>
+      </p:sp>
+      <p:sp>
+        <p:nvSpPr>
+          <p:cNvPr id="44" name="CustomShape 2"/>
           <p:cNvSpPr/>
           <p:nvPr/>
         </p:nvSpPr>
         <p:spPr>
           <a:xfrm>
             <a:off x="95400" y="6482520"/>
-            <a:ext cx="4268520" cy="272880"/>
+            <a:ext cx="4268160" cy="272520"/>
           </a:xfrm>
           <a:prstGeom prst="rect">
             <a:avLst/>
@@ -2896,6 +2779,7 @@
                   </a:solidFill>
                 </a:uFill>
                 <a:latin typeface="Garamond"/>
+                <a:ea typeface="DejaVu Sans"/>
               </a:rPr>
               <a:t>Portland State Aerospace Society | Electric Propellant Feed System</a:t>
             </a:r>
@@ -2915,7 +2799,7 @@
       </p:sp>
       <p:pic>
         <p:nvPicPr>
-          <p:cNvPr id="48" name="Picture 2" descr=""/>
+          <p:cNvPr id="45" name="Picture 2" descr=""/>
           <p:cNvPicPr/>
           <p:nvPr/>
         </p:nvPicPr>
@@ -2926,7 +2810,7 @@
         <p:spPr>
           <a:xfrm>
             <a:off x="1442520" y="146160"/>
-            <a:ext cx="8898840" cy="6292080"/>
+            <a:ext cx="8898480" cy="6291720"/>
           </a:xfrm>
           <a:prstGeom prst="rect">
             <a:avLst/>
@@ -2987,14 +2871,14 @@
       </p:grpSpPr>
       <p:sp>
         <p:nvSpPr>
-          <p:cNvPr id="49" name="TextShape 1"/>
-          <p:cNvSpPr txBox="1"/>
+          <p:cNvPr id="46" name="CustomShape 1"/>
+          <p:cNvSpPr/>
           <p:nvPr/>
         </p:nvSpPr>
         <p:spPr>
           <a:xfrm>
             <a:off x="9306000" y="6438600"/>
-            <a:ext cx="2742840" cy="364680"/>
+            <a:ext cx="2742480" cy="364320"/>
           </a:xfrm>
           <a:prstGeom prst="rect">
             <a:avLst/>
@@ -3004,15 +2888,21 @@
             <a:noFill/>
           </a:ln>
         </p:spPr>
-        <p:txBody>
-          <a:bodyPr anchor="ctr"/>
+        <p:style>
+          <a:lnRef idx="0"/>
+          <a:fillRef idx="0"/>
+          <a:effectRef idx="0"/>
+          <a:fontRef idx="minor"/>
+        </p:style>
+        <p:txBody>
+          <a:bodyPr lIns="90000" rIns="90000" tIns="45000" bIns="45000" anchor="ctr"/>
           <a:p>
             <a:pPr algn="r">
               <a:lnSpc>
                 <a:spcPct val="100000"/>
               </a:lnSpc>
             </a:pPr>
-            <a:fld id="{9B2F6FF4-BDC6-40FA-A30C-DF701AEFCC3C}" type="slidenum">
+            <a:fld id="{3362C508-CAF0-4EBC-B05E-5E6507EE009F}" type="slidenum">
               <a:rPr b="0" lang="en-US" sz="1200" spc="-1" strike="noStrike">
                 <a:solidFill>
                   <a:srgbClr val="8b8b8b"/>
@@ -3035,14 +2925,76 @@
                   <a:srgbClr val="ffffff"/>
                 </a:solidFill>
               </a:uFill>
-              <a:latin typeface="Times New Roman"/>
+              <a:latin typeface="Arial"/>
+            </a:endParaRPr>
+          </a:p>
+        </p:txBody>
+      </p:sp>
+      <p:sp>
+        <p:nvSpPr>
+          <p:cNvPr id="47" name="CustomShape 2"/>
+          <p:cNvSpPr/>
+          <p:nvPr/>
+        </p:nvSpPr>
+        <p:spPr>
+          <a:xfrm>
+            <a:off x="294480" y="322920"/>
+            <a:ext cx="2922840" cy="821520"/>
+          </a:xfrm>
+          <a:prstGeom prst="rect">
+            <a:avLst/>
+          </a:prstGeom>
+          <a:noFill/>
+          <a:ln>
+            <a:noFill/>
+          </a:ln>
+        </p:spPr>
+        <p:style>
+          <a:lnRef idx="0"/>
+          <a:fillRef idx="0"/>
+          <a:effectRef idx="0"/>
+          <a:fontRef idx="minor"/>
+        </p:style>
+        <p:txBody>
+          <a:bodyPr lIns="90000" rIns="90000" tIns="45000" bIns="45000"/>
+          <a:p>
+            <a:pPr algn="ctr">
+              <a:lnSpc>
+                <a:spcPct val="100000"/>
+              </a:lnSpc>
+            </a:pPr>
+            <a:r>
+              <a:rPr b="1" lang="en-US" sz="2400" spc="-1" strike="noStrike">
+                <a:solidFill>
+                  <a:srgbClr val="c00000"/>
+                </a:solidFill>
+                <a:uFill>
+                  <a:solidFill>
+                    <a:srgbClr val="ffffff"/>
+                  </a:solidFill>
+                </a:uFill>
+                <a:latin typeface="Garamond"/>
+                <a:ea typeface="DejaVu Sans"/>
+              </a:rPr>
+              <a:t>Open-ended literature review</a:t>
+            </a:r>
+            <a:endParaRPr b="0" lang="en-US" sz="2400" spc="-1" strike="noStrike">
+              <a:solidFill>
+                <a:srgbClr val="000000"/>
+              </a:solidFill>
+              <a:uFill>
+                <a:solidFill>
+                  <a:srgbClr val="ffffff"/>
+                </a:solidFill>
+              </a:uFill>
+              <a:latin typeface="Arial"/>
             </a:endParaRPr>
           </a:p>
         </p:txBody>
       </p:sp>
       <p:pic>
         <p:nvPicPr>
-          <p:cNvPr id="50" name="Picture 5" descr=""/>
+          <p:cNvPr id="48" name="Picture 39" descr=""/>
           <p:cNvPicPr/>
           <p:nvPr/>
         </p:nvPicPr>
@@ -3052,8 +3004,8 @@
         </p:blipFill>
         <p:spPr>
           <a:xfrm>
-            <a:off x="4545000" y="2642040"/>
-            <a:ext cx="2874600" cy="391320"/>
+            <a:off x="231840" y="1381320"/>
+            <a:ext cx="3006720" cy="1333440"/>
           </a:xfrm>
           <a:prstGeom prst="rect">
             <a:avLst/>
@@ -3065,7 +3017,7 @@
       </p:pic>
       <p:pic>
         <p:nvPicPr>
-          <p:cNvPr id="51" name="Picture 6" descr=""/>
+          <p:cNvPr id="49" name="Picture 40" descr=""/>
           <p:cNvPicPr/>
           <p:nvPr/>
         </p:nvPicPr>
@@ -3075,8 +3027,8 @@
         </p:blipFill>
         <p:spPr>
           <a:xfrm>
-            <a:off x="4505040" y="1223640"/>
-            <a:ext cx="2954520" cy="553680"/>
+            <a:off x="268560" y="4032720"/>
+            <a:ext cx="3057480" cy="1200240"/>
           </a:xfrm>
           <a:prstGeom prst="rect">
             <a:avLst/>
@@ -3088,7 +3040,7 @@
       </p:pic>
       <p:pic>
         <p:nvPicPr>
-          <p:cNvPr id="52" name="Picture 8" descr=""/>
+          <p:cNvPr id="50" name="Picture 41" descr=""/>
           <p:cNvPicPr/>
           <p:nvPr/>
         </p:nvPicPr>
@@ -3097,9 +3049,9 @@
           <a:stretch/>
         </p:blipFill>
         <p:spPr>
-          <a:xfrm rot="5400000">
-            <a:off x="5931360" y="3789360"/>
-            <a:ext cx="2090520" cy="450360"/>
+          <a:xfrm>
+            <a:off x="263880" y="2747160"/>
+            <a:ext cx="3015000" cy="418320"/>
           </a:xfrm>
           <a:prstGeom prst="rect">
             <a:avLst/>
@@ -3111,7 +3063,7 @@
       </p:pic>
       <p:pic>
         <p:nvPicPr>
-          <p:cNvPr id="53" name="Picture 10" descr=""/>
+          <p:cNvPr id="51" name="Picture 42" descr=""/>
           <p:cNvPicPr/>
           <p:nvPr/>
         </p:nvPicPr>
@@ -3121,8 +3073,8 @@
         </p:blipFill>
         <p:spPr>
           <a:xfrm>
-            <a:off x="4505040" y="3088800"/>
-            <a:ext cx="1762560" cy="536400"/>
+            <a:off x="195480" y="3223080"/>
+            <a:ext cx="2618640" cy="808920"/>
           </a:xfrm>
           <a:prstGeom prst="rect">
             <a:avLst/>
@@ -3134,7 +3086,7 @@
       </p:pic>
       <p:pic>
         <p:nvPicPr>
-          <p:cNvPr id="54" name="Picture 11" descr=""/>
+          <p:cNvPr id="52" name="Picture 43" descr=""/>
           <p:cNvPicPr/>
           <p:nvPr/>
         </p:nvPicPr>
@@ -3143,9 +3095,9 @@
           <a:stretch/>
         </p:blipFill>
         <p:spPr>
-          <a:xfrm rot="8424000">
-            <a:off x="5887080" y="1741320"/>
-            <a:ext cx="743400" cy="379440"/>
+          <a:xfrm>
+            <a:off x="185760" y="5339880"/>
+            <a:ext cx="3093120" cy="1071720"/>
           </a:xfrm>
           <a:prstGeom prst="rect">
             <a:avLst/>
@@ -3157,7 +3109,7 @@
       </p:pic>
       <p:pic>
         <p:nvPicPr>
-          <p:cNvPr id="55" name="Picture 14" descr=""/>
+          <p:cNvPr id="53" name="Picture 5" descr=""/>
           <p:cNvPicPr/>
           <p:nvPr/>
         </p:nvPicPr>
@@ -3167,8 +3119,8 @@
         </p:blipFill>
         <p:spPr>
           <a:xfrm>
-            <a:off x="4523760" y="1773000"/>
-            <a:ext cx="1640520" cy="412200"/>
+            <a:off x="4705560" y="2739240"/>
+            <a:ext cx="2874240" cy="390960"/>
           </a:xfrm>
           <a:prstGeom prst="rect">
             <a:avLst/>
@@ -3180,7 +3132,7 @@
       </p:pic>
       <p:pic>
         <p:nvPicPr>
-          <p:cNvPr id="56" name="Picture 15" descr=""/>
+          <p:cNvPr id="54" name="Picture 6" descr=""/>
           <p:cNvPicPr/>
           <p:nvPr/>
         </p:nvPicPr>
@@ -3190,8 +3142,8 @@
         </p:blipFill>
         <p:spPr>
           <a:xfrm>
-            <a:off x="4588560" y="2074320"/>
-            <a:ext cx="1224720" cy="385200"/>
+            <a:off x="4665600" y="1320840"/>
+            <a:ext cx="2954160" cy="553320"/>
           </a:xfrm>
           <a:prstGeom prst="rect">
             <a:avLst/>
@@ -3203,7 +3155,7 @@
       </p:pic>
       <p:pic>
         <p:nvPicPr>
-          <p:cNvPr id="57" name="Picture 13" descr=""/>
+          <p:cNvPr id="55" name="Picture 8" descr=""/>
           <p:cNvPicPr/>
           <p:nvPr/>
         </p:nvPicPr>
@@ -3212,9 +3164,9 @@
           <a:stretch/>
         </p:blipFill>
         <p:spPr>
-          <a:xfrm>
-            <a:off x="6017400" y="4039920"/>
-            <a:ext cx="1308600" cy="456480"/>
+          <a:xfrm rot="5400000">
+            <a:off x="6092280" y="3886560"/>
+            <a:ext cx="2090160" cy="450000"/>
           </a:xfrm>
           <a:prstGeom prst="rect">
             <a:avLst/>
@@ -3226,7 +3178,7 @@
       </p:pic>
       <p:pic>
         <p:nvPicPr>
-          <p:cNvPr id="58" name="Picture 16" descr=""/>
+          <p:cNvPr id="56" name="Picture 10" descr=""/>
           <p:cNvPicPr/>
           <p:nvPr/>
         </p:nvPicPr>
@@ -3236,8 +3188,8 @@
         </p:blipFill>
         <p:spPr>
           <a:xfrm>
-            <a:off x="5413320" y="4945680"/>
-            <a:ext cx="1550880" cy="593280"/>
+            <a:off x="4665600" y="3186000"/>
+            <a:ext cx="1762200" cy="536040"/>
           </a:xfrm>
           <a:prstGeom prst="rect">
             <a:avLst/>
@@ -3249,7 +3201,7 @@
       </p:pic>
       <p:pic>
         <p:nvPicPr>
-          <p:cNvPr id="59" name="Picture 17" descr=""/>
+          <p:cNvPr id="57" name="Picture 11" descr=""/>
           <p:cNvPicPr/>
           <p:nvPr/>
         </p:nvPicPr>
@@ -3258,9 +3210,9 @@
           <a:stretch/>
         </p:blipFill>
         <p:spPr>
-          <a:xfrm rot="19440000">
-            <a:off x="4670280" y="4478040"/>
-            <a:ext cx="1396440" cy="1104840"/>
+          <a:xfrm rot="8424000">
+            <a:off x="6048000" y="1838520"/>
+            <a:ext cx="743040" cy="379080"/>
           </a:xfrm>
           <a:prstGeom prst="rect">
             <a:avLst/>
@@ -3272,7 +3224,7 @@
       </p:pic>
       <p:pic>
         <p:nvPicPr>
-          <p:cNvPr id="60" name="Picture 19" descr=""/>
+          <p:cNvPr id="58" name="Picture 14" descr=""/>
           <p:cNvPicPr/>
           <p:nvPr/>
         </p:nvPicPr>
@@ -3282,8 +3234,8 @@
         </p:blipFill>
         <p:spPr>
           <a:xfrm>
-            <a:off x="6098400" y="3097800"/>
-            <a:ext cx="644760" cy="411840"/>
+            <a:off x="4684320" y="1870200"/>
+            <a:ext cx="1640160" cy="411840"/>
           </a:xfrm>
           <a:prstGeom prst="rect">
             <a:avLst/>
@@ -3295,7 +3247,7 @@
       </p:pic>
       <p:pic>
         <p:nvPicPr>
-          <p:cNvPr id="61" name="Picture 20" descr=""/>
+          <p:cNvPr id="59" name="Picture 15" descr=""/>
           <p:cNvPicPr/>
           <p:nvPr/>
         </p:nvPicPr>
@@ -3304,9 +3256,9 @@
           <a:stretch/>
         </p:blipFill>
         <p:spPr>
-          <a:xfrm rot="221400">
-            <a:off x="4542480" y="5379480"/>
-            <a:ext cx="2857680" cy="478800"/>
+          <a:xfrm>
+            <a:off x="4749120" y="2171520"/>
+            <a:ext cx="1224360" cy="384840"/>
           </a:xfrm>
           <a:prstGeom prst="rect">
             <a:avLst/>
@@ -3318,7 +3270,7 @@
       </p:pic>
       <p:pic>
         <p:nvPicPr>
-          <p:cNvPr id="62" name="Picture 21" descr=""/>
+          <p:cNvPr id="60" name="Picture 13" descr=""/>
           <p:cNvPicPr/>
           <p:nvPr/>
         </p:nvPicPr>
@@ -3327,9 +3279,9 @@
           <a:stretch/>
         </p:blipFill>
         <p:spPr>
-          <a:xfrm rot="8918400">
-            <a:off x="5415840" y="4454640"/>
-            <a:ext cx="644760" cy="411840"/>
+          <a:xfrm>
+            <a:off x="6177960" y="4137120"/>
+            <a:ext cx="1308240" cy="456120"/>
           </a:xfrm>
           <a:prstGeom prst="rect">
             <a:avLst/>
@@ -3341,7 +3293,7 @@
       </p:pic>
       <p:pic>
         <p:nvPicPr>
-          <p:cNvPr id="63" name="Picture 22" descr=""/>
+          <p:cNvPr id="61" name="Picture 16" descr=""/>
           <p:cNvPicPr/>
           <p:nvPr/>
         </p:nvPicPr>
@@ -3351,8 +3303,8 @@
         </p:blipFill>
         <p:spPr>
           <a:xfrm>
-            <a:off x="4545000" y="5778720"/>
-            <a:ext cx="2914560" cy="659520"/>
+            <a:off x="5573880" y="5042880"/>
+            <a:ext cx="1550520" cy="592920"/>
           </a:xfrm>
           <a:prstGeom prst="rect">
             <a:avLst/>
@@ -3364,7 +3316,7 @@
       </p:pic>
       <p:pic>
         <p:nvPicPr>
-          <p:cNvPr id="64" name="Picture 23" descr=""/>
+          <p:cNvPr id="62" name="Picture 17" descr=""/>
           <p:cNvPicPr/>
           <p:nvPr/>
         </p:nvPicPr>
@@ -3373,9 +3325,9 @@
           <a:stretch/>
         </p:blipFill>
         <p:spPr>
-          <a:xfrm rot="8557200">
-            <a:off x="4395240" y="3961440"/>
-            <a:ext cx="927720" cy="232920"/>
+          <a:xfrm rot="19440000">
+            <a:off x="4830480" y="4575240"/>
+            <a:ext cx="1396080" cy="1104480"/>
           </a:xfrm>
           <a:prstGeom prst="rect">
             <a:avLst/>
@@ -3387,7 +3339,7 @@
       </p:pic>
       <p:pic>
         <p:nvPicPr>
-          <p:cNvPr id="65" name="Picture 24" descr=""/>
+          <p:cNvPr id="63" name="Picture 19" descr=""/>
           <p:cNvPicPr/>
           <p:nvPr/>
         </p:nvPicPr>
@@ -3397,8 +3349,8 @@
         </p:blipFill>
         <p:spPr>
           <a:xfrm>
-            <a:off x="9123840" y="3956040"/>
-            <a:ext cx="2773800" cy="1495440"/>
+            <a:off x="6258960" y="3195000"/>
+            <a:ext cx="644400" cy="411480"/>
           </a:xfrm>
           <a:prstGeom prst="rect">
             <a:avLst/>
@@ -3410,7 +3362,7 @@
       </p:pic>
       <p:pic>
         <p:nvPicPr>
-          <p:cNvPr id="66" name="Picture 25" descr=""/>
+          <p:cNvPr id="64" name="Picture 20" descr=""/>
           <p:cNvPicPr/>
           <p:nvPr/>
         </p:nvPicPr>
@@ -3419,9 +3371,9 @@
           <a:stretch/>
         </p:blipFill>
         <p:spPr>
-          <a:xfrm>
-            <a:off x="9123840" y="2779560"/>
-            <a:ext cx="2833560" cy="1090440"/>
+          <a:xfrm rot="221400">
+            <a:off x="4703040" y="5476680"/>
+            <a:ext cx="2857320" cy="478440"/>
           </a:xfrm>
           <a:prstGeom prst="rect">
             <a:avLst/>
@@ -3433,7 +3385,7 @@
       </p:pic>
       <p:pic>
         <p:nvPicPr>
-          <p:cNvPr id="67" name="Picture 26" descr=""/>
+          <p:cNvPr id="65" name="Picture 21" descr=""/>
           <p:cNvPicPr/>
           <p:nvPr/>
         </p:nvPicPr>
@@ -3442,9 +3394,9 @@
           <a:stretch/>
         </p:blipFill>
         <p:spPr>
-          <a:xfrm>
-            <a:off x="9113040" y="1278360"/>
-            <a:ext cx="2784600" cy="1345680"/>
+          <a:xfrm rot="8918400">
+            <a:off x="5576760" y="4551840"/>
+            <a:ext cx="644400" cy="411480"/>
           </a:xfrm>
           <a:prstGeom prst="rect">
             <a:avLst/>
@@ -3454,16 +3406,216 @@
           </a:ln>
         </p:spPr>
       </p:pic>
-      <p:sp>
-        <p:nvSpPr>
-          <p:cNvPr id="68" name="CustomShape 2"/>
+      <p:pic>
+        <p:nvPicPr>
+          <p:cNvPr id="66" name="Picture 22" descr=""/>
+          <p:cNvPicPr/>
+          <p:nvPr/>
+        </p:nvPicPr>
+        <p:blipFill>
+          <a:blip r:embed="rId19"/>
+          <a:stretch/>
+        </p:blipFill>
+        <p:spPr>
+          <a:xfrm>
+            <a:off x="4705560" y="5875920"/>
+            <a:ext cx="2914200" cy="659160"/>
+          </a:xfrm>
+          <a:prstGeom prst="rect">
+            <a:avLst/>
+          </a:prstGeom>
+          <a:ln>
+            <a:noFill/>
+          </a:ln>
+        </p:spPr>
+      </p:pic>
+      <p:pic>
+        <p:nvPicPr>
+          <p:cNvPr id="67" name="Picture 23" descr=""/>
+          <p:cNvPicPr/>
+          <p:nvPr/>
+        </p:nvPicPr>
+        <p:blipFill>
+          <a:blip r:embed="rId20"/>
+          <a:stretch/>
+        </p:blipFill>
+        <p:spPr>
+          <a:xfrm rot="8557200">
+            <a:off x="4556160" y="4058640"/>
+            <a:ext cx="927360" cy="232560"/>
+          </a:xfrm>
+          <a:prstGeom prst="rect">
+            <a:avLst/>
+          </a:prstGeom>
+          <a:ln>
+            <a:noFill/>
+          </a:ln>
+        </p:spPr>
+      </p:pic>
+      <p:pic>
+        <p:nvPicPr>
+          <p:cNvPr id="68" name="Picture 12" descr=""/>
+          <p:cNvPicPr/>
+          <p:nvPr/>
+        </p:nvPicPr>
+        <p:blipFill>
+          <a:blip r:embed="rId21"/>
+          <a:stretch/>
+        </p:blipFill>
+        <p:spPr>
+          <a:xfrm rot="972000">
+            <a:off x="4685040" y="4756320"/>
+            <a:ext cx="2741040" cy="506880"/>
+          </a:xfrm>
+          <a:prstGeom prst="rect">
+            <a:avLst/>
+          </a:prstGeom>
+          <a:ln>
+            <a:noFill/>
+          </a:ln>
+        </p:spPr>
+      </p:pic>
+      <p:pic>
+        <p:nvPicPr>
+          <p:cNvPr id="69" name="Picture 4" descr=""/>
+          <p:cNvPicPr/>
+          <p:nvPr/>
+        </p:nvPicPr>
+        <p:blipFill>
+          <a:blip r:embed="rId22"/>
+          <a:stretch/>
+        </p:blipFill>
+        <p:spPr>
+          <a:xfrm>
+            <a:off x="5105880" y="3619440"/>
+            <a:ext cx="1726200" cy="542880"/>
+          </a:xfrm>
+          <a:prstGeom prst="rect">
+            <a:avLst/>
+          </a:prstGeom>
+          <a:ln>
+            <a:noFill/>
+          </a:ln>
+        </p:spPr>
+      </p:pic>
+      <p:pic>
+        <p:nvPicPr>
+          <p:cNvPr id="70" name="Picture 1" descr=""/>
+          <p:cNvPicPr/>
+          <p:nvPr/>
+        </p:nvPicPr>
+        <p:blipFill>
+          <a:blip r:embed="rId23"/>
+          <a:stretch/>
+        </p:blipFill>
+        <p:spPr>
+          <a:xfrm rot="19969800">
+            <a:off x="6443640" y="2013840"/>
+            <a:ext cx="1058400" cy="327960"/>
+          </a:xfrm>
+          <a:prstGeom prst="rect">
+            <a:avLst/>
+          </a:prstGeom>
+          <a:ln>
+            <a:noFill/>
+          </a:ln>
+        </p:spPr>
+      </p:pic>
+      <p:pic>
+        <p:nvPicPr>
+          <p:cNvPr id="71" name="Picture 7" descr=""/>
+          <p:cNvPicPr/>
+          <p:nvPr/>
+        </p:nvPicPr>
+        <p:blipFill>
+          <a:blip r:embed="rId24"/>
+          <a:stretch/>
+        </p:blipFill>
+        <p:spPr>
+          <a:xfrm>
+            <a:off x="5670360" y="2468160"/>
+            <a:ext cx="1395360" cy="350280"/>
+          </a:xfrm>
+          <a:prstGeom prst="rect">
+            <a:avLst/>
+          </a:prstGeom>
+          <a:ln>
+            <a:noFill/>
+          </a:ln>
+        </p:spPr>
+      </p:pic>
+      <p:sp>
+        <p:nvSpPr>
+          <p:cNvPr id="72" name="CustomShape 3"/>
           <p:cNvSpPr/>
           <p:nvPr/>
         </p:nvSpPr>
         <p:spPr>
           <a:xfrm>
-            <a:off x="452880" y="225720"/>
-            <a:ext cx="2923200" cy="821880"/>
+            <a:off x="4553280" y="322920"/>
+            <a:ext cx="3093840" cy="455760"/>
+          </a:xfrm>
+          <a:prstGeom prst="rect">
+            <a:avLst/>
+          </a:prstGeom>
+          <a:noFill/>
+          <a:ln>
+            <a:noFill/>
+          </a:ln>
+        </p:spPr>
+        <p:style>
+          <a:lnRef idx="0"/>
+          <a:fillRef idx="0"/>
+          <a:effectRef idx="0"/>
+          <a:fontRef idx="minor"/>
+        </p:style>
+        <p:txBody>
+          <a:bodyPr lIns="90000" rIns="90000" tIns="45000" bIns="45000"/>
+          <a:p>
+            <a:pPr algn="ctr">
+              <a:lnSpc>
+                <a:spcPct val="100000"/>
+              </a:lnSpc>
+            </a:pPr>
+            <a:r>
+              <a:rPr b="1" lang="en-US" sz="2400" spc="-1" strike="noStrike">
+                <a:solidFill>
+                  <a:srgbClr val="c00000"/>
+                </a:solidFill>
+                <a:uFill>
+                  <a:solidFill>
+                    <a:srgbClr val="ffffff"/>
+                  </a:solidFill>
+                </a:uFill>
+                <a:latin typeface="Garamond"/>
+                <a:ea typeface="DejaVu Sans"/>
+              </a:rPr>
+              <a:t>Puzzle break</a:t>
+            </a:r>
+            <a:endParaRPr b="0" lang="en-US" sz="2400" spc="-1" strike="noStrike">
+              <a:solidFill>
+                <a:srgbClr val="000000"/>
+              </a:solidFill>
+              <a:uFill>
+                <a:solidFill>
+                  <a:srgbClr val="ffffff"/>
+                </a:solidFill>
+              </a:uFill>
+              <a:latin typeface="Arial"/>
+            </a:endParaRPr>
+          </a:p>
+        </p:txBody>
+      </p:sp>
+      <p:sp>
+        <p:nvSpPr>
+          <p:cNvPr id="73" name="CustomShape 4"/>
+          <p:cNvSpPr/>
+          <p:nvPr/>
+        </p:nvSpPr>
+        <p:spPr>
+          <a:xfrm>
+            <a:off x="9083160" y="324360"/>
+            <a:ext cx="2922840" cy="455760"/>
           </a:xfrm>
           <a:prstGeom prst="rect">
             <a:avLst/>
@@ -3498,8 +3650,9 @@
                   </a:solidFill>
                 </a:uFill>
                 <a:latin typeface="Garamond"/>
+                <a:ea typeface="DejaVu Sans"/>
               </a:rPr>
-              <a:t>Open-ended literature review</a:t>
+              <a:t>Scientific computing</a:t>
             </a:r>
             <a:endParaRPr b="0" lang="en-US" sz="2400" spc="-1" strike="noStrike">
               <a:solidFill>
@@ -3517,145 +3670,7 @@
       </p:sp>
       <p:pic>
         <p:nvPicPr>
-          <p:cNvPr id="69" name="Picture 12" descr=""/>
-          <p:cNvPicPr/>
-          <p:nvPr/>
-        </p:nvPicPr>
-        <p:blipFill>
-          <a:blip r:embed="rId19"/>
-          <a:stretch/>
-        </p:blipFill>
-        <p:spPr>
-          <a:xfrm rot="972000">
-            <a:off x="4524480" y="4659120"/>
-            <a:ext cx="2741400" cy="507240"/>
-          </a:xfrm>
-          <a:prstGeom prst="rect">
-            <a:avLst/>
-          </a:prstGeom>
-          <a:ln>
-            <a:noFill/>
-          </a:ln>
-        </p:spPr>
-      </p:pic>
-      <p:pic>
-        <p:nvPicPr>
-          <p:cNvPr id="70" name="Picture 4" descr=""/>
-          <p:cNvPicPr/>
-          <p:nvPr/>
-        </p:nvPicPr>
-        <p:blipFill>
-          <a:blip r:embed="rId20"/>
-          <a:stretch/>
-        </p:blipFill>
-        <p:spPr>
-          <a:xfrm>
-            <a:off x="4945320" y="3522240"/>
-            <a:ext cx="1726560" cy="543240"/>
-          </a:xfrm>
-          <a:prstGeom prst="rect">
-            <a:avLst/>
-          </a:prstGeom>
-          <a:ln>
-            <a:noFill/>
-          </a:ln>
-        </p:spPr>
-      </p:pic>
-      <p:pic>
-        <p:nvPicPr>
-          <p:cNvPr id="71" name="Picture 1" descr=""/>
-          <p:cNvPicPr/>
-          <p:nvPr/>
-        </p:nvPicPr>
-        <p:blipFill>
-          <a:blip r:embed="rId21"/>
-          <a:stretch/>
-        </p:blipFill>
-        <p:spPr>
-          <a:xfrm rot="19969800">
-            <a:off x="6283440" y="1916640"/>
-            <a:ext cx="1058760" cy="328320"/>
-          </a:xfrm>
-          <a:prstGeom prst="rect">
-            <a:avLst/>
-          </a:prstGeom>
-          <a:ln>
-            <a:noFill/>
-          </a:ln>
-        </p:spPr>
-      </p:pic>
-      <p:pic>
-        <p:nvPicPr>
-          <p:cNvPr id="72" name="Picture 7" descr=""/>
-          <p:cNvPicPr/>
-          <p:nvPr/>
-        </p:nvPicPr>
-        <p:blipFill>
-          <a:blip r:embed="rId22"/>
-          <a:stretch/>
-        </p:blipFill>
-        <p:spPr>
-          <a:xfrm>
-            <a:off x="5509800" y="2370960"/>
-            <a:ext cx="1395720" cy="350640"/>
-          </a:xfrm>
-          <a:prstGeom prst="rect">
-            <a:avLst/>
-          </a:prstGeom>
-          <a:ln>
-            <a:noFill/>
-          </a:ln>
-        </p:spPr>
-      </p:pic>
-      <p:pic>
-        <p:nvPicPr>
-          <p:cNvPr id="73" name="Picture 39" descr=""/>
-          <p:cNvPicPr/>
-          <p:nvPr/>
-        </p:nvPicPr>
-        <p:blipFill>
-          <a:blip r:embed="rId23"/>
-          <a:stretch/>
-        </p:blipFill>
-        <p:spPr>
-          <a:xfrm>
-            <a:off x="173520" y="1284120"/>
-            <a:ext cx="3007080" cy="1333800"/>
-          </a:xfrm>
-          <a:prstGeom prst="rect">
-            <a:avLst/>
-          </a:prstGeom>
-          <a:ln>
-            <a:noFill/>
-          </a:ln>
-        </p:spPr>
-      </p:pic>
-      <p:pic>
-        <p:nvPicPr>
-          <p:cNvPr id="74" name="Picture 40" descr=""/>
-          <p:cNvPicPr/>
-          <p:nvPr/>
-        </p:nvPicPr>
-        <p:blipFill>
-          <a:blip r:embed="rId24"/>
-          <a:stretch/>
-        </p:blipFill>
-        <p:spPr>
-          <a:xfrm>
-            <a:off x="210240" y="3935520"/>
-            <a:ext cx="3057840" cy="1200600"/>
-          </a:xfrm>
-          <a:prstGeom prst="rect">
-            <a:avLst/>
-          </a:prstGeom>
-          <a:ln>
-            <a:noFill/>
-          </a:ln>
-        </p:spPr>
-      </p:pic>
-      <p:pic>
-        <p:nvPicPr>
-          <p:cNvPr id="75" name="Picture 41" descr=""/>
+          <p:cNvPr id="74" name="Picture 24" descr=""/>
           <p:cNvPicPr/>
           <p:nvPr/>
         </p:nvPicPr>
@@ -3665,8 +3680,8 @@
         </p:blipFill>
         <p:spPr>
           <a:xfrm>
-            <a:off x="205560" y="2649960"/>
-            <a:ext cx="3015360" cy="418680"/>
+            <a:off x="9133200" y="4053240"/>
+            <a:ext cx="2773440" cy="1495080"/>
           </a:xfrm>
           <a:prstGeom prst="rect">
             <a:avLst/>
@@ -3678,7 +3693,7 @@
       </p:pic>
       <p:pic>
         <p:nvPicPr>
-          <p:cNvPr id="76" name="Picture 42" descr=""/>
+          <p:cNvPr id="75" name="Picture 25" descr=""/>
           <p:cNvPicPr/>
           <p:nvPr/>
         </p:nvPicPr>
@@ -3688,8 +3703,8 @@
         </p:blipFill>
         <p:spPr>
           <a:xfrm>
-            <a:off x="137160" y="3125880"/>
-            <a:ext cx="2619000" cy="809280"/>
+            <a:off x="9133200" y="2876760"/>
+            <a:ext cx="2833200" cy="1090080"/>
           </a:xfrm>
           <a:prstGeom prst="rect">
             <a:avLst/>
@@ -3701,7 +3716,7 @@
       </p:pic>
       <p:pic>
         <p:nvPicPr>
-          <p:cNvPr id="77" name="Picture 43" descr=""/>
+          <p:cNvPr id="76" name="Picture 26" descr=""/>
           <p:cNvPicPr/>
           <p:nvPr/>
         </p:nvPicPr>
@@ -3711,8 +3726,8 @@
         </p:blipFill>
         <p:spPr>
           <a:xfrm>
-            <a:off x="127440" y="5242680"/>
-            <a:ext cx="3093480" cy="1072080"/>
+            <a:off x="9122400" y="1375560"/>
+            <a:ext cx="2784240" cy="1345320"/>
           </a:xfrm>
           <a:prstGeom prst="rect">
             <a:avLst/>
@@ -3724,7 +3739,7 @@
       </p:pic>
       <p:pic>
         <p:nvPicPr>
-          <p:cNvPr id="78" name="Picture 44" descr=""/>
+          <p:cNvPr id="77" name="Picture 44" descr=""/>
           <p:cNvPicPr/>
           <p:nvPr/>
         </p:nvPicPr>
@@ -3734,8 +3749,8 @@
         </p:blipFill>
         <p:spPr>
           <a:xfrm>
-            <a:off x="10553760" y="5520240"/>
-            <a:ext cx="1343880" cy="792360"/>
+            <a:off x="10563120" y="5617440"/>
+            <a:ext cx="1343520" cy="792000"/>
           </a:xfrm>
           <a:prstGeom prst="rect">
             <a:avLst/>
@@ -3747,7 +3762,7 @@
       </p:pic>
       <p:pic>
         <p:nvPicPr>
-          <p:cNvPr id="79" name="Picture 45" descr=""/>
+          <p:cNvPr id="78" name="Picture 45" descr=""/>
           <p:cNvPicPr/>
           <p:nvPr/>
         </p:nvPicPr>
@@ -3757,8 +3772,8 @@
         </p:blipFill>
         <p:spPr>
           <a:xfrm>
-            <a:off x="9146520" y="5520240"/>
-            <a:ext cx="1255320" cy="792360"/>
+            <a:off x="9155880" y="5617440"/>
+            <a:ext cx="1254960" cy="792000"/>
           </a:xfrm>
           <a:prstGeom prst="rect">
             <a:avLst/>
@@ -3770,136 +3785,14 @@
       </p:pic>
       <p:sp>
         <p:nvSpPr>
-          <p:cNvPr id="80" name="CustomShape 3"/>
+          <p:cNvPr id="79" name="CustomShape 5"/>
           <p:cNvSpPr/>
           <p:nvPr/>
         </p:nvSpPr>
         <p:spPr>
           <a:xfrm>
-            <a:off x="4945320" y="225720"/>
-            <a:ext cx="3094200" cy="456120"/>
-          </a:xfrm>
-          <a:prstGeom prst="rect">
-            <a:avLst/>
-          </a:prstGeom>
-          <a:noFill/>
-          <a:ln>
-            <a:noFill/>
-          </a:ln>
-        </p:spPr>
-        <p:style>
-          <a:lnRef idx="0"/>
-          <a:fillRef idx="0"/>
-          <a:effectRef idx="0"/>
-          <a:fontRef idx="minor"/>
-        </p:style>
-        <p:txBody>
-          <a:bodyPr lIns="90000" rIns="90000" tIns="45000" bIns="45000"/>
-          <a:p>
-            <a:pPr>
-              <a:lnSpc>
-                <a:spcPct val="100000"/>
-              </a:lnSpc>
-            </a:pPr>
-            <a:r>
-              <a:rPr b="1" lang="en-US" sz="2400" spc="-1" strike="noStrike">
-                <a:solidFill>
-                  <a:srgbClr val="c00000"/>
-                </a:solidFill>
-                <a:uFill>
-                  <a:solidFill>
-                    <a:srgbClr val="ffffff"/>
-                  </a:solidFill>
-                </a:uFill>
-                <a:latin typeface="Garamond"/>
-              </a:rPr>
-              <a:t>Puzzle break</a:t>
-            </a:r>
-            <a:endParaRPr b="0" lang="en-US" sz="2400" spc="-1" strike="noStrike">
-              <a:solidFill>
-                <a:srgbClr val="000000"/>
-              </a:solidFill>
-              <a:uFill>
-                <a:solidFill>
-                  <a:srgbClr val="ffffff"/>
-                </a:solidFill>
-              </a:uFill>
-              <a:latin typeface="Arial"/>
-            </a:endParaRPr>
-          </a:p>
-        </p:txBody>
-      </p:sp>
-      <p:sp>
-        <p:nvSpPr>
-          <p:cNvPr id="81" name="CustomShape 4"/>
-          <p:cNvSpPr/>
-          <p:nvPr/>
-        </p:nvSpPr>
-        <p:spPr>
-          <a:xfrm>
-            <a:off x="9078840" y="227160"/>
-            <a:ext cx="2923200" cy="456120"/>
-          </a:xfrm>
-          <a:prstGeom prst="rect">
-            <a:avLst/>
-          </a:prstGeom>
-          <a:noFill/>
-          <a:ln>
-            <a:noFill/>
-          </a:ln>
-        </p:spPr>
-        <p:style>
-          <a:lnRef idx="0"/>
-          <a:fillRef idx="0"/>
-          <a:effectRef idx="0"/>
-          <a:fontRef idx="minor"/>
-        </p:style>
-        <p:txBody>
-          <a:bodyPr lIns="90000" rIns="90000" tIns="45000" bIns="45000"/>
-          <a:p>
-            <a:pPr>
-              <a:lnSpc>
-                <a:spcPct val="100000"/>
-              </a:lnSpc>
-            </a:pPr>
-            <a:r>
-              <a:rPr b="1" lang="en-US" sz="2400" spc="-1" strike="noStrike">
-                <a:solidFill>
-                  <a:srgbClr val="c00000"/>
-                </a:solidFill>
-                <a:uFill>
-                  <a:solidFill>
-                    <a:srgbClr val="ffffff"/>
-                  </a:solidFill>
-                </a:uFill>
-                <a:latin typeface="Garamond"/>
-              </a:rPr>
-              <a:t>Scientific computing</a:t>
-            </a:r>
-            <a:endParaRPr b="0" lang="en-US" sz="2400" spc="-1" strike="noStrike">
-              <a:solidFill>
-                <a:srgbClr val="000000"/>
-              </a:solidFill>
-              <a:uFill>
-                <a:solidFill>
-                  <a:srgbClr val="ffffff"/>
-                </a:solidFill>
-              </a:uFill>
-              <a:latin typeface="Arial"/>
-            </a:endParaRPr>
-          </a:p>
-        </p:txBody>
-      </p:sp>
-      <p:sp>
-        <p:nvSpPr>
-          <p:cNvPr id="82" name="CustomShape 5"/>
-          <p:cNvSpPr/>
-          <p:nvPr/>
-        </p:nvSpPr>
-        <p:spPr>
-          <a:xfrm>
-            <a:off x="8982360" y="3828960"/>
-            <a:ext cx="2915280" cy="1690920"/>
+            <a:off x="8986680" y="3926160"/>
+            <a:ext cx="2914920" cy="1690560"/>
           </a:xfrm>
           <a:prstGeom prst="ellipse">
             <a:avLst/>
@@ -3909,6 +3802,7 @@
             <a:solidFill>
               <a:srgbClr val="c00000"/>
             </a:solidFill>
+            <a:round/>
           </a:ln>
         </p:spPr>
         <p:style>
@@ -3928,14 +3822,14 @@
       </p:sp>
       <p:sp>
         <p:nvSpPr>
-          <p:cNvPr id="83" name="CustomShape 6"/>
+          <p:cNvPr id="80" name="CustomShape 6"/>
           <p:cNvSpPr/>
           <p:nvPr/>
         </p:nvSpPr>
         <p:spPr>
           <a:xfrm>
-            <a:off x="7343280" y="3159720"/>
-            <a:ext cx="2036880" cy="577080"/>
+            <a:off x="7347600" y="3256920"/>
+            <a:ext cx="2036520" cy="576720"/>
           </a:xfrm>
           <a:prstGeom prst="rect">
             <a:avLst/>
@@ -3970,6 +3864,7 @@
                   </a:solidFill>
                 </a:uFill>
                 <a:latin typeface="Garamond"/>
+                <a:ea typeface="DejaVu Sans"/>
               </a:rPr>
               <a:t>We make some guesses too</a:t>
             </a:r>
@@ -3989,14 +3884,14 @@
       </p:sp>
       <p:sp>
         <p:nvSpPr>
-          <p:cNvPr id="84" name="CustomShape 7"/>
+          <p:cNvPr id="81" name="CustomShape 7"/>
           <p:cNvSpPr/>
           <p:nvPr/>
         </p:nvSpPr>
         <p:spPr>
           <a:xfrm flipH="1" rot="16200000">
-            <a:off x="8118360" y="3810960"/>
-            <a:ext cx="894600" cy="832320"/>
+            <a:off x="8121960" y="3908520"/>
+            <a:ext cx="894240" cy="831960"/>
           </a:xfrm>
           <a:prstGeom prst="curvedConnector2">
             <a:avLst/>
@@ -4006,6 +3901,7 @@
             <a:solidFill>
               <a:srgbClr val="c00000"/>
             </a:solidFill>
+            <a:round/>
             <a:tailEnd len="med" type="triangle" w="med"/>
           </a:ln>
         </p:spPr>
@@ -4073,14 +3969,14 @@
       </p:grpSpPr>
       <p:sp>
         <p:nvSpPr>
-          <p:cNvPr id="85" name="TextShape 1"/>
-          <p:cNvSpPr txBox="1"/>
+          <p:cNvPr id="82" name="CustomShape 1"/>
+          <p:cNvSpPr/>
           <p:nvPr/>
         </p:nvSpPr>
         <p:spPr>
           <a:xfrm>
             <a:off x="9306000" y="6438600"/>
-            <a:ext cx="2742840" cy="364680"/>
+            <a:ext cx="2742480" cy="364320"/>
           </a:xfrm>
           <a:prstGeom prst="rect">
             <a:avLst/>
@@ -4090,15 +3986,21 @@
             <a:noFill/>
           </a:ln>
         </p:spPr>
-        <p:txBody>
-          <a:bodyPr anchor="ctr"/>
+        <p:style>
+          <a:lnRef idx="0"/>
+          <a:fillRef idx="0"/>
+          <a:effectRef idx="0"/>
+          <a:fontRef idx="minor"/>
+        </p:style>
+        <p:txBody>
+          <a:bodyPr lIns="90000" rIns="90000" tIns="45000" bIns="45000" anchor="ctr"/>
           <a:p>
             <a:pPr algn="r">
               <a:lnSpc>
                 <a:spcPct val="100000"/>
               </a:lnSpc>
             </a:pPr>
-            <a:fld id="{F01F9E03-4B90-4DC2-981A-3700EEA9C786}" type="slidenum">
+            <a:fld id="{C348AA21-A557-4190-8317-8A2AB68D07BC}" type="slidenum">
               <a:rPr b="0" lang="en-US" sz="1200" spc="-1" strike="noStrike">
                 <a:solidFill>
                   <a:srgbClr val="8b8b8b"/>
@@ -4121,14 +4023,14 @@
                   <a:srgbClr val="ffffff"/>
                 </a:solidFill>
               </a:uFill>
-              <a:latin typeface="Times New Roman"/>
+              <a:latin typeface="Arial"/>
             </a:endParaRPr>
           </a:p>
         </p:txBody>
       </p:sp>
       <p:pic>
         <p:nvPicPr>
-          <p:cNvPr id="86" name="Picture 17" descr=""/>
+          <p:cNvPr id="83" name="Picture 17" descr=""/>
           <p:cNvPicPr/>
           <p:nvPr/>
         </p:nvPicPr>
@@ -4139,7 +4041,7 @@
         <p:spPr>
           <a:xfrm>
             <a:off x="617400" y="3960720"/>
-            <a:ext cx="3775320" cy="2065320"/>
+            <a:ext cx="3774960" cy="2064960"/>
           </a:xfrm>
           <a:prstGeom prst="rect">
             <a:avLst/>
@@ -4151,7 +4053,7 @@
       </p:pic>
       <p:pic>
         <p:nvPicPr>
-          <p:cNvPr id="87" name="Picture 4" descr=""/>
+          <p:cNvPr id="84" name="Picture 4" descr=""/>
           <p:cNvPicPr/>
           <p:nvPr/>
         </p:nvPicPr>
@@ -4162,7 +4064,7 @@
         <p:spPr>
           <a:xfrm>
             <a:off x="5587920" y="1155960"/>
-            <a:ext cx="2051280" cy="1734840"/>
+            <a:ext cx="2050920" cy="1734480"/>
           </a:xfrm>
           <a:prstGeom prst="rect">
             <a:avLst/>
@@ -4174,7 +4076,7 @@
       </p:pic>
       <p:pic>
         <p:nvPicPr>
-          <p:cNvPr id="88" name="Picture 5" descr=""/>
+          <p:cNvPr id="85" name="Picture 5" descr=""/>
           <p:cNvPicPr/>
           <p:nvPr/>
         </p:nvPicPr>
@@ -4185,7 +4087,7 @@
         <p:spPr>
           <a:xfrm>
             <a:off x="5587560" y="3008520"/>
-            <a:ext cx="2052360" cy="1699200"/>
+            <a:ext cx="2052000" cy="1698840"/>
           </a:xfrm>
           <a:prstGeom prst="rect">
             <a:avLst/>
@@ -4197,7 +4099,7 @@
       </p:pic>
       <p:pic>
         <p:nvPicPr>
-          <p:cNvPr id="89" name="Picture 6" descr=""/>
+          <p:cNvPr id="86" name="Picture 6" descr=""/>
           <p:cNvPicPr/>
           <p:nvPr/>
         </p:nvPicPr>
@@ -4208,7 +4110,7 @@
         <p:spPr>
           <a:xfrm>
             <a:off x="5650560" y="4825080"/>
-            <a:ext cx="1926360" cy="1793520"/>
+            <a:ext cx="1926000" cy="1793160"/>
           </a:xfrm>
           <a:prstGeom prst="rect">
             <a:avLst/>
@@ -4220,7 +4122,7 @@
       </p:pic>
       <p:pic>
         <p:nvPicPr>
-          <p:cNvPr id="90" name="Picture 7" descr=""/>
+          <p:cNvPr id="87" name="Picture 7" descr=""/>
           <p:cNvPicPr/>
           <p:nvPr/>
         </p:nvPicPr>
@@ -4232,7 +4134,7 @@
         <p:spPr>
           <a:xfrm>
             <a:off x="9615240" y="1155960"/>
-            <a:ext cx="1371600" cy="5134680"/>
+            <a:ext cx="1371240" cy="5134320"/>
           </a:xfrm>
           <a:prstGeom prst="rect">
             <a:avLst/>
@@ -4244,7 +4146,7 @@
       </p:pic>
       <p:pic>
         <p:nvPicPr>
-          <p:cNvPr id="91" name="Picture 1" descr=""/>
+          <p:cNvPr id="88" name="Picture 1" descr=""/>
           <p:cNvPicPr/>
           <p:nvPr/>
         </p:nvPicPr>
@@ -4256,7 +4158,7 @@
         <p:spPr>
           <a:xfrm>
             <a:off x="759600" y="1247040"/>
-            <a:ext cx="3490920" cy="2391480"/>
+            <a:ext cx="3490560" cy="2391120"/>
           </a:xfrm>
           <a:prstGeom prst="rect">
             <a:avLst/>
@@ -4268,14 +4170,14 @@
       </p:pic>
       <p:sp>
         <p:nvSpPr>
-          <p:cNvPr id="92" name="CustomShape 2"/>
+          <p:cNvPr id="89" name="CustomShape 2"/>
           <p:cNvSpPr/>
           <p:nvPr/>
         </p:nvSpPr>
         <p:spPr>
           <a:xfrm>
             <a:off x="2660040" y="4336560"/>
-            <a:ext cx="826920" cy="533880"/>
+            <a:ext cx="826560" cy="533520"/>
           </a:xfrm>
           <a:prstGeom prst="ellipse">
             <a:avLst/>
@@ -4285,6 +4187,7 @@
             <a:solidFill>
               <a:srgbClr val="c00000"/>
             </a:solidFill>
+            <a:round/>
           </a:ln>
         </p:spPr>
         <p:style>
@@ -4304,14 +4207,14 @@
       </p:sp>
       <p:sp>
         <p:nvSpPr>
-          <p:cNvPr id="93" name="CustomShape 3"/>
+          <p:cNvPr id="90" name="CustomShape 3"/>
           <p:cNvSpPr/>
           <p:nvPr/>
         </p:nvSpPr>
         <p:spPr>
           <a:xfrm>
             <a:off x="2362680" y="4027320"/>
-            <a:ext cx="388080" cy="381240"/>
+            <a:ext cx="387720" cy="380880"/>
           </a:xfrm>
           <a:prstGeom prst="curvedConnector3">
             <a:avLst>
@@ -4323,6 +4226,7 @@
             <a:solidFill>
               <a:srgbClr val="c00000"/>
             </a:solidFill>
+            <a:round/>
             <a:tailEnd len="med" type="triangle" w="med"/>
           </a:ln>
         </p:spPr>
@@ -4341,14 +4245,14 @@
       </p:sp>
       <p:sp>
         <p:nvSpPr>
-          <p:cNvPr id="94" name="CustomShape 4"/>
+          <p:cNvPr id="91" name="CustomShape 4"/>
           <p:cNvSpPr/>
           <p:nvPr/>
         </p:nvSpPr>
         <p:spPr>
           <a:xfrm>
             <a:off x="1043280" y="239400"/>
-            <a:ext cx="2923200" cy="456120"/>
+            <a:ext cx="2922840" cy="455760"/>
           </a:xfrm>
           <a:prstGeom prst="rect">
             <a:avLst/>
@@ -4383,6 +4287,7 @@
                   </a:solidFill>
                 </a:uFill>
                 <a:latin typeface="Garamond"/>
+                <a:ea typeface="DejaVu Sans"/>
               </a:rPr>
               <a:t>Map out predictions</a:t>
             </a:r>
@@ -4402,14 +4307,14 @@
       </p:sp>
       <p:sp>
         <p:nvSpPr>
-          <p:cNvPr id="95" name="CustomShape 5"/>
+          <p:cNvPr id="92" name="CustomShape 5"/>
           <p:cNvSpPr/>
           <p:nvPr/>
         </p:nvSpPr>
         <p:spPr>
           <a:xfrm>
             <a:off x="1395000" y="3826080"/>
-            <a:ext cx="2923200" cy="272880"/>
+            <a:ext cx="2922840" cy="272520"/>
           </a:xfrm>
           <a:prstGeom prst="rect">
             <a:avLst/>
@@ -4444,6 +4349,7 @@
                   </a:solidFill>
                 </a:uFill>
                 <a:latin typeface="Garamond"/>
+                <a:ea typeface="DejaVu Sans"/>
               </a:rPr>
               <a:t>You are here</a:t>
             </a:r>
@@ -4463,14 +4369,14 @@
       </p:sp>
       <p:sp>
         <p:nvSpPr>
-          <p:cNvPr id="96" name="CustomShape 6"/>
+          <p:cNvPr id="93" name="CustomShape 6"/>
           <p:cNvSpPr/>
           <p:nvPr/>
         </p:nvSpPr>
         <p:spPr>
           <a:xfrm>
             <a:off x="5175720" y="239400"/>
-            <a:ext cx="2875680" cy="456120"/>
+            <a:ext cx="2875320" cy="455760"/>
           </a:xfrm>
           <a:prstGeom prst="rect">
             <a:avLst/>
@@ -4505,6 +4411,7 @@
                   </a:solidFill>
                 </a:uFill>
                 <a:latin typeface="Garamond"/>
+                <a:ea typeface="DejaVu Sans"/>
               </a:rPr>
               <a:t>Play with the design </a:t>
             </a:r>
@@ -4524,14 +4431,14 @@
       </p:sp>
       <p:sp>
         <p:nvSpPr>
-          <p:cNvPr id="97" name="CustomShape 7"/>
+          <p:cNvPr id="94" name="CustomShape 7"/>
           <p:cNvSpPr/>
           <p:nvPr/>
         </p:nvSpPr>
         <p:spPr>
           <a:xfrm>
             <a:off x="9028080" y="249840"/>
-            <a:ext cx="2546280" cy="456120"/>
+            <a:ext cx="2545920" cy="455760"/>
           </a:xfrm>
           <a:prstGeom prst="rect">
             <a:avLst/>
@@ -4566,6 +4473,7 @@
                   </a:solidFill>
                 </a:uFill>
                 <a:latin typeface="Garamond"/>
+                <a:ea typeface="DejaVu Sans"/>
               </a:rPr>
               <a:t>Create something </a:t>
             </a:r>

--- a/Docs/Presentations/Slides/#3.pptx
+++ b/Docs/Presentations/Slides/#3.pptx
@@ -1,24 +1,452 @@
 
 <file path=ppt/presentation.xml><?xml version="1.0" encoding="utf-8"?>
-<p:presentation xmlns:a="http://schemas.openxmlformats.org/drawingml/2006/main" xmlns:p="http://schemas.openxmlformats.org/presentationml/2006/main" xmlns:r="http://schemas.openxmlformats.org/officeDocument/2006/relationships" xmlns:p14="http://schemas.microsoft.com/office/powerpoint/2010/main" xmlns:p15="http://schemas.microsoft.com/office/powerpoint/2012/main" xmlns:mc="http://schemas.openxmlformats.org/markup-compatibility/2006">
+<p:presentation xmlns:a="http://schemas.openxmlformats.org/drawingml/2006/main" xmlns:r="http://schemas.openxmlformats.org/officeDocument/2006/relationships" xmlns:p="http://schemas.openxmlformats.org/presentationml/2006/main">
   <p:sldMasterIdLst>
-    <p:sldMasterId id="2147483648" r:id="rId2"/>
+    <p:sldMasterId id="2147483648" r:id="rId1"/>
   </p:sldMasterIdLst>
   <p:notesMasterIdLst>
-    <p:notesMasterId r:id="rId3"/>
+    <p:notesMasterId r:id="rId5"/>
   </p:notesMasterIdLst>
   <p:sldIdLst>
-    <p:sldId id="256" r:id="rId4"/>
-    <p:sldId id="257" r:id="rId5"/>
-    <p:sldId id="258" r:id="rId6"/>
+    <p:sldId id="256" r:id="rId2"/>
+    <p:sldId id="257" r:id="rId3"/>
+    <p:sldId id="258" r:id="rId4"/>
   </p:sldIdLst>
   <p:sldSz cx="12192000" cy="6858000"/>
   <p:notesSz cx="6858000" cy="9144000"/>
+  <p:defaultTextStyle>
+    <a:defPPr>
+      <a:defRPr lang="en-US"/>
+    </a:defPPr>
+    <a:lvl1pPr marL="0" algn="l" defTabSz="914400" rtl="0" eaLnBrk="1" latinLnBrk="0" hangingPunct="1">
+      <a:defRPr sz="1800" kern="1200">
+        <a:solidFill>
+          <a:schemeClr val="tx1"/>
+        </a:solidFill>
+        <a:latin typeface="+mn-lt"/>
+        <a:ea typeface="+mn-ea"/>
+        <a:cs typeface="+mn-cs"/>
+      </a:defRPr>
+    </a:lvl1pPr>
+    <a:lvl2pPr marL="457200" algn="l" defTabSz="914400" rtl="0" eaLnBrk="1" latinLnBrk="0" hangingPunct="1">
+      <a:defRPr sz="1800" kern="1200">
+        <a:solidFill>
+          <a:schemeClr val="tx1"/>
+        </a:solidFill>
+        <a:latin typeface="+mn-lt"/>
+        <a:ea typeface="+mn-ea"/>
+        <a:cs typeface="+mn-cs"/>
+      </a:defRPr>
+    </a:lvl2pPr>
+    <a:lvl3pPr marL="914400" algn="l" defTabSz="914400" rtl="0" eaLnBrk="1" latinLnBrk="0" hangingPunct="1">
+      <a:defRPr sz="1800" kern="1200">
+        <a:solidFill>
+          <a:schemeClr val="tx1"/>
+        </a:solidFill>
+        <a:latin typeface="+mn-lt"/>
+        <a:ea typeface="+mn-ea"/>
+        <a:cs typeface="+mn-cs"/>
+      </a:defRPr>
+    </a:lvl3pPr>
+    <a:lvl4pPr marL="1371600" algn="l" defTabSz="914400" rtl="0" eaLnBrk="1" latinLnBrk="0" hangingPunct="1">
+      <a:defRPr sz="1800" kern="1200">
+        <a:solidFill>
+          <a:schemeClr val="tx1"/>
+        </a:solidFill>
+        <a:latin typeface="+mn-lt"/>
+        <a:ea typeface="+mn-ea"/>
+        <a:cs typeface="+mn-cs"/>
+      </a:defRPr>
+    </a:lvl4pPr>
+    <a:lvl5pPr marL="1828800" algn="l" defTabSz="914400" rtl="0" eaLnBrk="1" latinLnBrk="0" hangingPunct="1">
+      <a:defRPr sz="1800" kern="1200">
+        <a:solidFill>
+          <a:schemeClr val="tx1"/>
+        </a:solidFill>
+        <a:latin typeface="+mn-lt"/>
+        <a:ea typeface="+mn-ea"/>
+        <a:cs typeface="+mn-cs"/>
+      </a:defRPr>
+    </a:lvl5pPr>
+    <a:lvl6pPr marL="2286000" algn="l" defTabSz="914400" rtl="0" eaLnBrk="1" latinLnBrk="0" hangingPunct="1">
+      <a:defRPr sz="1800" kern="1200">
+        <a:solidFill>
+          <a:schemeClr val="tx1"/>
+        </a:solidFill>
+        <a:latin typeface="+mn-lt"/>
+        <a:ea typeface="+mn-ea"/>
+        <a:cs typeface="+mn-cs"/>
+      </a:defRPr>
+    </a:lvl6pPr>
+    <a:lvl7pPr marL="2743200" algn="l" defTabSz="914400" rtl="0" eaLnBrk="1" latinLnBrk="0" hangingPunct="1">
+      <a:defRPr sz="1800" kern="1200">
+        <a:solidFill>
+          <a:schemeClr val="tx1"/>
+        </a:solidFill>
+        <a:latin typeface="+mn-lt"/>
+        <a:ea typeface="+mn-ea"/>
+        <a:cs typeface="+mn-cs"/>
+      </a:defRPr>
+    </a:lvl7pPr>
+    <a:lvl8pPr marL="3200400" algn="l" defTabSz="914400" rtl="0" eaLnBrk="1" latinLnBrk="0" hangingPunct="1">
+      <a:defRPr sz="1800" kern="1200">
+        <a:solidFill>
+          <a:schemeClr val="tx1"/>
+        </a:solidFill>
+        <a:latin typeface="+mn-lt"/>
+        <a:ea typeface="+mn-ea"/>
+        <a:cs typeface="+mn-cs"/>
+      </a:defRPr>
+    </a:lvl8pPr>
+    <a:lvl9pPr marL="3657600" algn="l" defTabSz="914400" rtl="0" eaLnBrk="1" latinLnBrk="0" hangingPunct="1">
+      <a:defRPr sz="1800" kern="1200">
+        <a:solidFill>
+          <a:schemeClr val="tx1"/>
+        </a:solidFill>
+        <a:latin typeface="+mn-lt"/>
+        <a:ea typeface="+mn-ea"/>
+        <a:cs typeface="+mn-cs"/>
+      </a:defRPr>
+    </a:lvl9pPr>
+  </p:defaultTextStyle>
 </p:presentation>
 </file>
 
 <file path=ppt/notesMasters/notesMaster1.xml><?xml version="1.0" encoding="utf-8"?>
-<p:notesMaster xmlns:a="http://schemas.openxmlformats.org/drawingml/2006/main" xmlns:p="http://schemas.openxmlformats.org/presentationml/2006/main" xmlns:r="http://schemas.openxmlformats.org/officeDocument/2006/relationships" xmlns:p14="http://schemas.microsoft.com/office/powerpoint/2010/main" xmlns:p15="http://schemas.microsoft.com/office/powerpoint/2012/main" xmlns:mc="http://schemas.openxmlformats.org/markup-compatibility/2006">
+<p:notesMaster xmlns:a="http://schemas.openxmlformats.org/drawingml/2006/main" xmlns:r="http://schemas.openxmlformats.org/officeDocument/2006/relationships" xmlns:p="http://schemas.openxmlformats.org/presentationml/2006/main">
+  <p:cSld>
+    <p:bg>
+      <p:bgRef idx="1001">
+        <a:schemeClr val="bg1"/>
+      </p:bgRef>
+    </p:bg>
+    <p:spTree>
+      <p:nvGrpSpPr>
+        <p:cNvPr id="1" name=""/>
+        <p:cNvGrpSpPr/>
+        <p:nvPr/>
+      </p:nvGrpSpPr>
+      <p:grpSpPr>
+        <a:xfrm>
+          <a:off x="0" y="0"/>
+          <a:ext cx="0" cy="0"/>
+          <a:chOff x="0" y="0"/>
+          <a:chExt cx="0" cy="0"/>
+        </a:xfrm>
+      </p:grpSpPr>
+      <p:sp>
+        <p:nvSpPr>
+          <p:cNvPr id="38" name="PlaceHolder 1"/>
+          <p:cNvSpPr>
+            <a:spLocks noGrp="1"/>
+          </p:cNvSpPr>
+          <p:nvPr>
+            <p:ph type="body"/>
+          </p:nvPr>
+        </p:nvSpPr>
+        <p:spPr>
+          <a:xfrm>
+            <a:off x="777240" y="4777560"/>
+            <a:ext cx="6217560" cy="4525920"/>
+          </a:xfrm>
+          <a:prstGeom prst="rect">
+            <a:avLst/>
+          </a:prstGeom>
+        </p:spPr>
+        <p:txBody>
+          <a:bodyPr lIns="0" tIns="0" rIns="0" bIns="0"/>
+          <a:lstStyle/>
+          <a:p>
+            <a:r>
+              <a:rPr lang="en-US" sz="2000" b="0" strike="noStrike" spc="-1">
+                <a:solidFill>
+                  <a:srgbClr val="000000"/>
+                </a:solidFill>
+                <a:uFill>
+                  <a:solidFill>
+                    <a:srgbClr val="FFFFFF"/>
+                  </a:solidFill>
+                </a:uFill>
+                <a:latin typeface="Arial"/>
+              </a:rPr>
+              <a:t>Click to edit the notes format</a:t>
+            </a:r>
+          </a:p>
+        </p:txBody>
+      </p:sp>
+      <p:sp>
+        <p:nvSpPr>
+          <p:cNvPr id="39" name="PlaceHolder 2"/>
+          <p:cNvSpPr>
+            <a:spLocks noGrp="1"/>
+          </p:cNvSpPr>
+          <p:nvPr>
+            <p:ph type="hdr"/>
+          </p:nvPr>
+        </p:nvSpPr>
+        <p:spPr>
+          <a:xfrm>
+            <a:off x="0" y="0"/>
+            <a:ext cx="3372840" cy="502560"/>
+          </a:xfrm>
+          <a:prstGeom prst="rect">
+            <a:avLst/>
+          </a:prstGeom>
+        </p:spPr>
+        <p:txBody>
+          <a:bodyPr lIns="0" tIns="0" rIns="0" bIns="0"/>
+          <a:lstStyle/>
+          <a:p>
+            <a:r>
+              <a:rPr lang="en-US" sz="1400" b="0" strike="noStrike" spc="-1">
+                <a:solidFill>
+                  <a:srgbClr val="000000"/>
+                </a:solidFill>
+                <a:uFill>
+                  <a:solidFill>
+                    <a:srgbClr val="FFFFFF"/>
+                  </a:solidFill>
+                </a:uFill>
+                <a:latin typeface="Times New Roman"/>
+              </a:rPr>
+              <a:t>&lt;header&gt;</a:t>
+            </a:r>
+          </a:p>
+        </p:txBody>
+      </p:sp>
+      <p:sp>
+        <p:nvSpPr>
+          <p:cNvPr id="40" name="PlaceHolder 3"/>
+          <p:cNvSpPr>
+            <a:spLocks noGrp="1"/>
+          </p:cNvSpPr>
+          <p:nvPr>
+            <p:ph type="dt"/>
+          </p:nvPr>
+        </p:nvSpPr>
+        <p:spPr>
+          <a:xfrm>
+            <a:off x="4399200" y="0"/>
+            <a:ext cx="3372840" cy="502560"/>
+          </a:xfrm>
+          <a:prstGeom prst="rect">
+            <a:avLst/>
+          </a:prstGeom>
+        </p:spPr>
+        <p:txBody>
+          <a:bodyPr lIns="0" tIns="0" rIns="0" bIns="0"/>
+          <a:lstStyle/>
+          <a:p>
+            <a:pPr algn="r"/>
+            <a:r>
+              <a:rPr lang="en-US" sz="1400" b="0" strike="noStrike" spc="-1">
+                <a:solidFill>
+                  <a:srgbClr val="000000"/>
+                </a:solidFill>
+                <a:uFill>
+                  <a:solidFill>
+                    <a:srgbClr val="FFFFFF"/>
+                  </a:solidFill>
+                </a:uFill>
+                <a:latin typeface="Times New Roman"/>
+              </a:rPr>
+              <a:t>&lt;date/time&gt;</a:t>
+            </a:r>
+          </a:p>
+        </p:txBody>
+      </p:sp>
+      <p:sp>
+        <p:nvSpPr>
+          <p:cNvPr id="41" name="PlaceHolder 4"/>
+          <p:cNvSpPr>
+            <a:spLocks noGrp="1"/>
+          </p:cNvSpPr>
+          <p:nvPr>
+            <p:ph type="ftr"/>
+          </p:nvPr>
+        </p:nvSpPr>
+        <p:spPr>
+          <a:xfrm>
+            <a:off x="0" y="9555480"/>
+            <a:ext cx="3372840" cy="502560"/>
+          </a:xfrm>
+          <a:prstGeom prst="rect">
+            <a:avLst/>
+          </a:prstGeom>
+        </p:spPr>
+        <p:txBody>
+          <a:bodyPr lIns="0" tIns="0" rIns="0" bIns="0" anchor="b"/>
+          <a:lstStyle/>
+          <a:p>
+            <a:r>
+              <a:rPr lang="en-US" sz="1400" b="0" strike="noStrike" spc="-1">
+                <a:solidFill>
+                  <a:srgbClr val="000000"/>
+                </a:solidFill>
+                <a:uFill>
+                  <a:solidFill>
+                    <a:srgbClr val="FFFFFF"/>
+                  </a:solidFill>
+                </a:uFill>
+                <a:latin typeface="Times New Roman"/>
+              </a:rPr>
+              <a:t>&lt;footer&gt;</a:t>
+            </a:r>
+          </a:p>
+        </p:txBody>
+      </p:sp>
+      <p:sp>
+        <p:nvSpPr>
+          <p:cNvPr id="42" name="PlaceHolder 5"/>
+          <p:cNvSpPr>
+            <a:spLocks noGrp="1"/>
+          </p:cNvSpPr>
+          <p:nvPr>
+            <p:ph type="sldNum"/>
+          </p:nvPr>
+        </p:nvSpPr>
+        <p:spPr>
+          <a:xfrm>
+            <a:off x="4399200" y="9555480"/>
+            <a:ext cx="3372840" cy="502560"/>
+          </a:xfrm>
+          <a:prstGeom prst="rect">
+            <a:avLst/>
+          </a:prstGeom>
+        </p:spPr>
+        <p:txBody>
+          <a:bodyPr lIns="0" tIns="0" rIns="0" bIns="0" anchor="b"/>
+          <a:lstStyle/>
+          <a:p>
+            <a:pPr algn="r"/>
+            <a:fld id="{FB2F0804-3858-40C2-BA42-8AC797B5C0D2}" type="slidenum">
+              <a:rPr lang="en-US" sz="1400" b="0" strike="noStrike" spc="-1">
+                <a:solidFill>
+                  <a:srgbClr val="000000"/>
+                </a:solidFill>
+                <a:uFill>
+                  <a:solidFill>
+                    <a:srgbClr val="FFFFFF"/>
+                  </a:solidFill>
+                </a:uFill>
+                <a:latin typeface="Times New Roman"/>
+              </a:rPr>
+              <a:t>‹#›</a:t>
+            </a:fld>
+            <a:endParaRPr lang="en-US" sz="1400" b="0" strike="noStrike" spc="-1">
+              <a:solidFill>
+                <a:srgbClr val="000000"/>
+              </a:solidFill>
+              <a:uFill>
+                <a:solidFill>
+                  <a:srgbClr val="FFFFFF"/>
+                </a:solidFill>
+              </a:uFill>
+              <a:latin typeface="Times New Roman"/>
+            </a:endParaRPr>
+          </a:p>
+        </p:txBody>
+      </p:sp>
+    </p:spTree>
+  </p:cSld>
+  <p:clrMap bg1="lt1" tx1="dk1" bg2="lt2" tx2="dk2" accent1="accent1" accent2="accent2" accent3="accent3" accent4="accent4" accent5="accent5" accent6="accent6" hlink="hlink" folHlink="folHlink"/>
+  <p:notesStyle>
+    <a:lvl1pPr marL="0" algn="l" defTabSz="914400" rtl="0" eaLnBrk="1" latinLnBrk="0" hangingPunct="1">
+      <a:defRPr sz="1200" kern="1200">
+        <a:solidFill>
+          <a:schemeClr val="tx1"/>
+        </a:solidFill>
+        <a:latin typeface="+mn-lt"/>
+        <a:ea typeface="+mn-ea"/>
+        <a:cs typeface="+mn-cs"/>
+      </a:defRPr>
+    </a:lvl1pPr>
+    <a:lvl2pPr marL="457200" algn="l" defTabSz="914400" rtl="0" eaLnBrk="1" latinLnBrk="0" hangingPunct="1">
+      <a:defRPr sz="1200" kern="1200">
+        <a:solidFill>
+          <a:schemeClr val="tx1"/>
+        </a:solidFill>
+        <a:latin typeface="+mn-lt"/>
+        <a:ea typeface="+mn-ea"/>
+        <a:cs typeface="+mn-cs"/>
+      </a:defRPr>
+    </a:lvl2pPr>
+    <a:lvl3pPr marL="914400" algn="l" defTabSz="914400" rtl="0" eaLnBrk="1" latinLnBrk="0" hangingPunct="1">
+      <a:defRPr sz="1200" kern="1200">
+        <a:solidFill>
+          <a:schemeClr val="tx1"/>
+        </a:solidFill>
+        <a:latin typeface="+mn-lt"/>
+        <a:ea typeface="+mn-ea"/>
+        <a:cs typeface="+mn-cs"/>
+      </a:defRPr>
+    </a:lvl3pPr>
+    <a:lvl4pPr marL="1371600" algn="l" defTabSz="914400" rtl="0" eaLnBrk="1" latinLnBrk="0" hangingPunct="1">
+      <a:defRPr sz="1200" kern="1200">
+        <a:solidFill>
+          <a:schemeClr val="tx1"/>
+        </a:solidFill>
+        <a:latin typeface="+mn-lt"/>
+        <a:ea typeface="+mn-ea"/>
+        <a:cs typeface="+mn-cs"/>
+      </a:defRPr>
+    </a:lvl4pPr>
+    <a:lvl5pPr marL="1828800" algn="l" defTabSz="914400" rtl="0" eaLnBrk="1" latinLnBrk="0" hangingPunct="1">
+      <a:defRPr sz="1200" kern="1200">
+        <a:solidFill>
+          <a:schemeClr val="tx1"/>
+        </a:solidFill>
+        <a:latin typeface="+mn-lt"/>
+        <a:ea typeface="+mn-ea"/>
+        <a:cs typeface="+mn-cs"/>
+      </a:defRPr>
+    </a:lvl5pPr>
+    <a:lvl6pPr marL="2286000" algn="l" defTabSz="914400" rtl="0" eaLnBrk="1" latinLnBrk="0" hangingPunct="1">
+      <a:defRPr sz="1200" kern="1200">
+        <a:solidFill>
+          <a:schemeClr val="tx1"/>
+        </a:solidFill>
+        <a:latin typeface="+mn-lt"/>
+        <a:ea typeface="+mn-ea"/>
+        <a:cs typeface="+mn-cs"/>
+      </a:defRPr>
+    </a:lvl6pPr>
+    <a:lvl7pPr marL="2743200" algn="l" defTabSz="914400" rtl="0" eaLnBrk="1" latinLnBrk="0" hangingPunct="1">
+      <a:defRPr sz="1200" kern="1200">
+        <a:solidFill>
+          <a:schemeClr val="tx1"/>
+        </a:solidFill>
+        <a:latin typeface="+mn-lt"/>
+        <a:ea typeface="+mn-ea"/>
+        <a:cs typeface="+mn-cs"/>
+      </a:defRPr>
+    </a:lvl7pPr>
+    <a:lvl8pPr marL="3200400" algn="l" defTabSz="914400" rtl="0" eaLnBrk="1" latinLnBrk="0" hangingPunct="1">
+      <a:defRPr sz="1200" kern="1200">
+        <a:solidFill>
+          <a:schemeClr val="tx1"/>
+        </a:solidFill>
+        <a:latin typeface="+mn-lt"/>
+        <a:ea typeface="+mn-ea"/>
+        <a:cs typeface="+mn-cs"/>
+      </a:defRPr>
+    </a:lvl8pPr>
+    <a:lvl9pPr marL="3657600" algn="l" defTabSz="914400" rtl="0" eaLnBrk="1" latinLnBrk="0" hangingPunct="1">
+      <a:defRPr sz="1200" kern="1200">
+        <a:solidFill>
+          <a:schemeClr val="tx1"/>
+        </a:solidFill>
+        <a:latin typeface="+mn-lt"/>
+        <a:ea typeface="+mn-ea"/>
+        <a:cs typeface="+mn-cs"/>
+      </a:defRPr>
+    </a:lvl9pPr>
+  </p:notesStyle>
+</p:notesMaster>
+</file>
+
+<file path=ppt/notesSlides/notesSlide1.xml><?xml version="1.0" encoding="utf-8"?>
+<p:notes xmlns:a="http://schemas.openxmlformats.org/drawingml/2006/main" xmlns:r="http://schemas.openxmlformats.org/officeDocument/2006/relationships" xmlns:p="http://schemas.openxmlformats.org/presentationml/2006/main">
   <p:cSld>
     <p:spTree>
       <p:nvGrpSpPr>
@@ -36,7 +464,7 @@
       </p:grpSpPr>
       <p:sp>
         <p:nvSpPr>
-          <p:cNvPr id="38" name="PlaceHolder 1"/>
+          <p:cNvPr id="95" name="PlaceHolder 1"/>
           <p:cNvSpPr>
             <a:spLocks noGrp="1"/>
           </p:cNvSpPr>
@@ -46,37 +474,24 @@
         </p:nvSpPr>
         <p:spPr>
           <a:xfrm>
-            <a:off x="777240" y="4777560"/>
-            <a:ext cx="6217560" cy="4525920"/>
-          </a:xfrm>
-          <a:prstGeom prst="rect">
-            <a:avLst/>
-          </a:prstGeom>
-        </p:spPr>
-        <p:txBody>
-          <a:bodyPr lIns="0" rIns="0" tIns="0" bIns="0"/>
-          <a:p>
-            <a:r>
-              <a:rPr b="0" lang="en-US" sz="2000" spc="-1" strike="noStrike">
-                <a:solidFill>
-                  <a:srgbClr val="000000"/>
-                </a:solidFill>
-                <a:uFill>
-                  <a:solidFill>
-                    <a:srgbClr val="ffffff"/>
-                  </a:solidFill>
-                </a:uFill>
-                <a:latin typeface="Arial"/>
-              </a:rPr>
-              <a:t>Click to edit the notes format</a:t>
-            </a:r>
-            <a:endParaRPr b="0" lang="en-US" sz="2000" spc="-1" strike="noStrike">
+            <a:off x="685800" y="4400640"/>
+            <a:ext cx="5485680" cy="3599640"/>
+          </a:xfrm>
+          <a:prstGeom prst="rect">
+            <a:avLst/>
+          </a:prstGeom>
+        </p:spPr>
+        <p:txBody>
+          <a:bodyPr lIns="0" tIns="0" rIns="0" bIns="0"/>
+          <a:lstStyle/>
+          <a:p>
+            <a:endParaRPr lang="en-US" sz="2000" b="0" strike="noStrike" spc="-1">
               <a:solidFill>
                 <a:srgbClr val="000000"/>
               </a:solidFill>
               <a:uFill>
                 <a:solidFill>
-                  <a:srgbClr val="ffffff"/>
+                  <a:srgbClr val="FFFFFF"/>
                 </a:solidFill>
               </a:uFill>
               <a:latin typeface="Arial"/>
@@ -86,214 +501,83 @@
       </p:sp>
       <p:sp>
         <p:nvSpPr>
-          <p:cNvPr id="39" name="PlaceHolder 2"/>
-          <p:cNvSpPr>
-            <a:spLocks noGrp="1"/>
-          </p:cNvSpPr>
-          <p:nvPr>
-            <p:ph type="hdr"/>
-          </p:nvPr>
-        </p:nvSpPr>
-        <p:spPr>
-          <a:xfrm>
-            <a:off x="0" y="0"/>
-            <a:ext cx="3372840" cy="502560"/>
-          </a:xfrm>
-          <a:prstGeom prst="rect">
-            <a:avLst/>
-          </a:prstGeom>
-        </p:spPr>
-        <p:txBody>
-          <a:bodyPr lIns="0" rIns="0" tIns="0" bIns="0"/>
-          <a:p>
-            <a:r>
-              <a:rPr b="0" lang="en-US" sz="1400" spc="-1" strike="noStrike">
+          <p:cNvPr id="96" name="CustomShape 2"/>
+          <p:cNvSpPr/>
+          <p:nvPr/>
+        </p:nvSpPr>
+        <p:spPr>
+          <a:xfrm>
+            <a:off x="3884760" y="8685360"/>
+            <a:ext cx="2971080" cy="457920"/>
+          </a:xfrm>
+          <a:prstGeom prst="rect">
+            <a:avLst/>
+          </a:prstGeom>
+          <a:noFill/>
+          <a:ln>
+            <a:noFill/>
+          </a:ln>
+        </p:spPr>
+        <p:style>
+          <a:lnRef idx="0">
+            <a:scrgbClr r="0" g="0" b="0"/>
+          </a:lnRef>
+          <a:fillRef idx="0">
+            <a:scrgbClr r="0" g="0" b="0"/>
+          </a:fillRef>
+          <a:effectRef idx="0">
+            <a:scrgbClr r="0" g="0" b="0"/>
+          </a:effectRef>
+          <a:fontRef idx="minor"/>
+        </p:style>
+        <p:txBody>
+          <a:bodyPr lIns="90000" tIns="45000" rIns="90000" bIns="45000" anchor="b"/>
+          <a:lstStyle/>
+          <a:p>
+            <a:pPr algn="r">
+              <a:lnSpc>
+                <a:spcPct val="100000"/>
+              </a:lnSpc>
+            </a:pPr>
+            <a:fld id="{5989C4AB-8C6E-4DB7-99E1-699619741AB8}" type="slidenum">
+              <a:rPr lang="en-US" sz="1200" b="0" strike="noStrike" spc="-1">
                 <a:solidFill>
                   <a:srgbClr val="000000"/>
                 </a:solidFill>
                 <a:uFill>
                   <a:solidFill>
-                    <a:srgbClr val="ffffff"/>
+                    <a:srgbClr val="FFFFFF"/>
                   </a:solidFill>
                 </a:uFill>
-                <a:latin typeface="Times New Roman"/>
+                <a:latin typeface="+mn-lt"/>
+                <a:ea typeface="+mn-ea"/>
               </a:rPr>
-              <a:t>&lt;header&gt;</a:t>
-            </a:r>
-            <a:endParaRPr b="0" lang="en-US" sz="1400" spc="-1" strike="noStrike">
+              <a:t>1</a:t>
+            </a:fld>
+            <a:endParaRPr lang="en-US" sz="1200" b="0" strike="noStrike" spc="-1">
               <a:solidFill>
                 <a:srgbClr val="000000"/>
               </a:solidFill>
               <a:uFill>
                 <a:solidFill>
-                  <a:srgbClr val="ffffff"/>
+                  <a:srgbClr val="FFFFFF"/>
                 </a:solidFill>
               </a:uFill>
-              <a:latin typeface="Times New Roman"/>
-            </a:endParaRPr>
-          </a:p>
-        </p:txBody>
-      </p:sp>
-      <p:sp>
-        <p:nvSpPr>
-          <p:cNvPr id="40" name="PlaceHolder 3"/>
-          <p:cNvSpPr>
-            <a:spLocks noGrp="1"/>
-          </p:cNvSpPr>
-          <p:nvPr>
-            <p:ph type="dt"/>
-          </p:nvPr>
-        </p:nvSpPr>
-        <p:spPr>
-          <a:xfrm>
-            <a:off x="4399200" y="0"/>
-            <a:ext cx="3372840" cy="502560"/>
-          </a:xfrm>
-          <a:prstGeom prst="rect">
-            <a:avLst/>
-          </a:prstGeom>
-        </p:spPr>
-        <p:txBody>
-          <a:bodyPr lIns="0" rIns="0" tIns="0" bIns="0"/>
-          <a:p>
-            <a:pPr algn="r"/>
-            <a:r>
-              <a:rPr b="0" lang="en-US" sz="1400" spc="-1" strike="noStrike">
-                <a:solidFill>
-                  <a:srgbClr val="000000"/>
-                </a:solidFill>
-                <a:uFill>
-                  <a:solidFill>
-                    <a:srgbClr val="ffffff"/>
-                  </a:solidFill>
-                </a:uFill>
-                <a:latin typeface="Times New Roman"/>
-              </a:rPr>
-              <a:t>&lt;date/time&gt;</a:t>
-            </a:r>
-            <a:endParaRPr b="0" lang="en-US" sz="1400" spc="-1" strike="noStrike">
-              <a:solidFill>
-                <a:srgbClr val="000000"/>
-              </a:solidFill>
-              <a:uFill>
-                <a:solidFill>
-                  <a:srgbClr val="ffffff"/>
-                </a:solidFill>
-              </a:uFill>
-              <a:latin typeface="Times New Roman"/>
-            </a:endParaRPr>
-          </a:p>
-        </p:txBody>
-      </p:sp>
-      <p:sp>
-        <p:nvSpPr>
-          <p:cNvPr id="41" name="PlaceHolder 4"/>
-          <p:cNvSpPr>
-            <a:spLocks noGrp="1"/>
-          </p:cNvSpPr>
-          <p:nvPr>
-            <p:ph type="ftr"/>
-          </p:nvPr>
-        </p:nvSpPr>
-        <p:spPr>
-          <a:xfrm>
-            <a:off x="0" y="9555480"/>
-            <a:ext cx="3372840" cy="502560"/>
-          </a:xfrm>
-          <a:prstGeom prst="rect">
-            <a:avLst/>
-          </a:prstGeom>
-        </p:spPr>
-        <p:txBody>
-          <a:bodyPr lIns="0" rIns="0" tIns="0" bIns="0" anchor="b"/>
-          <a:p>
-            <a:r>
-              <a:rPr b="0" lang="en-US" sz="1400" spc="-1" strike="noStrike">
-                <a:solidFill>
-                  <a:srgbClr val="000000"/>
-                </a:solidFill>
-                <a:uFill>
-                  <a:solidFill>
-                    <a:srgbClr val="ffffff"/>
-                  </a:solidFill>
-                </a:uFill>
-                <a:latin typeface="Times New Roman"/>
-              </a:rPr>
-              <a:t>&lt;footer&gt;</a:t>
-            </a:r>
-            <a:endParaRPr b="0" lang="en-US" sz="1400" spc="-1" strike="noStrike">
-              <a:solidFill>
-                <a:srgbClr val="000000"/>
-              </a:solidFill>
-              <a:uFill>
-                <a:solidFill>
-                  <a:srgbClr val="ffffff"/>
-                </a:solidFill>
-              </a:uFill>
-              <a:latin typeface="Times New Roman"/>
-            </a:endParaRPr>
-          </a:p>
-        </p:txBody>
-      </p:sp>
-      <p:sp>
-        <p:nvSpPr>
-          <p:cNvPr id="42" name="PlaceHolder 5"/>
-          <p:cNvSpPr>
-            <a:spLocks noGrp="1"/>
-          </p:cNvSpPr>
-          <p:nvPr>
-            <p:ph type="sldNum"/>
-          </p:nvPr>
-        </p:nvSpPr>
-        <p:spPr>
-          <a:xfrm>
-            <a:off x="4399200" y="9555480"/>
-            <a:ext cx="3372840" cy="502560"/>
-          </a:xfrm>
-          <a:prstGeom prst="rect">
-            <a:avLst/>
-          </a:prstGeom>
-        </p:spPr>
-        <p:txBody>
-          <a:bodyPr lIns="0" rIns="0" tIns="0" bIns="0" anchor="b"/>
-          <a:p>
-            <a:pPr algn="r"/>
-            <a:fld id="{FB2F0804-3858-40C2-BA42-8AC797B5C0D2}" type="slidenum">
-              <a:rPr b="0" lang="en-US" sz="1400" spc="-1" strike="noStrike">
-                <a:solidFill>
-                  <a:srgbClr val="000000"/>
-                </a:solidFill>
-                <a:uFill>
-                  <a:solidFill>
-                    <a:srgbClr val="ffffff"/>
-                  </a:solidFill>
-                </a:uFill>
-                <a:latin typeface="Times New Roman"/>
-              </a:rPr>
-              <a:t>&lt;number&gt;</a:t>
-            </a:fld>
-            <a:endParaRPr b="0" lang="en-US" sz="1400" spc="-1" strike="noStrike">
-              <a:solidFill>
-                <a:srgbClr val="000000"/>
-              </a:solidFill>
-              <a:uFill>
-                <a:solidFill>
-                  <a:srgbClr val="ffffff"/>
-                </a:solidFill>
-              </a:uFill>
-              <a:latin typeface="Times New Roman"/>
+              <a:latin typeface="Arial"/>
             </a:endParaRPr>
           </a:p>
         </p:txBody>
       </p:sp>
     </p:spTree>
   </p:cSld>
-  <p:clrMap bg1="lt1" bg2="lt2" tx1="dk1" tx2="dk2" accent1="accent1" accent2="accent2" accent3="accent3" accent4="accent4" accent5="accent5" accent6="accent6" hlink="hlink" folHlink="folHlink"/>
-</p:notesMaster>
+  <p:clrMapOvr>
+    <a:masterClrMapping/>
+  </p:clrMapOvr>
+</p:notes>
 </file>
 
-<file path=ppt/notesSlides/notesSlide1.xml><?xml version="1.0" encoding="utf-8"?>
-<p:notes xmlns:a="http://schemas.openxmlformats.org/drawingml/2006/main" xmlns:p="http://schemas.openxmlformats.org/presentationml/2006/main" xmlns:r="http://schemas.openxmlformats.org/officeDocument/2006/relationships" xmlns:p14="http://schemas.microsoft.com/office/powerpoint/2010/main" xmlns:p15="http://schemas.microsoft.com/office/powerpoint/2012/main" xmlns:mc="http://schemas.openxmlformats.org/markup-compatibility/2006">
+<file path=ppt/notesSlides/notesSlide2.xml><?xml version="1.0" encoding="utf-8"?>
+<p:notes xmlns:a="http://schemas.openxmlformats.org/drawingml/2006/main" xmlns:r="http://schemas.openxmlformats.org/officeDocument/2006/relationships" xmlns:p="http://schemas.openxmlformats.org/presentationml/2006/main">
   <p:cSld>
     <p:spTree>
       <p:nvGrpSpPr>
@@ -311,7 +595,7 @@
       </p:grpSpPr>
       <p:sp>
         <p:nvSpPr>
-          <p:cNvPr id="95" name="PlaceHolder 1"/>
+          <p:cNvPr id="97" name="PlaceHolder 1"/>
           <p:cNvSpPr>
             <a:spLocks noGrp="1"/>
           </p:cNvSpPr>
@@ -329,15 +613,16 @@
           </a:prstGeom>
         </p:spPr>
         <p:txBody>
-          <a:bodyPr lIns="0" rIns="0" tIns="0" bIns="0"/>
-          <a:p>
-            <a:endParaRPr b="0" lang="en-US" sz="2000" spc="-1" strike="noStrike">
+          <a:bodyPr lIns="0" tIns="0" rIns="0" bIns="0"/>
+          <a:lstStyle/>
+          <a:p>
+            <a:endParaRPr lang="en-US" sz="2000" b="0" strike="noStrike" spc="-1">
               <a:solidFill>
                 <a:srgbClr val="000000"/>
               </a:solidFill>
               <a:uFill>
                 <a:solidFill>
-                  <a:srgbClr val="ffffff"/>
+                  <a:srgbClr val="FFFFFF"/>
                 </a:solidFill>
               </a:uFill>
               <a:latin typeface="Arial"/>
@@ -347,7 +632,7 @@
       </p:sp>
       <p:sp>
         <p:nvSpPr>
-          <p:cNvPr id="96" name="CustomShape 2"/>
+          <p:cNvPr id="98" name="CustomShape 2"/>
           <p:cNvSpPr/>
           <p:nvPr/>
         </p:nvSpPr>
@@ -365,41 +650,48 @@
           </a:ln>
         </p:spPr>
         <p:style>
-          <a:lnRef idx="0"/>
-          <a:fillRef idx="0"/>
-          <a:effectRef idx="0"/>
+          <a:lnRef idx="0">
+            <a:scrgbClr r="0" g="0" b="0"/>
+          </a:lnRef>
+          <a:fillRef idx="0">
+            <a:scrgbClr r="0" g="0" b="0"/>
+          </a:fillRef>
+          <a:effectRef idx="0">
+            <a:scrgbClr r="0" g="0" b="0"/>
+          </a:effectRef>
           <a:fontRef idx="minor"/>
         </p:style>
         <p:txBody>
-          <a:bodyPr lIns="90000" rIns="90000" tIns="45000" bIns="45000" anchor="b"/>
+          <a:bodyPr lIns="90000" tIns="45000" rIns="90000" bIns="45000" anchor="b"/>
+          <a:lstStyle/>
           <a:p>
             <a:pPr algn="r">
               <a:lnSpc>
                 <a:spcPct val="100000"/>
               </a:lnSpc>
             </a:pPr>
-            <a:fld id="{5989C4AB-8C6E-4DB7-99E1-699619741AB8}" type="slidenum">
-              <a:rPr b="0" lang="en-US" sz="1200" spc="-1" strike="noStrike">
+            <a:fld id="{531AE78E-7D7F-4CEB-857D-1D9C1981E2DB}" type="slidenum">
+              <a:rPr lang="en-US" sz="1200" b="0" strike="noStrike" spc="-1">
                 <a:solidFill>
                   <a:srgbClr val="000000"/>
                 </a:solidFill>
                 <a:uFill>
                   <a:solidFill>
-                    <a:srgbClr val="ffffff"/>
+                    <a:srgbClr val="FFFFFF"/>
                   </a:solidFill>
                 </a:uFill>
                 <a:latin typeface="+mn-lt"/>
                 <a:ea typeface="+mn-ea"/>
               </a:rPr>
-              <a:t>&lt;number&gt;</a:t>
+              <a:t>2</a:t>
             </a:fld>
-            <a:endParaRPr b="0" lang="en-US" sz="1200" spc="-1" strike="noStrike">
+            <a:endParaRPr lang="en-US" sz="1200" b="0" strike="noStrike" spc="-1">
               <a:solidFill>
                 <a:srgbClr val="000000"/>
               </a:solidFill>
               <a:uFill>
                 <a:solidFill>
-                  <a:srgbClr val="ffffff"/>
+                  <a:srgbClr val="FFFFFF"/>
                 </a:solidFill>
               </a:uFill>
               <a:latin typeface="Arial"/>
@@ -409,11 +701,14 @@
       </p:sp>
     </p:spTree>
   </p:cSld>
+  <p:clrMapOvr>
+    <a:masterClrMapping/>
+  </p:clrMapOvr>
 </p:notes>
 </file>
 
-<file path=ppt/notesSlides/notesSlide2.xml><?xml version="1.0" encoding="utf-8"?>
-<p:notes xmlns:a="http://schemas.openxmlformats.org/drawingml/2006/main" xmlns:p="http://schemas.openxmlformats.org/presentationml/2006/main" xmlns:r="http://schemas.openxmlformats.org/officeDocument/2006/relationships" xmlns:p14="http://schemas.microsoft.com/office/powerpoint/2010/main" xmlns:p15="http://schemas.microsoft.com/office/powerpoint/2012/main" xmlns:mc="http://schemas.openxmlformats.org/markup-compatibility/2006">
+<file path=ppt/notesSlides/notesSlide3.xml><?xml version="1.0" encoding="utf-8"?>
+<p:notes xmlns:a="http://schemas.openxmlformats.org/drawingml/2006/main" xmlns:r="http://schemas.openxmlformats.org/officeDocument/2006/relationships" xmlns:p="http://schemas.openxmlformats.org/presentationml/2006/main">
   <p:cSld>
     <p:spTree>
       <p:nvGrpSpPr>
@@ -431,126 +726,6 @@
       </p:grpSpPr>
       <p:sp>
         <p:nvSpPr>
-          <p:cNvPr id="97" name="PlaceHolder 1"/>
-          <p:cNvSpPr>
-            <a:spLocks noGrp="1"/>
-          </p:cNvSpPr>
-          <p:nvPr>
-            <p:ph type="body"/>
-          </p:nvPr>
-        </p:nvSpPr>
-        <p:spPr>
-          <a:xfrm>
-            <a:off x="685800" y="4400640"/>
-            <a:ext cx="5485680" cy="3599640"/>
-          </a:xfrm>
-          <a:prstGeom prst="rect">
-            <a:avLst/>
-          </a:prstGeom>
-        </p:spPr>
-        <p:txBody>
-          <a:bodyPr lIns="0" rIns="0" tIns="0" bIns="0"/>
-          <a:p>
-            <a:endParaRPr b="0" lang="en-US" sz="2000" spc="-1" strike="noStrike">
-              <a:solidFill>
-                <a:srgbClr val="000000"/>
-              </a:solidFill>
-              <a:uFill>
-                <a:solidFill>
-                  <a:srgbClr val="ffffff"/>
-                </a:solidFill>
-              </a:uFill>
-              <a:latin typeface="Arial"/>
-            </a:endParaRPr>
-          </a:p>
-        </p:txBody>
-      </p:sp>
-      <p:sp>
-        <p:nvSpPr>
-          <p:cNvPr id="98" name="CustomShape 2"/>
-          <p:cNvSpPr/>
-          <p:nvPr/>
-        </p:nvSpPr>
-        <p:spPr>
-          <a:xfrm>
-            <a:off x="3884760" y="8685360"/>
-            <a:ext cx="2971080" cy="457920"/>
-          </a:xfrm>
-          <a:prstGeom prst="rect">
-            <a:avLst/>
-          </a:prstGeom>
-          <a:noFill/>
-          <a:ln>
-            <a:noFill/>
-          </a:ln>
-        </p:spPr>
-        <p:style>
-          <a:lnRef idx="0"/>
-          <a:fillRef idx="0"/>
-          <a:effectRef idx="0"/>
-          <a:fontRef idx="minor"/>
-        </p:style>
-        <p:txBody>
-          <a:bodyPr lIns="90000" rIns="90000" tIns="45000" bIns="45000" anchor="b"/>
-          <a:p>
-            <a:pPr algn="r">
-              <a:lnSpc>
-                <a:spcPct val="100000"/>
-              </a:lnSpc>
-            </a:pPr>
-            <a:fld id="{531AE78E-7D7F-4CEB-857D-1D9C1981E2DB}" type="slidenum">
-              <a:rPr b="0" lang="en-US" sz="1200" spc="-1" strike="noStrike">
-                <a:solidFill>
-                  <a:srgbClr val="000000"/>
-                </a:solidFill>
-                <a:uFill>
-                  <a:solidFill>
-                    <a:srgbClr val="ffffff"/>
-                  </a:solidFill>
-                </a:uFill>
-                <a:latin typeface="+mn-lt"/>
-                <a:ea typeface="+mn-ea"/>
-              </a:rPr>
-              <a:t>&lt;number&gt;</a:t>
-            </a:fld>
-            <a:endParaRPr b="0" lang="en-US" sz="1200" spc="-1" strike="noStrike">
-              <a:solidFill>
-                <a:srgbClr val="000000"/>
-              </a:solidFill>
-              <a:uFill>
-                <a:solidFill>
-                  <a:srgbClr val="ffffff"/>
-                </a:solidFill>
-              </a:uFill>
-              <a:latin typeface="Arial"/>
-            </a:endParaRPr>
-          </a:p>
-        </p:txBody>
-      </p:sp>
-    </p:spTree>
-  </p:cSld>
-</p:notes>
-</file>
-
-<file path=ppt/notesSlides/notesSlide3.xml><?xml version="1.0" encoding="utf-8"?>
-<p:notes xmlns:a="http://schemas.openxmlformats.org/drawingml/2006/main" xmlns:p="http://schemas.openxmlformats.org/presentationml/2006/main" xmlns:r="http://schemas.openxmlformats.org/officeDocument/2006/relationships" xmlns:p14="http://schemas.microsoft.com/office/powerpoint/2010/main" xmlns:p15="http://schemas.microsoft.com/office/powerpoint/2012/main" xmlns:mc="http://schemas.openxmlformats.org/markup-compatibility/2006">
-  <p:cSld>
-    <p:spTree>
-      <p:nvGrpSpPr>
-        <p:cNvPr id="1" name=""/>
-        <p:cNvGrpSpPr/>
-        <p:nvPr/>
-      </p:nvGrpSpPr>
-      <p:grpSpPr>
-        <a:xfrm>
-          <a:off x="0" y="0"/>
-          <a:ext cx="0" cy="0"/>
-          <a:chOff x="0" y="0"/>
-          <a:chExt cx="0" cy="0"/>
-        </a:xfrm>
-      </p:grpSpPr>
-      <p:sp>
-        <p:nvSpPr>
           <p:cNvPr id="99" name="PlaceHolder 1"/>
           <p:cNvSpPr>
             <a:spLocks noGrp="1"/>
@@ -569,15 +744,16 @@
           </a:prstGeom>
         </p:spPr>
         <p:txBody>
-          <a:bodyPr lIns="0" rIns="0" tIns="0" bIns="0"/>
-          <a:p>
-            <a:endParaRPr b="0" lang="en-US" sz="2000" spc="-1" strike="noStrike">
+          <a:bodyPr lIns="0" tIns="0" rIns="0" bIns="0"/>
+          <a:lstStyle/>
+          <a:p>
+            <a:endParaRPr lang="en-US" sz="2000" b="0" strike="noStrike" spc="-1">
               <a:solidFill>
                 <a:srgbClr val="000000"/>
               </a:solidFill>
               <a:uFill>
                 <a:solidFill>
-                  <a:srgbClr val="ffffff"/>
+                  <a:srgbClr val="FFFFFF"/>
                 </a:solidFill>
               </a:uFill>
               <a:latin typeface="Arial"/>
@@ -605,13 +781,20 @@
           </a:ln>
         </p:spPr>
         <p:style>
-          <a:lnRef idx="0"/>
-          <a:fillRef idx="0"/>
-          <a:effectRef idx="0"/>
+          <a:lnRef idx="0">
+            <a:scrgbClr r="0" g="0" b="0"/>
+          </a:lnRef>
+          <a:fillRef idx="0">
+            <a:scrgbClr r="0" g="0" b="0"/>
+          </a:fillRef>
+          <a:effectRef idx="0">
+            <a:scrgbClr r="0" g="0" b="0"/>
+          </a:effectRef>
           <a:fontRef idx="minor"/>
         </p:style>
         <p:txBody>
-          <a:bodyPr lIns="90000" rIns="90000" tIns="45000" bIns="45000" anchor="b"/>
+          <a:bodyPr lIns="90000" tIns="45000" rIns="90000" bIns="45000" anchor="b"/>
+          <a:lstStyle/>
           <a:p>
             <a:pPr algn="r">
               <a:lnSpc>
@@ -619,27 +802,27 @@
               </a:lnSpc>
             </a:pPr>
             <a:fld id="{9F24E545-DE24-4547-80B6-70D21174A4FA}" type="slidenum">
-              <a:rPr b="0" lang="en-US" sz="1200" spc="-1" strike="noStrike">
+              <a:rPr lang="en-US" sz="1200" b="0" strike="noStrike" spc="-1">
                 <a:solidFill>
                   <a:srgbClr val="000000"/>
                 </a:solidFill>
                 <a:uFill>
                   <a:solidFill>
-                    <a:srgbClr val="ffffff"/>
+                    <a:srgbClr val="FFFFFF"/>
                   </a:solidFill>
                 </a:uFill>
                 <a:latin typeface="+mn-lt"/>
                 <a:ea typeface="+mn-ea"/>
               </a:rPr>
-              <a:t>&lt;number&gt;</a:t>
+              <a:t>3</a:t>
             </a:fld>
-            <a:endParaRPr b="0" lang="en-US" sz="1200" spc="-1" strike="noStrike">
+            <a:endParaRPr lang="en-US" sz="1200" b="0" strike="noStrike" spc="-1">
               <a:solidFill>
                 <a:srgbClr val="000000"/>
               </a:solidFill>
               <a:uFill>
                 <a:solidFill>
-                  <a:srgbClr val="ffffff"/>
+                  <a:srgbClr val="FFFFFF"/>
                 </a:solidFill>
               </a:uFill>
               <a:latin typeface="Arial"/>
@@ -649,11 +832,14 @@
       </p:sp>
     </p:spTree>
   </p:cSld>
+  <p:clrMapOvr>
+    <a:masterClrMapping/>
+  </p:clrMapOvr>
 </p:notes>
 </file>
 
 <file path=ppt/slideLayouts/slideLayout1.xml><?xml version="1.0" encoding="utf-8"?>
-<p:sldLayout xmlns:a="http://schemas.openxmlformats.org/drawingml/2006/main" xmlns:p="http://schemas.openxmlformats.org/presentationml/2006/main" xmlns:r="http://schemas.openxmlformats.org/officeDocument/2006/relationships" xmlns:p14="http://schemas.microsoft.com/office/powerpoint/2010/main" xmlns:p15="http://schemas.microsoft.com/office/powerpoint/2012/main" xmlns:mc="http://schemas.openxmlformats.org/markup-compatibility/2006" type="blank" preserve="1">
+<p:sldLayout xmlns:a="http://schemas.openxmlformats.org/drawingml/2006/main" xmlns:r="http://schemas.openxmlformats.org/officeDocument/2006/relationships" xmlns:p="http://schemas.openxmlformats.org/presentationml/2006/main" type="blank" preserve="1">
   <p:cSld name="Blank Slide">
     <p:spTree>
       <p:nvGrpSpPr>
@@ -671,11 +857,14 @@
       </p:grpSpPr>
     </p:spTree>
   </p:cSld>
+  <p:clrMapOvr>
+    <a:masterClrMapping/>
+  </p:clrMapOvr>
 </p:sldLayout>
 </file>
 
 <file path=ppt/slideLayouts/slideLayout10.xml><?xml version="1.0" encoding="utf-8"?>
-<p:sldLayout xmlns:a="http://schemas.openxmlformats.org/drawingml/2006/main" xmlns:p="http://schemas.openxmlformats.org/presentationml/2006/main" xmlns:r="http://schemas.openxmlformats.org/officeDocument/2006/relationships" xmlns:p14="http://schemas.microsoft.com/office/powerpoint/2010/main" xmlns:p15="http://schemas.microsoft.com/office/powerpoint/2012/main" xmlns:mc="http://schemas.openxmlformats.org/markup-compatibility/2006" type="objOverTx" preserve="1">
+<p:sldLayout xmlns:a="http://schemas.openxmlformats.org/drawingml/2006/main" xmlns:r="http://schemas.openxmlformats.org/officeDocument/2006/relationships" xmlns:p="http://schemas.openxmlformats.org/presentationml/2006/main" type="objOverTx" preserve="1">
   <p:cSld name="Title, Content over Content">
     <p:spTree>
       <p:nvGrpSpPr>
@@ -711,16 +900,17 @@
           </a:prstGeom>
         </p:spPr>
         <p:txBody>
-          <a:bodyPr lIns="0" rIns="0" tIns="0" bIns="0" anchor="ctr"/>
+          <a:bodyPr lIns="0" tIns="0" rIns="0" bIns="0" anchor="ctr"/>
+          <a:lstStyle/>
           <a:p>
             <a:pPr algn="ctr"/>
-            <a:endParaRPr b="0" lang="en-US" sz="4400" spc="-1" strike="noStrike">
+            <a:endParaRPr lang="en-US" sz="4400" b="0" strike="noStrike" spc="-1">
               <a:solidFill>
                 <a:srgbClr val="000000"/>
               </a:solidFill>
               <a:uFill>
                 <a:solidFill>
-                  <a:srgbClr val="ffffff"/>
+                  <a:srgbClr val="FFFFFF"/>
                 </a:solidFill>
               </a:uFill>
               <a:latin typeface="Arial"/>
@@ -748,17 +938,18 @@
           </a:prstGeom>
         </p:spPr>
         <p:txBody>
-          <a:bodyPr lIns="0" rIns="0" tIns="0" bIns="0">
+          <a:bodyPr lIns="0" tIns="0" rIns="0" bIns="0">
             <a:normAutofit/>
           </a:bodyPr>
-          <a:p>
-            <a:endParaRPr b="0" lang="en-US" sz="3200" spc="-1" strike="noStrike">
+          <a:lstStyle/>
+          <a:p>
+            <a:endParaRPr lang="en-US" sz="3200" b="0" strike="noStrike" spc="-1">
               <a:solidFill>
                 <a:srgbClr val="000000"/>
               </a:solidFill>
               <a:uFill>
                 <a:solidFill>
-                  <a:srgbClr val="ffffff"/>
+                  <a:srgbClr val="FFFFFF"/>
                 </a:solidFill>
               </a:uFill>
               <a:latin typeface="Arial"/>
@@ -786,17 +977,18 @@
           </a:prstGeom>
         </p:spPr>
         <p:txBody>
-          <a:bodyPr lIns="0" rIns="0" tIns="0" bIns="0">
+          <a:bodyPr lIns="0" tIns="0" rIns="0" bIns="0">
             <a:normAutofit/>
           </a:bodyPr>
-          <a:p>
-            <a:endParaRPr b="0" lang="en-US" sz="3200" spc="-1" strike="noStrike">
+          <a:lstStyle/>
+          <a:p>
+            <a:endParaRPr lang="en-US" sz="3200" b="0" strike="noStrike" spc="-1">
               <a:solidFill>
                 <a:srgbClr val="000000"/>
               </a:solidFill>
               <a:uFill>
                 <a:solidFill>
-                  <a:srgbClr val="ffffff"/>
+                  <a:srgbClr val="FFFFFF"/>
                 </a:solidFill>
               </a:uFill>
               <a:latin typeface="Arial"/>
@@ -806,11 +998,14 @@
       </p:sp>
     </p:spTree>
   </p:cSld>
+  <p:clrMapOvr>
+    <a:masterClrMapping/>
+  </p:clrMapOvr>
 </p:sldLayout>
 </file>
 
 <file path=ppt/slideLayouts/slideLayout11.xml><?xml version="1.0" encoding="utf-8"?>
-<p:sldLayout xmlns:a="http://schemas.openxmlformats.org/drawingml/2006/main" xmlns:p="http://schemas.openxmlformats.org/presentationml/2006/main" xmlns:r="http://schemas.openxmlformats.org/officeDocument/2006/relationships" xmlns:p14="http://schemas.microsoft.com/office/powerpoint/2010/main" xmlns:p15="http://schemas.microsoft.com/office/powerpoint/2012/main" xmlns:mc="http://schemas.openxmlformats.org/markup-compatibility/2006" type="fourObj" preserve="1">
+<p:sldLayout xmlns:a="http://schemas.openxmlformats.org/drawingml/2006/main" xmlns:r="http://schemas.openxmlformats.org/officeDocument/2006/relationships" xmlns:p="http://schemas.openxmlformats.org/presentationml/2006/main" type="fourObj" preserve="1">
   <p:cSld name="Title, 4 Content">
     <p:spTree>
       <p:nvGrpSpPr>
@@ -846,16 +1041,17 @@
           </a:prstGeom>
         </p:spPr>
         <p:txBody>
-          <a:bodyPr lIns="0" rIns="0" tIns="0" bIns="0" anchor="ctr"/>
+          <a:bodyPr lIns="0" tIns="0" rIns="0" bIns="0" anchor="ctr"/>
+          <a:lstStyle/>
           <a:p>
             <a:pPr algn="ctr"/>
-            <a:endParaRPr b="0" lang="en-US" sz="4400" spc="-1" strike="noStrike">
+            <a:endParaRPr lang="en-US" sz="4400" b="0" strike="noStrike" spc="-1">
               <a:solidFill>
                 <a:srgbClr val="000000"/>
               </a:solidFill>
               <a:uFill>
                 <a:solidFill>
-                  <a:srgbClr val="ffffff"/>
+                  <a:srgbClr val="FFFFFF"/>
                 </a:solidFill>
               </a:uFill>
               <a:latin typeface="Arial"/>
@@ -883,17 +1079,18 @@
           </a:prstGeom>
         </p:spPr>
         <p:txBody>
-          <a:bodyPr lIns="0" rIns="0" tIns="0" bIns="0">
+          <a:bodyPr lIns="0" tIns="0" rIns="0" bIns="0">
             <a:normAutofit/>
           </a:bodyPr>
-          <a:p>
-            <a:endParaRPr b="0" lang="en-US" sz="3200" spc="-1" strike="noStrike">
+          <a:lstStyle/>
+          <a:p>
+            <a:endParaRPr lang="en-US" sz="3200" b="0" strike="noStrike" spc="-1">
               <a:solidFill>
                 <a:srgbClr val="000000"/>
               </a:solidFill>
               <a:uFill>
                 <a:solidFill>
-                  <a:srgbClr val="ffffff"/>
+                  <a:srgbClr val="FFFFFF"/>
                 </a:solidFill>
               </a:uFill>
               <a:latin typeface="Arial"/>
@@ -921,17 +1118,18 @@
           </a:prstGeom>
         </p:spPr>
         <p:txBody>
-          <a:bodyPr lIns="0" rIns="0" tIns="0" bIns="0">
+          <a:bodyPr lIns="0" tIns="0" rIns="0" bIns="0">
             <a:normAutofit/>
           </a:bodyPr>
-          <a:p>
-            <a:endParaRPr b="0" lang="en-US" sz="3200" spc="-1" strike="noStrike">
+          <a:lstStyle/>
+          <a:p>
+            <a:endParaRPr lang="en-US" sz="3200" b="0" strike="noStrike" spc="-1">
               <a:solidFill>
                 <a:srgbClr val="000000"/>
               </a:solidFill>
               <a:uFill>
                 <a:solidFill>
-                  <a:srgbClr val="ffffff"/>
+                  <a:srgbClr val="FFFFFF"/>
                 </a:solidFill>
               </a:uFill>
               <a:latin typeface="Arial"/>
@@ -959,17 +1157,18 @@
           </a:prstGeom>
         </p:spPr>
         <p:txBody>
-          <a:bodyPr lIns="0" rIns="0" tIns="0" bIns="0">
+          <a:bodyPr lIns="0" tIns="0" rIns="0" bIns="0">
             <a:normAutofit/>
           </a:bodyPr>
-          <a:p>
-            <a:endParaRPr b="0" lang="en-US" sz="3200" spc="-1" strike="noStrike">
+          <a:lstStyle/>
+          <a:p>
+            <a:endParaRPr lang="en-US" sz="3200" b="0" strike="noStrike" spc="-1">
               <a:solidFill>
                 <a:srgbClr val="000000"/>
               </a:solidFill>
               <a:uFill>
                 <a:solidFill>
-                  <a:srgbClr val="ffffff"/>
+                  <a:srgbClr val="FFFFFF"/>
                 </a:solidFill>
               </a:uFill>
               <a:latin typeface="Arial"/>
@@ -997,17 +1196,18 @@
           </a:prstGeom>
         </p:spPr>
         <p:txBody>
-          <a:bodyPr lIns="0" rIns="0" tIns="0" bIns="0">
+          <a:bodyPr lIns="0" tIns="0" rIns="0" bIns="0">
             <a:normAutofit/>
           </a:bodyPr>
-          <a:p>
-            <a:endParaRPr b="0" lang="en-US" sz="3200" spc="-1" strike="noStrike">
+          <a:lstStyle/>
+          <a:p>
+            <a:endParaRPr lang="en-US" sz="3200" b="0" strike="noStrike" spc="-1">
               <a:solidFill>
                 <a:srgbClr val="000000"/>
               </a:solidFill>
               <a:uFill>
                 <a:solidFill>
-                  <a:srgbClr val="ffffff"/>
+                  <a:srgbClr val="FFFFFF"/>
                 </a:solidFill>
               </a:uFill>
               <a:latin typeface="Arial"/>
@@ -1017,11 +1217,14 @@
       </p:sp>
     </p:spTree>
   </p:cSld>
+  <p:clrMapOvr>
+    <a:masterClrMapping/>
+  </p:clrMapOvr>
 </p:sldLayout>
 </file>
 
 <file path=ppt/slideLayouts/slideLayout12.xml><?xml version="1.0" encoding="utf-8"?>
-<p:sldLayout xmlns:a="http://schemas.openxmlformats.org/drawingml/2006/main" xmlns:p="http://schemas.openxmlformats.org/presentationml/2006/main" xmlns:r="http://schemas.openxmlformats.org/officeDocument/2006/relationships" xmlns:p14="http://schemas.microsoft.com/office/powerpoint/2010/main" xmlns:p15="http://schemas.microsoft.com/office/powerpoint/2012/main" xmlns:mc="http://schemas.openxmlformats.org/markup-compatibility/2006" type="blank" preserve="1">
+<p:sldLayout xmlns:a="http://schemas.openxmlformats.org/drawingml/2006/main" xmlns:r="http://schemas.openxmlformats.org/officeDocument/2006/relationships" xmlns:p="http://schemas.openxmlformats.org/presentationml/2006/main" type="blank" preserve="1">
   <p:cSld name="Title, 6 Content">
     <p:spTree>
       <p:nvGrpSpPr>
@@ -1057,16 +1260,17 @@
           </a:prstGeom>
         </p:spPr>
         <p:txBody>
-          <a:bodyPr lIns="0" rIns="0" tIns="0" bIns="0" anchor="ctr"/>
+          <a:bodyPr lIns="0" tIns="0" rIns="0" bIns="0" anchor="ctr"/>
+          <a:lstStyle/>
           <a:p>
             <a:pPr algn="ctr"/>
-            <a:endParaRPr b="0" lang="en-US" sz="4400" spc="-1" strike="noStrike">
+            <a:endParaRPr lang="en-US" sz="4400" b="0" strike="noStrike" spc="-1">
               <a:solidFill>
                 <a:srgbClr val="000000"/>
               </a:solidFill>
               <a:uFill>
                 <a:solidFill>
-                  <a:srgbClr val="ffffff"/>
+                  <a:srgbClr val="FFFFFF"/>
                 </a:solidFill>
               </a:uFill>
               <a:latin typeface="Arial"/>
@@ -1094,17 +1298,18 @@
           </a:prstGeom>
         </p:spPr>
         <p:txBody>
-          <a:bodyPr lIns="0" rIns="0" tIns="0" bIns="0">
+          <a:bodyPr lIns="0" tIns="0" rIns="0" bIns="0">
             <a:normAutofit/>
           </a:bodyPr>
-          <a:p>
-            <a:endParaRPr b="0" lang="en-US" sz="3200" spc="-1" strike="noStrike">
+          <a:lstStyle/>
+          <a:p>
+            <a:endParaRPr lang="en-US" sz="3200" b="0" strike="noStrike" spc="-1">
               <a:solidFill>
                 <a:srgbClr val="000000"/>
               </a:solidFill>
               <a:uFill>
                 <a:solidFill>
-                  <a:srgbClr val="ffffff"/>
+                  <a:srgbClr val="FFFFFF"/>
                 </a:solidFill>
               </a:uFill>
               <a:latin typeface="Arial"/>
@@ -1132,17 +1337,18 @@
           </a:prstGeom>
         </p:spPr>
         <p:txBody>
-          <a:bodyPr lIns="0" rIns="0" tIns="0" bIns="0">
+          <a:bodyPr lIns="0" tIns="0" rIns="0" bIns="0">
             <a:normAutofit/>
           </a:bodyPr>
-          <a:p>
-            <a:endParaRPr b="0" lang="en-US" sz="3200" spc="-1" strike="noStrike">
+          <a:lstStyle/>
+          <a:p>
+            <a:endParaRPr lang="en-US" sz="3200" b="0" strike="noStrike" spc="-1">
               <a:solidFill>
                 <a:srgbClr val="000000"/>
               </a:solidFill>
               <a:uFill>
                 <a:solidFill>
-                  <a:srgbClr val="ffffff"/>
+                  <a:srgbClr val="FFFFFF"/>
                 </a:solidFill>
               </a:uFill>
               <a:latin typeface="Arial"/>
@@ -1170,17 +1376,18 @@
           </a:prstGeom>
         </p:spPr>
         <p:txBody>
-          <a:bodyPr lIns="0" rIns="0" tIns="0" bIns="0">
+          <a:bodyPr lIns="0" tIns="0" rIns="0" bIns="0">
             <a:normAutofit/>
           </a:bodyPr>
-          <a:p>
-            <a:endParaRPr b="0" lang="en-US" sz="3200" spc="-1" strike="noStrike">
+          <a:lstStyle/>
+          <a:p>
+            <a:endParaRPr lang="en-US" sz="3200" b="0" strike="noStrike" spc="-1">
               <a:solidFill>
                 <a:srgbClr val="000000"/>
               </a:solidFill>
               <a:uFill>
                 <a:solidFill>
-                  <a:srgbClr val="ffffff"/>
+                  <a:srgbClr val="FFFFFF"/>
                 </a:solidFill>
               </a:uFill>
               <a:latin typeface="Arial"/>
@@ -1208,17 +1415,18 @@
           </a:prstGeom>
         </p:spPr>
         <p:txBody>
-          <a:bodyPr lIns="0" rIns="0" tIns="0" bIns="0">
+          <a:bodyPr lIns="0" tIns="0" rIns="0" bIns="0">
             <a:normAutofit/>
           </a:bodyPr>
-          <a:p>
-            <a:endParaRPr b="0" lang="en-US" sz="3200" spc="-1" strike="noStrike">
+          <a:lstStyle/>
+          <a:p>
+            <a:endParaRPr lang="en-US" sz="3200" b="0" strike="noStrike" spc="-1">
               <a:solidFill>
                 <a:srgbClr val="000000"/>
               </a:solidFill>
               <a:uFill>
                 <a:solidFill>
-                  <a:srgbClr val="ffffff"/>
+                  <a:srgbClr val="FFFFFF"/>
                 </a:solidFill>
               </a:uFill>
               <a:latin typeface="Arial"/>
@@ -1246,17 +1454,18 @@
           </a:prstGeom>
         </p:spPr>
         <p:txBody>
-          <a:bodyPr lIns="0" rIns="0" tIns="0" bIns="0">
+          <a:bodyPr lIns="0" tIns="0" rIns="0" bIns="0">
             <a:normAutofit/>
           </a:bodyPr>
-          <a:p>
-            <a:endParaRPr b="0" lang="en-US" sz="3200" spc="-1" strike="noStrike">
+          <a:lstStyle/>
+          <a:p>
+            <a:endParaRPr lang="en-US" sz="3200" b="0" strike="noStrike" spc="-1">
               <a:solidFill>
                 <a:srgbClr val="000000"/>
               </a:solidFill>
               <a:uFill>
                 <a:solidFill>
-                  <a:srgbClr val="ffffff"/>
+                  <a:srgbClr val="FFFFFF"/>
                 </a:solidFill>
               </a:uFill>
               <a:latin typeface="Arial"/>
@@ -1284,17 +1493,18 @@
           </a:prstGeom>
         </p:spPr>
         <p:txBody>
-          <a:bodyPr lIns="0" rIns="0" tIns="0" bIns="0">
+          <a:bodyPr lIns="0" tIns="0" rIns="0" bIns="0">
             <a:normAutofit/>
           </a:bodyPr>
-          <a:p>
-            <a:endParaRPr b="0" lang="en-US" sz="3200" spc="-1" strike="noStrike">
+          <a:lstStyle/>
+          <a:p>
+            <a:endParaRPr lang="en-US" sz="3200" b="0" strike="noStrike" spc="-1">
               <a:solidFill>
                 <a:srgbClr val="000000"/>
               </a:solidFill>
               <a:uFill>
                 <a:solidFill>
-                  <a:srgbClr val="ffffff"/>
+                  <a:srgbClr val="FFFFFF"/>
                 </a:solidFill>
               </a:uFill>
               <a:latin typeface="Arial"/>
@@ -1304,11 +1514,14 @@
       </p:sp>
     </p:spTree>
   </p:cSld>
+  <p:clrMapOvr>
+    <a:masterClrMapping/>
+  </p:clrMapOvr>
 </p:sldLayout>
 </file>
 
 <file path=ppt/slideLayouts/slideLayout2.xml><?xml version="1.0" encoding="utf-8"?>
-<p:sldLayout xmlns:a="http://schemas.openxmlformats.org/drawingml/2006/main" xmlns:p="http://schemas.openxmlformats.org/presentationml/2006/main" xmlns:r="http://schemas.openxmlformats.org/officeDocument/2006/relationships" xmlns:p14="http://schemas.microsoft.com/office/powerpoint/2010/main" xmlns:p15="http://schemas.microsoft.com/office/powerpoint/2012/main" xmlns:mc="http://schemas.openxmlformats.org/markup-compatibility/2006" type="tx" preserve="1">
+<p:sldLayout xmlns:a="http://schemas.openxmlformats.org/drawingml/2006/main" xmlns:r="http://schemas.openxmlformats.org/officeDocument/2006/relationships" xmlns:p="http://schemas.openxmlformats.org/presentationml/2006/main" type="tx" preserve="1">
   <p:cSld name="Title Slide">
     <p:spTree>
       <p:nvGrpSpPr>
@@ -1344,16 +1557,17 @@
           </a:prstGeom>
         </p:spPr>
         <p:txBody>
-          <a:bodyPr lIns="0" rIns="0" tIns="0" bIns="0" anchor="ctr"/>
+          <a:bodyPr lIns="0" tIns="0" rIns="0" bIns="0" anchor="ctr"/>
+          <a:lstStyle/>
           <a:p>
             <a:pPr algn="ctr"/>
-            <a:endParaRPr b="0" lang="en-US" sz="4400" spc="-1" strike="noStrike">
+            <a:endParaRPr lang="en-US" sz="4400" b="0" strike="noStrike" spc="-1">
               <a:solidFill>
                 <a:srgbClr val="000000"/>
               </a:solidFill>
               <a:uFill>
                 <a:solidFill>
-                  <a:srgbClr val="ffffff"/>
+                  <a:srgbClr val="FFFFFF"/>
                 </a:solidFill>
               </a:uFill>
               <a:latin typeface="Arial"/>
@@ -1381,16 +1595,17 @@
           </a:prstGeom>
         </p:spPr>
         <p:txBody>
-          <a:bodyPr lIns="0" rIns="0" tIns="0" bIns="0" anchor="ctr"/>
+          <a:bodyPr lIns="0" tIns="0" rIns="0" bIns="0" anchor="ctr"/>
+          <a:lstStyle/>
           <a:p>
             <a:pPr algn="ctr"/>
-            <a:endParaRPr b="0" lang="en-US" sz="3200" spc="-1" strike="noStrike">
+            <a:endParaRPr lang="en-US" sz="3200" b="0" strike="noStrike" spc="-1">
               <a:solidFill>
                 <a:srgbClr val="000000"/>
               </a:solidFill>
               <a:uFill>
                 <a:solidFill>
-                  <a:srgbClr val="ffffff"/>
+                  <a:srgbClr val="FFFFFF"/>
                 </a:solidFill>
               </a:uFill>
               <a:latin typeface="Arial"/>
@@ -1400,11 +1615,14 @@
       </p:sp>
     </p:spTree>
   </p:cSld>
+  <p:clrMapOvr>
+    <a:masterClrMapping/>
+  </p:clrMapOvr>
 </p:sldLayout>
 </file>
 
 <file path=ppt/slideLayouts/slideLayout3.xml><?xml version="1.0" encoding="utf-8"?>
-<p:sldLayout xmlns:a="http://schemas.openxmlformats.org/drawingml/2006/main" xmlns:p="http://schemas.openxmlformats.org/presentationml/2006/main" xmlns:r="http://schemas.openxmlformats.org/officeDocument/2006/relationships" xmlns:p14="http://schemas.microsoft.com/office/powerpoint/2010/main" xmlns:p15="http://schemas.microsoft.com/office/powerpoint/2012/main" xmlns:mc="http://schemas.openxmlformats.org/markup-compatibility/2006" type="obj" preserve="1">
+<p:sldLayout xmlns:a="http://schemas.openxmlformats.org/drawingml/2006/main" xmlns:r="http://schemas.openxmlformats.org/officeDocument/2006/relationships" xmlns:p="http://schemas.openxmlformats.org/presentationml/2006/main" type="obj" preserve="1">
   <p:cSld name="Title, Content">
     <p:spTree>
       <p:nvGrpSpPr>
@@ -1440,16 +1658,17 @@
           </a:prstGeom>
         </p:spPr>
         <p:txBody>
-          <a:bodyPr lIns="0" rIns="0" tIns="0" bIns="0" anchor="ctr"/>
+          <a:bodyPr lIns="0" tIns="0" rIns="0" bIns="0" anchor="ctr"/>
+          <a:lstStyle/>
           <a:p>
             <a:pPr algn="ctr"/>
-            <a:endParaRPr b="0" lang="en-US" sz="4400" spc="-1" strike="noStrike">
+            <a:endParaRPr lang="en-US" sz="4400" b="0" strike="noStrike" spc="-1">
               <a:solidFill>
                 <a:srgbClr val="000000"/>
               </a:solidFill>
               <a:uFill>
                 <a:solidFill>
-                  <a:srgbClr val="ffffff"/>
+                  <a:srgbClr val="FFFFFF"/>
                 </a:solidFill>
               </a:uFill>
               <a:latin typeface="Arial"/>
@@ -1477,17 +1696,18 @@
           </a:prstGeom>
         </p:spPr>
         <p:txBody>
-          <a:bodyPr lIns="0" rIns="0" tIns="0" bIns="0">
+          <a:bodyPr lIns="0" tIns="0" rIns="0" bIns="0">
             <a:normAutofit/>
           </a:bodyPr>
-          <a:p>
-            <a:endParaRPr b="0" lang="en-US" sz="3200" spc="-1" strike="noStrike">
+          <a:lstStyle/>
+          <a:p>
+            <a:endParaRPr lang="en-US" sz="3200" b="0" strike="noStrike" spc="-1">
               <a:solidFill>
                 <a:srgbClr val="000000"/>
               </a:solidFill>
               <a:uFill>
                 <a:solidFill>
-                  <a:srgbClr val="ffffff"/>
+                  <a:srgbClr val="FFFFFF"/>
                 </a:solidFill>
               </a:uFill>
               <a:latin typeface="Arial"/>
@@ -1497,11 +1717,14 @@
       </p:sp>
     </p:spTree>
   </p:cSld>
+  <p:clrMapOvr>
+    <a:masterClrMapping/>
+  </p:clrMapOvr>
 </p:sldLayout>
 </file>
 
 <file path=ppt/slideLayouts/slideLayout4.xml><?xml version="1.0" encoding="utf-8"?>
-<p:sldLayout xmlns:a="http://schemas.openxmlformats.org/drawingml/2006/main" xmlns:p="http://schemas.openxmlformats.org/presentationml/2006/main" xmlns:r="http://schemas.openxmlformats.org/officeDocument/2006/relationships" xmlns:p14="http://schemas.microsoft.com/office/powerpoint/2010/main" xmlns:p15="http://schemas.microsoft.com/office/powerpoint/2012/main" xmlns:mc="http://schemas.openxmlformats.org/markup-compatibility/2006" type="twoObj" preserve="1">
+<p:sldLayout xmlns:a="http://schemas.openxmlformats.org/drawingml/2006/main" xmlns:r="http://schemas.openxmlformats.org/officeDocument/2006/relationships" xmlns:p="http://schemas.openxmlformats.org/presentationml/2006/main" type="twoObj" preserve="1">
   <p:cSld name="Title, 2 Content">
     <p:spTree>
       <p:nvGrpSpPr>
@@ -1537,16 +1760,17 @@
           </a:prstGeom>
         </p:spPr>
         <p:txBody>
-          <a:bodyPr lIns="0" rIns="0" tIns="0" bIns="0" anchor="ctr"/>
+          <a:bodyPr lIns="0" tIns="0" rIns="0" bIns="0" anchor="ctr"/>
+          <a:lstStyle/>
           <a:p>
             <a:pPr algn="ctr"/>
-            <a:endParaRPr b="0" lang="en-US" sz="4400" spc="-1" strike="noStrike">
+            <a:endParaRPr lang="en-US" sz="4400" b="0" strike="noStrike" spc="-1">
               <a:solidFill>
                 <a:srgbClr val="000000"/>
               </a:solidFill>
               <a:uFill>
                 <a:solidFill>
-                  <a:srgbClr val="ffffff"/>
+                  <a:srgbClr val="FFFFFF"/>
                 </a:solidFill>
               </a:uFill>
               <a:latin typeface="Arial"/>
@@ -1574,17 +1798,18 @@
           </a:prstGeom>
         </p:spPr>
         <p:txBody>
-          <a:bodyPr lIns="0" rIns="0" tIns="0" bIns="0">
+          <a:bodyPr lIns="0" tIns="0" rIns="0" bIns="0">
             <a:normAutofit/>
           </a:bodyPr>
-          <a:p>
-            <a:endParaRPr b="0" lang="en-US" sz="3200" spc="-1" strike="noStrike">
+          <a:lstStyle/>
+          <a:p>
+            <a:endParaRPr lang="en-US" sz="3200" b="0" strike="noStrike" spc="-1">
               <a:solidFill>
                 <a:srgbClr val="000000"/>
               </a:solidFill>
               <a:uFill>
                 <a:solidFill>
-                  <a:srgbClr val="ffffff"/>
+                  <a:srgbClr val="FFFFFF"/>
                 </a:solidFill>
               </a:uFill>
               <a:latin typeface="Arial"/>
@@ -1612,17 +1837,18 @@
           </a:prstGeom>
         </p:spPr>
         <p:txBody>
-          <a:bodyPr lIns="0" rIns="0" tIns="0" bIns="0">
+          <a:bodyPr lIns="0" tIns="0" rIns="0" bIns="0">
             <a:normAutofit/>
           </a:bodyPr>
-          <a:p>
-            <a:endParaRPr b="0" lang="en-US" sz="3200" spc="-1" strike="noStrike">
+          <a:lstStyle/>
+          <a:p>
+            <a:endParaRPr lang="en-US" sz="3200" b="0" strike="noStrike" spc="-1">
               <a:solidFill>
                 <a:srgbClr val="000000"/>
               </a:solidFill>
               <a:uFill>
                 <a:solidFill>
-                  <a:srgbClr val="ffffff"/>
+                  <a:srgbClr val="FFFFFF"/>
                 </a:solidFill>
               </a:uFill>
               <a:latin typeface="Arial"/>
@@ -1632,11 +1858,14 @@
       </p:sp>
     </p:spTree>
   </p:cSld>
+  <p:clrMapOvr>
+    <a:masterClrMapping/>
+  </p:clrMapOvr>
 </p:sldLayout>
 </file>
 
 <file path=ppt/slideLayouts/slideLayout5.xml><?xml version="1.0" encoding="utf-8"?>
-<p:sldLayout xmlns:a="http://schemas.openxmlformats.org/drawingml/2006/main" xmlns:p="http://schemas.openxmlformats.org/presentationml/2006/main" xmlns:r="http://schemas.openxmlformats.org/officeDocument/2006/relationships" xmlns:p14="http://schemas.microsoft.com/office/powerpoint/2010/main" xmlns:p15="http://schemas.microsoft.com/office/powerpoint/2012/main" xmlns:mc="http://schemas.openxmlformats.org/markup-compatibility/2006" type="titleOnly" preserve="1">
+<p:sldLayout xmlns:a="http://schemas.openxmlformats.org/drawingml/2006/main" xmlns:r="http://schemas.openxmlformats.org/officeDocument/2006/relationships" xmlns:p="http://schemas.openxmlformats.org/presentationml/2006/main" type="titleOnly" preserve="1">
   <p:cSld name="Title Only">
     <p:spTree>
       <p:nvGrpSpPr>
@@ -1672,16 +1901,17 @@
           </a:prstGeom>
         </p:spPr>
         <p:txBody>
-          <a:bodyPr lIns="0" rIns="0" tIns="0" bIns="0" anchor="ctr"/>
+          <a:bodyPr lIns="0" tIns="0" rIns="0" bIns="0" anchor="ctr"/>
+          <a:lstStyle/>
           <a:p>
             <a:pPr algn="ctr"/>
-            <a:endParaRPr b="0" lang="en-US" sz="4400" spc="-1" strike="noStrike">
+            <a:endParaRPr lang="en-US" sz="4400" b="0" strike="noStrike" spc="-1">
               <a:solidFill>
                 <a:srgbClr val="000000"/>
               </a:solidFill>
               <a:uFill>
                 <a:solidFill>
-                  <a:srgbClr val="ffffff"/>
+                  <a:srgbClr val="FFFFFF"/>
                 </a:solidFill>
               </a:uFill>
               <a:latin typeface="Arial"/>
@@ -1691,11 +1921,14 @@
       </p:sp>
     </p:spTree>
   </p:cSld>
+  <p:clrMapOvr>
+    <a:masterClrMapping/>
+  </p:clrMapOvr>
 </p:sldLayout>
 </file>
 
 <file path=ppt/slideLayouts/slideLayout6.xml><?xml version="1.0" encoding="utf-8"?>
-<p:sldLayout xmlns:a="http://schemas.openxmlformats.org/drawingml/2006/main" xmlns:p="http://schemas.openxmlformats.org/presentationml/2006/main" xmlns:r="http://schemas.openxmlformats.org/officeDocument/2006/relationships" xmlns:p14="http://schemas.microsoft.com/office/powerpoint/2010/main" xmlns:p15="http://schemas.microsoft.com/office/powerpoint/2012/main" xmlns:mc="http://schemas.openxmlformats.org/markup-compatibility/2006" type="objOnly" preserve="1">
+<p:sldLayout xmlns:a="http://schemas.openxmlformats.org/drawingml/2006/main" xmlns:r="http://schemas.openxmlformats.org/officeDocument/2006/relationships" xmlns:p="http://schemas.openxmlformats.org/presentationml/2006/main" type="objOnly" preserve="1">
   <p:cSld name="Centered Text">
     <p:spTree>
       <p:nvGrpSpPr>
@@ -1731,16 +1964,17 @@
           </a:prstGeom>
         </p:spPr>
         <p:txBody>
-          <a:bodyPr lIns="0" rIns="0" tIns="0" bIns="0" anchor="ctr"/>
+          <a:bodyPr lIns="0" tIns="0" rIns="0" bIns="0" anchor="ctr"/>
+          <a:lstStyle/>
           <a:p>
             <a:pPr algn="ctr"/>
-            <a:endParaRPr b="0" lang="en-US" sz="3200" spc="-1" strike="noStrike">
+            <a:endParaRPr lang="en-US" sz="3200" b="0" strike="noStrike" spc="-1">
               <a:solidFill>
                 <a:srgbClr val="000000"/>
               </a:solidFill>
               <a:uFill>
                 <a:solidFill>
-                  <a:srgbClr val="ffffff"/>
+                  <a:srgbClr val="FFFFFF"/>
                 </a:solidFill>
               </a:uFill>
               <a:latin typeface="Arial"/>
@@ -1750,11 +1984,14 @@
       </p:sp>
     </p:spTree>
   </p:cSld>
+  <p:clrMapOvr>
+    <a:masterClrMapping/>
+  </p:clrMapOvr>
 </p:sldLayout>
 </file>
 
 <file path=ppt/slideLayouts/slideLayout7.xml><?xml version="1.0" encoding="utf-8"?>
-<p:sldLayout xmlns:a="http://schemas.openxmlformats.org/drawingml/2006/main" xmlns:p="http://schemas.openxmlformats.org/presentationml/2006/main" xmlns:r="http://schemas.openxmlformats.org/officeDocument/2006/relationships" xmlns:p14="http://schemas.microsoft.com/office/powerpoint/2010/main" xmlns:p15="http://schemas.microsoft.com/office/powerpoint/2012/main" xmlns:mc="http://schemas.openxmlformats.org/markup-compatibility/2006" type="twoObjAndObj" preserve="1">
+<p:sldLayout xmlns:a="http://schemas.openxmlformats.org/drawingml/2006/main" xmlns:r="http://schemas.openxmlformats.org/officeDocument/2006/relationships" xmlns:p="http://schemas.openxmlformats.org/presentationml/2006/main" type="twoObjAndObj" preserve="1">
   <p:cSld name="Title, 2 Content and Content">
     <p:spTree>
       <p:nvGrpSpPr>
@@ -1790,16 +2027,17 @@
           </a:prstGeom>
         </p:spPr>
         <p:txBody>
-          <a:bodyPr lIns="0" rIns="0" tIns="0" bIns="0" anchor="ctr"/>
+          <a:bodyPr lIns="0" tIns="0" rIns="0" bIns="0" anchor="ctr"/>
+          <a:lstStyle/>
           <a:p>
             <a:pPr algn="ctr"/>
-            <a:endParaRPr b="0" lang="en-US" sz="4400" spc="-1" strike="noStrike">
+            <a:endParaRPr lang="en-US" sz="4400" b="0" strike="noStrike" spc="-1">
               <a:solidFill>
                 <a:srgbClr val="000000"/>
               </a:solidFill>
               <a:uFill>
                 <a:solidFill>
-                  <a:srgbClr val="ffffff"/>
+                  <a:srgbClr val="FFFFFF"/>
                 </a:solidFill>
               </a:uFill>
               <a:latin typeface="Arial"/>
@@ -1827,17 +2065,18 @@
           </a:prstGeom>
         </p:spPr>
         <p:txBody>
-          <a:bodyPr lIns="0" rIns="0" tIns="0" bIns="0">
+          <a:bodyPr lIns="0" tIns="0" rIns="0" bIns="0">
             <a:normAutofit/>
           </a:bodyPr>
-          <a:p>
-            <a:endParaRPr b="0" lang="en-US" sz="3200" spc="-1" strike="noStrike">
+          <a:lstStyle/>
+          <a:p>
+            <a:endParaRPr lang="en-US" sz="3200" b="0" strike="noStrike" spc="-1">
               <a:solidFill>
                 <a:srgbClr val="000000"/>
               </a:solidFill>
               <a:uFill>
                 <a:solidFill>
-                  <a:srgbClr val="ffffff"/>
+                  <a:srgbClr val="FFFFFF"/>
                 </a:solidFill>
               </a:uFill>
               <a:latin typeface="Arial"/>
@@ -1865,17 +2104,18 @@
           </a:prstGeom>
         </p:spPr>
         <p:txBody>
-          <a:bodyPr lIns="0" rIns="0" tIns="0" bIns="0">
+          <a:bodyPr lIns="0" tIns="0" rIns="0" bIns="0">
             <a:normAutofit/>
           </a:bodyPr>
-          <a:p>
-            <a:endParaRPr b="0" lang="en-US" sz="3200" spc="-1" strike="noStrike">
+          <a:lstStyle/>
+          <a:p>
+            <a:endParaRPr lang="en-US" sz="3200" b="0" strike="noStrike" spc="-1">
               <a:solidFill>
                 <a:srgbClr val="000000"/>
               </a:solidFill>
               <a:uFill>
                 <a:solidFill>
-                  <a:srgbClr val="ffffff"/>
+                  <a:srgbClr val="FFFFFF"/>
                 </a:solidFill>
               </a:uFill>
               <a:latin typeface="Arial"/>
@@ -1903,17 +2143,18 @@
           </a:prstGeom>
         </p:spPr>
         <p:txBody>
-          <a:bodyPr lIns="0" rIns="0" tIns="0" bIns="0">
+          <a:bodyPr lIns="0" tIns="0" rIns="0" bIns="0">
             <a:normAutofit/>
           </a:bodyPr>
-          <a:p>
-            <a:endParaRPr b="0" lang="en-US" sz="3200" spc="-1" strike="noStrike">
+          <a:lstStyle/>
+          <a:p>
+            <a:endParaRPr lang="en-US" sz="3200" b="0" strike="noStrike" spc="-1">
               <a:solidFill>
                 <a:srgbClr val="000000"/>
               </a:solidFill>
               <a:uFill>
                 <a:solidFill>
-                  <a:srgbClr val="ffffff"/>
+                  <a:srgbClr val="FFFFFF"/>
                 </a:solidFill>
               </a:uFill>
               <a:latin typeface="Arial"/>
@@ -1923,11 +2164,14 @@
       </p:sp>
     </p:spTree>
   </p:cSld>
+  <p:clrMapOvr>
+    <a:masterClrMapping/>
+  </p:clrMapOvr>
 </p:sldLayout>
 </file>
 
 <file path=ppt/slideLayouts/slideLayout8.xml><?xml version="1.0" encoding="utf-8"?>
-<p:sldLayout xmlns:a="http://schemas.openxmlformats.org/drawingml/2006/main" xmlns:p="http://schemas.openxmlformats.org/presentationml/2006/main" xmlns:r="http://schemas.openxmlformats.org/officeDocument/2006/relationships" xmlns:p14="http://schemas.microsoft.com/office/powerpoint/2010/main" xmlns:p15="http://schemas.microsoft.com/office/powerpoint/2012/main" xmlns:mc="http://schemas.openxmlformats.org/markup-compatibility/2006" type="objAndTwoObj" preserve="1">
+<p:sldLayout xmlns:a="http://schemas.openxmlformats.org/drawingml/2006/main" xmlns:r="http://schemas.openxmlformats.org/officeDocument/2006/relationships" xmlns:p="http://schemas.openxmlformats.org/presentationml/2006/main" type="objAndTwoObj" preserve="1">
   <p:cSld name="Title Content and 2 Content">
     <p:spTree>
       <p:nvGrpSpPr>
@@ -1963,16 +2207,17 @@
           </a:prstGeom>
         </p:spPr>
         <p:txBody>
-          <a:bodyPr lIns="0" rIns="0" tIns="0" bIns="0" anchor="ctr"/>
+          <a:bodyPr lIns="0" tIns="0" rIns="0" bIns="0" anchor="ctr"/>
+          <a:lstStyle/>
           <a:p>
             <a:pPr algn="ctr"/>
-            <a:endParaRPr b="0" lang="en-US" sz="4400" spc="-1" strike="noStrike">
+            <a:endParaRPr lang="en-US" sz="4400" b="0" strike="noStrike" spc="-1">
               <a:solidFill>
                 <a:srgbClr val="000000"/>
               </a:solidFill>
               <a:uFill>
                 <a:solidFill>
-                  <a:srgbClr val="ffffff"/>
+                  <a:srgbClr val="FFFFFF"/>
                 </a:solidFill>
               </a:uFill>
               <a:latin typeface="Arial"/>
@@ -2000,17 +2245,18 @@
           </a:prstGeom>
         </p:spPr>
         <p:txBody>
-          <a:bodyPr lIns="0" rIns="0" tIns="0" bIns="0">
+          <a:bodyPr lIns="0" tIns="0" rIns="0" bIns="0">
             <a:normAutofit/>
           </a:bodyPr>
-          <a:p>
-            <a:endParaRPr b="0" lang="en-US" sz="3200" spc="-1" strike="noStrike">
+          <a:lstStyle/>
+          <a:p>
+            <a:endParaRPr lang="en-US" sz="3200" b="0" strike="noStrike" spc="-1">
               <a:solidFill>
                 <a:srgbClr val="000000"/>
               </a:solidFill>
               <a:uFill>
                 <a:solidFill>
-                  <a:srgbClr val="ffffff"/>
+                  <a:srgbClr val="FFFFFF"/>
                 </a:solidFill>
               </a:uFill>
               <a:latin typeface="Arial"/>
@@ -2038,17 +2284,18 @@
           </a:prstGeom>
         </p:spPr>
         <p:txBody>
-          <a:bodyPr lIns="0" rIns="0" tIns="0" bIns="0">
+          <a:bodyPr lIns="0" tIns="0" rIns="0" bIns="0">
             <a:normAutofit/>
           </a:bodyPr>
-          <a:p>
-            <a:endParaRPr b="0" lang="en-US" sz="3200" spc="-1" strike="noStrike">
+          <a:lstStyle/>
+          <a:p>
+            <a:endParaRPr lang="en-US" sz="3200" b="0" strike="noStrike" spc="-1">
               <a:solidFill>
                 <a:srgbClr val="000000"/>
               </a:solidFill>
               <a:uFill>
                 <a:solidFill>
-                  <a:srgbClr val="ffffff"/>
+                  <a:srgbClr val="FFFFFF"/>
                 </a:solidFill>
               </a:uFill>
               <a:latin typeface="Arial"/>
@@ -2076,17 +2323,18 @@
           </a:prstGeom>
         </p:spPr>
         <p:txBody>
-          <a:bodyPr lIns="0" rIns="0" tIns="0" bIns="0">
+          <a:bodyPr lIns="0" tIns="0" rIns="0" bIns="0">
             <a:normAutofit/>
           </a:bodyPr>
-          <a:p>
-            <a:endParaRPr b="0" lang="en-US" sz="3200" spc="-1" strike="noStrike">
+          <a:lstStyle/>
+          <a:p>
+            <a:endParaRPr lang="en-US" sz="3200" b="0" strike="noStrike" spc="-1">
               <a:solidFill>
                 <a:srgbClr val="000000"/>
               </a:solidFill>
               <a:uFill>
                 <a:solidFill>
-                  <a:srgbClr val="ffffff"/>
+                  <a:srgbClr val="FFFFFF"/>
                 </a:solidFill>
               </a:uFill>
               <a:latin typeface="Arial"/>
@@ -2096,11 +2344,14 @@
       </p:sp>
     </p:spTree>
   </p:cSld>
+  <p:clrMapOvr>
+    <a:masterClrMapping/>
+  </p:clrMapOvr>
 </p:sldLayout>
 </file>
 
 <file path=ppt/slideLayouts/slideLayout9.xml><?xml version="1.0" encoding="utf-8"?>
-<p:sldLayout xmlns:a="http://schemas.openxmlformats.org/drawingml/2006/main" xmlns:p="http://schemas.openxmlformats.org/presentationml/2006/main" xmlns:r="http://schemas.openxmlformats.org/officeDocument/2006/relationships" xmlns:p14="http://schemas.microsoft.com/office/powerpoint/2010/main" xmlns:p15="http://schemas.microsoft.com/office/powerpoint/2012/main" xmlns:mc="http://schemas.openxmlformats.org/markup-compatibility/2006" type="twoObjOverTx" preserve="1">
+<p:sldLayout xmlns:a="http://schemas.openxmlformats.org/drawingml/2006/main" xmlns:r="http://schemas.openxmlformats.org/officeDocument/2006/relationships" xmlns:p="http://schemas.openxmlformats.org/presentationml/2006/main" type="twoObjOverTx" preserve="1">
   <p:cSld name="Title, 2 Content over Content">
     <p:spTree>
       <p:nvGrpSpPr>
@@ -2136,16 +2387,17 @@
           </a:prstGeom>
         </p:spPr>
         <p:txBody>
-          <a:bodyPr lIns="0" rIns="0" tIns="0" bIns="0" anchor="ctr"/>
+          <a:bodyPr lIns="0" tIns="0" rIns="0" bIns="0" anchor="ctr"/>
+          <a:lstStyle/>
           <a:p>
             <a:pPr algn="ctr"/>
-            <a:endParaRPr b="0" lang="en-US" sz="4400" spc="-1" strike="noStrike">
+            <a:endParaRPr lang="en-US" sz="4400" b="0" strike="noStrike" spc="-1">
               <a:solidFill>
                 <a:srgbClr val="000000"/>
               </a:solidFill>
               <a:uFill>
                 <a:solidFill>
-                  <a:srgbClr val="ffffff"/>
+                  <a:srgbClr val="FFFFFF"/>
                 </a:solidFill>
               </a:uFill>
               <a:latin typeface="Arial"/>
@@ -2173,17 +2425,18 @@
           </a:prstGeom>
         </p:spPr>
         <p:txBody>
-          <a:bodyPr lIns="0" rIns="0" tIns="0" bIns="0">
+          <a:bodyPr lIns="0" tIns="0" rIns="0" bIns="0">
             <a:normAutofit/>
           </a:bodyPr>
-          <a:p>
-            <a:endParaRPr b="0" lang="en-US" sz="3200" spc="-1" strike="noStrike">
+          <a:lstStyle/>
+          <a:p>
+            <a:endParaRPr lang="en-US" sz="3200" b="0" strike="noStrike" spc="-1">
               <a:solidFill>
                 <a:srgbClr val="000000"/>
               </a:solidFill>
               <a:uFill>
                 <a:solidFill>
-                  <a:srgbClr val="ffffff"/>
+                  <a:srgbClr val="FFFFFF"/>
                 </a:solidFill>
               </a:uFill>
               <a:latin typeface="Arial"/>
@@ -2211,17 +2464,18 @@
           </a:prstGeom>
         </p:spPr>
         <p:txBody>
-          <a:bodyPr lIns="0" rIns="0" tIns="0" bIns="0">
+          <a:bodyPr lIns="0" tIns="0" rIns="0" bIns="0">
             <a:normAutofit/>
           </a:bodyPr>
-          <a:p>
-            <a:endParaRPr b="0" lang="en-US" sz="3200" spc="-1" strike="noStrike">
+          <a:lstStyle/>
+          <a:p>
+            <a:endParaRPr lang="en-US" sz="3200" b="0" strike="noStrike" spc="-1">
               <a:solidFill>
                 <a:srgbClr val="000000"/>
               </a:solidFill>
               <a:uFill>
                 <a:solidFill>
-                  <a:srgbClr val="ffffff"/>
+                  <a:srgbClr val="FFFFFF"/>
                 </a:solidFill>
               </a:uFill>
               <a:latin typeface="Arial"/>
@@ -2249,17 +2503,18 @@
           </a:prstGeom>
         </p:spPr>
         <p:txBody>
-          <a:bodyPr lIns="0" rIns="0" tIns="0" bIns="0">
+          <a:bodyPr lIns="0" tIns="0" rIns="0" bIns="0">
             <a:normAutofit/>
           </a:bodyPr>
-          <a:p>
-            <a:endParaRPr b="0" lang="en-US" sz="3200" spc="-1" strike="noStrike">
+          <a:lstStyle/>
+          <a:p>
+            <a:endParaRPr lang="en-US" sz="3200" b="0" strike="noStrike" spc="-1">
               <a:solidFill>
                 <a:srgbClr val="000000"/>
               </a:solidFill>
               <a:uFill>
                 <a:solidFill>
-                  <a:srgbClr val="ffffff"/>
+                  <a:srgbClr val="FFFFFF"/>
                 </a:solidFill>
               </a:uFill>
               <a:latin typeface="Arial"/>
@@ -2269,17 +2524,21 @@
       </p:sp>
     </p:spTree>
   </p:cSld>
+  <p:clrMapOvr>
+    <a:masterClrMapping/>
+  </p:clrMapOvr>
 </p:sldLayout>
 </file>
 
 <file path=ppt/slideMasters/slideMaster1.xml><?xml version="1.0" encoding="utf-8"?>
-<p:sldMaster xmlns:a="http://schemas.openxmlformats.org/drawingml/2006/main" xmlns:p="http://schemas.openxmlformats.org/presentationml/2006/main" xmlns:r="http://schemas.openxmlformats.org/officeDocument/2006/relationships" xmlns:p14="http://schemas.microsoft.com/office/powerpoint/2010/main" xmlns:p15="http://schemas.microsoft.com/office/powerpoint/2012/main" xmlns:mc="http://schemas.openxmlformats.org/markup-compatibility/2006">
+<p:sldMaster xmlns:a="http://schemas.openxmlformats.org/drawingml/2006/main" xmlns:r="http://schemas.openxmlformats.org/officeDocument/2006/relationships" xmlns:p="http://schemas.openxmlformats.org/presentationml/2006/main">
   <p:cSld>
     <p:bg>
       <p:bgPr>
         <a:solidFill>
-          <a:srgbClr val="ffffff"/>
+          <a:srgbClr val="FFFFFF"/>
         </a:solidFill>
+        <a:effectLst/>
       </p:bgPr>
     </p:bg>
     <p:spTree>
@@ -2298,7 +2557,7 @@
       </p:grpSpPr>
       <p:sp>
         <p:nvSpPr>
-          <p:cNvPr id="0" name="PlaceHolder 1"/>
+          <p:cNvPr id="2" name="PlaceHolder 1"/>
           <p:cNvSpPr>
             <a:spLocks noGrp="1"/>
           </p:cNvSpPr>
@@ -2316,39 +2575,29 @@
           </a:prstGeom>
         </p:spPr>
         <p:txBody>
-          <a:bodyPr lIns="0" rIns="0" tIns="0" bIns="0" anchor="ctr"/>
+          <a:bodyPr lIns="0" tIns="0" rIns="0" bIns="0" anchor="ctr"/>
+          <a:lstStyle/>
           <a:p>
             <a:r>
-              <a:rPr b="0" lang="en-US" sz="1800" spc="-1" strike="noStrike">
+              <a:rPr lang="en-US" sz="1800" b="0" strike="noStrike" spc="-1">
                 <a:solidFill>
                   <a:srgbClr val="000000"/>
                 </a:solidFill>
                 <a:uFill>
                   <a:solidFill>
-                    <a:srgbClr val="ffffff"/>
+                    <a:srgbClr val="FFFFFF"/>
                   </a:solidFill>
                 </a:uFill>
                 <a:latin typeface="Arial"/>
               </a:rPr>
               <a:t>Click to edit the title text format</a:t>
             </a:r>
-            <a:endParaRPr b="0" lang="en-US" sz="1800" spc="-1" strike="noStrike">
-              <a:solidFill>
-                <a:srgbClr val="000000"/>
-              </a:solidFill>
-              <a:uFill>
-                <a:solidFill>
-                  <a:srgbClr val="ffffff"/>
-                </a:solidFill>
-              </a:uFill>
-              <a:latin typeface="Arial"/>
-            </a:endParaRPr>
-          </a:p>
-        </p:txBody>
-      </p:sp>
-      <p:sp>
-        <p:nvSpPr>
-          <p:cNvPr id="1" name="PlaceHolder 2"/>
+          </a:p>
+        </p:txBody>
+      </p:sp>
+      <p:sp>
+        <p:nvSpPr>
+          <p:cNvPr id="3" name="PlaceHolder 2"/>
           <p:cNvSpPr>
             <a:spLocks noGrp="1"/>
           </p:cNvSpPr>
@@ -2366,9 +2615,10 @@
           </a:prstGeom>
         </p:spPr>
         <p:txBody>
-          <a:bodyPr lIns="0" rIns="0" tIns="0" bIns="0">
+          <a:bodyPr lIns="0" tIns="0" rIns="0" bIns="0">
             <a:normAutofit/>
           </a:bodyPr>
+          <a:lstStyle/>
           <a:p>
             <a:pPr marL="432000" indent="-324000">
               <a:spcBef>
@@ -2382,33 +2632,22 @@
               <a:buChar char=""/>
             </a:pPr>
             <a:r>
-              <a:rPr b="0" lang="en-US" sz="3200" spc="-1" strike="noStrike">
+              <a:rPr lang="en-US" sz="3200" b="0" strike="noStrike" spc="-1">
                 <a:solidFill>
                   <a:srgbClr val="000000"/>
                 </a:solidFill>
                 <a:uFill>
                   <a:solidFill>
-                    <a:srgbClr val="ffffff"/>
+                    <a:srgbClr val="FFFFFF"/>
                   </a:solidFill>
                 </a:uFill>
                 <a:latin typeface="Arial"/>
               </a:rPr>
               <a:t>Click to edit the outline text format</a:t>
             </a:r>
-            <a:endParaRPr b="0" lang="en-US" sz="3200" spc="-1" strike="noStrike">
-              <a:solidFill>
-                <a:srgbClr val="000000"/>
-              </a:solidFill>
-              <a:uFill>
-                <a:solidFill>
-                  <a:srgbClr val="ffffff"/>
-                </a:solidFill>
-              </a:uFill>
-              <a:latin typeface="Arial"/>
-            </a:endParaRPr>
-          </a:p>
-          <a:p>
-            <a:pPr lvl="1" marL="864000" indent="-324000">
+          </a:p>
+          <a:p>
+            <a:pPr marL="864000" lvl="1" indent="-324000">
               <a:spcBef>
                 <a:spcPts val="1134"/>
               </a:spcBef>
@@ -2420,33 +2659,22 @@
               <a:buChar char=""/>
             </a:pPr>
             <a:r>
-              <a:rPr b="0" lang="en-US" sz="2800" spc="-1" strike="noStrike">
+              <a:rPr lang="en-US" sz="2800" b="0" strike="noStrike" spc="-1">
                 <a:solidFill>
                   <a:srgbClr val="000000"/>
                 </a:solidFill>
                 <a:uFill>
                   <a:solidFill>
-                    <a:srgbClr val="ffffff"/>
+                    <a:srgbClr val="FFFFFF"/>
                   </a:solidFill>
                 </a:uFill>
                 <a:latin typeface="Arial"/>
               </a:rPr>
               <a:t>Second Outline Level</a:t>
             </a:r>
-            <a:endParaRPr b="0" lang="en-US" sz="2800" spc="-1" strike="noStrike">
-              <a:solidFill>
-                <a:srgbClr val="000000"/>
-              </a:solidFill>
-              <a:uFill>
-                <a:solidFill>
-                  <a:srgbClr val="ffffff"/>
-                </a:solidFill>
-              </a:uFill>
-              <a:latin typeface="Arial"/>
-            </a:endParaRPr>
-          </a:p>
-          <a:p>
-            <a:pPr lvl="2" marL="1296000" indent="-288000">
+          </a:p>
+          <a:p>
+            <a:pPr marL="1296000" lvl="2" indent="-288000">
               <a:spcBef>
                 <a:spcPts val="850"/>
               </a:spcBef>
@@ -2458,33 +2686,22 @@
               <a:buChar char=""/>
             </a:pPr>
             <a:r>
-              <a:rPr b="0" lang="en-US" sz="2400" spc="-1" strike="noStrike">
+              <a:rPr lang="en-US" sz="2400" b="0" strike="noStrike" spc="-1">
                 <a:solidFill>
                   <a:srgbClr val="000000"/>
                 </a:solidFill>
                 <a:uFill>
                   <a:solidFill>
-                    <a:srgbClr val="ffffff"/>
+                    <a:srgbClr val="FFFFFF"/>
                   </a:solidFill>
                 </a:uFill>
                 <a:latin typeface="Arial"/>
               </a:rPr>
               <a:t>Third Outline Level</a:t>
             </a:r>
-            <a:endParaRPr b="0" lang="en-US" sz="2400" spc="-1" strike="noStrike">
-              <a:solidFill>
-                <a:srgbClr val="000000"/>
-              </a:solidFill>
-              <a:uFill>
-                <a:solidFill>
-                  <a:srgbClr val="ffffff"/>
-                </a:solidFill>
-              </a:uFill>
-              <a:latin typeface="Arial"/>
-            </a:endParaRPr>
-          </a:p>
-          <a:p>
-            <a:pPr lvl="3" marL="1728000" indent="-216000">
+          </a:p>
+          <a:p>
+            <a:pPr marL="1728000" lvl="3" indent="-216000">
               <a:spcBef>
                 <a:spcPts val="567"/>
               </a:spcBef>
@@ -2496,33 +2713,22 @@
               <a:buChar char=""/>
             </a:pPr>
             <a:r>
-              <a:rPr b="0" lang="en-US" sz="2000" spc="-1" strike="noStrike">
+              <a:rPr lang="en-US" sz="2000" b="0" strike="noStrike" spc="-1">
                 <a:solidFill>
                   <a:srgbClr val="000000"/>
                 </a:solidFill>
                 <a:uFill>
                   <a:solidFill>
-                    <a:srgbClr val="ffffff"/>
+                    <a:srgbClr val="FFFFFF"/>
                   </a:solidFill>
                 </a:uFill>
                 <a:latin typeface="Arial"/>
               </a:rPr>
               <a:t>Fourth Outline Level</a:t>
             </a:r>
-            <a:endParaRPr b="0" lang="en-US" sz="2000" spc="-1" strike="noStrike">
-              <a:solidFill>
-                <a:srgbClr val="000000"/>
-              </a:solidFill>
-              <a:uFill>
-                <a:solidFill>
-                  <a:srgbClr val="ffffff"/>
-                </a:solidFill>
-              </a:uFill>
-              <a:latin typeface="Arial"/>
-            </a:endParaRPr>
-          </a:p>
-          <a:p>
-            <a:pPr lvl="4" marL="2160000" indent="-216000">
+          </a:p>
+          <a:p>
+            <a:pPr marL="2160000" lvl="4" indent="-216000">
               <a:spcBef>
                 <a:spcPts val="283"/>
               </a:spcBef>
@@ -2534,33 +2740,22 @@
               <a:buChar char=""/>
             </a:pPr>
             <a:r>
-              <a:rPr b="0" lang="en-US" sz="2000" spc="-1" strike="noStrike">
+              <a:rPr lang="en-US" sz="2000" b="0" strike="noStrike" spc="-1">
                 <a:solidFill>
                   <a:srgbClr val="000000"/>
                 </a:solidFill>
                 <a:uFill>
                   <a:solidFill>
-                    <a:srgbClr val="ffffff"/>
+                    <a:srgbClr val="FFFFFF"/>
                   </a:solidFill>
                 </a:uFill>
                 <a:latin typeface="Arial"/>
               </a:rPr>
               <a:t>Fifth Outline Level</a:t>
             </a:r>
-            <a:endParaRPr b="0" lang="en-US" sz="2000" spc="-1" strike="noStrike">
-              <a:solidFill>
-                <a:srgbClr val="000000"/>
-              </a:solidFill>
-              <a:uFill>
-                <a:solidFill>
-                  <a:srgbClr val="ffffff"/>
-                </a:solidFill>
-              </a:uFill>
-              <a:latin typeface="Arial"/>
-            </a:endParaRPr>
-          </a:p>
-          <a:p>
-            <a:pPr lvl="5" marL="2592000" indent="-216000">
+          </a:p>
+          <a:p>
+            <a:pPr marL="2592000" lvl="5" indent="-216000">
               <a:spcBef>
                 <a:spcPts val="283"/>
               </a:spcBef>
@@ -2572,33 +2767,22 @@
               <a:buChar char=""/>
             </a:pPr>
             <a:r>
-              <a:rPr b="0" lang="en-US" sz="2000" spc="-1" strike="noStrike">
+              <a:rPr lang="en-US" sz="2000" b="0" strike="noStrike" spc="-1">
                 <a:solidFill>
                   <a:srgbClr val="000000"/>
                 </a:solidFill>
                 <a:uFill>
                   <a:solidFill>
-                    <a:srgbClr val="ffffff"/>
+                    <a:srgbClr val="FFFFFF"/>
                   </a:solidFill>
                 </a:uFill>
                 <a:latin typeface="Arial"/>
               </a:rPr>
               <a:t>Sixth Outline Level</a:t>
             </a:r>
-            <a:endParaRPr b="0" lang="en-US" sz="2000" spc="-1" strike="noStrike">
-              <a:solidFill>
-                <a:srgbClr val="000000"/>
-              </a:solidFill>
-              <a:uFill>
-                <a:solidFill>
-                  <a:srgbClr val="ffffff"/>
-                </a:solidFill>
-              </a:uFill>
-              <a:latin typeface="Arial"/>
-            </a:endParaRPr>
-          </a:p>
-          <a:p>
-            <a:pPr lvl="6" marL="3024000" indent="-216000">
+          </a:p>
+          <a:p>
+            <a:pPr marL="3024000" lvl="6" indent="-216000">
               <a:spcBef>
                 <a:spcPts val="283"/>
               </a:spcBef>
@@ -2610,55 +2794,324 @@
               <a:buChar char=""/>
             </a:pPr>
             <a:r>
-              <a:rPr b="0" lang="en-US" sz="2000" spc="-1" strike="noStrike">
+              <a:rPr lang="en-US" sz="2000" b="0" strike="noStrike" spc="-1">
                 <a:solidFill>
                   <a:srgbClr val="000000"/>
                 </a:solidFill>
                 <a:uFill>
                   <a:solidFill>
-                    <a:srgbClr val="ffffff"/>
+                    <a:srgbClr val="FFFFFF"/>
                   </a:solidFill>
                 </a:uFill>
                 <a:latin typeface="Arial"/>
               </a:rPr>
               <a:t>Seventh Outline Level</a:t>
             </a:r>
-            <a:endParaRPr b="0" lang="en-US" sz="2000" spc="-1" strike="noStrike">
-              <a:solidFill>
-                <a:srgbClr val="000000"/>
-              </a:solidFill>
-              <a:uFill>
-                <a:solidFill>
-                  <a:srgbClr val="ffffff"/>
-                </a:solidFill>
-              </a:uFill>
-              <a:latin typeface="Arial"/>
-            </a:endParaRPr>
           </a:p>
         </p:txBody>
       </p:sp>
     </p:spTree>
   </p:cSld>
-  <p:clrMap bg1="lt1" bg2="lt2" tx1="dk1" tx2="dk2" accent1="accent1" accent2="accent2" accent3="accent3" accent4="accent4" accent5="accent5" accent6="accent6" hlink="hlink" folHlink="folHlink"/>
+  <p:clrMap bg1="lt1" tx1="dk1" bg2="lt2" tx2="dk2" accent1="accent1" accent2="accent2" accent3="accent3" accent4="accent4" accent5="accent5" accent6="accent6" hlink="hlink" folHlink="folHlink"/>
   <p:sldLayoutIdLst>
-    <p:sldLayoutId id="2147483649" r:id="rId2"/>
-    <p:sldLayoutId id="2147483650" r:id="rId3"/>
-    <p:sldLayoutId id="2147483651" r:id="rId4"/>
-    <p:sldLayoutId id="2147483652" r:id="rId5"/>
-    <p:sldLayoutId id="2147483653" r:id="rId6"/>
-    <p:sldLayoutId id="2147483654" r:id="rId7"/>
-    <p:sldLayoutId id="2147483655" r:id="rId8"/>
-    <p:sldLayoutId id="2147483656" r:id="rId9"/>
-    <p:sldLayoutId id="2147483657" r:id="rId10"/>
-    <p:sldLayoutId id="2147483658" r:id="rId11"/>
-    <p:sldLayoutId id="2147483659" r:id="rId12"/>
-    <p:sldLayoutId id="2147483660" r:id="rId13"/>
+    <p:sldLayoutId id="2147483649" r:id="rId1"/>
+    <p:sldLayoutId id="2147483650" r:id="rId2"/>
+    <p:sldLayoutId id="2147483651" r:id="rId3"/>
+    <p:sldLayoutId id="2147483652" r:id="rId4"/>
+    <p:sldLayoutId id="2147483653" r:id="rId5"/>
+    <p:sldLayoutId id="2147483654" r:id="rId6"/>
+    <p:sldLayoutId id="2147483655" r:id="rId7"/>
+    <p:sldLayoutId id="2147483656" r:id="rId8"/>
+    <p:sldLayoutId id="2147483657" r:id="rId9"/>
+    <p:sldLayoutId id="2147483658" r:id="rId10"/>
+    <p:sldLayoutId id="2147483659" r:id="rId11"/>
+    <p:sldLayoutId id="2147483660" r:id="rId12"/>
   </p:sldLayoutIdLst>
+  <p:txStyles>
+    <p:titleStyle>
+      <a:lvl1pPr algn="l" defTabSz="914400" rtl="0" eaLnBrk="1" latinLnBrk="0" hangingPunct="1">
+        <a:lnSpc>
+          <a:spcPct val="90000"/>
+        </a:lnSpc>
+        <a:spcBef>
+          <a:spcPct val="0"/>
+        </a:spcBef>
+        <a:buNone/>
+        <a:defRPr sz="4400" kern="1200">
+          <a:solidFill>
+            <a:schemeClr val="tx1"/>
+          </a:solidFill>
+          <a:latin typeface="+mj-lt"/>
+          <a:ea typeface="+mj-ea"/>
+          <a:cs typeface="+mj-cs"/>
+        </a:defRPr>
+      </a:lvl1pPr>
+    </p:titleStyle>
+    <p:bodyStyle>
+      <a:lvl1pPr marL="228600" indent="-228600" algn="l" defTabSz="914400" rtl="0" eaLnBrk="1" latinLnBrk="0" hangingPunct="1">
+        <a:lnSpc>
+          <a:spcPct val="90000"/>
+        </a:lnSpc>
+        <a:spcBef>
+          <a:spcPts val="1000"/>
+        </a:spcBef>
+        <a:buFont typeface="Arial" panose="020B0604020202020204" pitchFamily="34" charset="0"/>
+        <a:buChar char="•"/>
+        <a:defRPr sz="2800" kern="1200">
+          <a:solidFill>
+            <a:schemeClr val="tx1"/>
+          </a:solidFill>
+          <a:latin typeface="+mn-lt"/>
+          <a:ea typeface="+mn-ea"/>
+          <a:cs typeface="+mn-cs"/>
+        </a:defRPr>
+      </a:lvl1pPr>
+      <a:lvl2pPr marL="685800" indent="-228600" algn="l" defTabSz="914400" rtl="0" eaLnBrk="1" latinLnBrk="0" hangingPunct="1">
+        <a:lnSpc>
+          <a:spcPct val="90000"/>
+        </a:lnSpc>
+        <a:spcBef>
+          <a:spcPts val="500"/>
+        </a:spcBef>
+        <a:buFont typeface="Arial" panose="020B0604020202020204" pitchFamily="34" charset="0"/>
+        <a:buChar char="•"/>
+        <a:defRPr sz="2400" kern="1200">
+          <a:solidFill>
+            <a:schemeClr val="tx1"/>
+          </a:solidFill>
+          <a:latin typeface="+mn-lt"/>
+          <a:ea typeface="+mn-ea"/>
+          <a:cs typeface="+mn-cs"/>
+        </a:defRPr>
+      </a:lvl2pPr>
+      <a:lvl3pPr marL="1143000" indent="-228600" algn="l" defTabSz="914400" rtl="0" eaLnBrk="1" latinLnBrk="0" hangingPunct="1">
+        <a:lnSpc>
+          <a:spcPct val="90000"/>
+        </a:lnSpc>
+        <a:spcBef>
+          <a:spcPts val="500"/>
+        </a:spcBef>
+        <a:buFont typeface="Arial" panose="020B0604020202020204" pitchFamily="34" charset="0"/>
+        <a:buChar char="•"/>
+        <a:defRPr sz="2000" kern="1200">
+          <a:solidFill>
+            <a:schemeClr val="tx1"/>
+          </a:solidFill>
+          <a:latin typeface="+mn-lt"/>
+          <a:ea typeface="+mn-ea"/>
+          <a:cs typeface="+mn-cs"/>
+        </a:defRPr>
+      </a:lvl3pPr>
+      <a:lvl4pPr marL="1600200" indent="-228600" algn="l" defTabSz="914400" rtl="0" eaLnBrk="1" latinLnBrk="0" hangingPunct="1">
+        <a:lnSpc>
+          <a:spcPct val="90000"/>
+        </a:lnSpc>
+        <a:spcBef>
+          <a:spcPts val="500"/>
+        </a:spcBef>
+        <a:buFont typeface="Arial" panose="020B0604020202020204" pitchFamily="34" charset="0"/>
+        <a:buChar char="•"/>
+        <a:defRPr sz="1800" kern="1200">
+          <a:solidFill>
+            <a:schemeClr val="tx1"/>
+          </a:solidFill>
+          <a:latin typeface="+mn-lt"/>
+          <a:ea typeface="+mn-ea"/>
+          <a:cs typeface="+mn-cs"/>
+        </a:defRPr>
+      </a:lvl4pPr>
+      <a:lvl5pPr marL="2057400" indent="-228600" algn="l" defTabSz="914400" rtl="0" eaLnBrk="1" latinLnBrk="0" hangingPunct="1">
+        <a:lnSpc>
+          <a:spcPct val="90000"/>
+        </a:lnSpc>
+        <a:spcBef>
+          <a:spcPts val="500"/>
+        </a:spcBef>
+        <a:buFont typeface="Arial" panose="020B0604020202020204" pitchFamily="34" charset="0"/>
+        <a:buChar char="•"/>
+        <a:defRPr sz="1800" kern="1200">
+          <a:solidFill>
+            <a:schemeClr val="tx1"/>
+          </a:solidFill>
+          <a:latin typeface="+mn-lt"/>
+          <a:ea typeface="+mn-ea"/>
+          <a:cs typeface="+mn-cs"/>
+        </a:defRPr>
+      </a:lvl5pPr>
+      <a:lvl6pPr marL="2514600" indent="-228600" algn="l" defTabSz="914400" rtl="0" eaLnBrk="1" latinLnBrk="0" hangingPunct="1">
+        <a:lnSpc>
+          <a:spcPct val="90000"/>
+        </a:lnSpc>
+        <a:spcBef>
+          <a:spcPts val="500"/>
+        </a:spcBef>
+        <a:buFont typeface="Arial" panose="020B0604020202020204" pitchFamily="34" charset="0"/>
+        <a:buChar char="•"/>
+        <a:defRPr sz="1800" kern="1200">
+          <a:solidFill>
+            <a:schemeClr val="tx1"/>
+          </a:solidFill>
+          <a:latin typeface="+mn-lt"/>
+          <a:ea typeface="+mn-ea"/>
+          <a:cs typeface="+mn-cs"/>
+        </a:defRPr>
+      </a:lvl6pPr>
+      <a:lvl7pPr marL="2971800" indent="-228600" algn="l" defTabSz="914400" rtl="0" eaLnBrk="1" latinLnBrk="0" hangingPunct="1">
+        <a:lnSpc>
+          <a:spcPct val="90000"/>
+        </a:lnSpc>
+        <a:spcBef>
+          <a:spcPts val="500"/>
+        </a:spcBef>
+        <a:buFont typeface="Arial" panose="020B0604020202020204" pitchFamily="34" charset="0"/>
+        <a:buChar char="•"/>
+        <a:defRPr sz="1800" kern="1200">
+          <a:solidFill>
+            <a:schemeClr val="tx1"/>
+          </a:solidFill>
+          <a:latin typeface="+mn-lt"/>
+          <a:ea typeface="+mn-ea"/>
+          <a:cs typeface="+mn-cs"/>
+        </a:defRPr>
+      </a:lvl7pPr>
+      <a:lvl8pPr marL="3429000" indent="-228600" algn="l" defTabSz="914400" rtl="0" eaLnBrk="1" latinLnBrk="0" hangingPunct="1">
+        <a:lnSpc>
+          <a:spcPct val="90000"/>
+        </a:lnSpc>
+        <a:spcBef>
+          <a:spcPts val="500"/>
+        </a:spcBef>
+        <a:buFont typeface="Arial" panose="020B0604020202020204" pitchFamily="34" charset="0"/>
+        <a:buChar char="•"/>
+        <a:defRPr sz="1800" kern="1200">
+          <a:solidFill>
+            <a:schemeClr val="tx1"/>
+          </a:solidFill>
+          <a:latin typeface="+mn-lt"/>
+          <a:ea typeface="+mn-ea"/>
+          <a:cs typeface="+mn-cs"/>
+        </a:defRPr>
+      </a:lvl8pPr>
+      <a:lvl9pPr marL="3886200" indent="-228600" algn="l" defTabSz="914400" rtl="0" eaLnBrk="1" latinLnBrk="0" hangingPunct="1">
+        <a:lnSpc>
+          <a:spcPct val="90000"/>
+        </a:lnSpc>
+        <a:spcBef>
+          <a:spcPts val="500"/>
+        </a:spcBef>
+        <a:buFont typeface="Arial" panose="020B0604020202020204" pitchFamily="34" charset="0"/>
+        <a:buChar char="•"/>
+        <a:defRPr sz="1800" kern="1200">
+          <a:solidFill>
+            <a:schemeClr val="tx1"/>
+          </a:solidFill>
+          <a:latin typeface="+mn-lt"/>
+          <a:ea typeface="+mn-ea"/>
+          <a:cs typeface="+mn-cs"/>
+        </a:defRPr>
+      </a:lvl9pPr>
+    </p:bodyStyle>
+    <p:otherStyle>
+      <a:defPPr>
+        <a:defRPr lang="en-US"/>
+      </a:defPPr>
+      <a:lvl1pPr marL="0" algn="l" defTabSz="914400" rtl="0" eaLnBrk="1" latinLnBrk="0" hangingPunct="1">
+        <a:defRPr sz="1800" kern="1200">
+          <a:solidFill>
+            <a:schemeClr val="tx1"/>
+          </a:solidFill>
+          <a:latin typeface="+mn-lt"/>
+          <a:ea typeface="+mn-ea"/>
+          <a:cs typeface="+mn-cs"/>
+        </a:defRPr>
+      </a:lvl1pPr>
+      <a:lvl2pPr marL="457200" algn="l" defTabSz="914400" rtl="0" eaLnBrk="1" latinLnBrk="0" hangingPunct="1">
+        <a:defRPr sz="1800" kern="1200">
+          <a:solidFill>
+            <a:schemeClr val="tx1"/>
+          </a:solidFill>
+          <a:latin typeface="+mn-lt"/>
+          <a:ea typeface="+mn-ea"/>
+          <a:cs typeface="+mn-cs"/>
+        </a:defRPr>
+      </a:lvl2pPr>
+      <a:lvl3pPr marL="914400" algn="l" defTabSz="914400" rtl="0" eaLnBrk="1" latinLnBrk="0" hangingPunct="1">
+        <a:defRPr sz="1800" kern="1200">
+          <a:solidFill>
+            <a:schemeClr val="tx1"/>
+          </a:solidFill>
+          <a:latin typeface="+mn-lt"/>
+          <a:ea typeface="+mn-ea"/>
+          <a:cs typeface="+mn-cs"/>
+        </a:defRPr>
+      </a:lvl3pPr>
+      <a:lvl4pPr marL="1371600" algn="l" defTabSz="914400" rtl="0" eaLnBrk="1" latinLnBrk="0" hangingPunct="1">
+        <a:defRPr sz="1800" kern="1200">
+          <a:solidFill>
+            <a:schemeClr val="tx1"/>
+          </a:solidFill>
+          <a:latin typeface="+mn-lt"/>
+          <a:ea typeface="+mn-ea"/>
+          <a:cs typeface="+mn-cs"/>
+        </a:defRPr>
+      </a:lvl4pPr>
+      <a:lvl5pPr marL="1828800" algn="l" defTabSz="914400" rtl="0" eaLnBrk="1" latinLnBrk="0" hangingPunct="1">
+        <a:defRPr sz="1800" kern="1200">
+          <a:solidFill>
+            <a:schemeClr val="tx1"/>
+          </a:solidFill>
+          <a:latin typeface="+mn-lt"/>
+          <a:ea typeface="+mn-ea"/>
+          <a:cs typeface="+mn-cs"/>
+        </a:defRPr>
+      </a:lvl5pPr>
+      <a:lvl6pPr marL="2286000" algn="l" defTabSz="914400" rtl="0" eaLnBrk="1" latinLnBrk="0" hangingPunct="1">
+        <a:defRPr sz="1800" kern="1200">
+          <a:solidFill>
+            <a:schemeClr val="tx1"/>
+          </a:solidFill>
+          <a:latin typeface="+mn-lt"/>
+          <a:ea typeface="+mn-ea"/>
+          <a:cs typeface="+mn-cs"/>
+        </a:defRPr>
+      </a:lvl6pPr>
+      <a:lvl7pPr marL="2743200" algn="l" defTabSz="914400" rtl="0" eaLnBrk="1" latinLnBrk="0" hangingPunct="1">
+        <a:defRPr sz="1800" kern="1200">
+          <a:solidFill>
+            <a:schemeClr val="tx1"/>
+          </a:solidFill>
+          <a:latin typeface="+mn-lt"/>
+          <a:ea typeface="+mn-ea"/>
+          <a:cs typeface="+mn-cs"/>
+        </a:defRPr>
+      </a:lvl7pPr>
+      <a:lvl8pPr marL="3200400" algn="l" defTabSz="914400" rtl="0" eaLnBrk="1" latinLnBrk="0" hangingPunct="1">
+        <a:defRPr sz="1800" kern="1200">
+          <a:solidFill>
+            <a:schemeClr val="tx1"/>
+          </a:solidFill>
+          <a:latin typeface="+mn-lt"/>
+          <a:ea typeface="+mn-ea"/>
+          <a:cs typeface="+mn-cs"/>
+        </a:defRPr>
+      </a:lvl8pPr>
+      <a:lvl9pPr marL="3657600" algn="l" defTabSz="914400" rtl="0" eaLnBrk="1" latinLnBrk="0" hangingPunct="1">
+        <a:defRPr sz="1800" kern="1200">
+          <a:solidFill>
+            <a:schemeClr val="tx1"/>
+          </a:solidFill>
+          <a:latin typeface="+mn-lt"/>
+          <a:ea typeface="+mn-ea"/>
+          <a:cs typeface="+mn-cs"/>
+        </a:defRPr>
+      </a:lvl9pPr>
+    </p:otherStyle>
+  </p:txStyles>
 </p:sldMaster>
 </file>
 
 <file path=ppt/slides/slide1.xml><?xml version="1.0" encoding="utf-8"?>
-<p:sld xmlns:a="http://schemas.openxmlformats.org/drawingml/2006/main" xmlns:p="http://schemas.openxmlformats.org/presentationml/2006/main" xmlns:r="http://schemas.openxmlformats.org/officeDocument/2006/relationships" xmlns:p14="http://schemas.microsoft.com/office/powerpoint/2010/main" xmlns:p15="http://schemas.microsoft.com/office/powerpoint/2012/main" xmlns:mc="http://schemas.openxmlformats.org/markup-compatibility/2006">
+<p:sld xmlns:a="http://schemas.openxmlformats.org/drawingml/2006/main" xmlns:r="http://schemas.openxmlformats.org/officeDocument/2006/relationships" xmlns:p="http://schemas.openxmlformats.org/presentationml/2006/main">
   <p:cSld>
     <p:spTree>
       <p:nvGrpSpPr>
@@ -2694,13 +3147,20 @@
           </a:ln>
         </p:spPr>
         <p:style>
-          <a:lnRef idx="0"/>
-          <a:fillRef idx="0"/>
-          <a:effectRef idx="0"/>
+          <a:lnRef idx="0">
+            <a:scrgbClr r="0" g="0" b="0"/>
+          </a:lnRef>
+          <a:fillRef idx="0">
+            <a:scrgbClr r="0" g="0" b="0"/>
+          </a:fillRef>
+          <a:effectRef idx="0">
+            <a:scrgbClr r="0" g="0" b="0"/>
+          </a:effectRef>
           <a:fontRef idx="minor"/>
         </p:style>
         <p:txBody>
-          <a:bodyPr lIns="90000" rIns="90000" tIns="45000" bIns="45000" anchor="ctr"/>
+          <a:bodyPr lIns="90000" tIns="45000" rIns="90000" bIns="45000" anchor="ctr"/>
+          <a:lstStyle/>
           <a:p>
             <a:pPr algn="r">
               <a:lnSpc>
@@ -2708,26 +3168,26 @@
               </a:lnSpc>
             </a:pPr>
             <a:fld id="{9B4A21BD-205A-4B67-A892-3A45B1867CCE}" type="slidenum">
-              <a:rPr b="0" lang="en-US" sz="1200" spc="-1" strike="noStrike">
-                <a:solidFill>
-                  <a:srgbClr val="8b8b8b"/>
+              <a:rPr lang="en-US" sz="1200" b="0" strike="noStrike" spc="-1">
+                <a:solidFill>
+                  <a:srgbClr val="8B8B8B"/>
                 </a:solidFill>
                 <a:uFill>
                   <a:solidFill>
-                    <a:srgbClr val="ffffff"/>
+                    <a:srgbClr val="FFFFFF"/>
                   </a:solidFill>
                 </a:uFill>
                 <a:latin typeface="Garamond"/>
               </a:rPr>
-              <a:t>&lt;number&gt;</a:t>
+              <a:t>1</a:t>
             </a:fld>
-            <a:endParaRPr b="0" lang="en-US" sz="1200" spc="-1" strike="noStrike">
+            <a:endParaRPr lang="en-US" sz="1200" b="0" strike="noStrike" spc="-1">
               <a:solidFill>
                 <a:srgbClr val="000000"/>
               </a:solidFill>
               <a:uFill>
                 <a:solidFill>
-                  <a:srgbClr val="ffffff"/>
+                  <a:srgbClr val="FFFFFF"/>
                 </a:solidFill>
               </a:uFill>
               <a:latin typeface="Arial"/>
@@ -2755,13 +3215,20 @@
           </a:ln>
         </p:spPr>
         <p:style>
-          <a:lnRef idx="0"/>
-          <a:fillRef idx="0"/>
-          <a:effectRef idx="0"/>
+          <a:lnRef idx="0">
+            <a:scrgbClr r="0" g="0" b="0"/>
+          </a:lnRef>
+          <a:fillRef idx="0">
+            <a:scrgbClr r="0" g="0" b="0"/>
+          </a:fillRef>
+          <a:effectRef idx="0">
+            <a:scrgbClr r="0" g="0" b="0"/>
+          </a:effectRef>
           <a:fontRef idx="minor"/>
         </p:style>
         <p:txBody>
-          <a:bodyPr wrap="none" lIns="90000" rIns="90000" tIns="45000" bIns="45000"/>
+          <a:bodyPr wrap="none" lIns="90000" tIns="45000" rIns="90000" bIns="45000"/>
+          <a:lstStyle/>
           <a:p>
             <a:pPr>
               <a:lnSpc>
@@ -2769,13 +3236,13 @@
               </a:lnSpc>
             </a:pPr>
             <a:r>
-              <a:rPr b="0" lang="en-US" sz="1200" spc="-1" strike="noStrike">
+              <a:rPr lang="en-US" sz="1200" b="0" strike="noStrike" spc="-1">
                 <a:solidFill>
                   <a:srgbClr val="000000"/>
                 </a:solidFill>
                 <a:uFill>
                   <a:solidFill>
-                    <a:srgbClr val="ffffff"/>
+                    <a:srgbClr val="FFFFFF"/>
                   </a:solidFill>
                 </a:uFill>
                 <a:latin typeface="Garamond"/>
@@ -2783,13 +3250,13 @@
               </a:rPr>
               <a:t>Portland State Aerospace Society | Electric Propellant Feed System</a:t>
             </a:r>
-            <a:endParaRPr b="0" lang="en-US" sz="1200" spc="-1" strike="noStrike">
+            <a:endParaRPr lang="en-US" sz="1200" b="0" strike="noStrike" spc="-1">
               <a:solidFill>
                 <a:srgbClr val="000000"/>
               </a:solidFill>
               <a:uFill>
                 <a:solidFill>
-                  <a:srgbClr val="ffffff"/>
+                  <a:srgbClr val="FFFFFF"/>
                 </a:solidFill>
               </a:uFill>
               <a:latin typeface="Arial"/>
@@ -2799,12 +3266,12 @@
       </p:sp>
       <p:pic>
         <p:nvPicPr>
-          <p:cNvPr id="45" name="Picture 2" descr=""/>
+          <p:cNvPr id="45" name="Picture 2"/>
           <p:cNvPicPr/>
           <p:nvPr/>
         </p:nvPicPr>
         <p:blipFill>
-          <a:blip r:embed="rId1"/>
+          <a:blip r:embed="rId3"/>
           <a:stretch/>
         </p:blipFill>
         <p:spPr>
@@ -2822,6 +3289,9 @@
       </p:pic>
     </p:spTree>
   </p:cSld>
+  <p:clrMapOvr>
+    <a:masterClrMapping/>
+  </p:clrMapOvr>
   <p:timing>
     <p:tnLst>
       <p:par>
@@ -2830,14 +3300,14 @@
             <p:seq>
               <p:cTn id="2" nodeType="mainSeq"/>
               <p:prevCondLst>
-                <p:cond delay="0" evt="onPrev">
+                <p:cond evt="onPrev" delay="0">
                   <p:tgtEl>
                     <p:sldTgt/>
                   </p:tgtEl>
                 </p:cond>
               </p:prevCondLst>
               <p:nextCondLst>
-                <p:cond delay="0" evt="onNext">
+                <p:cond evt="onNext" delay="0">
                   <p:tgtEl>
                     <p:sldTgt/>
                   </p:tgtEl>
@@ -2853,7 +3323,7 @@
 </file>
 
 <file path=ppt/slides/slide2.xml><?xml version="1.0" encoding="utf-8"?>
-<p:sld xmlns:a="http://schemas.openxmlformats.org/drawingml/2006/main" xmlns:p="http://schemas.openxmlformats.org/presentationml/2006/main" xmlns:r="http://schemas.openxmlformats.org/officeDocument/2006/relationships" xmlns:p14="http://schemas.microsoft.com/office/powerpoint/2010/main" xmlns:p15="http://schemas.microsoft.com/office/powerpoint/2012/main" xmlns:mc="http://schemas.openxmlformats.org/markup-compatibility/2006">
+<p:sld xmlns:a="http://schemas.openxmlformats.org/drawingml/2006/main" xmlns:r="http://schemas.openxmlformats.org/officeDocument/2006/relationships" xmlns:p="http://schemas.openxmlformats.org/presentationml/2006/main">
   <p:cSld>
     <p:spTree>
       <p:nvGrpSpPr>
@@ -2889,13 +3359,20 @@
           </a:ln>
         </p:spPr>
         <p:style>
-          <a:lnRef idx="0"/>
-          <a:fillRef idx="0"/>
-          <a:effectRef idx="0"/>
+          <a:lnRef idx="0">
+            <a:scrgbClr r="0" g="0" b="0"/>
+          </a:lnRef>
+          <a:fillRef idx="0">
+            <a:scrgbClr r="0" g="0" b="0"/>
+          </a:fillRef>
+          <a:effectRef idx="0">
+            <a:scrgbClr r="0" g="0" b="0"/>
+          </a:effectRef>
           <a:fontRef idx="minor"/>
         </p:style>
         <p:txBody>
-          <a:bodyPr lIns="90000" rIns="90000" tIns="45000" bIns="45000" anchor="ctr"/>
+          <a:bodyPr lIns="90000" tIns="45000" rIns="90000" bIns="45000" anchor="ctr"/>
+          <a:lstStyle/>
           <a:p>
             <a:pPr algn="r">
               <a:lnSpc>
@@ -2903,26 +3380,26 @@
               </a:lnSpc>
             </a:pPr>
             <a:fld id="{3362C508-CAF0-4EBC-B05E-5E6507EE009F}" type="slidenum">
-              <a:rPr b="0" lang="en-US" sz="1200" spc="-1" strike="noStrike">
-                <a:solidFill>
-                  <a:srgbClr val="8b8b8b"/>
+              <a:rPr lang="en-US" sz="1200" b="0" strike="noStrike" spc="-1">
+                <a:solidFill>
+                  <a:srgbClr val="8B8B8B"/>
                 </a:solidFill>
                 <a:uFill>
                   <a:solidFill>
-                    <a:srgbClr val="ffffff"/>
+                    <a:srgbClr val="FFFFFF"/>
                   </a:solidFill>
                 </a:uFill>
                 <a:latin typeface="Garamond"/>
               </a:rPr>
-              <a:t>&lt;number&gt;</a:t>
+              <a:t>2</a:t>
             </a:fld>
-            <a:endParaRPr b="0" lang="en-US" sz="1200" spc="-1" strike="noStrike">
+            <a:endParaRPr lang="en-US" sz="1200" b="0" strike="noStrike" spc="-1">
               <a:solidFill>
                 <a:srgbClr val="000000"/>
               </a:solidFill>
               <a:uFill>
                 <a:solidFill>
-                  <a:srgbClr val="ffffff"/>
+                  <a:srgbClr val="FFFFFF"/>
                 </a:solidFill>
               </a:uFill>
               <a:latin typeface="Arial"/>
@@ -2950,13 +3427,20 @@
           </a:ln>
         </p:spPr>
         <p:style>
-          <a:lnRef idx="0"/>
-          <a:fillRef idx="0"/>
-          <a:effectRef idx="0"/>
+          <a:lnRef idx="0">
+            <a:scrgbClr r="0" g="0" b="0"/>
+          </a:lnRef>
+          <a:fillRef idx="0">
+            <a:scrgbClr r="0" g="0" b="0"/>
+          </a:fillRef>
+          <a:effectRef idx="0">
+            <a:scrgbClr r="0" g="0" b="0"/>
+          </a:effectRef>
           <a:fontRef idx="minor"/>
         </p:style>
         <p:txBody>
-          <a:bodyPr lIns="90000" rIns="90000" tIns="45000" bIns="45000"/>
+          <a:bodyPr lIns="90000" tIns="45000" rIns="90000" bIns="45000"/>
+          <a:lstStyle/>
           <a:p>
             <a:pPr algn="ctr">
               <a:lnSpc>
@@ -2964,13 +3448,13 @@
               </a:lnSpc>
             </a:pPr>
             <a:r>
-              <a:rPr b="1" lang="en-US" sz="2400" spc="-1" strike="noStrike">
-                <a:solidFill>
-                  <a:srgbClr val="c00000"/>
+              <a:rPr lang="en-US" sz="2400" b="1" strike="noStrike" spc="-1">
+                <a:solidFill>
+                  <a:srgbClr val="C00000"/>
                 </a:solidFill>
                 <a:uFill>
                   <a:solidFill>
-                    <a:srgbClr val="ffffff"/>
+                    <a:srgbClr val="FFFFFF"/>
                   </a:solidFill>
                 </a:uFill>
                 <a:latin typeface="Garamond"/>
@@ -2978,13 +3462,13 @@
               </a:rPr>
               <a:t>Open-ended literature review</a:t>
             </a:r>
-            <a:endParaRPr b="0" lang="en-US" sz="2400" spc="-1" strike="noStrike">
+            <a:endParaRPr lang="en-US" sz="2400" b="0" strike="noStrike" spc="-1">
               <a:solidFill>
                 <a:srgbClr val="000000"/>
               </a:solidFill>
               <a:uFill>
                 <a:solidFill>
-                  <a:srgbClr val="ffffff"/>
+                  <a:srgbClr val="FFFFFF"/>
                 </a:solidFill>
               </a:uFill>
               <a:latin typeface="Arial"/>
@@ -2994,53 +3478,7 @@
       </p:sp>
       <p:pic>
         <p:nvPicPr>
-          <p:cNvPr id="48" name="Picture 39" descr=""/>
-          <p:cNvPicPr/>
-          <p:nvPr/>
-        </p:nvPicPr>
-        <p:blipFill>
-          <a:blip r:embed="rId1"/>
-          <a:stretch/>
-        </p:blipFill>
-        <p:spPr>
-          <a:xfrm>
-            <a:off x="231840" y="1381320"/>
-            <a:ext cx="3006720" cy="1333440"/>
-          </a:xfrm>
-          <a:prstGeom prst="rect">
-            <a:avLst/>
-          </a:prstGeom>
-          <a:ln>
-            <a:noFill/>
-          </a:ln>
-        </p:spPr>
-      </p:pic>
-      <p:pic>
-        <p:nvPicPr>
-          <p:cNvPr id="49" name="Picture 40" descr=""/>
-          <p:cNvPicPr/>
-          <p:nvPr/>
-        </p:nvPicPr>
-        <p:blipFill>
-          <a:blip r:embed="rId2"/>
-          <a:stretch/>
-        </p:blipFill>
-        <p:spPr>
-          <a:xfrm>
-            <a:off x="268560" y="4032720"/>
-            <a:ext cx="3057480" cy="1200240"/>
-          </a:xfrm>
-          <a:prstGeom prst="rect">
-            <a:avLst/>
-          </a:prstGeom>
-          <a:ln>
-            <a:noFill/>
-          </a:ln>
-        </p:spPr>
-      </p:pic>
-      <p:pic>
-        <p:nvPicPr>
-          <p:cNvPr id="50" name="Picture 41" descr=""/>
+          <p:cNvPr id="48" name="Picture 39"/>
           <p:cNvPicPr/>
           <p:nvPr/>
         </p:nvPicPr>
@@ -3050,8 +3488,8 @@
         </p:blipFill>
         <p:spPr>
           <a:xfrm>
-            <a:off x="263880" y="2747160"/>
-            <a:ext cx="3015000" cy="418320"/>
+            <a:off x="231840" y="1381320"/>
+            <a:ext cx="3006720" cy="1333440"/>
           </a:xfrm>
           <a:prstGeom prst="rect">
             <a:avLst/>
@@ -3063,7 +3501,7 @@
       </p:pic>
       <p:pic>
         <p:nvPicPr>
-          <p:cNvPr id="51" name="Picture 42" descr=""/>
+          <p:cNvPr id="49" name="Picture 40"/>
           <p:cNvPicPr/>
           <p:nvPr/>
         </p:nvPicPr>
@@ -3073,8 +3511,8 @@
         </p:blipFill>
         <p:spPr>
           <a:xfrm>
-            <a:off x="195480" y="3223080"/>
-            <a:ext cx="2618640" cy="808920"/>
+            <a:off x="268560" y="4032720"/>
+            <a:ext cx="3057480" cy="1200240"/>
           </a:xfrm>
           <a:prstGeom prst="rect">
             <a:avLst/>
@@ -3086,7 +3524,7 @@
       </p:pic>
       <p:pic>
         <p:nvPicPr>
-          <p:cNvPr id="52" name="Picture 43" descr=""/>
+          <p:cNvPr id="50" name="Picture 41"/>
           <p:cNvPicPr/>
           <p:nvPr/>
         </p:nvPicPr>
@@ -3096,8 +3534,8 @@
         </p:blipFill>
         <p:spPr>
           <a:xfrm>
-            <a:off x="185760" y="5339880"/>
-            <a:ext cx="3093120" cy="1071720"/>
+            <a:off x="263880" y="2747160"/>
+            <a:ext cx="3015000" cy="418320"/>
           </a:xfrm>
           <a:prstGeom prst="rect">
             <a:avLst/>
@@ -3109,7 +3547,7 @@
       </p:pic>
       <p:pic>
         <p:nvPicPr>
-          <p:cNvPr id="53" name="Picture 5" descr=""/>
+          <p:cNvPr id="51" name="Picture 42"/>
           <p:cNvPicPr/>
           <p:nvPr/>
         </p:nvPicPr>
@@ -3119,8 +3557,8 @@
         </p:blipFill>
         <p:spPr>
           <a:xfrm>
-            <a:off x="4705560" y="2739240"/>
-            <a:ext cx="2874240" cy="390960"/>
+            <a:off x="195480" y="3223080"/>
+            <a:ext cx="2618640" cy="808920"/>
           </a:xfrm>
           <a:prstGeom prst="rect">
             <a:avLst/>
@@ -3132,7 +3570,7 @@
       </p:pic>
       <p:pic>
         <p:nvPicPr>
-          <p:cNvPr id="54" name="Picture 6" descr=""/>
+          <p:cNvPr id="52" name="Picture 43"/>
           <p:cNvPicPr/>
           <p:nvPr/>
         </p:nvPicPr>
@@ -3142,8 +3580,8 @@
         </p:blipFill>
         <p:spPr>
           <a:xfrm>
-            <a:off x="4665600" y="1320840"/>
-            <a:ext cx="2954160" cy="553320"/>
+            <a:off x="185760" y="5339880"/>
+            <a:ext cx="3093120" cy="1071720"/>
           </a:xfrm>
           <a:prstGeom prst="rect">
             <a:avLst/>
@@ -3155,7 +3593,7 @@
       </p:pic>
       <p:pic>
         <p:nvPicPr>
-          <p:cNvPr id="55" name="Picture 8" descr=""/>
+          <p:cNvPr id="53" name="Picture 5"/>
           <p:cNvPicPr/>
           <p:nvPr/>
         </p:nvPicPr>
@@ -3164,9 +3602,9 @@
           <a:stretch/>
         </p:blipFill>
         <p:spPr>
-          <a:xfrm rot="5400000">
-            <a:off x="6092280" y="3886560"/>
-            <a:ext cx="2090160" cy="450000"/>
+          <a:xfrm>
+            <a:off x="4705560" y="2739240"/>
+            <a:ext cx="2874240" cy="390960"/>
           </a:xfrm>
           <a:prstGeom prst="rect">
             <a:avLst/>
@@ -3178,7 +3616,7 @@
       </p:pic>
       <p:pic>
         <p:nvPicPr>
-          <p:cNvPr id="56" name="Picture 10" descr=""/>
+          <p:cNvPr id="54" name="Picture 6"/>
           <p:cNvPicPr/>
           <p:nvPr/>
         </p:nvPicPr>
@@ -3188,8 +3626,8 @@
         </p:blipFill>
         <p:spPr>
           <a:xfrm>
-            <a:off x="4665600" y="3186000"/>
-            <a:ext cx="1762200" cy="536040"/>
+            <a:off x="4665600" y="1320840"/>
+            <a:ext cx="2954160" cy="553320"/>
           </a:xfrm>
           <a:prstGeom prst="rect">
             <a:avLst/>
@@ -3201,7 +3639,7 @@
       </p:pic>
       <p:pic>
         <p:nvPicPr>
-          <p:cNvPr id="57" name="Picture 11" descr=""/>
+          <p:cNvPr id="55" name="Picture 8"/>
           <p:cNvPicPr/>
           <p:nvPr/>
         </p:nvPicPr>
@@ -3210,9 +3648,9 @@
           <a:stretch/>
         </p:blipFill>
         <p:spPr>
-          <a:xfrm rot="8424000">
-            <a:off x="6048000" y="1838520"/>
-            <a:ext cx="743040" cy="379080"/>
+          <a:xfrm rot="5400000">
+            <a:off x="6092280" y="3886560"/>
+            <a:ext cx="2090160" cy="450000"/>
           </a:xfrm>
           <a:prstGeom prst="rect">
             <a:avLst/>
@@ -3224,7 +3662,7 @@
       </p:pic>
       <p:pic>
         <p:nvPicPr>
-          <p:cNvPr id="58" name="Picture 14" descr=""/>
+          <p:cNvPr id="56" name="Picture 10"/>
           <p:cNvPicPr/>
           <p:nvPr/>
         </p:nvPicPr>
@@ -3234,8 +3672,8 @@
         </p:blipFill>
         <p:spPr>
           <a:xfrm>
-            <a:off x="4684320" y="1870200"/>
-            <a:ext cx="1640160" cy="411840"/>
+            <a:off x="4665600" y="3186000"/>
+            <a:ext cx="1762200" cy="536040"/>
           </a:xfrm>
           <a:prstGeom prst="rect">
             <a:avLst/>
@@ -3247,7 +3685,7 @@
       </p:pic>
       <p:pic>
         <p:nvPicPr>
-          <p:cNvPr id="59" name="Picture 15" descr=""/>
+          <p:cNvPr id="57" name="Picture 11"/>
           <p:cNvPicPr/>
           <p:nvPr/>
         </p:nvPicPr>
@@ -3256,9 +3694,9 @@
           <a:stretch/>
         </p:blipFill>
         <p:spPr>
-          <a:xfrm>
-            <a:off x="4749120" y="2171520"/>
-            <a:ext cx="1224360" cy="384840"/>
+          <a:xfrm rot="8424000">
+            <a:off x="6048000" y="1838520"/>
+            <a:ext cx="743040" cy="379080"/>
           </a:xfrm>
           <a:prstGeom prst="rect">
             <a:avLst/>
@@ -3270,7 +3708,7 @@
       </p:pic>
       <p:pic>
         <p:nvPicPr>
-          <p:cNvPr id="60" name="Picture 13" descr=""/>
+          <p:cNvPr id="58" name="Picture 14"/>
           <p:cNvPicPr/>
           <p:nvPr/>
         </p:nvPicPr>
@@ -3280,8 +3718,8 @@
         </p:blipFill>
         <p:spPr>
           <a:xfrm>
-            <a:off x="6177960" y="4137120"/>
-            <a:ext cx="1308240" cy="456120"/>
+            <a:off x="4684320" y="1870200"/>
+            <a:ext cx="1640160" cy="411840"/>
           </a:xfrm>
           <a:prstGeom prst="rect">
             <a:avLst/>
@@ -3293,7 +3731,7 @@
       </p:pic>
       <p:pic>
         <p:nvPicPr>
-          <p:cNvPr id="61" name="Picture 16" descr=""/>
+          <p:cNvPr id="59" name="Picture 15"/>
           <p:cNvPicPr/>
           <p:nvPr/>
         </p:nvPicPr>
@@ -3303,8 +3741,8 @@
         </p:blipFill>
         <p:spPr>
           <a:xfrm>
-            <a:off x="5573880" y="5042880"/>
-            <a:ext cx="1550520" cy="592920"/>
+            <a:off x="4749120" y="2171520"/>
+            <a:ext cx="1224360" cy="384840"/>
           </a:xfrm>
           <a:prstGeom prst="rect">
             <a:avLst/>
@@ -3316,7 +3754,7 @@
       </p:pic>
       <p:pic>
         <p:nvPicPr>
-          <p:cNvPr id="62" name="Picture 17" descr=""/>
+          <p:cNvPr id="60" name="Picture 13"/>
           <p:cNvPicPr/>
           <p:nvPr/>
         </p:nvPicPr>
@@ -3325,9 +3763,9 @@
           <a:stretch/>
         </p:blipFill>
         <p:spPr>
-          <a:xfrm rot="19440000">
-            <a:off x="4830480" y="4575240"/>
-            <a:ext cx="1396080" cy="1104480"/>
+          <a:xfrm>
+            <a:off x="6177960" y="4137120"/>
+            <a:ext cx="1308240" cy="456120"/>
           </a:xfrm>
           <a:prstGeom prst="rect">
             <a:avLst/>
@@ -3339,7 +3777,7 @@
       </p:pic>
       <p:pic>
         <p:nvPicPr>
-          <p:cNvPr id="63" name="Picture 19" descr=""/>
+          <p:cNvPr id="61" name="Picture 16"/>
           <p:cNvPicPr/>
           <p:nvPr/>
         </p:nvPicPr>
@@ -3349,8 +3787,8 @@
         </p:blipFill>
         <p:spPr>
           <a:xfrm>
-            <a:off x="6258960" y="3195000"/>
-            <a:ext cx="644400" cy="411480"/>
+            <a:off x="5573880" y="5042880"/>
+            <a:ext cx="1550520" cy="592920"/>
           </a:xfrm>
           <a:prstGeom prst="rect">
             <a:avLst/>
@@ -3362,7 +3800,7 @@
       </p:pic>
       <p:pic>
         <p:nvPicPr>
-          <p:cNvPr id="64" name="Picture 20" descr=""/>
+          <p:cNvPr id="62" name="Picture 17"/>
           <p:cNvPicPr/>
           <p:nvPr/>
         </p:nvPicPr>
@@ -3371,9 +3809,9 @@
           <a:stretch/>
         </p:blipFill>
         <p:spPr>
-          <a:xfrm rot="221400">
-            <a:off x="4703040" y="5476680"/>
-            <a:ext cx="2857320" cy="478440"/>
+          <a:xfrm rot="19440000">
+            <a:off x="4830480" y="4575240"/>
+            <a:ext cx="1396080" cy="1104480"/>
           </a:xfrm>
           <a:prstGeom prst="rect">
             <a:avLst/>
@@ -3385,7 +3823,7 @@
       </p:pic>
       <p:pic>
         <p:nvPicPr>
-          <p:cNvPr id="65" name="Picture 21" descr=""/>
+          <p:cNvPr id="63" name="Picture 19"/>
           <p:cNvPicPr/>
           <p:nvPr/>
         </p:nvPicPr>
@@ -3394,8 +3832,8 @@
           <a:stretch/>
         </p:blipFill>
         <p:spPr>
-          <a:xfrm rot="8918400">
-            <a:off x="5576760" y="4551840"/>
+          <a:xfrm>
+            <a:off x="6258960" y="3195000"/>
             <a:ext cx="644400" cy="411480"/>
           </a:xfrm>
           <a:prstGeom prst="rect">
@@ -3408,7 +3846,7 @@
       </p:pic>
       <p:pic>
         <p:nvPicPr>
-          <p:cNvPr id="66" name="Picture 22" descr=""/>
+          <p:cNvPr id="64" name="Picture 20"/>
           <p:cNvPicPr/>
           <p:nvPr/>
         </p:nvPicPr>
@@ -3417,9 +3855,9 @@
           <a:stretch/>
         </p:blipFill>
         <p:spPr>
-          <a:xfrm>
-            <a:off x="4705560" y="5875920"/>
-            <a:ext cx="2914200" cy="659160"/>
+          <a:xfrm rot="221400">
+            <a:off x="4703040" y="5476680"/>
+            <a:ext cx="2857320" cy="478440"/>
           </a:xfrm>
           <a:prstGeom prst="rect">
             <a:avLst/>
@@ -3431,7 +3869,122 @@
       </p:pic>
       <p:pic>
         <p:nvPicPr>
-          <p:cNvPr id="67" name="Picture 23" descr=""/>
+          <p:cNvPr id="65" name="Picture 21"/>
+          <p:cNvPicPr/>
+          <p:nvPr/>
+        </p:nvPicPr>
+        <p:blipFill>
+          <a:blip r:embed="rId18"/>
+          <a:stretch/>
+        </p:blipFill>
+        <p:spPr>
+          <a:xfrm rot="8918400">
+            <a:off x="5576760" y="4551840"/>
+            <a:ext cx="644400" cy="411480"/>
+          </a:xfrm>
+          <a:prstGeom prst="rect">
+            <a:avLst/>
+          </a:prstGeom>
+          <a:ln>
+            <a:noFill/>
+          </a:ln>
+        </p:spPr>
+      </p:pic>
+      <p:pic>
+        <p:nvPicPr>
+          <p:cNvPr id="66" name="Picture 22"/>
+          <p:cNvPicPr/>
+          <p:nvPr/>
+        </p:nvPicPr>
+        <p:blipFill>
+          <a:blip r:embed="rId9"/>
+          <a:stretch/>
+        </p:blipFill>
+        <p:spPr>
+          <a:xfrm>
+            <a:off x="4705560" y="5875920"/>
+            <a:ext cx="2914200" cy="659160"/>
+          </a:xfrm>
+          <a:prstGeom prst="rect">
+            <a:avLst/>
+          </a:prstGeom>
+          <a:ln>
+            <a:noFill/>
+          </a:ln>
+        </p:spPr>
+      </p:pic>
+      <p:pic>
+        <p:nvPicPr>
+          <p:cNvPr id="67" name="Picture 23"/>
+          <p:cNvPicPr/>
+          <p:nvPr/>
+        </p:nvPicPr>
+        <p:blipFill>
+          <a:blip r:embed="rId13"/>
+          <a:stretch/>
+        </p:blipFill>
+        <p:spPr>
+          <a:xfrm rot="8557200">
+            <a:off x="4556160" y="4058640"/>
+            <a:ext cx="927360" cy="232560"/>
+          </a:xfrm>
+          <a:prstGeom prst="rect">
+            <a:avLst/>
+          </a:prstGeom>
+          <a:ln>
+            <a:noFill/>
+          </a:ln>
+        </p:spPr>
+      </p:pic>
+      <p:pic>
+        <p:nvPicPr>
+          <p:cNvPr id="68" name="Picture 12"/>
+          <p:cNvPicPr/>
+          <p:nvPr/>
+        </p:nvPicPr>
+        <p:blipFill>
+          <a:blip r:embed="rId19"/>
+          <a:stretch/>
+        </p:blipFill>
+        <p:spPr>
+          <a:xfrm rot="972000">
+            <a:off x="4685040" y="4756320"/>
+            <a:ext cx="2741040" cy="506880"/>
+          </a:xfrm>
+          <a:prstGeom prst="rect">
+            <a:avLst/>
+          </a:prstGeom>
+          <a:ln>
+            <a:noFill/>
+          </a:ln>
+        </p:spPr>
+      </p:pic>
+      <p:pic>
+        <p:nvPicPr>
+          <p:cNvPr id="69" name="Picture 4"/>
+          <p:cNvPicPr/>
+          <p:nvPr/>
+        </p:nvPicPr>
+        <p:blipFill>
+          <a:blip r:embed="rId14"/>
+          <a:stretch/>
+        </p:blipFill>
+        <p:spPr>
+          <a:xfrm>
+            <a:off x="5105880" y="3619440"/>
+            <a:ext cx="1726200" cy="542880"/>
+          </a:xfrm>
+          <a:prstGeom prst="rect">
+            <a:avLst/>
+          </a:prstGeom>
+          <a:ln>
+            <a:noFill/>
+          </a:ln>
+        </p:spPr>
+      </p:pic>
+      <p:pic>
+        <p:nvPicPr>
+          <p:cNvPr id="70" name="Picture 1"/>
           <p:cNvPicPr/>
           <p:nvPr/>
         </p:nvPicPr>
@@ -3440,9 +3993,9 @@
           <a:stretch/>
         </p:blipFill>
         <p:spPr>
-          <a:xfrm rot="8557200">
-            <a:off x="4556160" y="4058640"/>
-            <a:ext cx="927360" cy="232560"/>
+          <a:xfrm rot="19969800">
+            <a:off x="6443640" y="2013840"/>
+            <a:ext cx="1058400" cy="327960"/>
           </a:xfrm>
           <a:prstGeom prst="rect">
             <a:avLst/>
@@ -3454,7 +4007,168 @@
       </p:pic>
       <p:pic>
         <p:nvPicPr>
-          <p:cNvPr id="68" name="Picture 12" descr=""/>
+          <p:cNvPr id="71" name="Picture 7"/>
+          <p:cNvPicPr/>
+          <p:nvPr/>
+        </p:nvPicPr>
+        <p:blipFill>
+          <a:blip r:embed="rId13"/>
+          <a:stretch/>
+        </p:blipFill>
+        <p:spPr>
+          <a:xfrm>
+            <a:off x="5670360" y="2468160"/>
+            <a:ext cx="1395360" cy="350280"/>
+          </a:xfrm>
+          <a:prstGeom prst="rect">
+            <a:avLst/>
+          </a:prstGeom>
+          <a:ln>
+            <a:noFill/>
+          </a:ln>
+        </p:spPr>
+      </p:pic>
+      <p:sp>
+        <p:nvSpPr>
+          <p:cNvPr id="72" name="CustomShape 3"/>
+          <p:cNvSpPr/>
+          <p:nvPr/>
+        </p:nvSpPr>
+        <p:spPr>
+          <a:xfrm>
+            <a:off x="4553280" y="322920"/>
+            <a:ext cx="3093840" cy="455760"/>
+          </a:xfrm>
+          <a:prstGeom prst="rect">
+            <a:avLst/>
+          </a:prstGeom>
+          <a:noFill/>
+          <a:ln>
+            <a:noFill/>
+          </a:ln>
+        </p:spPr>
+        <p:style>
+          <a:lnRef idx="0">
+            <a:scrgbClr r="0" g="0" b="0"/>
+          </a:lnRef>
+          <a:fillRef idx="0">
+            <a:scrgbClr r="0" g="0" b="0"/>
+          </a:fillRef>
+          <a:effectRef idx="0">
+            <a:scrgbClr r="0" g="0" b="0"/>
+          </a:effectRef>
+          <a:fontRef idx="minor"/>
+        </p:style>
+        <p:txBody>
+          <a:bodyPr lIns="90000" tIns="45000" rIns="90000" bIns="45000"/>
+          <a:lstStyle/>
+          <a:p>
+            <a:pPr algn="ctr">
+              <a:lnSpc>
+                <a:spcPct val="100000"/>
+              </a:lnSpc>
+            </a:pPr>
+            <a:r>
+              <a:rPr lang="en-US" sz="2400" b="1" strike="noStrike" spc="-1">
+                <a:solidFill>
+                  <a:srgbClr val="C00000"/>
+                </a:solidFill>
+                <a:uFill>
+                  <a:solidFill>
+                    <a:srgbClr val="FFFFFF"/>
+                  </a:solidFill>
+                </a:uFill>
+                <a:latin typeface="Garamond"/>
+                <a:ea typeface="DejaVu Sans"/>
+              </a:rPr>
+              <a:t>Puzzle break</a:t>
+            </a:r>
+            <a:endParaRPr lang="en-US" sz="2400" b="0" strike="noStrike" spc="-1">
+              <a:solidFill>
+                <a:srgbClr val="000000"/>
+              </a:solidFill>
+              <a:uFill>
+                <a:solidFill>
+                  <a:srgbClr val="FFFFFF"/>
+                </a:solidFill>
+              </a:uFill>
+              <a:latin typeface="Arial"/>
+            </a:endParaRPr>
+          </a:p>
+        </p:txBody>
+      </p:sp>
+      <p:sp>
+        <p:nvSpPr>
+          <p:cNvPr id="73" name="CustomShape 4"/>
+          <p:cNvSpPr/>
+          <p:nvPr/>
+        </p:nvSpPr>
+        <p:spPr>
+          <a:xfrm>
+            <a:off x="9083160" y="324360"/>
+            <a:ext cx="2922840" cy="455760"/>
+          </a:xfrm>
+          <a:prstGeom prst="rect">
+            <a:avLst/>
+          </a:prstGeom>
+          <a:noFill/>
+          <a:ln>
+            <a:noFill/>
+          </a:ln>
+        </p:spPr>
+        <p:style>
+          <a:lnRef idx="0">
+            <a:scrgbClr r="0" g="0" b="0"/>
+          </a:lnRef>
+          <a:fillRef idx="0">
+            <a:scrgbClr r="0" g="0" b="0"/>
+          </a:fillRef>
+          <a:effectRef idx="0">
+            <a:scrgbClr r="0" g="0" b="0"/>
+          </a:effectRef>
+          <a:fontRef idx="minor"/>
+        </p:style>
+        <p:txBody>
+          <a:bodyPr lIns="90000" tIns="45000" rIns="90000" bIns="45000"/>
+          <a:lstStyle/>
+          <a:p>
+            <a:pPr>
+              <a:lnSpc>
+                <a:spcPct val="100000"/>
+              </a:lnSpc>
+            </a:pPr>
+            <a:r>
+              <a:rPr lang="en-US" sz="2400" b="1" strike="noStrike" spc="-1">
+                <a:solidFill>
+                  <a:srgbClr val="C00000"/>
+                </a:solidFill>
+                <a:uFill>
+                  <a:solidFill>
+                    <a:srgbClr val="FFFFFF"/>
+                  </a:solidFill>
+                </a:uFill>
+                <a:latin typeface="Garamond"/>
+                <a:ea typeface="DejaVu Sans"/>
+              </a:rPr>
+              <a:t>Scientific computing</a:t>
+            </a:r>
+            <a:endParaRPr lang="en-US" sz="2400" b="0" strike="noStrike" spc="-1">
+              <a:solidFill>
+                <a:srgbClr val="000000"/>
+              </a:solidFill>
+              <a:uFill>
+                <a:solidFill>
+                  <a:srgbClr val="FFFFFF"/>
+                </a:solidFill>
+              </a:uFill>
+              <a:latin typeface="Arial"/>
+            </a:endParaRPr>
+          </a:p>
+        </p:txBody>
+      </p:sp>
+      <p:pic>
+        <p:nvPicPr>
+          <p:cNvPr id="74" name="Picture 24"/>
           <p:cNvPicPr/>
           <p:nvPr/>
         </p:nvPicPr>
@@ -3463,9 +4177,9 @@
           <a:stretch/>
         </p:blipFill>
         <p:spPr>
-          <a:xfrm rot="972000">
-            <a:off x="4685040" y="4756320"/>
-            <a:ext cx="2741040" cy="506880"/>
+          <a:xfrm>
+            <a:off x="9133200" y="4053240"/>
+            <a:ext cx="2773440" cy="1495080"/>
           </a:xfrm>
           <a:prstGeom prst="rect">
             <a:avLst/>
@@ -3477,7 +4191,7 @@
       </p:pic>
       <p:pic>
         <p:nvPicPr>
-          <p:cNvPr id="69" name="Picture 4" descr=""/>
+          <p:cNvPr id="75" name="Picture 25"/>
           <p:cNvPicPr/>
           <p:nvPr/>
         </p:nvPicPr>
@@ -3487,8 +4201,8 @@
         </p:blipFill>
         <p:spPr>
           <a:xfrm>
-            <a:off x="5105880" y="3619440"/>
-            <a:ext cx="1726200" cy="542880"/>
+            <a:off x="9133200" y="2876760"/>
+            <a:ext cx="2833200" cy="1090080"/>
           </a:xfrm>
           <a:prstGeom prst="rect">
             <a:avLst/>
@@ -3500,7 +4214,7 @@
       </p:pic>
       <p:pic>
         <p:nvPicPr>
-          <p:cNvPr id="70" name="Picture 1" descr=""/>
+          <p:cNvPr id="76" name="Picture 26"/>
           <p:cNvPicPr/>
           <p:nvPr/>
         </p:nvPicPr>
@@ -3509,9 +4223,9 @@
           <a:stretch/>
         </p:blipFill>
         <p:spPr>
-          <a:xfrm rot="19969800">
-            <a:off x="6443640" y="2013840"/>
-            <a:ext cx="1058400" cy="327960"/>
+          <a:xfrm>
+            <a:off x="9122400" y="1375560"/>
+            <a:ext cx="2784240" cy="1345320"/>
           </a:xfrm>
           <a:prstGeom prst="rect">
             <a:avLst/>
@@ -3523,7 +4237,7 @@
       </p:pic>
       <p:pic>
         <p:nvPicPr>
-          <p:cNvPr id="71" name="Picture 7" descr=""/>
+          <p:cNvPr id="77" name="Picture 44"/>
           <p:cNvPicPr/>
           <p:nvPr/>
         </p:nvPicPr>
@@ -3533,8 +4247,8 @@
         </p:blipFill>
         <p:spPr>
           <a:xfrm>
-            <a:off x="5670360" y="2468160"/>
-            <a:ext cx="1395360" cy="350280"/>
+            <a:off x="10563120" y="5617440"/>
+            <a:ext cx="1343520" cy="792000"/>
           </a:xfrm>
           <a:prstGeom prst="rect">
             <a:avLst/>
@@ -3544,133 +4258,9 @@
           </a:ln>
         </p:spPr>
       </p:pic>
-      <p:sp>
-        <p:nvSpPr>
-          <p:cNvPr id="72" name="CustomShape 3"/>
-          <p:cNvSpPr/>
-          <p:nvPr/>
-        </p:nvSpPr>
-        <p:spPr>
-          <a:xfrm>
-            <a:off x="4553280" y="322920"/>
-            <a:ext cx="3093840" cy="455760"/>
-          </a:xfrm>
-          <a:prstGeom prst="rect">
-            <a:avLst/>
-          </a:prstGeom>
-          <a:noFill/>
-          <a:ln>
-            <a:noFill/>
-          </a:ln>
-        </p:spPr>
-        <p:style>
-          <a:lnRef idx="0"/>
-          <a:fillRef idx="0"/>
-          <a:effectRef idx="0"/>
-          <a:fontRef idx="minor"/>
-        </p:style>
-        <p:txBody>
-          <a:bodyPr lIns="90000" rIns="90000" tIns="45000" bIns="45000"/>
-          <a:p>
-            <a:pPr algn="ctr">
-              <a:lnSpc>
-                <a:spcPct val="100000"/>
-              </a:lnSpc>
-            </a:pPr>
-            <a:r>
-              <a:rPr b="1" lang="en-US" sz="2400" spc="-1" strike="noStrike">
-                <a:solidFill>
-                  <a:srgbClr val="c00000"/>
-                </a:solidFill>
-                <a:uFill>
-                  <a:solidFill>
-                    <a:srgbClr val="ffffff"/>
-                  </a:solidFill>
-                </a:uFill>
-                <a:latin typeface="Garamond"/>
-                <a:ea typeface="DejaVu Sans"/>
-              </a:rPr>
-              <a:t>Puzzle break</a:t>
-            </a:r>
-            <a:endParaRPr b="0" lang="en-US" sz="2400" spc="-1" strike="noStrike">
-              <a:solidFill>
-                <a:srgbClr val="000000"/>
-              </a:solidFill>
-              <a:uFill>
-                <a:solidFill>
-                  <a:srgbClr val="ffffff"/>
-                </a:solidFill>
-              </a:uFill>
-              <a:latin typeface="Arial"/>
-            </a:endParaRPr>
-          </a:p>
-        </p:txBody>
-      </p:sp>
-      <p:sp>
-        <p:nvSpPr>
-          <p:cNvPr id="73" name="CustomShape 4"/>
-          <p:cNvSpPr/>
-          <p:nvPr/>
-        </p:nvSpPr>
-        <p:spPr>
-          <a:xfrm>
-            <a:off x="9083160" y="324360"/>
-            <a:ext cx="2922840" cy="455760"/>
-          </a:xfrm>
-          <a:prstGeom prst="rect">
-            <a:avLst/>
-          </a:prstGeom>
-          <a:noFill/>
-          <a:ln>
-            <a:noFill/>
-          </a:ln>
-        </p:spPr>
-        <p:style>
-          <a:lnRef idx="0"/>
-          <a:fillRef idx="0"/>
-          <a:effectRef idx="0"/>
-          <a:fontRef idx="minor"/>
-        </p:style>
-        <p:txBody>
-          <a:bodyPr lIns="90000" rIns="90000" tIns="45000" bIns="45000"/>
-          <a:p>
-            <a:pPr>
-              <a:lnSpc>
-                <a:spcPct val="100000"/>
-              </a:lnSpc>
-            </a:pPr>
-            <a:r>
-              <a:rPr b="1" lang="en-US" sz="2400" spc="-1" strike="noStrike">
-                <a:solidFill>
-                  <a:srgbClr val="c00000"/>
-                </a:solidFill>
-                <a:uFill>
-                  <a:solidFill>
-                    <a:srgbClr val="ffffff"/>
-                  </a:solidFill>
-                </a:uFill>
-                <a:latin typeface="Garamond"/>
-                <a:ea typeface="DejaVu Sans"/>
-              </a:rPr>
-              <a:t>Scientific computing</a:t>
-            </a:r>
-            <a:endParaRPr b="0" lang="en-US" sz="2400" spc="-1" strike="noStrike">
-              <a:solidFill>
-                <a:srgbClr val="000000"/>
-              </a:solidFill>
-              <a:uFill>
-                <a:solidFill>
-                  <a:srgbClr val="ffffff"/>
-                </a:solidFill>
-              </a:uFill>
-              <a:latin typeface="Arial"/>
-            </a:endParaRPr>
-          </a:p>
-        </p:txBody>
-      </p:sp>
       <p:pic>
         <p:nvPicPr>
-          <p:cNvPr id="74" name="Picture 24" descr=""/>
+          <p:cNvPr id="78" name="Picture 45"/>
           <p:cNvPicPr/>
           <p:nvPr/>
         </p:nvPicPr>
@@ -3680,8 +4270,8 @@
         </p:blipFill>
         <p:spPr>
           <a:xfrm>
-            <a:off x="9133200" y="4053240"/>
-            <a:ext cx="2773440" cy="1495080"/>
+            <a:off x="9155880" y="5617440"/>
+            <a:ext cx="1254960" cy="792000"/>
           </a:xfrm>
           <a:prstGeom prst="rect">
             <a:avLst/>
@@ -3691,98 +4281,6 @@
           </a:ln>
         </p:spPr>
       </p:pic>
-      <p:pic>
-        <p:nvPicPr>
-          <p:cNvPr id="75" name="Picture 25" descr=""/>
-          <p:cNvPicPr/>
-          <p:nvPr/>
-        </p:nvPicPr>
-        <p:blipFill>
-          <a:blip r:embed="rId26"/>
-          <a:stretch/>
-        </p:blipFill>
-        <p:spPr>
-          <a:xfrm>
-            <a:off x="9133200" y="2876760"/>
-            <a:ext cx="2833200" cy="1090080"/>
-          </a:xfrm>
-          <a:prstGeom prst="rect">
-            <a:avLst/>
-          </a:prstGeom>
-          <a:ln>
-            <a:noFill/>
-          </a:ln>
-        </p:spPr>
-      </p:pic>
-      <p:pic>
-        <p:nvPicPr>
-          <p:cNvPr id="76" name="Picture 26" descr=""/>
-          <p:cNvPicPr/>
-          <p:nvPr/>
-        </p:nvPicPr>
-        <p:blipFill>
-          <a:blip r:embed="rId27"/>
-          <a:stretch/>
-        </p:blipFill>
-        <p:spPr>
-          <a:xfrm>
-            <a:off x="9122400" y="1375560"/>
-            <a:ext cx="2784240" cy="1345320"/>
-          </a:xfrm>
-          <a:prstGeom prst="rect">
-            <a:avLst/>
-          </a:prstGeom>
-          <a:ln>
-            <a:noFill/>
-          </a:ln>
-        </p:spPr>
-      </p:pic>
-      <p:pic>
-        <p:nvPicPr>
-          <p:cNvPr id="77" name="Picture 44" descr=""/>
-          <p:cNvPicPr/>
-          <p:nvPr/>
-        </p:nvPicPr>
-        <p:blipFill>
-          <a:blip r:embed="rId28"/>
-          <a:stretch/>
-        </p:blipFill>
-        <p:spPr>
-          <a:xfrm>
-            <a:off x="10563120" y="5617440"/>
-            <a:ext cx="1343520" cy="792000"/>
-          </a:xfrm>
-          <a:prstGeom prst="rect">
-            <a:avLst/>
-          </a:prstGeom>
-          <a:ln>
-            <a:noFill/>
-          </a:ln>
-        </p:spPr>
-      </p:pic>
-      <p:pic>
-        <p:nvPicPr>
-          <p:cNvPr id="78" name="Picture 45" descr=""/>
-          <p:cNvPicPr/>
-          <p:nvPr/>
-        </p:nvPicPr>
-        <p:blipFill>
-          <a:blip r:embed="rId29"/>
-          <a:stretch/>
-        </p:blipFill>
-        <p:spPr>
-          <a:xfrm>
-            <a:off x="9155880" y="5617440"/>
-            <a:ext cx="1254960" cy="792000"/>
-          </a:xfrm>
-          <a:prstGeom prst="rect">
-            <a:avLst/>
-          </a:prstGeom>
-          <a:ln>
-            <a:noFill/>
-          </a:ln>
-        </p:spPr>
-      </p:pic>
       <p:sp>
         <p:nvSpPr>
           <p:cNvPr id="79" name="CustomShape 5"/>
@@ -3800,7 +4298,7 @@
           <a:noFill/>
           <a:ln w="57240">
             <a:solidFill>
-              <a:srgbClr val="c00000"/>
+              <a:srgbClr val="C00000"/>
             </a:solidFill>
             <a:round/>
           </a:ln>
@@ -3840,13 +4338,20 @@
           </a:ln>
         </p:spPr>
         <p:style>
-          <a:lnRef idx="0"/>
-          <a:fillRef idx="0"/>
-          <a:effectRef idx="0"/>
+          <a:lnRef idx="0">
+            <a:scrgbClr r="0" g="0" b="0"/>
+          </a:lnRef>
+          <a:fillRef idx="0">
+            <a:scrgbClr r="0" g="0" b="0"/>
+          </a:fillRef>
+          <a:effectRef idx="0">
+            <a:scrgbClr r="0" g="0" b="0"/>
+          </a:effectRef>
           <a:fontRef idx="minor"/>
         </p:style>
         <p:txBody>
-          <a:bodyPr lIns="90000" rIns="90000" tIns="45000" bIns="45000"/>
+          <a:bodyPr lIns="90000" tIns="45000" rIns="90000" bIns="45000"/>
+          <a:lstStyle/>
           <a:p>
             <a:pPr>
               <a:lnSpc>
@@ -3854,27 +4359,57 @@
               </a:lnSpc>
             </a:pPr>
             <a:r>
-              <a:rPr b="1" lang="en-US" sz="1600" spc="-1" strike="noStrike">
-                <a:solidFill>
-                  <a:srgbClr val="c00000"/>
+              <a:rPr lang="en-US" sz="1600" b="1" strike="noStrike" spc="-1" dirty="0">
+                <a:solidFill>
+                  <a:srgbClr val="C00000"/>
                 </a:solidFill>
                 <a:uFill>
                   <a:solidFill>
-                    <a:srgbClr val="ffffff"/>
+                    <a:srgbClr val="FFFFFF"/>
                   </a:solidFill>
                 </a:uFill>
                 <a:latin typeface="Garamond"/>
                 <a:ea typeface="DejaVu Sans"/>
               </a:rPr>
-              <a:t>We make some guesses too</a:t>
+              <a:t>We </a:t>
             </a:r>
-            <a:endParaRPr b="0" lang="en-US" sz="1600" spc="-1" strike="noStrike">
+            <a:r>
+              <a:rPr lang="en-US" sz="1600" b="1" strike="noStrike" spc="-1" dirty="0" smtClean="0">
+                <a:solidFill>
+                  <a:srgbClr val="C00000"/>
+                </a:solidFill>
+                <a:uFill>
+                  <a:solidFill>
+                    <a:srgbClr val="FFFFFF"/>
+                  </a:solidFill>
+                </a:uFill>
+                <a:latin typeface="Garamond"/>
+                <a:ea typeface="DejaVu Sans"/>
+              </a:rPr>
+              <a:t>made </a:t>
+            </a:r>
+            <a:r>
+              <a:rPr lang="en-US" sz="1600" b="1" strike="noStrike" spc="-1" dirty="0">
+                <a:solidFill>
+                  <a:srgbClr val="C00000"/>
+                </a:solidFill>
+                <a:uFill>
+                  <a:solidFill>
+                    <a:srgbClr val="FFFFFF"/>
+                  </a:solidFill>
+                </a:uFill>
+                <a:latin typeface="Garamond"/>
+                <a:ea typeface="DejaVu Sans"/>
+              </a:rPr>
+              <a:t>some guesses too</a:t>
+            </a:r>
+            <a:endParaRPr lang="en-US" sz="1600" b="0" strike="noStrike" spc="-1" dirty="0">
               <a:solidFill>
                 <a:srgbClr val="000000"/>
               </a:solidFill>
               <a:uFill>
                 <a:solidFill>
-                  <a:srgbClr val="ffffff"/>
+                  <a:srgbClr val="FFFFFF"/>
                 </a:solidFill>
               </a:uFill>
               <a:latin typeface="Arial"/>
@@ -3889,7 +4424,7 @@
           <p:nvPr/>
         </p:nvSpPr>
         <p:spPr>
-          <a:xfrm flipH="1" rot="16200000">
+          <a:xfrm rot="16200000" flipH="1">
             <a:off x="8121960" y="3908520"/>
             <a:ext cx="894240" cy="831960"/>
           </a:xfrm>
@@ -3899,10 +4434,10 @@
           <a:noFill/>
           <a:ln w="28440">
             <a:solidFill>
-              <a:srgbClr val="c00000"/>
+              <a:srgbClr val="C00000"/>
             </a:solidFill>
             <a:round/>
-            <a:tailEnd len="med" type="triangle" w="med"/>
+            <a:tailEnd type="triangle" w="med" len="med"/>
           </a:ln>
         </p:spPr>
         <p:style>
@@ -3920,22 +4455,25 @@
       </p:sp>
     </p:spTree>
   </p:cSld>
+  <p:clrMapOvr>
+    <a:masterClrMapping/>
+  </p:clrMapOvr>
   <p:timing>
     <p:tnLst>
       <p:par>
-        <p:cTn id="3" dur="indefinite" restart="never" nodeType="tmRoot">
+        <p:cTn id="1" dur="indefinite" restart="never" nodeType="tmRoot">
           <p:childTnLst>
             <p:seq>
-              <p:cTn id="4" nodeType="mainSeq"/>
+              <p:cTn id="2" nodeType="mainSeq"/>
               <p:prevCondLst>
-                <p:cond delay="0" evt="onPrev">
+                <p:cond evt="onPrev" delay="0">
                   <p:tgtEl>
                     <p:sldTgt/>
                   </p:tgtEl>
                 </p:cond>
               </p:prevCondLst>
               <p:nextCondLst>
-                <p:cond delay="0" evt="onNext">
+                <p:cond evt="onNext" delay="0">
                   <p:tgtEl>
                     <p:sldTgt/>
                   </p:tgtEl>
@@ -3951,7 +4489,7 @@
 </file>
 
 <file path=ppt/slides/slide3.xml><?xml version="1.0" encoding="utf-8"?>
-<p:sld xmlns:a="http://schemas.openxmlformats.org/drawingml/2006/main" xmlns:p="http://schemas.openxmlformats.org/presentationml/2006/main" xmlns:r="http://schemas.openxmlformats.org/officeDocument/2006/relationships" xmlns:p14="http://schemas.microsoft.com/office/powerpoint/2010/main" xmlns:p15="http://schemas.microsoft.com/office/powerpoint/2012/main" xmlns:mc="http://schemas.openxmlformats.org/markup-compatibility/2006">
+<p:sld xmlns:a="http://schemas.openxmlformats.org/drawingml/2006/main" xmlns:r="http://schemas.openxmlformats.org/officeDocument/2006/relationships" xmlns:p="http://schemas.openxmlformats.org/presentationml/2006/main">
   <p:cSld>
     <p:spTree>
       <p:nvGrpSpPr>
@@ -3987,13 +4525,20 @@
           </a:ln>
         </p:spPr>
         <p:style>
-          <a:lnRef idx="0"/>
-          <a:fillRef idx="0"/>
-          <a:effectRef idx="0"/>
+          <a:lnRef idx="0">
+            <a:scrgbClr r="0" g="0" b="0"/>
+          </a:lnRef>
+          <a:fillRef idx="0">
+            <a:scrgbClr r="0" g="0" b="0"/>
+          </a:fillRef>
+          <a:effectRef idx="0">
+            <a:scrgbClr r="0" g="0" b="0"/>
+          </a:effectRef>
           <a:fontRef idx="minor"/>
         </p:style>
         <p:txBody>
-          <a:bodyPr lIns="90000" rIns="90000" tIns="45000" bIns="45000" anchor="ctr"/>
+          <a:bodyPr lIns="90000" tIns="45000" rIns="90000" bIns="45000" anchor="ctr"/>
+          <a:lstStyle/>
           <a:p>
             <a:pPr algn="r">
               <a:lnSpc>
@@ -4001,26 +4546,26 @@
               </a:lnSpc>
             </a:pPr>
             <a:fld id="{C348AA21-A557-4190-8317-8A2AB68D07BC}" type="slidenum">
-              <a:rPr b="0" lang="en-US" sz="1200" spc="-1" strike="noStrike">
-                <a:solidFill>
-                  <a:srgbClr val="8b8b8b"/>
+              <a:rPr lang="en-US" sz="1200" b="0" strike="noStrike" spc="-1">
+                <a:solidFill>
+                  <a:srgbClr val="8B8B8B"/>
                 </a:solidFill>
                 <a:uFill>
                   <a:solidFill>
-                    <a:srgbClr val="ffffff"/>
+                    <a:srgbClr val="FFFFFF"/>
                   </a:solidFill>
                 </a:uFill>
                 <a:latin typeface="Garamond"/>
               </a:rPr>
-              <a:t>&lt;number&gt;</a:t>
+              <a:t>3</a:t>
             </a:fld>
-            <a:endParaRPr b="0" lang="en-US" sz="1200" spc="-1" strike="noStrike">
+            <a:endParaRPr lang="en-US" sz="1200" b="0" strike="noStrike" spc="-1">
               <a:solidFill>
                 <a:srgbClr val="000000"/>
               </a:solidFill>
               <a:uFill>
                 <a:solidFill>
-                  <a:srgbClr val="ffffff"/>
+                  <a:srgbClr val="FFFFFF"/>
                 </a:solidFill>
               </a:uFill>
               <a:latin typeface="Arial"/>
@@ -4030,53 +4575,7 @@
       </p:sp>
       <p:pic>
         <p:nvPicPr>
-          <p:cNvPr id="83" name="Picture 17" descr=""/>
-          <p:cNvPicPr/>
-          <p:nvPr/>
-        </p:nvPicPr>
-        <p:blipFill>
-          <a:blip r:embed="rId1"/>
-          <a:stretch/>
-        </p:blipFill>
-        <p:spPr>
-          <a:xfrm>
-            <a:off x="617400" y="3960720"/>
-            <a:ext cx="3774960" cy="2064960"/>
-          </a:xfrm>
-          <a:prstGeom prst="rect">
-            <a:avLst/>
-          </a:prstGeom>
-          <a:ln>
-            <a:noFill/>
-          </a:ln>
-        </p:spPr>
-      </p:pic>
-      <p:pic>
-        <p:nvPicPr>
-          <p:cNvPr id="84" name="Picture 4" descr=""/>
-          <p:cNvPicPr/>
-          <p:nvPr/>
-        </p:nvPicPr>
-        <p:blipFill>
-          <a:blip r:embed="rId2"/>
-          <a:stretch/>
-        </p:blipFill>
-        <p:spPr>
-          <a:xfrm>
-            <a:off x="5587920" y="1155960"/>
-            <a:ext cx="2050920" cy="1734480"/>
-          </a:xfrm>
-          <a:prstGeom prst="rect">
-            <a:avLst/>
-          </a:prstGeom>
-          <a:ln>
-            <a:noFill/>
-          </a:ln>
-        </p:spPr>
-      </p:pic>
-      <p:pic>
-        <p:nvPicPr>
-          <p:cNvPr id="85" name="Picture 5" descr=""/>
+          <p:cNvPr id="83" name="Picture 17"/>
           <p:cNvPicPr/>
           <p:nvPr/>
         </p:nvPicPr>
@@ -4086,8 +4585,8 @@
         </p:blipFill>
         <p:spPr>
           <a:xfrm>
-            <a:off x="5587560" y="3008520"/>
-            <a:ext cx="2052000" cy="1698840"/>
+            <a:off x="617400" y="3960720"/>
+            <a:ext cx="3774960" cy="2064960"/>
           </a:xfrm>
           <a:prstGeom prst="rect">
             <a:avLst/>
@@ -4099,7 +4598,7 @@
       </p:pic>
       <p:pic>
         <p:nvPicPr>
-          <p:cNvPr id="86" name="Picture 6" descr=""/>
+          <p:cNvPr id="84" name="Picture 4"/>
           <p:cNvPicPr/>
           <p:nvPr/>
         </p:nvPicPr>
@@ -4109,8 +4608,8 @@
         </p:blipFill>
         <p:spPr>
           <a:xfrm>
-            <a:off x="5650560" y="4825080"/>
-            <a:ext cx="1926000" cy="1793160"/>
+            <a:off x="5587920" y="1155960"/>
+            <a:ext cx="2050920" cy="1734480"/>
           </a:xfrm>
           <a:prstGeom prst="rect">
             <a:avLst/>
@@ -4122,19 +4621,18 @@
       </p:pic>
       <p:pic>
         <p:nvPicPr>
-          <p:cNvPr id="87" name="Picture 7" descr=""/>
+          <p:cNvPr id="85" name="Picture 5"/>
           <p:cNvPicPr/>
           <p:nvPr/>
         </p:nvPicPr>
         <p:blipFill>
           <a:blip r:embed="rId5"/>
-          <a:srcRect l="8619" t="3576" r="10151" b="5194"/>
           <a:stretch/>
         </p:blipFill>
         <p:spPr>
           <a:xfrm>
-            <a:off x="9615240" y="1155960"/>
-            <a:ext cx="1371240" cy="5134320"/>
+            <a:off x="5587560" y="3008520"/>
+            <a:ext cx="2052000" cy="1698840"/>
           </a:xfrm>
           <a:prstGeom prst="rect">
             <a:avLst/>
@@ -4146,19 +4644,18 @@
       </p:pic>
       <p:pic>
         <p:nvPicPr>
-          <p:cNvPr id="88" name="Picture 1" descr=""/>
+          <p:cNvPr id="86" name="Picture 6"/>
           <p:cNvPicPr/>
           <p:nvPr/>
         </p:nvPicPr>
         <p:blipFill>
           <a:blip r:embed="rId6"/>
-          <a:srcRect l="0" t="0" r="0" b="1955"/>
           <a:stretch/>
         </p:blipFill>
         <p:spPr>
           <a:xfrm>
-            <a:off x="759600" y="1247040"/>
-            <a:ext cx="3490560" cy="2391120"/>
+            <a:off x="5650560" y="4825080"/>
+            <a:ext cx="1926000" cy="1793160"/>
           </a:xfrm>
           <a:prstGeom prst="rect">
             <a:avLst/>
@@ -4168,6 +4665,54 @@
           </a:ln>
         </p:spPr>
       </p:pic>
+      <p:pic>
+        <p:nvPicPr>
+          <p:cNvPr id="87" name="Picture 7"/>
+          <p:cNvPicPr/>
+          <p:nvPr/>
+        </p:nvPicPr>
+        <p:blipFill>
+          <a:blip r:embed="rId7"/>
+          <a:srcRect l="8619" t="3576" r="10151" b="5194"/>
+          <a:stretch/>
+        </p:blipFill>
+        <p:spPr>
+          <a:xfrm>
+            <a:off x="9615240" y="1155960"/>
+            <a:ext cx="1371240" cy="5134320"/>
+          </a:xfrm>
+          <a:prstGeom prst="rect">
+            <a:avLst/>
+          </a:prstGeom>
+          <a:ln>
+            <a:noFill/>
+          </a:ln>
+        </p:spPr>
+      </p:pic>
+      <p:pic>
+        <p:nvPicPr>
+          <p:cNvPr id="88" name="Picture 1"/>
+          <p:cNvPicPr/>
+          <p:nvPr/>
+        </p:nvPicPr>
+        <p:blipFill>
+          <a:blip r:embed="rId8"/>
+          <a:srcRect b="1955"/>
+          <a:stretch/>
+        </p:blipFill>
+        <p:spPr>
+          <a:xfrm>
+            <a:off x="759600" y="1247040"/>
+            <a:ext cx="3490560" cy="2391120"/>
+          </a:xfrm>
+          <a:prstGeom prst="rect">
+            <a:avLst/>
+          </a:prstGeom>
+          <a:ln>
+            <a:noFill/>
+          </a:ln>
+        </p:spPr>
+      </p:pic>
       <p:sp>
         <p:nvSpPr>
           <p:cNvPr id="89" name="CustomShape 2"/>
@@ -4185,7 +4730,7 @@
           <a:noFill/>
           <a:ln>
             <a:solidFill>
-              <a:srgbClr val="c00000"/>
+              <a:srgbClr val="C00000"/>
             </a:solidFill>
             <a:round/>
           </a:ln>
@@ -4224,10 +4769,10 @@
           <a:noFill/>
           <a:ln>
             <a:solidFill>
-              <a:srgbClr val="c00000"/>
+              <a:srgbClr val="C00000"/>
             </a:solidFill>
             <a:round/>
-            <a:tailEnd len="med" type="triangle" w="med"/>
+            <a:tailEnd type="triangle" w="med" len="med"/>
           </a:ln>
         </p:spPr>
         <p:style>
@@ -4263,13 +4808,20 @@
           </a:ln>
         </p:spPr>
         <p:style>
-          <a:lnRef idx="0"/>
-          <a:fillRef idx="0"/>
-          <a:effectRef idx="0"/>
+          <a:lnRef idx="0">
+            <a:scrgbClr r="0" g="0" b="0"/>
+          </a:lnRef>
+          <a:fillRef idx="0">
+            <a:scrgbClr r="0" g="0" b="0"/>
+          </a:fillRef>
+          <a:effectRef idx="0">
+            <a:scrgbClr r="0" g="0" b="0"/>
+          </a:effectRef>
           <a:fontRef idx="minor"/>
         </p:style>
         <p:txBody>
-          <a:bodyPr lIns="90000" rIns="90000" tIns="45000" bIns="45000"/>
+          <a:bodyPr lIns="90000" tIns="45000" rIns="90000" bIns="45000"/>
+          <a:lstStyle/>
           <a:p>
             <a:pPr>
               <a:lnSpc>
@@ -4277,13 +4829,13 @@
               </a:lnSpc>
             </a:pPr>
             <a:r>
-              <a:rPr b="1" lang="en-US" sz="2400" spc="-1" strike="noStrike">
-                <a:solidFill>
-                  <a:srgbClr val="c00000"/>
+              <a:rPr lang="en-US" sz="2400" b="1" strike="noStrike" spc="-1">
+                <a:solidFill>
+                  <a:srgbClr val="C00000"/>
                 </a:solidFill>
                 <a:uFill>
                   <a:solidFill>
-                    <a:srgbClr val="ffffff"/>
+                    <a:srgbClr val="FFFFFF"/>
                   </a:solidFill>
                 </a:uFill>
                 <a:latin typeface="Garamond"/>
@@ -4291,13 +4843,13 @@
               </a:rPr>
               <a:t>Map out predictions</a:t>
             </a:r>
-            <a:endParaRPr b="0" lang="en-US" sz="2400" spc="-1" strike="noStrike">
+            <a:endParaRPr lang="en-US" sz="2400" b="0" strike="noStrike" spc="-1">
               <a:solidFill>
                 <a:srgbClr val="000000"/>
               </a:solidFill>
               <a:uFill>
                 <a:solidFill>
-                  <a:srgbClr val="ffffff"/>
+                  <a:srgbClr val="FFFFFF"/>
                 </a:solidFill>
               </a:uFill>
               <a:latin typeface="Arial"/>
@@ -4325,13 +4877,20 @@
           </a:ln>
         </p:spPr>
         <p:style>
-          <a:lnRef idx="0"/>
-          <a:fillRef idx="0"/>
-          <a:effectRef idx="0"/>
+          <a:lnRef idx="0">
+            <a:scrgbClr r="0" g="0" b="0"/>
+          </a:lnRef>
+          <a:fillRef idx="0">
+            <a:scrgbClr r="0" g="0" b="0"/>
+          </a:fillRef>
+          <a:effectRef idx="0">
+            <a:scrgbClr r="0" g="0" b="0"/>
+          </a:effectRef>
           <a:fontRef idx="minor"/>
         </p:style>
         <p:txBody>
-          <a:bodyPr lIns="90000" rIns="90000" tIns="45000" bIns="45000"/>
+          <a:bodyPr lIns="90000" tIns="45000" rIns="90000" bIns="45000"/>
+          <a:lstStyle/>
           <a:p>
             <a:pPr>
               <a:lnSpc>
@@ -4339,13 +4898,13 @@
               </a:lnSpc>
             </a:pPr>
             <a:r>
-              <a:rPr b="1" lang="en-US" sz="1200" spc="-1" strike="noStrike">
-                <a:solidFill>
-                  <a:srgbClr val="c00000"/>
+              <a:rPr lang="en-US" sz="1200" b="1" strike="noStrike" spc="-1">
+                <a:solidFill>
+                  <a:srgbClr val="C00000"/>
                 </a:solidFill>
                 <a:uFill>
                   <a:solidFill>
-                    <a:srgbClr val="ffffff"/>
+                    <a:srgbClr val="FFFFFF"/>
                   </a:solidFill>
                 </a:uFill>
                 <a:latin typeface="Garamond"/>
@@ -4353,13 +4912,13 @@
               </a:rPr>
               <a:t>You are here</a:t>
             </a:r>
-            <a:endParaRPr b="0" lang="en-US" sz="1200" spc="-1" strike="noStrike">
+            <a:endParaRPr lang="en-US" sz="1200" b="0" strike="noStrike" spc="-1">
               <a:solidFill>
                 <a:srgbClr val="000000"/>
               </a:solidFill>
               <a:uFill>
                 <a:solidFill>
-                  <a:srgbClr val="ffffff"/>
+                  <a:srgbClr val="FFFFFF"/>
                 </a:solidFill>
               </a:uFill>
               <a:latin typeface="Arial"/>
@@ -4387,13 +4946,20 @@
           </a:ln>
         </p:spPr>
         <p:style>
-          <a:lnRef idx="0"/>
-          <a:fillRef idx="0"/>
-          <a:effectRef idx="0"/>
+          <a:lnRef idx="0">
+            <a:scrgbClr r="0" g="0" b="0"/>
+          </a:lnRef>
+          <a:fillRef idx="0">
+            <a:scrgbClr r="0" g="0" b="0"/>
+          </a:fillRef>
+          <a:effectRef idx="0">
+            <a:scrgbClr r="0" g="0" b="0"/>
+          </a:effectRef>
           <a:fontRef idx="minor"/>
         </p:style>
         <p:txBody>
-          <a:bodyPr wrap="none" lIns="90000" rIns="90000" tIns="45000" bIns="45000"/>
+          <a:bodyPr wrap="none" lIns="90000" tIns="45000" rIns="90000" bIns="45000"/>
+          <a:lstStyle/>
           <a:p>
             <a:pPr>
               <a:lnSpc>
@@ -4401,13 +4967,13 @@
               </a:lnSpc>
             </a:pPr>
             <a:r>
-              <a:rPr b="1" lang="en-US" sz="2400" spc="-1" strike="noStrike">
-                <a:solidFill>
-                  <a:srgbClr val="c00000"/>
+              <a:rPr lang="en-US" sz="2400" b="1" strike="noStrike" spc="-1">
+                <a:solidFill>
+                  <a:srgbClr val="C00000"/>
                 </a:solidFill>
                 <a:uFill>
                   <a:solidFill>
-                    <a:srgbClr val="ffffff"/>
+                    <a:srgbClr val="FFFFFF"/>
                   </a:solidFill>
                 </a:uFill>
                 <a:latin typeface="Garamond"/>
@@ -4415,13 +4981,13 @@
               </a:rPr>
               <a:t>Play with the design </a:t>
             </a:r>
-            <a:endParaRPr b="0" lang="en-US" sz="2400" spc="-1" strike="noStrike">
+            <a:endParaRPr lang="en-US" sz="2400" b="0" strike="noStrike" spc="-1">
               <a:solidFill>
                 <a:srgbClr val="000000"/>
               </a:solidFill>
               <a:uFill>
                 <a:solidFill>
-                  <a:srgbClr val="ffffff"/>
+                  <a:srgbClr val="FFFFFF"/>
                 </a:solidFill>
               </a:uFill>
               <a:latin typeface="Arial"/>
@@ -4449,13 +5015,20 @@
           </a:ln>
         </p:spPr>
         <p:style>
-          <a:lnRef idx="0"/>
-          <a:fillRef idx="0"/>
-          <a:effectRef idx="0"/>
+          <a:lnRef idx="0">
+            <a:scrgbClr r="0" g="0" b="0"/>
+          </a:lnRef>
+          <a:fillRef idx="0">
+            <a:scrgbClr r="0" g="0" b="0"/>
+          </a:fillRef>
+          <a:effectRef idx="0">
+            <a:scrgbClr r="0" g="0" b="0"/>
+          </a:effectRef>
           <a:fontRef idx="minor"/>
         </p:style>
         <p:txBody>
-          <a:bodyPr wrap="none" lIns="90000" rIns="90000" tIns="45000" bIns="45000"/>
+          <a:bodyPr wrap="none" lIns="90000" tIns="45000" rIns="90000" bIns="45000"/>
+          <a:lstStyle/>
           <a:p>
             <a:pPr>
               <a:lnSpc>
@@ -4463,13 +5036,13 @@
               </a:lnSpc>
             </a:pPr>
             <a:r>
-              <a:rPr b="1" lang="en-US" sz="2400" spc="-1" strike="noStrike">
-                <a:solidFill>
-                  <a:srgbClr val="c00000"/>
+              <a:rPr lang="en-US" sz="2400" b="1" strike="noStrike" spc="-1">
+                <a:solidFill>
+                  <a:srgbClr val="C00000"/>
                 </a:solidFill>
                 <a:uFill>
                   <a:solidFill>
-                    <a:srgbClr val="ffffff"/>
+                    <a:srgbClr val="FFFFFF"/>
                   </a:solidFill>
                 </a:uFill>
                 <a:latin typeface="Garamond"/>
@@ -4477,13 +5050,13 @@
               </a:rPr>
               <a:t>Create something </a:t>
             </a:r>
-            <a:endParaRPr b="0" lang="en-US" sz="2400" spc="-1" strike="noStrike">
+            <a:endParaRPr lang="en-US" sz="2400" b="0" strike="noStrike" spc="-1">
               <a:solidFill>
                 <a:srgbClr val="000000"/>
               </a:solidFill>
               <a:uFill>
                 <a:solidFill>
-                  <a:srgbClr val="ffffff"/>
+                  <a:srgbClr val="FFFFFF"/>
                 </a:solidFill>
               </a:uFill>
               <a:latin typeface="Arial"/>
@@ -4493,22 +5066,25 @@
       </p:sp>
     </p:spTree>
   </p:cSld>
+  <p:clrMapOvr>
+    <a:masterClrMapping/>
+  </p:clrMapOvr>
   <p:timing>
     <p:tnLst>
       <p:par>
-        <p:cTn id="5" dur="indefinite" restart="never" nodeType="tmRoot">
+        <p:cTn id="1" dur="indefinite" restart="never" nodeType="tmRoot">
           <p:childTnLst>
             <p:seq>
-              <p:cTn id="6" nodeType="mainSeq"/>
+              <p:cTn id="2" nodeType="mainSeq"/>
               <p:prevCondLst>
-                <p:cond delay="0" evt="onPrev">
+                <p:cond evt="onPrev" delay="0">
                   <p:tgtEl>
                     <p:sldTgt/>
                   </p:tgtEl>
                 </p:cond>
               </p:prevCondLst>
               <p:nextCondLst>
-                <p:cond delay="0" evt="onNext">
+                <p:cond evt="onNext" delay="0">
                   <p:tgtEl>
                     <p:sldTgt/>
                   </p:tgtEl>
@@ -4743,6 +5319,8 @@
       </a:bgFillStyleLst>
     </a:fmtScheme>
   </a:themeElements>
+  <a:objectDefaults/>
+  <a:extraClrSchemeLst/>
 </a:theme>
 </file>
 
@@ -4966,5 +5544,7 @@
       </a:bgFillStyleLst>
     </a:fmtScheme>
   </a:themeElements>
+  <a:objectDefaults/>
+  <a:extraClrSchemeLst/>
 </a:theme>
 </file>
--- a/Docs/Presentations/Slides/#3.pptx
+++ b/Docs/Presentations/Slides/#3.pptx
@@ -109,6 +109,11 @@
       </a:defRPr>
     </a:lvl9pPr>
   </p:defaultTextStyle>
+  <p:extLst>
+    <p:ext uri="{EFAFB233-063F-42B5-8137-9DF3F51BA10A}">
+      <p15:sldGuideLst xmlns:p15="http://schemas.microsoft.com/office/powerpoint/2012/main"/>
+    </p:ext>
+  </p:extLst>
 </p:presentation>
 </file>
 
